--- a/PJ_KI_MST2.pptx
+++ b/PJ_KI_MST2.pptx
@@ -12785,7 +12785,7 @@
           <p:nvPr>
             <p:extLst>
               <p:ext uri="{D42A27DB-BD31-4B8C-83A1-F6EECF244321}">
-                <p14:modId xmlns:p14="http://schemas.microsoft.com/office/powerpoint/2010/main" val="3450395220"/>
+                <p14:modId xmlns:p14="http://schemas.microsoft.com/office/powerpoint/2010/main" val="3060588840"/>
               </p:ext>
             </p:extLst>
           </p:nvPr>
@@ -15837,82 +15837,82 @@
                       <a:pPr algn="ctr"/>
                       <a:r>
                         <a:rPr lang="de-DE" sz="1600" dirty="0"/>
-                        <a:t>207 (56.25%)</a:t>
-                      </a:r>
-                    </a:p>
-                  </a:txBody>
-                  <a:tcPr>
-                    <a:lnR w="6350" cap="flat" cmpd="sng" algn="ctr">
-                      <a:solidFill>
-                        <a:schemeClr val="tx1"/>
-                      </a:solidFill>
-                      <a:prstDash val="sysDot"/>
-                      <a:round/>
-                      <a:headEnd type="none" w="med" len="med"/>
-                      <a:tailEnd type="none" w="med" len="med"/>
-                    </a:lnR>
-                    <a:lnB w="6350" cap="flat" cmpd="sng" algn="ctr">
-                      <a:solidFill>
-                        <a:schemeClr val="tx1"/>
-                      </a:solidFill>
-                      <a:prstDash val="sysDot"/>
-                      <a:round/>
-                      <a:headEnd type="none" w="med" len="med"/>
-                      <a:tailEnd type="none" w="med" len="med"/>
-                    </a:lnB>
-                  </a:tcPr>
-                </a:tc>
-                <a:tc>
-                  <a:txBody>
-                    <a:bodyPr/>
-                    <a:lstStyle/>
-                    <a:p>
-                      <a:pPr algn="ctr"/>
-                      <a:r>
-                        <a:rPr lang="de-DE" sz="1600" dirty="0"/>
-                        <a:t>4781 (87.5%)</a:t>
-                      </a:r>
-                    </a:p>
-                  </a:txBody>
-                  <a:tcPr>
-                    <a:lnL w="6350" cap="flat" cmpd="sng" algn="ctr">
-                      <a:solidFill>
-                        <a:schemeClr val="tx1"/>
-                      </a:solidFill>
-                      <a:prstDash val="sysDot"/>
-                      <a:round/>
-                      <a:headEnd type="none" w="med" len="med"/>
-                      <a:tailEnd type="none" w="med" len="med"/>
-                    </a:lnL>
-                    <a:lnR w="6350" cap="flat" cmpd="sng" algn="ctr">
-                      <a:solidFill>
-                        <a:schemeClr val="tx1"/>
-                      </a:solidFill>
-                      <a:prstDash val="sysDot"/>
-                      <a:round/>
-                      <a:headEnd type="none" w="med" len="med"/>
-                      <a:tailEnd type="none" w="med" len="med"/>
-                    </a:lnR>
-                    <a:lnB w="6350" cap="flat" cmpd="sng" algn="ctr">
-                      <a:solidFill>
-                        <a:schemeClr val="tx1"/>
-                      </a:solidFill>
-                      <a:prstDash val="sysDot"/>
-                      <a:round/>
-                      <a:headEnd type="none" w="med" len="med"/>
-                      <a:tailEnd type="none" w="med" len="med"/>
-                    </a:lnB>
-                  </a:tcPr>
-                </a:tc>
-                <a:tc>
-                  <a:txBody>
-                    <a:bodyPr/>
-                    <a:lstStyle/>
-                    <a:p>
-                      <a:pPr algn="ctr"/>
-                      <a:r>
-                        <a:rPr lang="de-DE" sz="1600" dirty="0"/>
-                        <a:t>87997 (86.25%)</a:t>
+                        <a:t>207 (56,25%)</a:t>
+                      </a:r>
+                    </a:p>
+                  </a:txBody>
+                  <a:tcPr>
+                    <a:lnR w="6350" cap="flat" cmpd="sng" algn="ctr">
+                      <a:solidFill>
+                        <a:schemeClr val="tx1"/>
+                      </a:solidFill>
+                      <a:prstDash val="sysDot"/>
+                      <a:round/>
+                      <a:headEnd type="none" w="med" len="med"/>
+                      <a:tailEnd type="none" w="med" len="med"/>
+                    </a:lnR>
+                    <a:lnB w="6350" cap="flat" cmpd="sng" algn="ctr">
+                      <a:solidFill>
+                        <a:schemeClr val="tx1"/>
+                      </a:solidFill>
+                      <a:prstDash val="sysDot"/>
+                      <a:round/>
+                      <a:headEnd type="none" w="med" len="med"/>
+                      <a:tailEnd type="none" w="med" len="med"/>
+                    </a:lnB>
+                  </a:tcPr>
+                </a:tc>
+                <a:tc>
+                  <a:txBody>
+                    <a:bodyPr/>
+                    <a:lstStyle/>
+                    <a:p>
+                      <a:pPr algn="ctr"/>
+                      <a:r>
+                        <a:rPr lang="de-DE" sz="1600" dirty="0"/>
+                        <a:t>4781 (87,5%)</a:t>
+                      </a:r>
+                    </a:p>
+                  </a:txBody>
+                  <a:tcPr>
+                    <a:lnL w="6350" cap="flat" cmpd="sng" algn="ctr">
+                      <a:solidFill>
+                        <a:schemeClr val="tx1"/>
+                      </a:solidFill>
+                      <a:prstDash val="sysDot"/>
+                      <a:round/>
+                      <a:headEnd type="none" w="med" len="med"/>
+                      <a:tailEnd type="none" w="med" len="med"/>
+                    </a:lnL>
+                    <a:lnR w="6350" cap="flat" cmpd="sng" algn="ctr">
+                      <a:solidFill>
+                        <a:schemeClr val="tx1"/>
+                      </a:solidFill>
+                      <a:prstDash val="sysDot"/>
+                      <a:round/>
+                      <a:headEnd type="none" w="med" len="med"/>
+                      <a:tailEnd type="none" w="med" len="med"/>
+                    </a:lnR>
+                    <a:lnB w="6350" cap="flat" cmpd="sng" algn="ctr">
+                      <a:solidFill>
+                        <a:schemeClr val="tx1"/>
+                      </a:solidFill>
+                      <a:prstDash val="sysDot"/>
+                      <a:round/>
+                      <a:headEnd type="none" w="med" len="med"/>
+                      <a:tailEnd type="none" w="med" len="med"/>
+                    </a:lnB>
+                  </a:tcPr>
+                </a:tc>
+                <a:tc>
+                  <a:txBody>
+                    <a:bodyPr/>
+                    <a:lstStyle/>
+                    <a:p>
+                      <a:pPr algn="ctr"/>
+                      <a:r>
+                        <a:rPr lang="de-DE" sz="1600" dirty="0"/>
+                        <a:t>87997 (86,25%)</a:t>
                       </a:r>
                     </a:p>
                   </a:txBody>
@@ -16238,100 +16238,100 @@
                       <a:pPr algn="ctr"/>
                       <a:r>
                         <a:rPr lang="de-DE" sz="1600" dirty="0"/>
-                        <a:t>932 (61.07%)</a:t>
-                      </a:r>
-                    </a:p>
-                  </a:txBody>
-                  <a:tcPr>
-                    <a:lnR w="6350" cap="flat" cmpd="sng" algn="ctr">
-                      <a:solidFill>
-                        <a:schemeClr val="tx1"/>
-                      </a:solidFill>
-                      <a:prstDash val="sysDot"/>
-                      <a:round/>
-                      <a:headEnd type="none" w="med" len="med"/>
-                      <a:tailEnd type="none" w="med" len="med"/>
-                    </a:lnR>
-                    <a:lnT w="6350" cap="flat" cmpd="sng" algn="ctr">
-                      <a:solidFill>
-                        <a:schemeClr val="tx1"/>
-                      </a:solidFill>
-                      <a:prstDash val="sysDot"/>
-                      <a:round/>
-                      <a:headEnd type="none" w="med" len="med"/>
-                      <a:tailEnd type="none" w="med" len="med"/>
-                    </a:lnT>
-                    <a:lnB w="6350" cap="flat" cmpd="sng" algn="ctr">
-                      <a:solidFill>
-                        <a:schemeClr val="tx1"/>
-                      </a:solidFill>
-                      <a:prstDash val="sysDot"/>
-                      <a:round/>
-                      <a:headEnd type="none" w="med" len="med"/>
-                      <a:tailEnd type="none" w="med" len="med"/>
-                    </a:lnB>
-                  </a:tcPr>
-                </a:tc>
-                <a:tc>
-                  <a:txBody>
-                    <a:bodyPr/>
-                    <a:lstStyle/>
-                    <a:p>
-                      <a:pPr algn="ctr"/>
-                      <a:r>
-                        <a:rPr lang="de-DE" sz="1600" dirty="0"/>
-                        <a:t>39566 (68.19%)</a:t>
-                      </a:r>
-                    </a:p>
-                  </a:txBody>
-                  <a:tcPr>
-                    <a:lnL w="6350" cap="flat" cmpd="sng" algn="ctr">
-                      <a:solidFill>
-                        <a:schemeClr val="tx1"/>
-                      </a:solidFill>
-                      <a:prstDash val="sysDot"/>
-                      <a:round/>
-                      <a:headEnd type="none" w="med" len="med"/>
-                      <a:tailEnd type="none" w="med" len="med"/>
-                    </a:lnL>
-                    <a:lnR w="6350" cap="flat" cmpd="sng" algn="ctr">
-                      <a:solidFill>
-                        <a:schemeClr val="tx1"/>
-                      </a:solidFill>
-                      <a:prstDash val="sysDot"/>
-                      <a:round/>
-                      <a:headEnd type="none" w="med" len="med"/>
-                      <a:tailEnd type="none" w="med" len="med"/>
-                    </a:lnR>
-                    <a:lnT w="6350" cap="flat" cmpd="sng" algn="ctr">
-                      <a:solidFill>
-                        <a:schemeClr val="tx1"/>
-                      </a:solidFill>
-                      <a:prstDash val="sysDot"/>
-                      <a:round/>
-                      <a:headEnd type="none" w="med" len="med"/>
-                      <a:tailEnd type="none" w="med" len="med"/>
-                    </a:lnT>
-                    <a:lnB w="6350" cap="flat" cmpd="sng" algn="ctr">
-                      <a:solidFill>
-                        <a:schemeClr val="tx1"/>
-                      </a:solidFill>
-                      <a:prstDash val="sysDot"/>
-                      <a:round/>
-                      <a:headEnd type="none" w="med" len="med"/>
-                      <a:tailEnd type="none" w="med" len="med"/>
-                    </a:lnB>
-                  </a:tcPr>
-                </a:tc>
-                <a:tc>
-                  <a:txBody>
-                    <a:bodyPr/>
-                    <a:lstStyle/>
-                    <a:p>
-                      <a:pPr algn="ctr"/>
-                      <a:r>
-                        <a:rPr lang="de-DE" sz="1600" dirty="0"/>
-                        <a:t>1872077 (84.64%)</a:t>
+                        <a:t>932 (61,07%)</a:t>
+                      </a:r>
+                    </a:p>
+                  </a:txBody>
+                  <a:tcPr>
+                    <a:lnR w="6350" cap="flat" cmpd="sng" algn="ctr">
+                      <a:solidFill>
+                        <a:schemeClr val="tx1"/>
+                      </a:solidFill>
+                      <a:prstDash val="sysDot"/>
+                      <a:round/>
+                      <a:headEnd type="none" w="med" len="med"/>
+                      <a:tailEnd type="none" w="med" len="med"/>
+                    </a:lnR>
+                    <a:lnT w="6350" cap="flat" cmpd="sng" algn="ctr">
+                      <a:solidFill>
+                        <a:schemeClr val="tx1"/>
+                      </a:solidFill>
+                      <a:prstDash val="sysDot"/>
+                      <a:round/>
+                      <a:headEnd type="none" w="med" len="med"/>
+                      <a:tailEnd type="none" w="med" len="med"/>
+                    </a:lnT>
+                    <a:lnB w="6350" cap="flat" cmpd="sng" algn="ctr">
+                      <a:solidFill>
+                        <a:schemeClr val="tx1"/>
+                      </a:solidFill>
+                      <a:prstDash val="sysDot"/>
+                      <a:round/>
+                      <a:headEnd type="none" w="med" len="med"/>
+                      <a:tailEnd type="none" w="med" len="med"/>
+                    </a:lnB>
+                  </a:tcPr>
+                </a:tc>
+                <a:tc>
+                  <a:txBody>
+                    <a:bodyPr/>
+                    <a:lstStyle/>
+                    <a:p>
+                      <a:pPr algn="ctr"/>
+                      <a:r>
+                        <a:rPr lang="de-DE" sz="1600" dirty="0"/>
+                        <a:t>39566 (68,19%)</a:t>
+                      </a:r>
+                    </a:p>
+                  </a:txBody>
+                  <a:tcPr>
+                    <a:lnL w="6350" cap="flat" cmpd="sng" algn="ctr">
+                      <a:solidFill>
+                        <a:schemeClr val="tx1"/>
+                      </a:solidFill>
+                      <a:prstDash val="sysDot"/>
+                      <a:round/>
+                      <a:headEnd type="none" w="med" len="med"/>
+                      <a:tailEnd type="none" w="med" len="med"/>
+                    </a:lnL>
+                    <a:lnR w="6350" cap="flat" cmpd="sng" algn="ctr">
+                      <a:solidFill>
+                        <a:schemeClr val="tx1"/>
+                      </a:solidFill>
+                      <a:prstDash val="sysDot"/>
+                      <a:round/>
+                      <a:headEnd type="none" w="med" len="med"/>
+                      <a:tailEnd type="none" w="med" len="med"/>
+                    </a:lnR>
+                    <a:lnT w="6350" cap="flat" cmpd="sng" algn="ctr">
+                      <a:solidFill>
+                        <a:schemeClr val="tx1"/>
+                      </a:solidFill>
+                      <a:prstDash val="sysDot"/>
+                      <a:round/>
+                      <a:headEnd type="none" w="med" len="med"/>
+                      <a:tailEnd type="none" w="med" len="med"/>
+                    </a:lnT>
+                    <a:lnB w="6350" cap="flat" cmpd="sng" algn="ctr">
+                      <a:solidFill>
+                        <a:schemeClr val="tx1"/>
+                      </a:solidFill>
+                      <a:prstDash val="sysDot"/>
+                      <a:round/>
+                      <a:headEnd type="none" w="med" len="med"/>
+                      <a:tailEnd type="none" w="med" len="med"/>
+                    </a:lnB>
+                  </a:tcPr>
+                </a:tc>
+                <a:tc>
+                  <a:txBody>
+                    <a:bodyPr/>
+                    <a:lstStyle/>
+                    <a:p>
+                      <a:pPr algn="ctr"/>
+                      <a:r>
+                        <a:rPr lang="de-DE" sz="1600" dirty="0"/>
+                        <a:t>1872077 (84,64%)</a:t>
                       </a:r>
                     </a:p>
                   </a:txBody>
@@ -16657,82 +16657,82 @@
                       <a:pPr algn="ctr"/>
                       <a:r>
                         <a:rPr lang="de-DE" sz="1600" dirty="0"/>
-                        <a:t>759.0 (77.05%)</a:t>
-                      </a:r>
-                    </a:p>
-                  </a:txBody>
-                  <a:tcPr>
-                    <a:lnR w="6350" cap="flat" cmpd="sng" algn="ctr">
-                      <a:solidFill>
-                        <a:schemeClr val="tx1"/>
-                      </a:solidFill>
-                      <a:prstDash val="sysDot"/>
-                      <a:round/>
-                      <a:headEnd type="none" w="med" len="med"/>
-                      <a:tailEnd type="none" w="med" len="med"/>
-                    </a:lnR>
-                    <a:lnT w="6350" cap="flat" cmpd="sng" algn="ctr">
-                      <a:solidFill>
-                        <a:schemeClr val="tx1"/>
-                      </a:solidFill>
-                      <a:prstDash val="sysDot"/>
-                      <a:round/>
-                      <a:headEnd type="none" w="med" len="med"/>
-                      <a:tailEnd type="none" w="med" len="med"/>
-                    </a:lnT>
-                  </a:tcPr>
-                </a:tc>
-                <a:tc>
-                  <a:txBody>
-                    <a:bodyPr/>
-                    <a:lstStyle/>
-                    <a:p>
-                      <a:pPr algn="ctr"/>
-                      <a:r>
-                        <a:rPr lang="de-DE" sz="1600" dirty="0"/>
-                        <a:t>29147 (87.92%)</a:t>
-                      </a:r>
-                    </a:p>
-                  </a:txBody>
-                  <a:tcPr>
-                    <a:lnL w="6350" cap="flat" cmpd="sng" algn="ctr">
-                      <a:solidFill>
-                        <a:schemeClr val="tx1"/>
-                      </a:solidFill>
-                      <a:prstDash val="sysDot"/>
-                      <a:round/>
-                      <a:headEnd type="none" w="med" len="med"/>
-                      <a:tailEnd type="none" w="med" len="med"/>
-                    </a:lnL>
-                    <a:lnR w="6350" cap="flat" cmpd="sng" algn="ctr">
-                      <a:solidFill>
-                        <a:schemeClr val="tx1"/>
-                      </a:solidFill>
-                      <a:prstDash val="sysDot"/>
-                      <a:round/>
-                      <a:headEnd type="none" w="med" len="med"/>
-                      <a:tailEnd type="none" w="med" len="med"/>
-                    </a:lnR>
-                    <a:lnT w="6350" cap="flat" cmpd="sng" algn="ctr">
-                      <a:solidFill>
-                        <a:schemeClr val="tx1"/>
-                      </a:solidFill>
-                      <a:prstDash val="sysDot"/>
-                      <a:round/>
-                      <a:headEnd type="none" w="med" len="med"/>
-                      <a:tailEnd type="none" w="med" len="med"/>
-                    </a:lnT>
-                  </a:tcPr>
-                </a:tc>
-                <a:tc>
-                  <a:txBody>
-                    <a:bodyPr/>
-                    <a:lstStyle/>
-                    <a:p>
-                      <a:pPr algn="ctr"/>
-                      <a:r>
-                        <a:rPr lang="de-DE" sz="1600" dirty="0"/>
-                        <a:t>997652 (96.32%)</a:t>
+                        <a:t>759 (77,05%)</a:t>
+                      </a:r>
+                    </a:p>
+                  </a:txBody>
+                  <a:tcPr>
+                    <a:lnR w="6350" cap="flat" cmpd="sng" algn="ctr">
+                      <a:solidFill>
+                        <a:schemeClr val="tx1"/>
+                      </a:solidFill>
+                      <a:prstDash val="sysDot"/>
+                      <a:round/>
+                      <a:headEnd type="none" w="med" len="med"/>
+                      <a:tailEnd type="none" w="med" len="med"/>
+                    </a:lnR>
+                    <a:lnT w="6350" cap="flat" cmpd="sng" algn="ctr">
+                      <a:solidFill>
+                        <a:schemeClr val="tx1"/>
+                      </a:solidFill>
+                      <a:prstDash val="sysDot"/>
+                      <a:round/>
+                      <a:headEnd type="none" w="med" len="med"/>
+                      <a:tailEnd type="none" w="med" len="med"/>
+                    </a:lnT>
+                  </a:tcPr>
+                </a:tc>
+                <a:tc>
+                  <a:txBody>
+                    <a:bodyPr/>
+                    <a:lstStyle/>
+                    <a:p>
+                      <a:pPr algn="ctr"/>
+                      <a:r>
+                        <a:rPr lang="de-DE" sz="1600" dirty="0"/>
+                        <a:t>29147 (87,92%)</a:t>
+                      </a:r>
+                    </a:p>
+                  </a:txBody>
+                  <a:tcPr>
+                    <a:lnL w="6350" cap="flat" cmpd="sng" algn="ctr">
+                      <a:solidFill>
+                        <a:schemeClr val="tx1"/>
+                      </a:solidFill>
+                      <a:prstDash val="sysDot"/>
+                      <a:round/>
+                      <a:headEnd type="none" w="med" len="med"/>
+                      <a:tailEnd type="none" w="med" len="med"/>
+                    </a:lnL>
+                    <a:lnR w="6350" cap="flat" cmpd="sng" algn="ctr">
+                      <a:solidFill>
+                        <a:schemeClr val="tx1"/>
+                      </a:solidFill>
+                      <a:prstDash val="sysDot"/>
+                      <a:round/>
+                      <a:headEnd type="none" w="med" len="med"/>
+                      <a:tailEnd type="none" w="med" len="med"/>
+                    </a:lnR>
+                    <a:lnT w="6350" cap="flat" cmpd="sng" algn="ctr">
+                      <a:solidFill>
+                        <a:schemeClr val="tx1"/>
+                      </a:solidFill>
+                      <a:prstDash val="sysDot"/>
+                      <a:round/>
+                      <a:headEnd type="none" w="med" len="med"/>
+                      <a:tailEnd type="none" w="med" len="med"/>
+                    </a:lnT>
+                  </a:tcPr>
+                </a:tc>
+                <a:tc>
+                  <a:txBody>
+                    <a:bodyPr/>
+                    <a:lstStyle/>
+                    <a:p>
+                      <a:pPr algn="ctr"/>
+                      <a:r>
+                        <a:rPr lang="de-DE" sz="1600" dirty="0"/>
+                        <a:t>997652 (96,32%)</a:t>
                       </a:r>
                     </a:p>
                   </a:txBody>

--- a/PJ_KI_MST2.pptx
+++ b/PJ_KI_MST2.pptx
@@ -9,9 +9,9 @@
     <p:sldId id="258" r:id="rId3"/>
     <p:sldId id="265" r:id="rId4"/>
     <p:sldId id="266" r:id="rId5"/>
-    <p:sldId id="267" r:id="rId6"/>
-    <p:sldId id="259" r:id="rId7"/>
-    <p:sldId id="264" r:id="rId8"/>
+    <p:sldId id="268" r:id="rId6"/>
+    <p:sldId id="267" r:id="rId7"/>
+    <p:sldId id="259" r:id="rId8"/>
   </p:sldIdLst>
   <p:sldSz cx="12192000" cy="6858000"/>
   <p:notesSz cx="6858000" cy="9144000"/>
@@ -265,7 +265,7 @@
           <a:p>
             <a:fld id="{17468778-AD1E-48E6-A1B1-00A628170ED2}" type="datetimeFigureOut">
               <a:rPr lang="de-DE" smtClean="0"/>
-              <a:t>20.05.2023</a:t>
+              <a:t>21.05.23</a:t>
             </a:fld>
             <a:endParaRPr lang="de-DE"/>
           </a:p>
@@ -463,7 +463,7 @@
           <a:p>
             <a:fld id="{17468778-AD1E-48E6-A1B1-00A628170ED2}" type="datetimeFigureOut">
               <a:rPr lang="de-DE" smtClean="0"/>
-              <a:t>20.05.2023</a:t>
+              <a:t>21.05.23</a:t>
             </a:fld>
             <a:endParaRPr lang="de-DE"/>
           </a:p>
@@ -671,7 +671,7 @@
           <a:p>
             <a:fld id="{17468778-AD1E-48E6-A1B1-00A628170ED2}" type="datetimeFigureOut">
               <a:rPr lang="de-DE" smtClean="0"/>
-              <a:t>20.05.2023</a:t>
+              <a:t>21.05.23</a:t>
             </a:fld>
             <a:endParaRPr lang="de-DE"/>
           </a:p>
@@ -869,7 +869,7 @@
           <a:p>
             <a:fld id="{17468778-AD1E-48E6-A1B1-00A628170ED2}" type="datetimeFigureOut">
               <a:rPr lang="de-DE" smtClean="0"/>
-              <a:t>20.05.2023</a:t>
+              <a:t>21.05.23</a:t>
             </a:fld>
             <a:endParaRPr lang="de-DE"/>
           </a:p>
@@ -1144,7 +1144,7 @@
           <a:p>
             <a:fld id="{17468778-AD1E-48E6-A1B1-00A628170ED2}" type="datetimeFigureOut">
               <a:rPr lang="de-DE" smtClean="0"/>
-              <a:t>20.05.2023</a:t>
+              <a:t>21.05.23</a:t>
             </a:fld>
             <a:endParaRPr lang="de-DE"/>
           </a:p>
@@ -1409,7 +1409,7 @@
           <a:p>
             <a:fld id="{17468778-AD1E-48E6-A1B1-00A628170ED2}" type="datetimeFigureOut">
               <a:rPr lang="de-DE" smtClean="0"/>
-              <a:t>20.05.2023</a:t>
+              <a:t>21.05.23</a:t>
             </a:fld>
             <a:endParaRPr lang="de-DE"/>
           </a:p>
@@ -1821,7 +1821,7 @@
           <a:p>
             <a:fld id="{17468778-AD1E-48E6-A1B1-00A628170ED2}" type="datetimeFigureOut">
               <a:rPr lang="de-DE" smtClean="0"/>
-              <a:t>20.05.2023</a:t>
+              <a:t>21.05.23</a:t>
             </a:fld>
             <a:endParaRPr lang="de-DE"/>
           </a:p>
@@ -1962,7 +1962,7 @@
           <a:p>
             <a:fld id="{17468778-AD1E-48E6-A1B1-00A628170ED2}" type="datetimeFigureOut">
               <a:rPr lang="de-DE" smtClean="0"/>
-              <a:t>20.05.2023</a:t>
+              <a:t>21.05.23</a:t>
             </a:fld>
             <a:endParaRPr lang="de-DE"/>
           </a:p>
@@ -2075,7 +2075,7 @@
           <a:p>
             <a:fld id="{17468778-AD1E-48E6-A1B1-00A628170ED2}" type="datetimeFigureOut">
               <a:rPr lang="de-DE" smtClean="0"/>
-              <a:t>20.05.2023</a:t>
+              <a:t>21.05.23</a:t>
             </a:fld>
             <a:endParaRPr lang="de-DE"/>
           </a:p>
@@ -2386,7 +2386,7 @@
           <a:p>
             <a:fld id="{17468778-AD1E-48E6-A1B1-00A628170ED2}" type="datetimeFigureOut">
               <a:rPr lang="de-DE" smtClean="0"/>
-              <a:t>20.05.2023</a:t>
+              <a:t>21.05.23</a:t>
             </a:fld>
             <a:endParaRPr lang="de-DE"/>
           </a:p>
@@ -2674,7 +2674,7 @@
           <a:p>
             <a:fld id="{17468778-AD1E-48E6-A1B1-00A628170ED2}" type="datetimeFigureOut">
               <a:rPr lang="de-DE" smtClean="0"/>
-              <a:t>20.05.2023</a:t>
+              <a:t>21.05.23</a:t>
             </a:fld>
             <a:endParaRPr lang="de-DE"/>
           </a:p>
@@ -2915,7 +2915,7 @@
           <a:p>
             <a:fld id="{17468778-AD1E-48E6-A1B1-00A628170ED2}" type="datetimeFigureOut">
               <a:rPr lang="de-DE" smtClean="0"/>
-              <a:t>20.05.2023</a:t>
+              <a:t>21.05.23</a:t>
             </a:fld>
             <a:endParaRPr lang="de-DE"/>
           </a:p>
@@ -3696,7 +3696,7 @@
           <p:nvPr>
             <p:extLst>
               <p:ext uri="{D42A27DB-BD31-4B8C-83A1-F6EECF244321}">
-                <p14:modId xmlns:p14="http://schemas.microsoft.com/office/powerpoint/2010/main" val="4045675473"/>
+                <p14:modId xmlns:p14="http://schemas.microsoft.com/office/powerpoint/2010/main" val="2213999179"/>
               </p:ext>
             </p:extLst>
           </p:nvPr>
@@ -3859,8 +3859,8 @@
                         </a:lnSpc>
                       </a:pPr>
                       <a:r>
-                        <a:rPr lang="de-DE" dirty="0" err="1"/>
-                        <a:t>ms</a:t>
+                        <a:rPr lang="de-DE" dirty="0"/>
+                        <a:t> 0.011127 ms</a:t>
                       </a:r>
                       <a:endParaRPr lang="de-DE" dirty="0">
                         <a:latin typeface="DM Sans" pitchFamily="2" charset="77"/>
@@ -3880,8 +3880,8 @@
                         </a:lnSpc>
                       </a:pPr>
                       <a:r>
-                        <a:rPr lang="de-DE" dirty="0" err="1"/>
-                        <a:t>ms</a:t>
+                        <a:rPr lang="de-DE" dirty="0"/>
+                        <a:t> 0.009938 ms</a:t>
                       </a:r>
                       <a:endParaRPr lang="de-DE" dirty="0">
                         <a:latin typeface="DM Sans" pitchFamily="2" charset="77"/>
@@ -3901,8 +3901,8 @@
                         </a:lnSpc>
                       </a:pPr>
                       <a:r>
-                        <a:rPr lang="de-DE" dirty="0" err="1"/>
-                        <a:t>ms</a:t>
+                        <a:rPr lang="de-DE" dirty="0"/>
+                        <a:t> 0.007215 ms</a:t>
                       </a:r>
                       <a:endParaRPr lang="de-DE" dirty="0">
                         <a:latin typeface="DM Sans" pitchFamily="2" charset="77"/>
@@ -4230,53 +4230,6 @@
           <a:chExt cx="0" cy="0"/>
         </a:xfrm>
       </p:grpSpPr>
-      <p:sp>
-        <p:nvSpPr>
-          <p:cNvPr id="2" name="Titel 1">
-            <a:extLst>
-              <a:ext uri="{FF2B5EF4-FFF2-40B4-BE49-F238E27FC236}">
-                <a16:creationId xmlns:a16="http://schemas.microsoft.com/office/drawing/2014/main" id="{5AA772EB-2F85-D641-B1ED-2B43FA1C49BA}"/>
-              </a:ext>
-            </a:extLst>
-          </p:cNvPr>
-          <p:cNvSpPr>
-            <a:spLocks noGrp="1"/>
-          </p:cNvSpPr>
-          <p:nvPr>
-            <p:ph type="title"/>
-          </p:nvPr>
-        </p:nvSpPr>
-        <p:spPr>
-          <a:xfrm>
-            <a:off x="838200" y="0"/>
-            <a:ext cx="10515600" cy="1325563"/>
-          </a:xfrm>
-        </p:spPr>
-        <p:txBody>
-          <a:bodyPr/>
-          <a:lstStyle/>
-          <a:p>
-            <a:r>
-              <a:rPr lang="de-DE" dirty="0">
-                <a:latin typeface="DM Sans" pitchFamily="2" charset="77"/>
-              </a:rPr>
-              <a:t>Minimax (ohne </a:t>
-            </a:r>
-            <a:r>
-              <a:rPr lang="de-DE" dirty="0" err="1">
-                <a:latin typeface="DM Sans" pitchFamily="2" charset="77"/>
-              </a:rPr>
-              <a:t>cutoff</a:t>
-            </a:r>
-            <a:r>
-              <a:rPr lang="de-DE" dirty="0">
-                <a:latin typeface="DM Sans" pitchFamily="2" charset="77"/>
-              </a:rPr>
-              <a:t>) Benchmarks</a:t>
-            </a:r>
-          </a:p>
-        </p:txBody>
-      </p:sp>
       <p:graphicFrame>
         <p:nvGraphicFramePr>
           <p:cNvPr id="11" name="Tabelle 11">
@@ -4292,14 +4245,14 @@
           <p:nvPr>
             <p:extLst>
               <p:ext uri="{D42A27DB-BD31-4B8C-83A1-F6EECF244321}">
-                <p14:modId xmlns:p14="http://schemas.microsoft.com/office/powerpoint/2010/main" val="298590392"/>
+                <p14:modId xmlns:p14="http://schemas.microsoft.com/office/powerpoint/2010/main" val="293245608"/>
               </p:ext>
             </p:extLst>
           </p:nvPr>
         </p:nvGraphicFramePr>
         <p:xfrm>
-          <a:off x="282874" y="1024242"/>
-          <a:ext cx="11626251" cy="4678123"/>
+          <a:off x="1635619" y="1690688"/>
+          <a:ext cx="8920761" cy="3946603"/>
         </p:xfrm>
         <a:graphic>
           <a:graphicData uri="http://schemas.openxmlformats.org/drawingml/2006/table">
@@ -4357,34 +4310,13 @@
                     </a:ext>
                   </a:extLst>
                 </a:gridCol>
-                <a:gridCol w="1052422">
+                <a:gridCol w="853265">
                   <a:extLst>
                     <a:ext uri="{9D8B030D-6E8A-4147-A177-3AD203B41FA5}">
                       <a16:colId xmlns:a16="http://schemas.microsoft.com/office/drawing/2014/main" val="183763412"/>
                     </a:ext>
                   </a:extLst>
                 </a:gridCol>
-                <a:gridCol w="828136">
-                  <a:extLst>
-                    <a:ext uri="{9D8B030D-6E8A-4147-A177-3AD203B41FA5}">
-                      <a16:colId xmlns:a16="http://schemas.microsoft.com/office/drawing/2014/main" val="1969351072"/>
-                    </a:ext>
-                  </a:extLst>
-                </a:gridCol>
-                <a:gridCol w="810883">
-                  <a:extLst>
-                    <a:ext uri="{9D8B030D-6E8A-4147-A177-3AD203B41FA5}">
-                      <a16:colId xmlns:a16="http://schemas.microsoft.com/office/drawing/2014/main" val="2232959945"/>
-                    </a:ext>
-                  </a:extLst>
-                </a:gridCol>
-                <a:gridCol w="867314">
-                  <a:extLst>
-                    <a:ext uri="{9D8B030D-6E8A-4147-A177-3AD203B41FA5}">
-                      <a16:colId xmlns:a16="http://schemas.microsoft.com/office/drawing/2014/main" val="4184487007"/>
-                    </a:ext>
-                  </a:extLst>
-                </a:gridCol>
               </a:tblGrid>
               <a:tr h="512409">
                 <a:tc rowSpan="2">
@@ -4422,13 +4354,8 @@
                       <a:pPr algn="ctr"/>
                       <a:r>
                         <a:rPr lang="de-DE" sz="1600" dirty="0"/>
-                        <a:t>Laufzeit in </a:t>
-                      </a:r>
-                      <a:r>
-                        <a:rPr lang="de-DE" sz="1600" dirty="0" err="1"/>
-                        <a:t>ms</a:t>
-                      </a:r>
-                      <a:endParaRPr lang="de-DE" sz="1600" dirty="0"/>
+                        <a:t>Laufzeit in ms je nach Tiefe d</a:t>
+                      </a:r>
                     </a:p>
                   </a:txBody>
                   <a:tcPr>
@@ -4471,51 +4398,7 @@
                       <a:pPr algn="ctr"/>
                       <a:r>
                         <a:rPr lang="de-DE" sz="1600" dirty="0"/>
-                        <a:t>Untersuchte Stellungen / Stellungen pro Sekunde</a:t>
-                      </a:r>
-                    </a:p>
-                  </a:txBody>
-                  <a:tcPr>
-                    <a:lnB w="6350" cap="flat" cmpd="sng" algn="ctr">
-                      <a:solidFill>
-                        <a:schemeClr val="tx1"/>
-                      </a:solidFill>
-                      <a:prstDash val="sysDot"/>
-                      <a:round/>
-                      <a:headEnd type="none" w="med" len="med"/>
-                      <a:tailEnd type="none" w="med" len="med"/>
-                    </a:lnB>
-                  </a:tcPr>
-                </a:tc>
-                <a:tc hMerge="1">
-                  <a:txBody>
-                    <a:bodyPr/>
-                    <a:lstStyle/>
-                    <a:p>
-                      <a:endParaRPr lang="de-DE"/>
-                    </a:p>
-                  </a:txBody>
-                  <a:tcPr/>
-                </a:tc>
-                <a:tc hMerge="1">
-                  <a:txBody>
-                    <a:bodyPr/>
-                    <a:lstStyle/>
-                    <a:p>
-                      <a:endParaRPr lang="de-DE"/>
-                    </a:p>
-                  </a:txBody>
-                  <a:tcPr/>
-                </a:tc>
-                <a:tc gridSpan="3">
-                  <a:txBody>
-                    <a:bodyPr/>
-                    <a:lstStyle/>
-                    <a:p>
-                      <a:pPr algn="ctr"/>
-                      <a:r>
-                        <a:rPr lang="de-DE" sz="1600" dirty="0"/>
-                        <a:t>Bester Zug</a:t>
+                        <a:t>Stellungen pro Sekunde je nach Tiefe d</a:t>
                       </a:r>
                     </a:p>
                   </a:txBody>
@@ -4597,7 +4480,7 @@
                       <a:pPr algn="ctr"/>
                       <a:r>
                         <a:rPr lang="de-DE" sz="1600" dirty="0"/>
-                        <a:t>2</a:t>
+                        <a:t>d = 2</a:t>
                       </a:r>
                     </a:p>
                   </a:txBody>
@@ -4630,7 +4513,7 @@
                       <a:pPr algn="ctr"/>
                       <a:r>
                         <a:rPr lang="de-DE" sz="1600" dirty="0"/>
-                        <a:t>3</a:t>
+                        <a:t>d = 3</a:t>
                       </a:r>
                     </a:p>
                   </a:txBody>
@@ -4672,7 +4555,7 @@
                       <a:pPr algn="ctr"/>
                       <a:r>
                         <a:rPr lang="de-DE" sz="1600" dirty="0"/>
-                        <a:t>4</a:t>
+                        <a:t>d = 4</a:t>
                       </a:r>
                     </a:p>
                   </a:txBody>
@@ -4705,7 +4588,7 @@
                       <a:pPr algn="ctr"/>
                       <a:r>
                         <a:rPr lang="de-DE" sz="1600" dirty="0"/>
-                        <a:t>2</a:t>
+                        <a:t>d = 2</a:t>
                       </a:r>
                     </a:p>
                   </a:txBody>
@@ -4738,7 +4621,7 @@
                       <a:pPr algn="ctr"/>
                       <a:r>
                         <a:rPr lang="de-DE" sz="1600" dirty="0"/>
-                        <a:t>3</a:t>
+                        <a:t>d = 3</a:t>
                       </a:r>
                     </a:p>
                   </a:txBody>
@@ -4780,115 +4663,7 @@
                       <a:pPr algn="ctr"/>
                       <a:r>
                         <a:rPr lang="de-DE" sz="1600" dirty="0"/>
-                        <a:t>4</a:t>
-                      </a:r>
-                    </a:p>
-                  </a:txBody>
-                  <a:tcPr>
-                    <a:lnL w="6350" cap="flat" cmpd="sng" algn="ctr">
-                      <a:solidFill>
-                        <a:schemeClr val="tx1"/>
-                      </a:solidFill>
-                      <a:prstDash val="sysDot"/>
-                      <a:round/>
-                      <a:headEnd type="none" w="med" len="med"/>
-                      <a:tailEnd type="none" w="med" len="med"/>
-                    </a:lnL>
-                    <a:lnT w="6350" cap="flat" cmpd="sng" algn="ctr">
-                      <a:solidFill>
-                        <a:schemeClr val="tx1"/>
-                      </a:solidFill>
-                      <a:prstDash val="sysDot"/>
-                      <a:round/>
-                      <a:headEnd type="none" w="med" len="med"/>
-                      <a:tailEnd type="none" w="med" len="med"/>
-                    </a:lnT>
-                  </a:tcPr>
-                </a:tc>
-                <a:tc>
-                  <a:txBody>
-                    <a:bodyPr/>
-                    <a:lstStyle/>
-                    <a:p>
-                      <a:pPr algn="ctr"/>
-                      <a:r>
-                        <a:rPr lang="de-DE" sz="1600" dirty="0"/>
-                        <a:t>2</a:t>
-                      </a:r>
-                    </a:p>
-                  </a:txBody>
-                  <a:tcPr>
-                    <a:lnR w="6350" cap="flat" cmpd="sng" algn="ctr">
-                      <a:solidFill>
-                        <a:schemeClr val="tx1"/>
-                      </a:solidFill>
-                      <a:prstDash val="sysDot"/>
-                      <a:round/>
-                      <a:headEnd type="none" w="med" len="med"/>
-                      <a:tailEnd type="none" w="med" len="med"/>
-                    </a:lnR>
-                    <a:lnT w="6350" cap="flat" cmpd="sng" algn="ctr">
-                      <a:solidFill>
-                        <a:schemeClr val="tx1"/>
-                      </a:solidFill>
-                      <a:prstDash val="sysDot"/>
-                      <a:round/>
-                      <a:headEnd type="none" w="med" len="med"/>
-                      <a:tailEnd type="none" w="med" len="med"/>
-                    </a:lnT>
-                  </a:tcPr>
-                </a:tc>
-                <a:tc>
-                  <a:txBody>
-                    <a:bodyPr/>
-                    <a:lstStyle/>
-                    <a:p>
-                      <a:pPr algn="ctr"/>
-                      <a:r>
-                        <a:rPr lang="de-DE" sz="1600" dirty="0"/>
-                        <a:t>3</a:t>
-                      </a:r>
-                    </a:p>
-                  </a:txBody>
-                  <a:tcPr>
-                    <a:lnL w="6350" cap="flat" cmpd="sng" algn="ctr">
-                      <a:solidFill>
-                        <a:schemeClr val="tx1"/>
-                      </a:solidFill>
-                      <a:prstDash val="sysDot"/>
-                      <a:round/>
-                      <a:headEnd type="none" w="med" len="med"/>
-                      <a:tailEnd type="none" w="med" len="med"/>
-                    </a:lnL>
-                    <a:lnR w="6350" cap="flat" cmpd="sng" algn="ctr">
-                      <a:solidFill>
-                        <a:schemeClr val="tx1"/>
-                      </a:solidFill>
-                      <a:prstDash val="sysDot"/>
-                      <a:round/>
-                      <a:headEnd type="none" w="med" len="med"/>
-                      <a:tailEnd type="none" w="med" len="med"/>
-                    </a:lnR>
-                    <a:lnT w="6350" cap="flat" cmpd="sng" algn="ctr">
-                      <a:solidFill>
-                        <a:schemeClr val="tx1"/>
-                      </a:solidFill>
-                      <a:prstDash val="sysDot"/>
-                      <a:round/>
-                      <a:headEnd type="none" w="med" len="med"/>
-                      <a:tailEnd type="none" w="med" len="med"/>
-                    </a:lnT>
-                  </a:tcPr>
-                </a:tc>
-                <a:tc>
-                  <a:txBody>
-                    <a:bodyPr/>
-                    <a:lstStyle/>
-                    <a:p>
-                      <a:pPr algn="ctr"/>
-                      <a:r>
-                        <a:rPr lang="de-DE" sz="1600" dirty="0"/>
-                        <a:t>4</a:t>
+                        <a:t>d = 4</a:t>
                       </a:r>
                     </a:p>
                   </a:txBody>
@@ -4982,7 +4757,7 @@
                     <a:lstStyle/>
                     <a:p>
                       <a:pPr algn="ctr"/>
-                      <a:endParaRPr lang="de-DE" sz="1600" dirty="0"/>
+                      <a:endParaRPr lang="de-DE" sz="1200" dirty="0"/>
                     </a:p>
                   </a:txBody>
                   <a:tcPr>
@@ -5012,7 +4787,7 @@
                     <a:lstStyle/>
                     <a:p>
                       <a:pPr algn="ctr"/>
-                      <a:endParaRPr lang="de-DE" sz="1600" dirty="0"/>
+                      <a:endParaRPr lang="de-DE" sz="1200" dirty="0"/>
                     </a:p>
                   </a:txBody>
                   <a:tcPr>
@@ -5051,7 +4826,7 @@
                     <a:lstStyle/>
                     <a:p>
                       <a:pPr algn="ctr"/>
-                      <a:endParaRPr lang="de-DE" sz="1600" dirty="0"/>
+                      <a:endParaRPr lang="de-DE" sz="1200" dirty="0"/>
                     </a:p>
                   </a:txBody>
                   <a:tcPr>
@@ -5081,7 +4856,7 @@
                     <a:lstStyle/>
                     <a:p>
                       <a:pPr algn="ctr"/>
-                      <a:endParaRPr lang="de-DE" sz="1600" dirty="0"/>
+                      <a:endParaRPr lang="de-DE" sz="1200" dirty="0"/>
                     </a:p>
                   </a:txBody>
                   <a:tcPr>
@@ -5111,7 +4886,7 @@
                     <a:lstStyle/>
                     <a:p>
                       <a:pPr algn="ctr"/>
-                      <a:endParaRPr lang="de-DE" sz="1600" dirty="0"/>
+                      <a:endParaRPr lang="de-DE" sz="1200" dirty="0"/>
                     </a:p>
                   </a:txBody>
                   <a:tcPr>
@@ -5150,106 +4925,7 @@
                     <a:lstStyle/>
                     <a:p>
                       <a:pPr algn="ctr"/>
-                      <a:endParaRPr lang="de-DE" sz="1600" dirty="0"/>
-                    </a:p>
-                  </a:txBody>
-                  <a:tcPr>
-                    <a:lnL w="6350" cap="flat" cmpd="sng" algn="ctr">
-                      <a:solidFill>
-                        <a:schemeClr val="tx1"/>
-                      </a:solidFill>
-                      <a:prstDash val="sysDot"/>
-                      <a:round/>
-                      <a:headEnd type="none" w="med" len="med"/>
-                      <a:tailEnd type="none" w="med" len="med"/>
-                    </a:lnL>
-                    <a:lnB w="6350" cap="flat" cmpd="sng" algn="ctr">
-                      <a:solidFill>
-                        <a:schemeClr val="tx1"/>
-                      </a:solidFill>
-                      <a:prstDash val="sysDot"/>
-                      <a:round/>
-                      <a:headEnd type="none" w="med" len="med"/>
-                      <a:tailEnd type="none" w="med" len="med"/>
-                    </a:lnB>
-                  </a:tcPr>
-                </a:tc>
-                <a:tc>
-                  <a:txBody>
-                    <a:bodyPr/>
-                    <a:lstStyle/>
-                    <a:p>
-                      <a:pPr algn="ctr"/>
-                      <a:endParaRPr lang="de-DE" sz="1600" dirty="0"/>
-                    </a:p>
-                  </a:txBody>
-                  <a:tcPr>
-                    <a:lnR w="6350" cap="flat" cmpd="sng" algn="ctr">
-                      <a:solidFill>
-                        <a:schemeClr val="tx1"/>
-                      </a:solidFill>
-                      <a:prstDash val="sysDot"/>
-                      <a:round/>
-                      <a:headEnd type="none" w="med" len="med"/>
-                      <a:tailEnd type="none" w="med" len="med"/>
-                    </a:lnR>
-                    <a:lnB w="6350" cap="flat" cmpd="sng" algn="ctr">
-                      <a:solidFill>
-                        <a:schemeClr val="tx1"/>
-                      </a:solidFill>
-                      <a:prstDash val="sysDot"/>
-                      <a:round/>
-                      <a:headEnd type="none" w="med" len="med"/>
-                      <a:tailEnd type="none" w="med" len="med"/>
-                    </a:lnB>
-                  </a:tcPr>
-                </a:tc>
-                <a:tc>
-                  <a:txBody>
-                    <a:bodyPr/>
-                    <a:lstStyle/>
-                    <a:p>
-                      <a:pPr algn="ctr"/>
-                      <a:endParaRPr lang="de-DE" sz="1600"/>
-                    </a:p>
-                  </a:txBody>
-                  <a:tcPr>
-                    <a:lnL w="6350" cap="flat" cmpd="sng" algn="ctr">
-                      <a:solidFill>
-                        <a:schemeClr val="tx1"/>
-                      </a:solidFill>
-                      <a:prstDash val="sysDot"/>
-                      <a:round/>
-                      <a:headEnd type="none" w="med" len="med"/>
-                      <a:tailEnd type="none" w="med" len="med"/>
-                    </a:lnL>
-                    <a:lnR w="6350" cap="flat" cmpd="sng" algn="ctr">
-                      <a:solidFill>
-                        <a:schemeClr val="tx1"/>
-                      </a:solidFill>
-                      <a:prstDash val="sysDot"/>
-                      <a:round/>
-                      <a:headEnd type="none" w="med" len="med"/>
-                      <a:tailEnd type="none" w="med" len="med"/>
-                    </a:lnR>
-                    <a:lnB w="6350" cap="flat" cmpd="sng" algn="ctr">
-                      <a:solidFill>
-                        <a:schemeClr val="tx1"/>
-                      </a:solidFill>
-                      <a:prstDash val="sysDot"/>
-                      <a:round/>
-                      <a:headEnd type="none" w="med" len="med"/>
-                      <a:tailEnd type="none" w="med" len="med"/>
-                    </a:lnB>
-                  </a:tcPr>
-                </a:tc>
-                <a:tc>
-                  <a:txBody>
-                    <a:bodyPr/>
-                    <a:lstStyle/>
-                    <a:p>
-                      <a:pPr algn="ctr"/>
-                      <a:endParaRPr lang="de-DE" sz="1600" dirty="0"/>
+                      <a:endParaRPr lang="de-DE" sz="1200" dirty="0"/>
                     </a:p>
                   </a:txBody>
                   <a:tcPr>
@@ -5329,7 +5005,7 @@
                     <a:lstStyle/>
                     <a:p>
                       <a:pPr algn="ctr"/>
-                      <a:endParaRPr lang="de-DE" sz="1600" dirty="0"/>
+                      <a:endParaRPr lang="de-DE" sz="1200" dirty="0"/>
                     </a:p>
                   </a:txBody>
                   <a:tcPr>
@@ -5368,7 +5044,7 @@
                     <a:lstStyle/>
                     <a:p>
                       <a:pPr algn="ctr"/>
-                      <a:endParaRPr lang="de-DE" sz="1600" dirty="0"/>
+                      <a:endParaRPr lang="de-DE" sz="1200" dirty="0"/>
                     </a:p>
                   </a:txBody>
                   <a:tcPr>
@@ -5416,7 +5092,7 @@
                     <a:lstStyle/>
                     <a:p>
                       <a:pPr algn="ctr"/>
-                      <a:endParaRPr lang="de-DE" sz="1600" dirty="0"/>
+                      <a:endParaRPr lang="de-DE" sz="1200" dirty="0"/>
                     </a:p>
                   </a:txBody>
                   <a:tcPr>
@@ -5455,7 +5131,7 @@
                     <a:lstStyle/>
                     <a:p>
                       <a:pPr algn="ctr"/>
-                      <a:endParaRPr lang="de-DE" sz="1600" dirty="0"/>
+                      <a:endParaRPr lang="de-DE" sz="1200" dirty="0"/>
                     </a:p>
                   </a:txBody>
                   <a:tcPr>
@@ -5494,7 +5170,7 @@
                     <a:lstStyle/>
                     <a:p>
                       <a:pPr algn="ctr"/>
-                      <a:endParaRPr lang="de-DE" sz="1600" dirty="0"/>
+                      <a:endParaRPr lang="de-DE" sz="1200" dirty="0"/>
                     </a:p>
                   </a:txBody>
                   <a:tcPr>
@@ -5542,133 +5218,7 @@
                     <a:lstStyle/>
                     <a:p>
                       <a:pPr algn="ctr"/>
-                      <a:endParaRPr lang="de-DE" sz="1600" dirty="0"/>
-                    </a:p>
-                  </a:txBody>
-                  <a:tcPr>
-                    <a:lnL w="6350" cap="flat" cmpd="sng" algn="ctr">
-                      <a:solidFill>
-                        <a:schemeClr val="tx1"/>
-                      </a:solidFill>
-                      <a:prstDash val="sysDot"/>
-                      <a:round/>
-                      <a:headEnd type="none" w="med" len="med"/>
-                      <a:tailEnd type="none" w="med" len="med"/>
-                    </a:lnL>
-                    <a:lnT w="6350" cap="flat" cmpd="sng" algn="ctr">
-                      <a:solidFill>
-                        <a:schemeClr val="tx1"/>
-                      </a:solidFill>
-                      <a:prstDash val="sysDot"/>
-                      <a:round/>
-                      <a:headEnd type="none" w="med" len="med"/>
-                      <a:tailEnd type="none" w="med" len="med"/>
-                    </a:lnT>
-                    <a:lnB w="6350" cap="flat" cmpd="sng" algn="ctr">
-                      <a:solidFill>
-                        <a:schemeClr val="tx1"/>
-                      </a:solidFill>
-                      <a:prstDash val="sysDot"/>
-                      <a:round/>
-                      <a:headEnd type="none" w="med" len="med"/>
-                      <a:tailEnd type="none" w="med" len="med"/>
-                    </a:lnB>
-                  </a:tcPr>
-                </a:tc>
-                <a:tc>
-                  <a:txBody>
-                    <a:bodyPr/>
-                    <a:lstStyle/>
-                    <a:p>
-                      <a:pPr algn="ctr"/>
-                      <a:endParaRPr lang="de-DE" sz="1600"/>
-                    </a:p>
-                  </a:txBody>
-                  <a:tcPr>
-                    <a:lnR w="6350" cap="flat" cmpd="sng" algn="ctr">
-                      <a:solidFill>
-                        <a:schemeClr val="tx1"/>
-                      </a:solidFill>
-                      <a:prstDash val="sysDot"/>
-                      <a:round/>
-                      <a:headEnd type="none" w="med" len="med"/>
-                      <a:tailEnd type="none" w="med" len="med"/>
-                    </a:lnR>
-                    <a:lnT w="6350" cap="flat" cmpd="sng" algn="ctr">
-                      <a:solidFill>
-                        <a:schemeClr val="tx1"/>
-                      </a:solidFill>
-                      <a:prstDash val="sysDot"/>
-                      <a:round/>
-                      <a:headEnd type="none" w="med" len="med"/>
-                      <a:tailEnd type="none" w="med" len="med"/>
-                    </a:lnT>
-                    <a:lnB w="6350" cap="flat" cmpd="sng" algn="ctr">
-                      <a:solidFill>
-                        <a:schemeClr val="tx1"/>
-                      </a:solidFill>
-                      <a:prstDash val="sysDot"/>
-                      <a:round/>
-                      <a:headEnd type="none" w="med" len="med"/>
-                      <a:tailEnd type="none" w="med" len="med"/>
-                    </a:lnB>
-                  </a:tcPr>
-                </a:tc>
-                <a:tc>
-                  <a:txBody>
-                    <a:bodyPr/>
-                    <a:lstStyle/>
-                    <a:p>
-                      <a:pPr algn="ctr"/>
-                      <a:endParaRPr lang="de-DE" sz="1600" dirty="0"/>
-                    </a:p>
-                  </a:txBody>
-                  <a:tcPr>
-                    <a:lnL w="6350" cap="flat" cmpd="sng" algn="ctr">
-                      <a:solidFill>
-                        <a:schemeClr val="tx1"/>
-                      </a:solidFill>
-                      <a:prstDash val="sysDot"/>
-                      <a:round/>
-                      <a:headEnd type="none" w="med" len="med"/>
-                      <a:tailEnd type="none" w="med" len="med"/>
-                    </a:lnL>
-                    <a:lnR w="6350" cap="flat" cmpd="sng" algn="ctr">
-                      <a:solidFill>
-                        <a:schemeClr val="tx1"/>
-                      </a:solidFill>
-                      <a:prstDash val="sysDot"/>
-                      <a:round/>
-                      <a:headEnd type="none" w="med" len="med"/>
-                      <a:tailEnd type="none" w="med" len="med"/>
-                    </a:lnR>
-                    <a:lnT w="6350" cap="flat" cmpd="sng" algn="ctr">
-                      <a:solidFill>
-                        <a:schemeClr val="tx1"/>
-                      </a:solidFill>
-                      <a:prstDash val="sysDot"/>
-                      <a:round/>
-                      <a:headEnd type="none" w="med" len="med"/>
-                      <a:tailEnd type="none" w="med" len="med"/>
-                    </a:lnT>
-                    <a:lnB w="6350" cap="flat" cmpd="sng" algn="ctr">
-                      <a:solidFill>
-                        <a:schemeClr val="tx1"/>
-                      </a:solidFill>
-                      <a:prstDash val="sysDot"/>
-                      <a:round/>
-                      <a:headEnd type="none" w="med" len="med"/>
-                      <a:tailEnd type="none" w="med" len="med"/>
-                    </a:lnB>
-                  </a:tcPr>
-                </a:tc>
-                <a:tc>
-                  <a:txBody>
-                    <a:bodyPr/>
-                    <a:lstStyle/>
-                    <a:p>
-                      <a:pPr algn="ctr"/>
-                      <a:endParaRPr lang="de-DE" sz="1600" dirty="0"/>
+                      <a:endParaRPr lang="de-DE" sz="1200" dirty="0"/>
                     </a:p>
                   </a:txBody>
                   <a:tcPr>
@@ -5748,7 +5298,7 @@
                     <a:lstStyle/>
                     <a:p>
                       <a:pPr algn="ctr"/>
-                      <a:endParaRPr lang="de-DE" sz="1600" dirty="0"/>
+                      <a:endParaRPr lang="de-DE" sz="1200" dirty="0"/>
                     </a:p>
                   </a:txBody>
                   <a:tcPr>
@@ -5778,7 +5328,7 @@
                     <a:lstStyle/>
                     <a:p>
                       <a:pPr algn="ctr"/>
-                      <a:endParaRPr lang="de-DE" sz="1600" dirty="0"/>
+                      <a:endParaRPr lang="de-DE" sz="1200" dirty="0"/>
                     </a:p>
                   </a:txBody>
                   <a:tcPr>
@@ -5817,7 +5367,7 @@
                     <a:lstStyle/>
                     <a:p>
                       <a:pPr algn="ctr"/>
-                      <a:endParaRPr lang="de-DE" sz="1600" dirty="0"/>
+                      <a:endParaRPr lang="de-DE" sz="1200" dirty="0"/>
                     </a:p>
                   </a:txBody>
                   <a:tcPr>
@@ -5847,7 +5397,7 @@
                     <a:lstStyle/>
                     <a:p>
                       <a:pPr algn="ctr"/>
-                      <a:endParaRPr lang="de-DE" sz="1600" dirty="0"/>
+                      <a:endParaRPr lang="de-DE" sz="1200" dirty="0"/>
                     </a:p>
                   </a:txBody>
                   <a:tcPr>
@@ -5877,7 +5427,7 @@
                     <a:lstStyle/>
                     <a:p>
                       <a:pPr algn="ctr"/>
-                      <a:endParaRPr lang="de-DE" sz="1600" dirty="0"/>
+                      <a:endParaRPr lang="de-DE" sz="1200" dirty="0"/>
                     </a:p>
                   </a:txBody>
                   <a:tcPr>
@@ -5916,106 +5466,7 @@
                     <a:lstStyle/>
                     <a:p>
                       <a:pPr algn="ctr"/>
-                      <a:endParaRPr lang="de-DE" sz="1600" dirty="0"/>
-                    </a:p>
-                  </a:txBody>
-                  <a:tcPr>
-                    <a:lnL w="6350" cap="flat" cmpd="sng" algn="ctr">
-                      <a:solidFill>
-                        <a:schemeClr val="tx1"/>
-                      </a:solidFill>
-                      <a:prstDash val="sysDot"/>
-                      <a:round/>
-                      <a:headEnd type="none" w="med" len="med"/>
-                      <a:tailEnd type="none" w="med" len="med"/>
-                    </a:lnL>
-                    <a:lnT w="6350" cap="flat" cmpd="sng" algn="ctr">
-                      <a:solidFill>
-                        <a:schemeClr val="tx1"/>
-                      </a:solidFill>
-                      <a:prstDash val="sysDot"/>
-                      <a:round/>
-                      <a:headEnd type="none" w="med" len="med"/>
-                      <a:tailEnd type="none" w="med" len="med"/>
-                    </a:lnT>
-                  </a:tcPr>
-                </a:tc>
-                <a:tc>
-                  <a:txBody>
-                    <a:bodyPr/>
-                    <a:lstStyle/>
-                    <a:p>
-                      <a:pPr algn="ctr"/>
-                      <a:endParaRPr lang="de-DE" sz="1600"/>
-                    </a:p>
-                  </a:txBody>
-                  <a:tcPr>
-                    <a:lnR w="6350" cap="flat" cmpd="sng" algn="ctr">
-                      <a:solidFill>
-                        <a:schemeClr val="tx1"/>
-                      </a:solidFill>
-                      <a:prstDash val="sysDot"/>
-                      <a:round/>
-                      <a:headEnd type="none" w="med" len="med"/>
-                      <a:tailEnd type="none" w="med" len="med"/>
-                    </a:lnR>
-                    <a:lnT w="6350" cap="flat" cmpd="sng" algn="ctr">
-                      <a:solidFill>
-                        <a:schemeClr val="tx1"/>
-                      </a:solidFill>
-                      <a:prstDash val="sysDot"/>
-                      <a:round/>
-                      <a:headEnd type="none" w="med" len="med"/>
-                      <a:tailEnd type="none" w="med" len="med"/>
-                    </a:lnT>
-                  </a:tcPr>
-                </a:tc>
-                <a:tc>
-                  <a:txBody>
-                    <a:bodyPr/>
-                    <a:lstStyle/>
-                    <a:p>
-                      <a:pPr algn="ctr"/>
-                      <a:endParaRPr lang="de-DE" sz="1600" dirty="0"/>
-                    </a:p>
-                  </a:txBody>
-                  <a:tcPr>
-                    <a:lnL w="6350" cap="flat" cmpd="sng" algn="ctr">
-                      <a:solidFill>
-                        <a:schemeClr val="tx1"/>
-                      </a:solidFill>
-                      <a:prstDash val="sysDot"/>
-                      <a:round/>
-                      <a:headEnd type="none" w="med" len="med"/>
-                      <a:tailEnd type="none" w="med" len="med"/>
-                    </a:lnL>
-                    <a:lnR w="6350" cap="flat" cmpd="sng" algn="ctr">
-                      <a:solidFill>
-                        <a:schemeClr val="tx1"/>
-                      </a:solidFill>
-                      <a:prstDash val="sysDot"/>
-                      <a:round/>
-                      <a:headEnd type="none" w="med" len="med"/>
-                      <a:tailEnd type="none" w="med" len="med"/>
-                    </a:lnR>
-                    <a:lnT w="6350" cap="flat" cmpd="sng" algn="ctr">
-                      <a:solidFill>
-                        <a:schemeClr val="tx1"/>
-                      </a:solidFill>
-                      <a:prstDash val="sysDot"/>
-                      <a:round/>
-                      <a:headEnd type="none" w="med" len="med"/>
-                      <a:tailEnd type="none" w="med" len="med"/>
-                    </a:lnT>
-                  </a:tcPr>
-                </a:tc>
-                <a:tc>
-                  <a:txBody>
-                    <a:bodyPr/>
-                    <a:lstStyle/>
-                    <a:p>
-                      <a:pPr algn="ctr"/>
-                      <a:endParaRPr lang="de-DE" sz="1600" dirty="0"/>
+                      <a:endParaRPr lang="de-DE" sz="1200" dirty="0"/>
                     </a:p>
                   </a:txBody>
                   <a:tcPr>
@@ -6108,7 +5559,7 @@
                     <a:lstStyle/>
                     <a:p>
                       <a:pPr algn="ctr"/>
-                      <a:endParaRPr lang="de-DE" sz="1600" dirty="0"/>
+                      <a:endParaRPr lang="de-DE" sz="1200" dirty="0"/>
                     </a:p>
                   </a:txBody>
                   <a:tcPr>
@@ -6138,7 +5589,7 @@
                     <a:lstStyle/>
                     <a:p>
                       <a:pPr algn="ctr"/>
-                      <a:endParaRPr lang="de-DE" sz="1600" dirty="0"/>
+                      <a:endParaRPr lang="de-DE" sz="1200" dirty="0"/>
                     </a:p>
                   </a:txBody>
                   <a:tcPr>
@@ -6177,7 +5628,7 @@
                     <a:lstStyle/>
                     <a:p>
                       <a:pPr algn="ctr"/>
-                      <a:endParaRPr lang="de-DE" sz="1600" dirty="0"/>
+                      <a:endParaRPr lang="de-DE" sz="1200" dirty="0"/>
                     </a:p>
                   </a:txBody>
                   <a:tcPr>
@@ -6207,7 +5658,7 @@
                     <a:lstStyle/>
                     <a:p>
                       <a:pPr algn="ctr"/>
-                      <a:endParaRPr lang="de-DE" sz="1600" dirty="0"/>
+                      <a:endParaRPr lang="de-DE" sz="1200" dirty="0"/>
                     </a:p>
                   </a:txBody>
                   <a:tcPr>
@@ -6237,7 +5688,7 @@
                     <a:lstStyle/>
                     <a:p>
                       <a:pPr algn="ctr"/>
-                      <a:endParaRPr lang="de-DE" sz="1600" dirty="0"/>
+                      <a:endParaRPr lang="de-DE" sz="1200" dirty="0"/>
                     </a:p>
                   </a:txBody>
                   <a:tcPr>
@@ -6276,106 +5727,7 @@
                     <a:lstStyle/>
                     <a:p>
                       <a:pPr algn="ctr"/>
-                      <a:endParaRPr lang="de-DE" sz="1600" dirty="0"/>
-                    </a:p>
-                  </a:txBody>
-                  <a:tcPr>
-                    <a:lnL w="6350" cap="flat" cmpd="sng" algn="ctr">
-                      <a:solidFill>
-                        <a:schemeClr val="tx1"/>
-                      </a:solidFill>
-                      <a:prstDash val="sysDot"/>
-                      <a:round/>
-                      <a:headEnd type="none" w="med" len="med"/>
-                      <a:tailEnd type="none" w="med" len="med"/>
-                    </a:lnL>
-                    <a:lnB w="6350" cap="flat" cmpd="sng" algn="ctr">
-                      <a:solidFill>
-                        <a:schemeClr val="tx1"/>
-                      </a:solidFill>
-                      <a:prstDash val="sysDot"/>
-                      <a:round/>
-                      <a:headEnd type="none" w="med" len="med"/>
-                      <a:tailEnd type="none" w="med" len="med"/>
-                    </a:lnB>
-                  </a:tcPr>
-                </a:tc>
-                <a:tc>
-                  <a:txBody>
-                    <a:bodyPr/>
-                    <a:lstStyle/>
-                    <a:p>
-                      <a:pPr algn="ctr"/>
-                      <a:endParaRPr lang="de-DE" sz="1600"/>
-                    </a:p>
-                  </a:txBody>
-                  <a:tcPr>
-                    <a:lnR w="6350" cap="flat" cmpd="sng" algn="ctr">
-                      <a:solidFill>
-                        <a:schemeClr val="tx1"/>
-                      </a:solidFill>
-                      <a:prstDash val="sysDot"/>
-                      <a:round/>
-                      <a:headEnd type="none" w="med" len="med"/>
-                      <a:tailEnd type="none" w="med" len="med"/>
-                    </a:lnR>
-                    <a:lnB w="6350" cap="flat" cmpd="sng" algn="ctr">
-                      <a:solidFill>
-                        <a:schemeClr val="tx1"/>
-                      </a:solidFill>
-                      <a:prstDash val="sysDot"/>
-                      <a:round/>
-                      <a:headEnd type="none" w="med" len="med"/>
-                      <a:tailEnd type="none" w="med" len="med"/>
-                    </a:lnB>
-                  </a:tcPr>
-                </a:tc>
-                <a:tc>
-                  <a:txBody>
-                    <a:bodyPr/>
-                    <a:lstStyle/>
-                    <a:p>
-                      <a:pPr algn="ctr"/>
-                      <a:endParaRPr lang="de-DE" sz="1600" dirty="0"/>
-                    </a:p>
-                  </a:txBody>
-                  <a:tcPr>
-                    <a:lnL w="6350" cap="flat" cmpd="sng" algn="ctr">
-                      <a:solidFill>
-                        <a:schemeClr val="tx1"/>
-                      </a:solidFill>
-                      <a:prstDash val="sysDot"/>
-                      <a:round/>
-                      <a:headEnd type="none" w="med" len="med"/>
-                      <a:tailEnd type="none" w="med" len="med"/>
-                    </a:lnL>
-                    <a:lnR w="6350" cap="flat" cmpd="sng" algn="ctr">
-                      <a:solidFill>
-                        <a:schemeClr val="tx1"/>
-                      </a:solidFill>
-                      <a:prstDash val="sysDot"/>
-                      <a:round/>
-                      <a:headEnd type="none" w="med" len="med"/>
-                      <a:tailEnd type="none" w="med" len="med"/>
-                    </a:lnR>
-                    <a:lnB w="6350" cap="flat" cmpd="sng" algn="ctr">
-                      <a:solidFill>
-                        <a:schemeClr val="tx1"/>
-                      </a:solidFill>
-                      <a:prstDash val="sysDot"/>
-                      <a:round/>
-                      <a:headEnd type="none" w="med" len="med"/>
-                      <a:tailEnd type="none" w="med" len="med"/>
-                    </a:lnB>
-                  </a:tcPr>
-                </a:tc>
-                <a:tc>
-                  <a:txBody>
-                    <a:bodyPr/>
-                    <a:lstStyle/>
-                    <a:p>
-                      <a:pPr algn="ctr"/>
-                      <a:endParaRPr lang="de-DE" sz="1600" dirty="0"/>
+                      <a:endParaRPr lang="de-DE" sz="1200" dirty="0"/>
                     </a:p>
                   </a:txBody>
                   <a:tcPr>
@@ -6455,7 +5807,7 @@
                     <a:lstStyle/>
                     <a:p>
                       <a:pPr algn="ctr"/>
-                      <a:endParaRPr lang="de-DE" sz="1600" dirty="0"/>
+                      <a:endParaRPr lang="de-DE" sz="1200" dirty="0"/>
                     </a:p>
                   </a:txBody>
                   <a:tcPr>
@@ -6494,7 +5846,7 @@
                     <a:lstStyle/>
                     <a:p>
                       <a:pPr algn="ctr"/>
-                      <a:endParaRPr lang="de-DE" sz="1600" dirty="0"/>
+                      <a:endParaRPr lang="de-DE" sz="1200" dirty="0"/>
                     </a:p>
                   </a:txBody>
                   <a:tcPr>
@@ -6542,7 +5894,7 @@
                     <a:lstStyle/>
                     <a:p>
                       <a:pPr algn="ctr"/>
-                      <a:endParaRPr lang="de-DE" sz="1600" dirty="0"/>
+                      <a:endParaRPr lang="de-DE" sz="1200" dirty="0"/>
                     </a:p>
                   </a:txBody>
                   <a:tcPr>
@@ -6581,7 +5933,7 @@
                     <a:lstStyle/>
                     <a:p>
                       <a:pPr algn="ctr"/>
-                      <a:endParaRPr lang="de-DE" sz="1600" dirty="0"/>
+                      <a:endParaRPr lang="de-DE" sz="1200" dirty="0"/>
                     </a:p>
                   </a:txBody>
                   <a:tcPr>
@@ -6620,7 +5972,7 @@
                     <a:lstStyle/>
                     <a:p>
                       <a:pPr algn="ctr"/>
-                      <a:endParaRPr lang="de-DE" sz="1600" dirty="0"/>
+                      <a:endParaRPr lang="de-DE" sz="1200" dirty="0"/>
                     </a:p>
                   </a:txBody>
                   <a:tcPr>
@@ -6668,133 +6020,7 @@
                     <a:lstStyle/>
                     <a:p>
                       <a:pPr algn="ctr"/>
-                      <a:endParaRPr lang="de-DE" sz="1600" dirty="0"/>
-                    </a:p>
-                  </a:txBody>
-                  <a:tcPr>
-                    <a:lnL w="6350" cap="flat" cmpd="sng" algn="ctr">
-                      <a:solidFill>
-                        <a:schemeClr val="tx1"/>
-                      </a:solidFill>
-                      <a:prstDash val="sysDot"/>
-                      <a:round/>
-                      <a:headEnd type="none" w="med" len="med"/>
-                      <a:tailEnd type="none" w="med" len="med"/>
-                    </a:lnL>
-                    <a:lnT w="6350" cap="flat" cmpd="sng" algn="ctr">
-                      <a:solidFill>
-                        <a:schemeClr val="tx1"/>
-                      </a:solidFill>
-                      <a:prstDash val="sysDot"/>
-                      <a:round/>
-                      <a:headEnd type="none" w="med" len="med"/>
-                      <a:tailEnd type="none" w="med" len="med"/>
-                    </a:lnT>
-                    <a:lnB w="6350" cap="flat" cmpd="sng" algn="ctr">
-                      <a:solidFill>
-                        <a:schemeClr val="tx1"/>
-                      </a:solidFill>
-                      <a:prstDash val="sysDot"/>
-                      <a:round/>
-                      <a:headEnd type="none" w="med" len="med"/>
-                      <a:tailEnd type="none" w="med" len="med"/>
-                    </a:lnB>
-                  </a:tcPr>
-                </a:tc>
-                <a:tc>
-                  <a:txBody>
-                    <a:bodyPr/>
-                    <a:lstStyle/>
-                    <a:p>
-                      <a:pPr algn="ctr"/>
-                      <a:endParaRPr lang="de-DE" sz="1600" dirty="0"/>
-                    </a:p>
-                  </a:txBody>
-                  <a:tcPr>
-                    <a:lnR w="6350" cap="flat" cmpd="sng" algn="ctr">
-                      <a:solidFill>
-                        <a:schemeClr val="tx1"/>
-                      </a:solidFill>
-                      <a:prstDash val="sysDot"/>
-                      <a:round/>
-                      <a:headEnd type="none" w="med" len="med"/>
-                      <a:tailEnd type="none" w="med" len="med"/>
-                    </a:lnR>
-                    <a:lnT w="6350" cap="flat" cmpd="sng" algn="ctr">
-                      <a:solidFill>
-                        <a:schemeClr val="tx1"/>
-                      </a:solidFill>
-                      <a:prstDash val="sysDot"/>
-                      <a:round/>
-                      <a:headEnd type="none" w="med" len="med"/>
-                      <a:tailEnd type="none" w="med" len="med"/>
-                    </a:lnT>
-                    <a:lnB w="6350" cap="flat" cmpd="sng" algn="ctr">
-                      <a:solidFill>
-                        <a:schemeClr val="tx1"/>
-                      </a:solidFill>
-                      <a:prstDash val="sysDot"/>
-                      <a:round/>
-                      <a:headEnd type="none" w="med" len="med"/>
-                      <a:tailEnd type="none" w="med" len="med"/>
-                    </a:lnB>
-                  </a:tcPr>
-                </a:tc>
-                <a:tc>
-                  <a:txBody>
-                    <a:bodyPr/>
-                    <a:lstStyle/>
-                    <a:p>
-                      <a:pPr algn="ctr"/>
-                      <a:endParaRPr lang="de-DE" sz="1600" dirty="0"/>
-                    </a:p>
-                  </a:txBody>
-                  <a:tcPr>
-                    <a:lnL w="6350" cap="flat" cmpd="sng" algn="ctr">
-                      <a:solidFill>
-                        <a:schemeClr val="tx1"/>
-                      </a:solidFill>
-                      <a:prstDash val="sysDot"/>
-                      <a:round/>
-                      <a:headEnd type="none" w="med" len="med"/>
-                      <a:tailEnd type="none" w="med" len="med"/>
-                    </a:lnL>
-                    <a:lnR w="6350" cap="flat" cmpd="sng" algn="ctr">
-                      <a:solidFill>
-                        <a:schemeClr val="tx1"/>
-                      </a:solidFill>
-                      <a:prstDash val="sysDot"/>
-                      <a:round/>
-                      <a:headEnd type="none" w="med" len="med"/>
-                      <a:tailEnd type="none" w="med" len="med"/>
-                    </a:lnR>
-                    <a:lnT w="6350" cap="flat" cmpd="sng" algn="ctr">
-                      <a:solidFill>
-                        <a:schemeClr val="tx1"/>
-                      </a:solidFill>
-                      <a:prstDash val="sysDot"/>
-                      <a:round/>
-                      <a:headEnd type="none" w="med" len="med"/>
-                      <a:tailEnd type="none" w="med" len="med"/>
-                    </a:lnT>
-                    <a:lnB w="6350" cap="flat" cmpd="sng" algn="ctr">
-                      <a:solidFill>
-                        <a:schemeClr val="tx1"/>
-                      </a:solidFill>
-                      <a:prstDash val="sysDot"/>
-                      <a:round/>
-                      <a:headEnd type="none" w="med" len="med"/>
-                      <a:tailEnd type="none" w="med" len="med"/>
-                    </a:lnB>
-                  </a:tcPr>
-                </a:tc>
-                <a:tc>
-                  <a:txBody>
-                    <a:bodyPr/>
-                    <a:lstStyle/>
-                    <a:p>
-                      <a:pPr algn="ctr"/>
-                      <a:endParaRPr lang="de-DE" sz="1600" dirty="0"/>
+                      <a:endParaRPr lang="de-DE" sz="1200" dirty="0"/>
                     </a:p>
                   </a:txBody>
                   <a:tcPr>
@@ -6874,7 +6100,7 @@
                     <a:lstStyle/>
                     <a:p>
                       <a:pPr algn="ctr"/>
-                      <a:endParaRPr lang="de-DE" sz="1600" dirty="0"/>
+                      <a:endParaRPr lang="de-DE" sz="1200" dirty="0"/>
                     </a:p>
                   </a:txBody>
                   <a:tcPr>
@@ -6904,7 +6130,7 @@
                     <a:lstStyle/>
                     <a:p>
                       <a:pPr algn="ctr"/>
-                      <a:endParaRPr lang="de-DE" sz="1600" dirty="0"/>
+                      <a:endParaRPr lang="de-DE" sz="1200" dirty="0"/>
                     </a:p>
                   </a:txBody>
                   <a:tcPr>
@@ -6943,7 +6169,7 @@
                     <a:lstStyle/>
                     <a:p>
                       <a:pPr algn="ctr"/>
-                      <a:endParaRPr lang="de-DE" sz="1600" dirty="0"/>
+                      <a:endParaRPr lang="de-DE" sz="1200" dirty="0"/>
                     </a:p>
                   </a:txBody>
                   <a:tcPr>
@@ -6973,7 +6199,7 @@
                     <a:lstStyle/>
                     <a:p>
                       <a:pPr algn="ctr"/>
-                      <a:endParaRPr lang="de-DE" sz="1600"/>
+                      <a:endParaRPr lang="de-DE" sz="1200"/>
                     </a:p>
                   </a:txBody>
                   <a:tcPr>
@@ -7003,7 +6229,7 @@
                     <a:lstStyle/>
                     <a:p>
                       <a:pPr algn="ctr"/>
-                      <a:endParaRPr lang="de-DE" sz="1600"/>
+                      <a:endParaRPr lang="de-DE" sz="1200"/>
                     </a:p>
                   </a:txBody>
                   <a:tcPr>
@@ -7042,106 +6268,7 @@
                     <a:lstStyle/>
                     <a:p>
                       <a:pPr algn="ctr"/>
-                      <a:endParaRPr lang="de-DE" sz="1600" dirty="0"/>
-                    </a:p>
-                  </a:txBody>
-                  <a:tcPr>
-                    <a:lnL w="6350" cap="flat" cmpd="sng" algn="ctr">
-                      <a:solidFill>
-                        <a:schemeClr val="tx1"/>
-                      </a:solidFill>
-                      <a:prstDash val="sysDot"/>
-                      <a:round/>
-                      <a:headEnd type="none" w="med" len="med"/>
-                      <a:tailEnd type="none" w="med" len="med"/>
-                    </a:lnL>
-                    <a:lnT w="6350" cap="flat" cmpd="sng" algn="ctr">
-                      <a:solidFill>
-                        <a:schemeClr val="tx1"/>
-                      </a:solidFill>
-                      <a:prstDash val="sysDot"/>
-                      <a:round/>
-                      <a:headEnd type="none" w="med" len="med"/>
-                      <a:tailEnd type="none" w="med" len="med"/>
-                    </a:lnT>
-                  </a:tcPr>
-                </a:tc>
-                <a:tc>
-                  <a:txBody>
-                    <a:bodyPr/>
-                    <a:lstStyle/>
-                    <a:p>
-                      <a:pPr algn="ctr"/>
-                      <a:endParaRPr lang="de-DE" sz="1600" dirty="0"/>
-                    </a:p>
-                  </a:txBody>
-                  <a:tcPr>
-                    <a:lnR w="6350" cap="flat" cmpd="sng" algn="ctr">
-                      <a:solidFill>
-                        <a:schemeClr val="tx1"/>
-                      </a:solidFill>
-                      <a:prstDash val="sysDot"/>
-                      <a:round/>
-                      <a:headEnd type="none" w="med" len="med"/>
-                      <a:tailEnd type="none" w="med" len="med"/>
-                    </a:lnR>
-                    <a:lnT w="6350" cap="flat" cmpd="sng" algn="ctr">
-                      <a:solidFill>
-                        <a:schemeClr val="tx1"/>
-                      </a:solidFill>
-                      <a:prstDash val="sysDot"/>
-                      <a:round/>
-                      <a:headEnd type="none" w="med" len="med"/>
-                      <a:tailEnd type="none" w="med" len="med"/>
-                    </a:lnT>
-                  </a:tcPr>
-                </a:tc>
-                <a:tc>
-                  <a:txBody>
-                    <a:bodyPr/>
-                    <a:lstStyle/>
-                    <a:p>
-                      <a:pPr algn="ctr"/>
-                      <a:endParaRPr lang="de-DE" sz="1600" dirty="0"/>
-                    </a:p>
-                  </a:txBody>
-                  <a:tcPr>
-                    <a:lnL w="6350" cap="flat" cmpd="sng" algn="ctr">
-                      <a:solidFill>
-                        <a:schemeClr val="tx1"/>
-                      </a:solidFill>
-                      <a:prstDash val="sysDot"/>
-                      <a:round/>
-                      <a:headEnd type="none" w="med" len="med"/>
-                      <a:tailEnd type="none" w="med" len="med"/>
-                    </a:lnL>
-                    <a:lnR w="6350" cap="flat" cmpd="sng" algn="ctr">
-                      <a:solidFill>
-                        <a:schemeClr val="tx1"/>
-                      </a:solidFill>
-                      <a:prstDash val="sysDot"/>
-                      <a:round/>
-                      <a:headEnd type="none" w="med" len="med"/>
-                      <a:tailEnd type="none" w="med" len="med"/>
-                    </a:lnR>
-                    <a:lnT w="6350" cap="flat" cmpd="sng" algn="ctr">
-                      <a:solidFill>
-                        <a:schemeClr val="tx1"/>
-                      </a:solidFill>
-                      <a:prstDash val="sysDot"/>
-                      <a:round/>
-                      <a:headEnd type="none" w="med" len="med"/>
-                      <a:tailEnd type="none" w="med" len="med"/>
-                    </a:lnT>
-                  </a:tcPr>
-                </a:tc>
-                <a:tc>
-                  <a:txBody>
-                    <a:bodyPr/>
-                    <a:lstStyle/>
-                    <a:p>
-                      <a:pPr algn="ctr"/>
-                      <a:endParaRPr lang="de-DE" sz="1600" dirty="0"/>
+                      <a:endParaRPr lang="de-DE" sz="1200" dirty="0"/>
                     </a:p>
                   </a:txBody>
                   <a:tcPr>
@@ -7235,7 +6362,7 @@
                     <a:p>
                       <a:pPr algn="ctr"/>
                       <a:r>
-                        <a:rPr lang="de-DE" sz="1600" dirty="0"/>
+                        <a:rPr lang="de-DE" sz="1200" dirty="0"/>
                         <a:t>4,018</a:t>
                       </a:r>
                     </a:p>
@@ -7268,7 +6395,7 @@
                     <a:p>
                       <a:pPr algn="ctr"/>
                       <a:r>
-                        <a:rPr lang="de-DE" sz="1600" dirty="0"/>
+                        <a:rPr lang="de-DE" sz="1200" dirty="0"/>
                         <a:t>69,775</a:t>
                       </a:r>
                     </a:p>
@@ -7310,7 +6437,7 @@
                     <a:p>
                       <a:pPr algn="ctr"/>
                       <a:r>
-                        <a:rPr lang="de-DE" sz="1600" dirty="0"/>
+                        <a:rPr lang="de-DE" sz="1200" dirty="0"/>
                         <a:t>1066,056</a:t>
                       </a:r>
                     </a:p>
@@ -7343,14 +6470,7 @@
                     <a:p>
                       <a:pPr algn="ctr"/>
                       <a:r>
-                        <a:rPr lang="de-DE" sz="1600" dirty="0"/>
-                        <a:t>368 /</a:t>
-                      </a:r>
-                    </a:p>
-                    <a:p>
-                      <a:pPr algn="ctr"/>
-                      <a:r>
-                        <a:rPr lang="de-DE" sz="1600" dirty="0"/>
+                        <a:rPr lang="de-DE" sz="1200" dirty="0"/>
                         <a:t>102524</a:t>
                       </a:r>
                     </a:p>
@@ -7383,14 +6503,7 @@
                     <a:p>
                       <a:pPr algn="ctr"/>
                       <a:r>
-                        <a:rPr lang="de-DE" sz="1600" dirty="0"/>
-                        <a:t>5464 /</a:t>
-                      </a:r>
-                    </a:p>
-                    <a:p>
-                      <a:pPr algn="ctr"/>
-                      <a:r>
-                        <a:rPr lang="de-DE" sz="1600" dirty="0"/>
+                        <a:rPr lang="de-DE" sz="1200" dirty="0"/>
                         <a:t>86721</a:t>
                       </a:r>
                     </a:p>
@@ -7432,123 +6545,8 @@
                     <a:p>
                       <a:pPr algn="ctr"/>
                       <a:r>
-                        <a:rPr lang="de-DE" sz="1600" dirty="0"/>
-                        <a:t>102024 /</a:t>
-                      </a:r>
-                    </a:p>
-                    <a:p>
-                      <a:pPr algn="ctr"/>
-                      <a:r>
-                        <a:rPr lang="de-DE" sz="1600" dirty="0"/>
+                        <a:rPr lang="de-DE" sz="1200" dirty="0"/>
                         <a:t>92228</a:t>
-                      </a:r>
-                    </a:p>
-                  </a:txBody>
-                  <a:tcPr>
-                    <a:lnL w="6350" cap="flat" cmpd="sng" algn="ctr">
-                      <a:solidFill>
-                        <a:schemeClr val="tx1"/>
-                      </a:solidFill>
-                      <a:prstDash val="sysDot"/>
-                      <a:round/>
-                      <a:headEnd type="none" w="med" len="med"/>
-                      <a:tailEnd type="none" w="med" len="med"/>
-                    </a:lnL>
-                    <a:lnB w="6350" cap="flat" cmpd="sng" algn="ctr">
-                      <a:solidFill>
-                        <a:schemeClr val="tx1"/>
-                      </a:solidFill>
-                      <a:prstDash val="sysDot"/>
-                      <a:round/>
-                      <a:headEnd type="none" w="med" len="med"/>
-                      <a:tailEnd type="none" w="med" len="med"/>
-                    </a:lnB>
-                  </a:tcPr>
-                </a:tc>
-                <a:tc>
-                  <a:txBody>
-                    <a:bodyPr/>
-                    <a:lstStyle/>
-                    <a:p>
-                      <a:pPr algn="ctr"/>
-                      <a:r>
-                        <a:rPr lang="de-DE" sz="1600" dirty="0"/>
-                        <a:t>f6-&gt;g7</a:t>
-                      </a:r>
-                    </a:p>
-                  </a:txBody>
-                  <a:tcPr>
-                    <a:lnR w="6350" cap="flat" cmpd="sng" algn="ctr">
-                      <a:solidFill>
-                        <a:schemeClr val="tx1"/>
-                      </a:solidFill>
-                      <a:prstDash val="sysDot"/>
-                      <a:round/>
-                      <a:headEnd type="none" w="med" len="med"/>
-                      <a:tailEnd type="none" w="med" len="med"/>
-                    </a:lnR>
-                    <a:lnB w="6350" cap="flat" cmpd="sng" algn="ctr">
-                      <a:solidFill>
-                        <a:schemeClr val="tx1"/>
-                      </a:solidFill>
-                      <a:prstDash val="sysDot"/>
-                      <a:round/>
-                      <a:headEnd type="none" w="med" len="med"/>
-                      <a:tailEnd type="none" w="med" len="med"/>
-                    </a:lnB>
-                  </a:tcPr>
-                </a:tc>
-                <a:tc>
-                  <a:txBody>
-                    <a:bodyPr/>
-                    <a:lstStyle/>
-                    <a:p>
-                      <a:pPr algn="ctr"/>
-                      <a:r>
-                        <a:rPr lang="de-DE" sz="1600" dirty="0"/>
-                        <a:t>b3-&gt;c4</a:t>
-                      </a:r>
-                    </a:p>
-                  </a:txBody>
-                  <a:tcPr>
-                    <a:lnL w="6350" cap="flat" cmpd="sng" algn="ctr">
-                      <a:solidFill>
-                        <a:schemeClr val="tx1"/>
-                      </a:solidFill>
-                      <a:prstDash val="sysDot"/>
-                      <a:round/>
-                      <a:headEnd type="none" w="med" len="med"/>
-                      <a:tailEnd type="none" w="med" len="med"/>
-                    </a:lnL>
-                    <a:lnR w="6350" cap="flat" cmpd="sng" algn="ctr">
-                      <a:solidFill>
-                        <a:schemeClr val="tx1"/>
-                      </a:solidFill>
-                      <a:prstDash val="sysDot"/>
-                      <a:round/>
-                      <a:headEnd type="none" w="med" len="med"/>
-                      <a:tailEnd type="none" w="med" len="med"/>
-                    </a:lnR>
-                    <a:lnB w="6350" cap="flat" cmpd="sng" algn="ctr">
-                      <a:solidFill>
-                        <a:schemeClr val="tx1"/>
-                      </a:solidFill>
-                      <a:prstDash val="sysDot"/>
-                      <a:round/>
-                      <a:headEnd type="none" w="med" len="med"/>
-                      <a:tailEnd type="none" w="med" len="med"/>
-                    </a:lnB>
-                  </a:tcPr>
-                </a:tc>
-                <a:tc>
-                  <a:txBody>
-                    <a:bodyPr/>
-                    <a:lstStyle/>
-                    <a:p>
-                      <a:pPr algn="ctr"/>
-                      <a:r>
-                        <a:rPr lang="de-DE" sz="1600" dirty="0"/>
-                        <a:t>f6-&gt;g7</a:t>
                       </a:r>
                     </a:p>
                   </a:txBody>
@@ -7630,7 +6628,7 @@
                     <a:p>
                       <a:pPr algn="ctr"/>
                       <a:r>
-                        <a:rPr lang="de-DE" sz="1600" dirty="0"/>
+                        <a:rPr lang="de-DE" sz="1200" dirty="0"/>
                         <a:t>29,503</a:t>
                       </a:r>
                     </a:p>
@@ -7672,7 +6670,7 @@
                     <a:p>
                       <a:pPr algn="ctr"/>
                       <a:r>
-                        <a:rPr lang="de-DE" sz="1600" dirty="0"/>
+                        <a:rPr lang="de-DE" sz="1200" dirty="0"/>
                         <a:t>1184,344</a:t>
                       </a:r>
                     </a:p>
@@ -7723,7 +6721,7 @@
                     <a:p>
                       <a:pPr algn="ctr"/>
                       <a:r>
-                        <a:rPr lang="de-DE" sz="1600" dirty="0"/>
+                        <a:rPr lang="de-DE" sz="1200" dirty="0"/>
                         <a:t>45761,745</a:t>
                       </a:r>
                     </a:p>
@@ -7765,14 +6763,7 @@
                     <a:p>
                       <a:pPr algn="ctr"/>
                       <a:r>
-                        <a:rPr lang="de-DE" sz="1600" dirty="0"/>
-                        <a:t>1526 /</a:t>
-                      </a:r>
-                    </a:p>
-                    <a:p>
-                      <a:pPr algn="ctr"/>
-                      <a:r>
-                        <a:rPr lang="de-DE" sz="1600" dirty="0"/>
+                        <a:rPr lang="de-DE" sz="1200" dirty="0"/>
                         <a:t>51046</a:t>
                       </a:r>
                     </a:p>
@@ -7814,14 +6805,7 @@
                     <a:p>
                       <a:pPr algn="ctr"/>
                       <a:r>
-                        <a:rPr lang="de-DE" sz="1600" dirty="0"/>
-                        <a:t>58027 /</a:t>
-                      </a:r>
-                    </a:p>
-                    <a:p>
-                      <a:pPr algn="ctr"/>
-                      <a:r>
-                        <a:rPr lang="de-DE" sz="1600" dirty="0"/>
+                        <a:rPr lang="de-DE" sz="1200" dirty="0"/>
                         <a:t>48702</a:t>
                       </a:r>
                     </a:p>
@@ -7872,150 +6856,8 @@
                     <a:p>
                       <a:pPr algn="ctr"/>
                       <a:r>
-                        <a:rPr lang="de-DE" sz="1600" dirty="0"/>
-                        <a:t>2211805 /</a:t>
-                      </a:r>
-                    </a:p>
-                    <a:p>
-                      <a:pPr algn="ctr"/>
-                      <a:r>
-                        <a:rPr lang="de-DE" sz="1600" dirty="0"/>
+                        <a:rPr lang="de-DE" sz="1200" dirty="0"/>
                         <a:t>48211</a:t>
-                      </a:r>
-                    </a:p>
-                  </a:txBody>
-                  <a:tcPr>
-                    <a:lnL w="6350" cap="flat" cmpd="sng" algn="ctr">
-                      <a:solidFill>
-                        <a:schemeClr val="tx1"/>
-                      </a:solidFill>
-                      <a:prstDash val="sysDot"/>
-                      <a:round/>
-                      <a:headEnd type="none" w="med" len="med"/>
-                      <a:tailEnd type="none" w="med" len="med"/>
-                    </a:lnL>
-                    <a:lnT w="6350" cap="flat" cmpd="sng" algn="ctr">
-                      <a:solidFill>
-                        <a:schemeClr val="tx1"/>
-                      </a:solidFill>
-                      <a:prstDash val="sysDot"/>
-                      <a:round/>
-                      <a:headEnd type="none" w="med" len="med"/>
-                      <a:tailEnd type="none" w="med" len="med"/>
-                    </a:lnT>
-                    <a:lnB w="6350" cap="flat" cmpd="sng" algn="ctr">
-                      <a:solidFill>
-                        <a:schemeClr val="tx1"/>
-                      </a:solidFill>
-                      <a:prstDash val="sysDot"/>
-                      <a:round/>
-                      <a:headEnd type="none" w="med" len="med"/>
-                      <a:tailEnd type="none" w="med" len="med"/>
-                    </a:lnB>
-                  </a:tcPr>
-                </a:tc>
-                <a:tc>
-                  <a:txBody>
-                    <a:bodyPr/>
-                    <a:lstStyle/>
-                    <a:p>
-                      <a:pPr algn="ctr"/>
-                      <a:r>
-                        <a:rPr lang="de-DE" sz="1600" dirty="0"/>
-                        <a:t>a2-&gt;b3</a:t>
-                      </a:r>
-                    </a:p>
-                  </a:txBody>
-                  <a:tcPr>
-                    <a:lnR w="6350" cap="flat" cmpd="sng" algn="ctr">
-                      <a:solidFill>
-                        <a:schemeClr val="tx1"/>
-                      </a:solidFill>
-                      <a:prstDash val="sysDot"/>
-                      <a:round/>
-                      <a:headEnd type="none" w="med" len="med"/>
-                      <a:tailEnd type="none" w="med" len="med"/>
-                    </a:lnR>
-                    <a:lnT w="6350" cap="flat" cmpd="sng" algn="ctr">
-                      <a:solidFill>
-                        <a:schemeClr val="tx1"/>
-                      </a:solidFill>
-                      <a:prstDash val="sysDot"/>
-                      <a:round/>
-                      <a:headEnd type="none" w="med" len="med"/>
-                      <a:tailEnd type="none" w="med" len="med"/>
-                    </a:lnT>
-                    <a:lnB w="6350" cap="flat" cmpd="sng" algn="ctr">
-                      <a:solidFill>
-                        <a:schemeClr val="tx1"/>
-                      </a:solidFill>
-                      <a:prstDash val="sysDot"/>
-                      <a:round/>
-                      <a:headEnd type="none" w="med" len="med"/>
-                      <a:tailEnd type="none" w="med" len="med"/>
-                    </a:lnB>
-                  </a:tcPr>
-                </a:tc>
-                <a:tc>
-                  <a:txBody>
-                    <a:bodyPr/>
-                    <a:lstStyle/>
-                    <a:p>
-                      <a:pPr algn="ctr"/>
-                      <a:r>
-                        <a:rPr lang="de-DE" sz="1600" dirty="0"/>
-                        <a:t>e2-&gt;e3</a:t>
-                      </a:r>
-                    </a:p>
-                  </a:txBody>
-                  <a:tcPr>
-                    <a:lnL w="6350" cap="flat" cmpd="sng" algn="ctr">
-                      <a:solidFill>
-                        <a:schemeClr val="tx1"/>
-                      </a:solidFill>
-                      <a:prstDash val="sysDot"/>
-                      <a:round/>
-                      <a:headEnd type="none" w="med" len="med"/>
-                      <a:tailEnd type="none" w="med" len="med"/>
-                    </a:lnL>
-                    <a:lnR w="6350" cap="flat" cmpd="sng" algn="ctr">
-                      <a:solidFill>
-                        <a:schemeClr val="tx1"/>
-                      </a:solidFill>
-                      <a:prstDash val="sysDot"/>
-                      <a:round/>
-                      <a:headEnd type="none" w="med" len="med"/>
-                      <a:tailEnd type="none" w="med" len="med"/>
-                    </a:lnR>
-                    <a:lnT w="6350" cap="flat" cmpd="sng" algn="ctr">
-                      <a:solidFill>
-                        <a:schemeClr val="tx1"/>
-                      </a:solidFill>
-                      <a:prstDash val="sysDot"/>
-                      <a:round/>
-                      <a:headEnd type="none" w="med" len="med"/>
-                      <a:tailEnd type="none" w="med" len="med"/>
-                    </a:lnT>
-                    <a:lnB w="6350" cap="flat" cmpd="sng" algn="ctr">
-                      <a:solidFill>
-                        <a:schemeClr val="tx1"/>
-                      </a:solidFill>
-                      <a:prstDash val="sysDot"/>
-                      <a:round/>
-                      <a:headEnd type="none" w="med" len="med"/>
-                      <a:tailEnd type="none" w="med" len="med"/>
-                    </a:lnB>
-                  </a:tcPr>
-                </a:tc>
-                <a:tc>
-                  <a:txBody>
-                    <a:bodyPr/>
-                    <a:lstStyle/>
-                    <a:p>
-                      <a:pPr algn="ctr"/>
-                      <a:r>
-                        <a:rPr lang="de-DE" sz="1600" dirty="0"/>
-                        <a:t>a2-&gt;b3</a:t>
                       </a:r>
                     </a:p>
                   </a:txBody>
@@ -8097,7 +6939,7 @@
                     <a:p>
                       <a:pPr algn="ctr"/>
                       <a:r>
-                        <a:rPr lang="de-DE" sz="1600" dirty="0"/>
+                        <a:rPr lang="de-DE" sz="1200" dirty="0"/>
                         <a:t>16,262</a:t>
                       </a:r>
                     </a:p>
@@ -8130,7 +6972,7 @@
                     <a:p>
                       <a:pPr algn="ctr"/>
                       <a:r>
-                        <a:rPr lang="de-DE" sz="1600" dirty="0"/>
+                        <a:rPr lang="de-DE" sz="1200" dirty="0"/>
                         <a:t>544,305</a:t>
                       </a:r>
                     </a:p>
@@ -8172,7 +7014,7 @@
                     <a:p>
                       <a:pPr algn="ctr"/>
                       <a:r>
-                        <a:rPr lang="de-DE" sz="1600" dirty="0"/>
+                        <a:rPr lang="de-DE" sz="1200" dirty="0"/>
                         <a:t>19260,375</a:t>
                       </a:r>
                     </a:p>
@@ -8205,14 +7047,7 @@
                     <a:p>
                       <a:pPr algn="ctr"/>
                       <a:r>
-                        <a:rPr lang="de-DE" sz="1600" dirty="0"/>
-                        <a:t>985 /</a:t>
-                      </a:r>
-                    </a:p>
-                    <a:p>
-                      <a:pPr algn="ctr"/>
-                      <a:r>
-                        <a:rPr lang="de-DE" sz="1600" dirty="0"/>
+                        <a:rPr lang="de-DE" sz="1200" dirty="0"/>
                         <a:t>62074</a:t>
                       </a:r>
                     </a:p>
@@ -8245,14 +7080,7 @@
                     <a:p>
                       <a:pPr algn="ctr"/>
                       <a:r>
-                        <a:rPr lang="de-DE" sz="1600" dirty="0"/>
-                        <a:t>33150 /</a:t>
-                      </a:r>
-                    </a:p>
-                    <a:p>
-                      <a:pPr algn="ctr"/>
-                      <a:r>
-                        <a:rPr lang="de-DE" sz="1600" dirty="0"/>
+                        <a:rPr lang="de-DE" sz="1200" dirty="0"/>
                         <a:t>61905</a:t>
                       </a:r>
                     </a:p>
@@ -8294,123 +7122,8 @@
                     <a:p>
                       <a:pPr algn="ctr"/>
                       <a:r>
-                        <a:rPr lang="de-DE" sz="1600" dirty="0"/>
-                        <a:t>1035767 /</a:t>
-                      </a:r>
-                    </a:p>
-                    <a:p>
-                      <a:pPr algn="ctr"/>
-                      <a:r>
-                        <a:rPr lang="de-DE" sz="1600" dirty="0"/>
+                        <a:rPr lang="de-DE" sz="1200" dirty="0"/>
                         <a:t>52654</a:t>
-                      </a:r>
-                    </a:p>
-                  </a:txBody>
-                  <a:tcPr>
-                    <a:lnL w="6350" cap="flat" cmpd="sng" algn="ctr">
-                      <a:solidFill>
-                        <a:schemeClr val="tx1"/>
-                      </a:solidFill>
-                      <a:prstDash val="sysDot"/>
-                      <a:round/>
-                      <a:headEnd type="none" w="med" len="med"/>
-                      <a:tailEnd type="none" w="med" len="med"/>
-                    </a:lnL>
-                    <a:lnT w="6350" cap="flat" cmpd="sng" algn="ctr">
-                      <a:solidFill>
-                        <a:schemeClr val="tx1"/>
-                      </a:solidFill>
-                      <a:prstDash val="sysDot"/>
-                      <a:round/>
-                      <a:headEnd type="none" w="med" len="med"/>
-                      <a:tailEnd type="none" w="med" len="med"/>
-                    </a:lnT>
-                  </a:tcPr>
-                </a:tc>
-                <a:tc>
-                  <a:txBody>
-                    <a:bodyPr/>
-                    <a:lstStyle/>
-                    <a:p>
-                      <a:pPr algn="ctr"/>
-                      <a:r>
-                        <a:rPr lang="de-DE" sz="1600" dirty="0"/>
-                        <a:t>e2-&gt;b5</a:t>
-                      </a:r>
-                    </a:p>
-                  </a:txBody>
-                  <a:tcPr>
-                    <a:lnR w="6350" cap="flat" cmpd="sng" algn="ctr">
-                      <a:solidFill>
-                        <a:schemeClr val="tx1"/>
-                      </a:solidFill>
-                      <a:prstDash val="sysDot"/>
-                      <a:round/>
-                      <a:headEnd type="none" w="med" len="med"/>
-                      <a:tailEnd type="none" w="med" len="med"/>
-                    </a:lnR>
-                    <a:lnT w="6350" cap="flat" cmpd="sng" algn="ctr">
-                      <a:solidFill>
-                        <a:schemeClr val="tx1"/>
-                      </a:solidFill>
-                      <a:prstDash val="sysDot"/>
-                      <a:round/>
-                      <a:headEnd type="none" w="med" len="med"/>
-                      <a:tailEnd type="none" w="med" len="med"/>
-                    </a:lnT>
-                  </a:tcPr>
-                </a:tc>
-                <a:tc>
-                  <a:txBody>
-                    <a:bodyPr/>
-                    <a:lstStyle/>
-                    <a:p>
-                      <a:pPr algn="ctr"/>
-                      <a:r>
-                        <a:rPr lang="de-DE" sz="1600" dirty="0"/>
-                        <a:t>e2-&gt;e8</a:t>
-                      </a:r>
-                    </a:p>
-                  </a:txBody>
-                  <a:tcPr>
-                    <a:lnL w="6350" cap="flat" cmpd="sng" algn="ctr">
-                      <a:solidFill>
-                        <a:schemeClr val="tx1"/>
-                      </a:solidFill>
-                      <a:prstDash val="sysDot"/>
-                      <a:round/>
-                      <a:headEnd type="none" w="med" len="med"/>
-                      <a:tailEnd type="none" w="med" len="med"/>
-                    </a:lnL>
-                    <a:lnR w="6350" cap="flat" cmpd="sng" algn="ctr">
-                      <a:solidFill>
-                        <a:schemeClr val="tx1"/>
-                      </a:solidFill>
-                      <a:prstDash val="sysDot"/>
-                      <a:round/>
-                      <a:headEnd type="none" w="med" len="med"/>
-                      <a:tailEnd type="none" w="med" len="med"/>
-                    </a:lnR>
-                    <a:lnT w="6350" cap="flat" cmpd="sng" algn="ctr">
-                      <a:solidFill>
-                        <a:schemeClr val="tx1"/>
-                      </a:solidFill>
-                      <a:prstDash val="sysDot"/>
-                      <a:round/>
-                      <a:headEnd type="none" w="med" len="med"/>
-                      <a:tailEnd type="none" w="med" len="med"/>
-                    </a:lnT>
-                  </a:tcPr>
-                </a:tc>
-                <a:tc>
-                  <a:txBody>
-                    <a:bodyPr/>
-                    <a:lstStyle/>
-                    <a:p>
-                      <a:pPr algn="ctr"/>
-                      <a:r>
-                        <a:rPr lang="de-DE" sz="1600" dirty="0"/>
-                        <a:t>e2-&gt;e8</a:t>
                       </a:r>
                     </a:p>
                   </a:txBody>
@@ -8445,6 +7158,41 @@
           </a:graphicData>
         </a:graphic>
       </p:graphicFrame>
+      <p:sp>
+        <p:nvSpPr>
+          <p:cNvPr id="6" name="Titel 1">
+            <a:extLst>
+              <a:ext uri="{FF2B5EF4-FFF2-40B4-BE49-F238E27FC236}">
+                <a16:creationId xmlns:a16="http://schemas.microsoft.com/office/drawing/2014/main" id="{EC573C81-5210-9A98-20E2-3042824C6D5A}"/>
+              </a:ext>
+            </a:extLst>
+          </p:cNvPr>
+          <p:cNvSpPr>
+            <a:spLocks noGrp="1"/>
+          </p:cNvSpPr>
+          <p:nvPr>
+            <p:ph type="title"/>
+          </p:nvPr>
+        </p:nvSpPr>
+        <p:spPr>
+          <a:xfrm>
+            <a:off x="838200" y="365125"/>
+            <a:ext cx="10515600" cy="1325563"/>
+          </a:xfrm>
+        </p:spPr>
+        <p:txBody>
+          <a:bodyPr/>
+          <a:lstStyle/>
+          <a:p>
+            <a:r>
+              <a:rPr lang="de-DE" dirty="0">
+                <a:latin typeface="DM Sans" pitchFamily="2" charset="77"/>
+              </a:rPr>
+              <a:t>MiniMax (ohne Cutoffs) Benchmarks</a:t>
+            </a:r>
+          </a:p>
+        </p:txBody>
+      </p:sp>
     </p:spTree>
     <p:extLst>
       <p:ext uri="{BB962C8B-B14F-4D97-AF65-F5344CB8AC3E}">
@@ -8475,59 +7223,6 @@
           <a:chExt cx="0" cy="0"/>
         </a:xfrm>
       </p:grpSpPr>
-      <p:sp>
-        <p:nvSpPr>
-          <p:cNvPr id="2" name="Titel 1">
-            <a:extLst>
-              <a:ext uri="{FF2B5EF4-FFF2-40B4-BE49-F238E27FC236}">
-                <a16:creationId xmlns:a16="http://schemas.microsoft.com/office/drawing/2014/main" id="{5AA772EB-2F85-D641-B1ED-2B43FA1C49BA}"/>
-              </a:ext>
-            </a:extLst>
-          </p:cNvPr>
-          <p:cNvSpPr>
-            <a:spLocks noGrp="1"/>
-          </p:cNvSpPr>
-          <p:nvPr>
-            <p:ph type="title"/>
-          </p:nvPr>
-        </p:nvSpPr>
-        <p:spPr>
-          <a:xfrm>
-            <a:off x="838200" y="0"/>
-            <a:ext cx="10515600" cy="1325563"/>
-          </a:xfrm>
-        </p:spPr>
-        <p:txBody>
-          <a:bodyPr/>
-          <a:lstStyle/>
-          <a:p>
-            <a:r>
-              <a:rPr lang="de-DE" dirty="0" err="1">
-                <a:latin typeface="DM Sans" pitchFamily="2" charset="77"/>
-              </a:rPr>
-              <a:t>AlphaBeta</a:t>
-            </a:r>
-            <a:r>
-              <a:rPr lang="de-DE" dirty="0">
-                <a:latin typeface="DM Sans" pitchFamily="2" charset="77"/>
-              </a:rPr>
-              <a:t> (mit </a:t>
-            </a:r>
-            <a:r>
-              <a:rPr lang="de-DE" dirty="0" err="1">
-                <a:latin typeface="DM Sans" pitchFamily="2" charset="77"/>
-              </a:rPr>
-              <a:t>cutoffs</a:t>
-            </a:r>
-            <a:r>
-              <a:rPr lang="de-DE" dirty="0">
-                <a:latin typeface="DM Sans" pitchFamily="2" charset="77"/>
-              </a:rPr>
-              <a:t>) Benchmarks</a:t>
-            </a:r>
-          </a:p>
-        </p:txBody>
-      </p:sp>
       <p:graphicFrame>
         <p:nvGraphicFramePr>
           <p:cNvPr id="8" name="Tabelle 11">
@@ -8543,14 +7238,14 @@
           <p:nvPr>
             <p:extLst>
               <p:ext uri="{D42A27DB-BD31-4B8C-83A1-F6EECF244321}">
-                <p14:modId xmlns:p14="http://schemas.microsoft.com/office/powerpoint/2010/main" val="3227470298"/>
+                <p14:modId xmlns:p14="http://schemas.microsoft.com/office/powerpoint/2010/main" val="2959860028"/>
               </p:ext>
             </p:extLst>
           </p:nvPr>
         </p:nvGraphicFramePr>
         <p:xfrm>
-          <a:off x="282874" y="1024242"/>
-          <a:ext cx="11626251" cy="4678123"/>
+          <a:off x="1676040" y="1690688"/>
+          <a:ext cx="8839919" cy="3946603"/>
         </p:xfrm>
         <a:graphic>
           <a:graphicData uri="http://schemas.openxmlformats.org/drawingml/2006/table">
@@ -8615,27 +7310,6 @@
                     </a:ext>
                   </a:extLst>
                 </a:gridCol>
-                <a:gridCol w="776378">
-                  <a:extLst>
-                    <a:ext uri="{9D8B030D-6E8A-4147-A177-3AD203B41FA5}">
-                      <a16:colId xmlns:a16="http://schemas.microsoft.com/office/drawing/2014/main" val="1969351072"/>
-                    </a:ext>
-                  </a:extLst>
-                </a:gridCol>
-                <a:gridCol w="948905">
-                  <a:extLst>
-                    <a:ext uri="{9D8B030D-6E8A-4147-A177-3AD203B41FA5}">
-                      <a16:colId xmlns:a16="http://schemas.microsoft.com/office/drawing/2014/main" val="2232959945"/>
-                    </a:ext>
-                  </a:extLst>
-                </a:gridCol>
-                <a:gridCol w="1061049">
-                  <a:extLst>
-                    <a:ext uri="{9D8B030D-6E8A-4147-A177-3AD203B41FA5}">
-                      <a16:colId xmlns:a16="http://schemas.microsoft.com/office/drawing/2014/main" val="4184487007"/>
-                    </a:ext>
-                  </a:extLst>
-                </a:gridCol>
               </a:tblGrid>
               <a:tr h="512409">
                 <a:tc rowSpan="2">
@@ -8645,7 +7319,7 @@
                     <a:p>
                       <a:r>
                         <a:rPr lang="de-DE" sz="1600" dirty="0"/>
-                        <a:t>Rechnerkonfiguration</a:t>
+                        <a:t>Rechnerkonfiguration </a:t>
                       </a:r>
                     </a:p>
                   </a:txBody>
@@ -8673,13 +7347,8 @@
                       <a:pPr algn="ctr"/>
                       <a:r>
                         <a:rPr lang="de-DE" sz="1600" dirty="0"/>
-                        <a:t>Laufzeit in </a:t>
-                      </a:r>
-                      <a:r>
-                        <a:rPr lang="de-DE" sz="1600" dirty="0" err="1"/>
-                        <a:t>ms</a:t>
-                      </a:r>
-                      <a:endParaRPr lang="de-DE" sz="1600" dirty="0"/>
+                        <a:t>Laufzeit in ms je nach Tiefe d</a:t>
+                      </a:r>
                     </a:p>
                   </a:txBody>
                   <a:tcPr>
@@ -8722,51 +7391,7 @@
                       <a:pPr algn="ctr"/>
                       <a:r>
                         <a:rPr lang="de-DE" sz="1600" dirty="0"/>
-                        <a:t>Untersuchte Stellungen / Stellungen pro Sekunde</a:t>
-                      </a:r>
-                    </a:p>
-                  </a:txBody>
-                  <a:tcPr>
-                    <a:lnB w="6350" cap="flat" cmpd="sng" algn="ctr">
-                      <a:solidFill>
-                        <a:schemeClr val="tx1"/>
-                      </a:solidFill>
-                      <a:prstDash val="sysDot"/>
-                      <a:round/>
-                      <a:headEnd type="none" w="med" len="med"/>
-                      <a:tailEnd type="none" w="med" len="med"/>
-                    </a:lnB>
-                  </a:tcPr>
-                </a:tc>
-                <a:tc hMerge="1">
-                  <a:txBody>
-                    <a:bodyPr/>
-                    <a:lstStyle/>
-                    <a:p>
-                      <a:endParaRPr lang="de-DE"/>
-                    </a:p>
-                  </a:txBody>
-                  <a:tcPr/>
-                </a:tc>
-                <a:tc hMerge="1">
-                  <a:txBody>
-                    <a:bodyPr/>
-                    <a:lstStyle/>
-                    <a:p>
-                      <a:endParaRPr lang="de-DE"/>
-                    </a:p>
-                  </a:txBody>
-                  <a:tcPr/>
-                </a:tc>
-                <a:tc gridSpan="3">
-                  <a:txBody>
-                    <a:bodyPr/>
-                    <a:lstStyle/>
-                    <a:p>
-                      <a:pPr algn="ctr"/>
-                      <a:r>
-                        <a:rPr lang="de-DE" sz="1600" dirty="0"/>
-                        <a:t>Bester Zug</a:t>
+                        <a:t>Stellungen pro Sekunde je nach Tiefe d</a:t>
                       </a:r>
                     </a:p>
                   </a:txBody>
@@ -8848,7 +7473,7 @@
                       <a:pPr algn="ctr"/>
                       <a:r>
                         <a:rPr lang="de-DE" sz="1600" dirty="0"/>
-                        <a:t>2</a:t>
+                        <a:t>d = 2</a:t>
                       </a:r>
                     </a:p>
                   </a:txBody>
@@ -8881,7 +7506,7 @@
                       <a:pPr algn="ctr"/>
                       <a:r>
                         <a:rPr lang="de-DE" sz="1600" dirty="0"/>
-                        <a:t>3</a:t>
+                        <a:t>d = 3</a:t>
                       </a:r>
                     </a:p>
                   </a:txBody>
@@ -8923,7 +7548,7 @@
                       <a:pPr algn="ctr"/>
                       <a:r>
                         <a:rPr lang="de-DE" sz="1600" dirty="0"/>
-                        <a:t>4</a:t>
+                        <a:t>d = 4</a:t>
                       </a:r>
                     </a:p>
                   </a:txBody>
@@ -8956,7 +7581,7 @@
                       <a:pPr algn="ctr"/>
                       <a:r>
                         <a:rPr lang="de-DE" sz="1600" dirty="0"/>
-                        <a:t>2</a:t>
+                        <a:t>d = 2</a:t>
                       </a:r>
                     </a:p>
                   </a:txBody>
@@ -8989,7 +7614,7 @@
                       <a:pPr algn="ctr"/>
                       <a:r>
                         <a:rPr lang="de-DE" sz="1600" dirty="0"/>
-                        <a:t>3</a:t>
+                        <a:t>d = 3</a:t>
                       </a:r>
                     </a:p>
                   </a:txBody>
@@ -9031,115 +7656,7 @@
                       <a:pPr algn="ctr"/>
                       <a:r>
                         <a:rPr lang="de-DE" sz="1600" dirty="0"/>
-                        <a:t>4</a:t>
-                      </a:r>
-                    </a:p>
-                  </a:txBody>
-                  <a:tcPr>
-                    <a:lnL w="6350" cap="flat" cmpd="sng" algn="ctr">
-                      <a:solidFill>
-                        <a:schemeClr val="tx1"/>
-                      </a:solidFill>
-                      <a:prstDash val="sysDot"/>
-                      <a:round/>
-                      <a:headEnd type="none" w="med" len="med"/>
-                      <a:tailEnd type="none" w="med" len="med"/>
-                    </a:lnL>
-                    <a:lnT w="6350" cap="flat" cmpd="sng" algn="ctr">
-                      <a:solidFill>
-                        <a:schemeClr val="tx1"/>
-                      </a:solidFill>
-                      <a:prstDash val="sysDot"/>
-                      <a:round/>
-                      <a:headEnd type="none" w="med" len="med"/>
-                      <a:tailEnd type="none" w="med" len="med"/>
-                    </a:lnT>
-                  </a:tcPr>
-                </a:tc>
-                <a:tc>
-                  <a:txBody>
-                    <a:bodyPr/>
-                    <a:lstStyle/>
-                    <a:p>
-                      <a:pPr algn="ctr"/>
-                      <a:r>
-                        <a:rPr lang="de-DE" sz="1600" dirty="0"/>
-                        <a:t>2</a:t>
-                      </a:r>
-                    </a:p>
-                  </a:txBody>
-                  <a:tcPr>
-                    <a:lnR w="6350" cap="flat" cmpd="sng" algn="ctr">
-                      <a:solidFill>
-                        <a:schemeClr val="tx1"/>
-                      </a:solidFill>
-                      <a:prstDash val="sysDot"/>
-                      <a:round/>
-                      <a:headEnd type="none" w="med" len="med"/>
-                      <a:tailEnd type="none" w="med" len="med"/>
-                    </a:lnR>
-                    <a:lnT w="6350" cap="flat" cmpd="sng" algn="ctr">
-                      <a:solidFill>
-                        <a:schemeClr val="tx1"/>
-                      </a:solidFill>
-                      <a:prstDash val="sysDot"/>
-                      <a:round/>
-                      <a:headEnd type="none" w="med" len="med"/>
-                      <a:tailEnd type="none" w="med" len="med"/>
-                    </a:lnT>
-                  </a:tcPr>
-                </a:tc>
-                <a:tc>
-                  <a:txBody>
-                    <a:bodyPr/>
-                    <a:lstStyle/>
-                    <a:p>
-                      <a:pPr algn="ctr"/>
-                      <a:r>
-                        <a:rPr lang="de-DE" sz="1600" dirty="0"/>
-                        <a:t>3</a:t>
-                      </a:r>
-                    </a:p>
-                  </a:txBody>
-                  <a:tcPr>
-                    <a:lnL w="6350" cap="flat" cmpd="sng" algn="ctr">
-                      <a:solidFill>
-                        <a:schemeClr val="tx1"/>
-                      </a:solidFill>
-                      <a:prstDash val="sysDot"/>
-                      <a:round/>
-                      <a:headEnd type="none" w="med" len="med"/>
-                      <a:tailEnd type="none" w="med" len="med"/>
-                    </a:lnL>
-                    <a:lnR w="6350" cap="flat" cmpd="sng" algn="ctr">
-                      <a:solidFill>
-                        <a:schemeClr val="tx1"/>
-                      </a:solidFill>
-                      <a:prstDash val="sysDot"/>
-                      <a:round/>
-                      <a:headEnd type="none" w="med" len="med"/>
-                      <a:tailEnd type="none" w="med" len="med"/>
-                    </a:lnR>
-                    <a:lnT w="6350" cap="flat" cmpd="sng" algn="ctr">
-                      <a:solidFill>
-                        <a:schemeClr val="tx1"/>
-                      </a:solidFill>
-                      <a:prstDash val="sysDot"/>
-                      <a:round/>
-                      <a:headEnd type="none" w="med" len="med"/>
-                      <a:tailEnd type="none" w="med" len="med"/>
-                    </a:lnT>
-                  </a:tcPr>
-                </a:tc>
-                <a:tc>
-                  <a:txBody>
-                    <a:bodyPr/>
-                    <a:lstStyle/>
-                    <a:p>
-                      <a:pPr algn="ctr"/>
-                      <a:r>
-                        <a:rPr lang="de-DE" sz="1600" dirty="0"/>
-                        <a:t>4</a:t>
+                        <a:t>d = 4</a:t>
                       </a:r>
                     </a:p>
                   </a:txBody>
@@ -9233,7 +7750,10 @@
                     <a:lstStyle/>
                     <a:p>
                       <a:pPr algn="ctr"/>
-                      <a:endParaRPr lang="de-DE" sz="1600" dirty="0"/>
+                      <a:r>
+                        <a:rPr lang="de-DE" sz="1200" dirty="0"/>
+                        <a:t>9.840</a:t>
+                      </a:r>
                     </a:p>
                   </a:txBody>
                   <a:tcPr>
@@ -9263,7 +7783,10 @@
                     <a:lstStyle/>
                     <a:p>
                       <a:pPr algn="ctr"/>
-                      <a:endParaRPr lang="de-DE" sz="1600" dirty="0"/>
+                      <a:r>
+                        <a:rPr lang="de-DE" sz="1200" dirty="0"/>
+                        <a:t>15.354</a:t>
+                      </a:r>
                     </a:p>
                   </a:txBody>
                   <a:tcPr>
@@ -9302,7 +7825,10 @@
                     <a:lstStyle/>
                     <a:p>
                       <a:pPr algn="ctr"/>
-                      <a:endParaRPr lang="de-DE" sz="1600" dirty="0"/>
+                      <a:r>
+                        <a:rPr lang="de-DE" sz="1200" dirty="0"/>
+                        <a:t>101.723</a:t>
+                      </a:r>
                     </a:p>
                   </a:txBody>
                   <a:tcPr>
@@ -9332,7 +7858,7 @@
                     <a:lstStyle/>
                     <a:p>
                       <a:pPr algn="ctr"/>
-                      <a:endParaRPr lang="de-DE" sz="1600" dirty="0"/>
+                      <a:endParaRPr lang="de-DE" sz="1200" dirty="0"/>
                     </a:p>
                   </a:txBody>
                   <a:tcPr>
@@ -9362,7 +7888,7 @@
                     <a:lstStyle/>
                     <a:p>
                       <a:pPr algn="ctr"/>
-                      <a:endParaRPr lang="de-DE" sz="1600" dirty="0"/>
+                      <a:endParaRPr lang="de-DE" sz="1200" dirty="0"/>
                     </a:p>
                   </a:txBody>
                   <a:tcPr>
@@ -9401,106 +7927,7 @@
                     <a:lstStyle/>
                     <a:p>
                       <a:pPr algn="ctr"/>
-                      <a:endParaRPr lang="de-DE" sz="1600" dirty="0"/>
-                    </a:p>
-                  </a:txBody>
-                  <a:tcPr>
-                    <a:lnL w="6350" cap="flat" cmpd="sng" algn="ctr">
-                      <a:solidFill>
-                        <a:schemeClr val="tx1"/>
-                      </a:solidFill>
-                      <a:prstDash val="sysDot"/>
-                      <a:round/>
-                      <a:headEnd type="none" w="med" len="med"/>
-                      <a:tailEnd type="none" w="med" len="med"/>
-                    </a:lnL>
-                    <a:lnB w="6350" cap="flat" cmpd="sng" algn="ctr">
-                      <a:solidFill>
-                        <a:schemeClr val="tx1"/>
-                      </a:solidFill>
-                      <a:prstDash val="sysDot"/>
-                      <a:round/>
-                      <a:headEnd type="none" w="med" len="med"/>
-                      <a:tailEnd type="none" w="med" len="med"/>
-                    </a:lnB>
-                  </a:tcPr>
-                </a:tc>
-                <a:tc>
-                  <a:txBody>
-                    <a:bodyPr/>
-                    <a:lstStyle/>
-                    <a:p>
-                      <a:pPr algn="ctr"/>
-                      <a:endParaRPr lang="de-DE" sz="1600" dirty="0"/>
-                    </a:p>
-                  </a:txBody>
-                  <a:tcPr>
-                    <a:lnR w="6350" cap="flat" cmpd="sng" algn="ctr">
-                      <a:solidFill>
-                        <a:schemeClr val="tx1"/>
-                      </a:solidFill>
-                      <a:prstDash val="sysDot"/>
-                      <a:round/>
-                      <a:headEnd type="none" w="med" len="med"/>
-                      <a:tailEnd type="none" w="med" len="med"/>
-                    </a:lnR>
-                    <a:lnB w="6350" cap="flat" cmpd="sng" algn="ctr">
-                      <a:solidFill>
-                        <a:schemeClr val="tx1"/>
-                      </a:solidFill>
-                      <a:prstDash val="sysDot"/>
-                      <a:round/>
-                      <a:headEnd type="none" w="med" len="med"/>
-                      <a:tailEnd type="none" w="med" len="med"/>
-                    </a:lnB>
-                  </a:tcPr>
-                </a:tc>
-                <a:tc>
-                  <a:txBody>
-                    <a:bodyPr/>
-                    <a:lstStyle/>
-                    <a:p>
-                      <a:pPr algn="ctr"/>
-                      <a:endParaRPr lang="de-DE" sz="1600"/>
-                    </a:p>
-                  </a:txBody>
-                  <a:tcPr>
-                    <a:lnL w="6350" cap="flat" cmpd="sng" algn="ctr">
-                      <a:solidFill>
-                        <a:schemeClr val="tx1"/>
-                      </a:solidFill>
-                      <a:prstDash val="sysDot"/>
-                      <a:round/>
-                      <a:headEnd type="none" w="med" len="med"/>
-                      <a:tailEnd type="none" w="med" len="med"/>
-                    </a:lnL>
-                    <a:lnR w="6350" cap="flat" cmpd="sng" algn="ctr">
-                      <a:solidFill>
-                        <a:schemeClr val="tx1"/>
-                      </a:solidFill>
-                      <a:prstDash val="sysDot"/>
-                      <a:round/>
-                      <a:headEnd type="none" w="med" len="med"/>
-                      <a:tailEnd type="none" w="med" len="med"/>
-                    </a:lnR>
-                    <a:lnB w="6350" cap="flat" cmpd="sng" algn="ctr">
-                      <a:solidFill>
-                        <a:schemeClr val="tx1"/>
-                      </a:solidFill>
-                      <a:prstDash val="sysDot"/>
-                      <a:round/>
-                      <a:headEnd type="none" w="med" len="med"/>
-                      <a:tailEnd type="none" w="med" len="med"/>
-                    </a:lnB>
-                  </a:tcPr>
-                </a:tc>
-                <a:tc>
-                  <a:txBody>
-                    <a:bodyPr/>
-                    <a:lstStyle/>
-                    <a:p>
-                      <a:pPr algn="ctr"/>
-                      <a:endParaRPr lang="de-DE" sz="1600" dirty="0"/>
+                      <a:endParaRPr lang="de-DE" sz="1200" dirty="0"/>
                     </a:p>
                   </a:txBody>
                   <a:tcPr>
@@ -9580,7 +8007,10 @@
                     <a:lstStyle/>
                     <a:p>
                       <a:pPr algn="ctr"/>
-                      <a:endParaRPr lang="de-DE" sz="1600" dirty="0"/>
+                      <a:r>
+                        <a:rPr lang="de-DE" sz="1200" dirty="0"/>
+                        <a:t>6.743</a:t>
+                      </a:r>
                     </a:p>
                   </a:txBody>
                   <a:tcPr>
@@ -9619,7 +8049,10 @@
                     <a:lstStyle/>
                     <a:p>
                       <a:pPr algn="ctr"/>
-                      <a:endParaRPr lang="de-DE" sz="1600" dirty="0"/>
+                      <a:r>
+                        <a:rPr lang="de-DE" sz="1200" dirty="0"/>
+                        <a:t>213.551</a:t>
+                      </a:r>
                     </a:p>
                   </a:txBody>
                   <a:tcPr>
@@ -9667,7 +8100,10 @@
                     <a:lstStyle/>
                     <a:p>
                       <a:pPr algn="ctr"/>
-                      <a:endParaRPr lang="de-DE" sz="1600" dirty="0"/>
+                      <a:r>
+                        <a:rPr lang="de-DE" sz="1200" dirty="0"/>
+                        <a:t>3881.854</a:t>
+                      </a:r>
                     </a:p>
                   </a:txBody>
                   <a:tcPr>
@@ -9706,7 +8142,7 @@
                     <a:lstStyle/>
                     <a:p>
                       <a:pPr algn="ctr"/>
-                      <a:endParaRPr lang="de-DE" sz="1600" dirty="0"/>
+                      <a:endParaRPr lang="de-DE" sz="1200" dirty="0"/>
                     </a:p>
                   </a:txBody>
                   <a:tcPr>
@@ -9745,7 +8181,7 @@
                     <a:lstStyle/>
                     <a:p>
                       <a:pPr algn="ctr"/>
-                      <a:endParaRPr lang="de-DE" sz="1600" dirty="0"/>
+                      <a:endParaRPr lang="de-DE" sz="1200" dirty="0"/>
                     </a:p>
                   </a:txBody>
                   <a:tcPr>
@@ -9793,133 +8229,7 @@
                     <a:lstStyle/>
                     <a:p>
                       <a:pPr algn="ctr"/>
-                      <a:endParaRPr lang="de-DE" sz="1600" dirty="0"/>
-                    </a:p>
-                  </a:txBody>
-                  <a:tcPr>
-                    <a:lnL w="6350" cap="flat" cmpd="sng" algn="ctr">
-                      <a:solidFill>
-                        <a:schemeClr val="tx1"/>
-                      </a:solidFill>
-                      <a:prstDash val="sysDot"/>
-                      <a:round/>
-                      <a:headEnd type="none" w="med" len="med"/>
-                      <a:tailEnd type="none" w="med" len="med"/>
-                    </a:lnL>
-                    <a:lnT w="6350" cap="flat" cmpd="sng" algn="ctr">
-                      <a:solidFill>
-                        <a:schemeClr val="tx1"/>
-                      </a:solidFill>
-                      <a:prstDash val="sysDot"/>
-                      <a:round/>
-                      <a:headEnd type="none" w="med" len="med"/>
-                      <a:tailEnd type="none" w="med" len="med"/>
-                    </a:lnT>
-                    <a:lnB w="6350" cap="flat" cmpd="sng" algn="ctr">
-                      <a:solidFill>
-                        <a:schemeClr val="tx1"/>
-                      </a:solidFill>
-                      <a:prstDash val="sysDot"/>
-                      <a:round/>
-                      <a:headEnd type="none" w="med" len="med"/>
-                      <a:tailEnd type="none" w="med" len="med"/>
-                    </a:lnB>
-                  </a:tcPr>
-                </a:tc>
-                <a:tc>
-                  <a:txBody>
-                    <a:bodyPr/>
-                    <a:lstStyle/>
-                    <a:p>
-                      <a:pPr algn="ctr"/>
-                      <a:endParaRPr lang="de-DE" sz="1600"/>
-                    </a:p>
-                  </a:txBody>
-                  <a:tcPr>
-                    <a:lnR w="6350" cap="flat" cmpd="sng" algn="ctr">
-                      <a:solidFill>
-                        <a:schemeClr val="tx1"/>
-                      </a:solidFill>
-                      <a:prstDash val="sysDot"/>
-                      <a:round/>
-                      <a:headEnd type="none" w="med" len="med"/>
-                      <a:tailEnd type="none" w="med" len="med"/>
-                    </a:lnR>
-                    <a:lnT w="6350" cap="flat" cmpd="sng" algn="ctr">
-                      <a:solidFill>
-                        <a:schemeClr val="tx1"/>
-                      </a:solidFill>
-                      <a:prstDash val="sysDot"/>
-                      <a:round/>
-                      <a:headEnd type="none" w="med" len="med"/>
-                      <a:tailEnd type="none" w="med" len="med"/>
-                    </a:lnT>
-                    <a:lnB w="6350" cap="flat" cmpd="sng" algn="ctr">
-                      <a:solidFill>
-                        <a:schemeClr val="tx1"/>
-                      </a:solidFill>
-                      <a:prstDash val="sysDot"/>
-                      <a:round/>
-                      <a:headEnd type="none" w="med" len="med"/>
-                      <a:tailEnd type="none" w="med" len="med"/>
-                    </a:lnB>
-                  </a:tcPr>
-                </a:tc>
-                <a:tc>
-                  <a:txBody>
-                    <a:bodyPr/>
-                    <a:lstStyle/>
-                    <a:p>
-                      <a:pPr algn="ctr"/>
-                      <a:endParaRPr lang="de-DE" sz="1600" dirty="0"/>
-                    </a:p>
-                  </a:txBody>
-                  <a:tcPr>
-                    <a:lnL w="6350" cap="flat" cmpd="sng" algn="ctr">
-                      <a:solidFill>
-                        <a:schemeClr val="tx1"/>
-                      </a:solidFill>
-                      <a:prstDash val="sysDot"/>
-                      <a:round/>
-                      <a:headEnd type="none" w="med" len="med"/>
-                      <a:tailEnd type="none" w="med" len="med"/>
-                    </a:lnL>
-                    <a:lnR w="6350" cap="flat" cmpd="sng" algn="ctr">
-                      <a:solidFill>
-                        <a:schemeClr val="tx1"/>
-                      </a:solidFill>
-                      <a:prstDash val="sysDot"/>
-                      <a:round/>
-                      <a:headEnd type="none" w="med" len="med"/>
-                      <a:tailEnd type="none" w="med" len="med"/>
-                    </a:lnR>
-                    <a:lnT w="6350" cap="flat" cmpd="sng" algn="ctr">
-                      <a:solidFill>
-                        <a:schemeClr val="tx1"/>
-                      </a:solidFill>
-                      <a:prstDash val="sysDot"/>
-                      <a:round/>
-                      <a:headEnd type="none" w="med" len="med"/>
-                      <a:tailEnd type="none" w="med" len="med"/>
-                    </a:lnT>
-                    <a:lnB w="6350" cap="flat" cmpd="sng" algn="ctr">
-                      <a:solidFill>
-                        <a:schemeClr val="tx1"/>
-                      </a:solidFill>
-                      <a:prstDash val="sysDot"/>
-                      <a:round/>
-                      <a:headEnd type="none" w="med" len="med"/>
-                      <a:tailEnd type="none" w="med" len="med"/>
-                    </a:lnB>
-                  </a:tcPr>
-                </a:tc>
-                <a:tc>
-                  <a:txBody>
-                    <a:bodyPr/>
-                    <a:lstStyle/>
-                    <a:p>
-                      <a:pPr algn="ctr"/>
-                      <a:endParaRPr lang="de-DE" sz="1600" dirty="0"/>
+                      <a:endParaRPr lang="de-DE" sz="1200" dirty="0"/>
                     </a:p>
                   </a:txBody>
                   <a:tcPr>
@@ -9999,7 +8309,10 @@
                     <a:lstStyle/>
                     <a:p>
                       <a:pPr algn="ctr"/>
-                      <a:endParaRPr lang="de-DE" sz="1600" dirty="0"/>
+                      <a:r>
+                        <a:rPr lang="de-DE" sz="1200" dirty="0"/>
+                        <a:t>2.257</a:t>
+                      </a:r>
                     </a:p>
                   </a:txBody>
                   <a:tcPr>
@@ -10029,7 +8342,10 @@
                     <a:lstStyle/>
                     <a:p>
                       <a:pPr algn="ctr"/>
-                      <a:endParaRPr lang="de-DE" sz="1600" dirty="0"/>
+                      <a:r>
+                        <a:rPr lang="de-DE" sz="1200" dirty="0"/>
+                        <a:t>36.297</a:t>
+                      </a:r>
                     </a:p>
                   </a:txBody>
                   <a:tcPr>
@@ -10068,7 +8384,10 @@
                     <a:lstStyle/>
                     <a:p>
                       <a:pPr algn="ctr"/>
-                      <a:endParaRPr lang="de-DE" sz="1600" dirty="0"/>
+                      <a:r>
+                        <a:rPr lang="de-DE" sz="1200" dirty="0"/>
+                        <a:t>368.572</a:t>
+                      </a:r>
                     </a:p>
                   </a:txBody>
                   <a:tcPr>
@@ -10098,7 +8417,7 @@
                     <a:lstStyle/>
                     <a:p>
                       <a:pPr algn="ctr"/>
-                      <a:endParaRPr lang="de-DE" sz="1600" dirty="0"/>
+                      <a:endParaRPr lang="de-DE" sz="1200" dirty="0"/>
                     </a:p>
                   </a:txBody>
                   <a:tcPr>
@@ -10128,7 +8447,7 @@
                     <a:lstStyle/>
                     <a:p>
                       <a:pPr algn="ctr"/>
-                      <a:endParaRPr lang="de-DE" sz="1600" dirty="0"/>
+                      <a:endParaRPr lang="de-DE" sz="1200" dirty="0"/>
                     </a:p>
                   </a:txBody>
                   <a:tcPr>
@@ -10167,106 +8486,7 @@
                     <a:lstStyle/>
                     <a:p>
                       <a:pPr algn="ctr"/>
-                      <a:endParaRPr lang="de-DE" sz="1600" dirty="0"/>
-                    </a:p>
-                  </a:txBody>
-                  <a:tcPr>
-                    <a:lnL w="6350" cap="flat" cmpd="sng" algn="ctr">
-                      <a:solidFill>
-                        <a:schemeClr val="tx1"/>
-                      </a:solidFill>
-                      <a:prstDash val="sysDot"/>
-                      <a:round/>
-                      <a:headEnd type="none" w="med" len="med"/>
-                      <a:tailEnd type="none" w="med" len="med"/>
-                    </a:lnL>
-                    <a:lnT w="6350" cap="flat" cmpd="sng" algn="ctr">
-                      <a:solidFill>
-                        <a:schemeClr val="tx1"/>
-                      </a:solidFill>
-                      <a:prstDash val="sysDot"/>
-                      <a:round/>
-                      <a:headEnd type="none" w="med" len="med"/>
-                      <a:tailEnd type="none" w="med" len="med"/>
-                    </a:lnT>
-                  </a:tcPr>
-                </a:tc>
-                <a:tc>
-                  <a:txBody>
-                    <a:bodyPr/>
-                    <a:lstStyle/>
-                    <a:p>
-                      <a:pPr algn="ctr"/>
-                      <a:endParaRPr lang="de-DE" sz="1600"/>
-                    </a:p>
-                  </a:txBody>
-                  <a:tcPr>
-                    <a:lnR w="6350" cap="flat" cmpd="sng" algn="ctr">
-                      <a:solidFill>
-                        <a:schemeClr val="tx1"/>
-                      </a:solidFill>
-                      <a:prstDash val="sysDot"/>
-                      <a:round/>
-                      <a:headEnd type="none" w="med" len="med"/>
-                      <a:tailEnd type="none" w="med" len="med"/>
-                    </a:lnR>
-                    <a:lnT w="6350" cap="flat" cmpd="sng" algn="ctr">
-                      <a:solidFill>
-                        <a:schemeClr val="tx1"/>
-                      </a:solidFill>
-                      <a:prstDash val="sysDot"/>
-                      <a:round/>
-                      <a:headEnd type="none" w="med" len="med"/>
-                      <a:tailEnd type="none" w="med" len="med"/>
-                    </a:lnT>
-                  </a:tcPr>
-                </a:tc>
-                <a:tc>
-                  <a:txBody>
-                    <a:bodyPr/>
-                    <a:lstStyle/>
-                    <a:p>
-                      <a:pPr algn="ctr"/>
-                      <a:endParaRPr lang="de-DE" sz="1600" dirty="0"/>
-                    </a:p>
-                  </a:txBody>
-                  <a:tcPr>
-                    <a:lnL w="6350" cap="flat" cmpd="sng" algn="ctr">
-                      <a:solidFill>
-                        <a:schemeClr val="tx1"/>
-                      </a:solidFill>
-                      <a:prstDash val="sysDot"/>
-                      <a:round/>
-                      <a:headEnd type="none" w="med" len="med"/>
-                      <a:tailEnd type="none" w="med" len="med"/>
-                    </a:lnL>
-                    <a:lnR w="6350" cap="flat" cmpd="sng" algn="ctr">
-                      <a:solidFill>
-                        <a:schemeClr val="tx1"/>
-                      </a:solidFill>
-                      <a:prstDash val="sysDot"/>
-                      <a:round/>
-                      <a:headEnd type="none" w="med" len="med"/>
-                      <a:tailEnd type="none" w="med" len="med"/>
-                    </a:lnR>
-                    <a:lnT w="6350" cap="flat" cmpd="sng" algn="ctr">
-                      <a:solidFill>
-                        <a:schemeClr val="tx1"/>
-                      </a:solidFill>
-                      <a:prstDash val="sysDot"/>
-                      <a:round/>
-                      <a:headEnd type="none" w="med" len="med"/>
-                      <a:tailEnd type="none" w="med" len="med"/>
-                    </a:lnT>
-                  </a:tcPr>
-                </a:tc>
-                <a:tc>
-                  <a:txBody>
-                    <a:bodyPr/>
-                    <a:lstStyle/>
-                    <a:p>
-                      <a:pPr algn="ctr"/>
-                      <a:endParaRPr lang="de-DE" sz="1600" dirty="0"/>
+                      <a:endParaRPr lang="de-DE" sz="1200" dirty="0"/>
                     </a:p>
                   </a:txBody>
                   <a:tcPr>
@@ -10359,7 +8579,7 @@
                     <a:lstStyle/>
                     <a:p>
                       <a:pPr algn="ctr"/>
-                      <a:endParaRPr lang="de-DE" sz="1600" dirty="0"/>
+                      <a:endParaRPr lang="de-DE" sz="1200" dirty="0"/>
                     </a:p>
                   </a:txBody>
                   <a:tcPr>
@@ -10389,7 +8609,7 @@
                     <a:lstStyle/>
                     <a:p>
                       <a:pPr algn="ctr"/>
-                      <a:endParaRPr lang="de-DE" sz="1600" dirty="0"/>
+                      <a:endParaRPr lang="de-DE" sz="1200" dirty="0"/>
                     </a:p>
                   </a:txBody>
                   <a:tcPr>
@@ -10428,7 +8648,7 @@
                     <a:lstStyle/>
                     <a:p>
                       <a:pPr algn="ctr"/>
-                      <a:endParaRPr lang="de-DE" sz="1600" dirty="0"/>
+                      <a:endParaRPr lang="de-DE" sz="1200" dirty="0"/>
                     </a:p>
                   </a:txBody>
                   <a:tcPr>
@@ -10458,7 +8678,7 @@
                     <a:lstStyle/>
                     <a:p>
                       <a:pPr algn="ctr"/>
-                      <a:endParaRPr lang="de-DE" sz="1600" dirty="0"/>
+                      <a:endParaRPr lang="de-DE" sz="1200" dirty="0"/>
                     </a:p>
                   </a:txBody>
                   <a:tcPr>
@@ -10488,7 +8708,7 @@
                     <a:lstStyle/>
                     <a:p>
                       <a:pPr algn="ctr"/>
-                      <a:endParaRPr lang="de-DE" sz="1600" dirty="0"/>
+                      <a:endParaRPr lang="de-DE" sz="1200" dirty="0"/>
                     </a:p>
                   </a:txBody>
                   <a:tcPr>
@@ -10527,106 +8747,7 @@
                     <a:lstStyle/>
                     <a:p>
                       <a:pPr algn="ctr"/>
-                      <a:endParaRPr lang="de-DE" sz="1600" dirty="0"/>
-                    </a:p>
-                  </a:txBody>
-                  <a:tcPr>
-                    <a:lnL w="6350" cap="flat" cmpd="sng" algn="ctr">
-                      <a:solidFill>
-                        <a:schemeClr val="tx1"/>
-                      </a:solidFill>
-                      <a:prstDash val="sysDot"/>
-                      <a:round/>
-                      <a:headEnd type="none" w="med" len="med"/>
-                      <a:tailEnd type="none" w="med" len="med"/>
-                    </a:lnL>
-                    <a:lnB w="6350" cap="flat" cmpd="sng" algn="ctr">
-                      <a:solidFill>
-                        <a:schemeClr val="tx1"/>
-                      </a:solidFill>
-                      <a:prstDash val="sysDot"/>
-                      <a:round/>
-                      <a:headEnd type="none" w="med" len="med"/>
-                      <a:tailEnd type="none" w="med" len="med"/>
-                    </a:lnB>
-                  </a:tcPr>
-                </a:tc>
-                <a:tc>
-                  <a:txBody>
-                    <a:bodyPr/>
-                    <a:lstStyle/>
-                    <a:p>
-                      <a:pPr algn="ctr"/>
-                      <a:endParaRPr lang="de-DE" sz="1600"/>
-                    </a:p>
-                  </a:txBody>
-                  <a:tcPr>
-                    <a:lnR w="6350" cap="flat" cmpd="sng" algn="ctr">
-                      <a:solidFill>
-                        <a:schemeClr val="tx1"/>
-                      </a:solidFill>
-                      <a:prstDash val="sysDot"/>
-                      <a:round/>
-                      <a:headEnd type="none" w="med" len="med"/>
-                      <a:tailEnd type="none" w="med" len="med"/>
-                    </a:lnR>
-                    <a:lnB w="6350" cap="flat" cmpd="sng" algn="ctr">
-                      <a:solidFill>
-                        <a:schemeClr val="tx1"/>
-                      </a:solidFill>
-                      <a:prstDash val="sysDot"/>
-                      <a:round/>
-                      <a:headEnd type="none" w="med" len="med"/>
-                      <a:tailEnd type="none" w="med" len="med"/>
-                    </a:lnB>
-                  </a:tcPr>
-                </a:tc>
-                <a:tc>
-                  <a:txBody>
-                    <a:bodyPr/>
-                    <a:lstStyle/>
-                    <a:p>
-                      <a:pPr algn="ctr"/>
-                      <a:endParaRPr lang="de-DE" sz="1600" dirty="0"/>
-                    </a:p>
-                  </a:txBody>
-                  <a:tcPr>
-                    <a:lnL w="6350" cap="flat" cmpd="sng" algn="ctr">
-                      <a:solidFill>
-                        <a:schemeClr val="tx1"/>
-                      </a:solidFill>
-                      <a:prstDash val="sysDot"/>
-                      <a:round/>
-                      <a:headEnd type="none" w="med" len="med"/>
-                      <a:tailEnd type="none" w="med" len="med"/>
-                    </a:lnL>
-                    <a:lnR w="6350" cap="flat" cmpd="sng" algn="ctr">
-                      <a:solidFill>
-                        <a:schemeClr val="tx1"/>
-                      </a:solidFill>
-                      <a:prstDash val="sysDot"/>
-                      <a:round/>
-                      <a:headEnd type="none" w="med" len="med"/>
-                      <a:tailEnd type="none" w="med" len="med"/>
-                    </a:lnR>
-                    <a:lnB w="6350" cap="flat" cmpd="sng" algn="ctr">
-                      <a:solidFill>
-                        <a:schemeClr val="tx1"/>
-                      </a:solidFill>
-                      <a:prstDash val="sysDot"/>
-                      <a:round/>
-                      <a:headEnd type="none" w="med" len="med"/>
-                      <a:tailEnd type="none" w="med" len="med"/>
-                    </a:lnB>
-                  </a:tcPr>
-                </a:tc>
-                <a:tc>
-                  <a:txBody>
-                    <a:bodyPr/>
-                    <a:lstStyle/>
-                    <a:p>
-                      <a:pPr algn="ctr"/>
-                      <a:endParaRPr lang="de-DE" sz="1600" dirty="0"/>
+                      <a:endParaRPr lang="de-DE" sz="1200" dirty="0"/>
                     </a:p>
                   </a:txBody>
                   <a:tcPr>
@@ -10706,7 +8827,7 @@
                     <a:lstStyle/>
                     <a:p>
                       <a:pPr algn="ctr"/>
-                      <a:endParaRPr lang="de-DE" sz="1600" dirty="0"/>
+                      <a:endParaRPr lang="de-DE" sz="1200" dirty="0"/>
                     </a:p>
                   </a:txBody>
                   <a:tcPr>
@@ -10745,7 +8866,7 @@
                     <a:lstStyle/>
                     <a:p>
                       <a:pPr algn="ctr"/>
-                      <a:endParaRPr lang="de-DE" sz="1600" dirty="0"/>
+                      <a:endParaRPr lang="de-DE" sz="1200" dirty="0"/>
                     </a:p>
                   </a:txBody>
                   <a:tcPr>
@@ -10793,7 +8914,7 @@
                     <a:lstStyle/>
                     <a:p>
                       <a:pPr algn="ctr"/>
-                      <a:endParaRPr lang="de-DE" sz="1600" dirty="0"/>
+                      <a:endParaRPr lang="de-DE" sz="1200" dirty="0"/>
                     </a:p>
                   </a:txBody>
                   <a:tcPr>
@@ -10832,7 +8953,7 @@
                     <a:lstStyle/>
                     <a:p>
                       <a:pPr algn="ctr"/>
-                      <a:endParaRPr lang="de-DE" sz="1600" dirty="0"/>
+                      <a:endParaRPr lang="de-DE" sz="1200" dirty="0"/>
                     </a:p>
                   </a:txBody>
                   <a:tcPr>
@@ -10871,7 +8992,7 @@
                     <a:lstStyle/>
                     <a:p>
                       <a:pPr algn="ctr"/>
-                      <a:endParaRPr lang="de-DE" sz="1600" dirty="0"/>
+                      <a:endParaRPr lang="de-DE" sz="1200" dirty="0"/>
                     </a:p>
                   </a:txBody>
                   <a:tcPr>
@@ -10919,133 +9040,7 @@
                     <a:lstStyle/>
                     <a:p>
                       <a:pPr algn="ctr"/>
-                      <a:endParaRPr lang="de-DE" sz="1600" dirty="0"/>
-                    </a:p>
-                  </a:txBody>
-                  <a:tcPr>
-                    <a:lnL w="6350" cap="flat" cmpd="sng" algn="ctr">
-                      <a:solidFill>
-                        <a:schemeClr val="tx1"/>
-                      </a:solidFill>
-                      <a:prstDash val="sysDot"/>
-                      <a:round/>
-                      <a:headEnd type="none" w="med" len="med"/>
-                      <a:tailEnd type="none" w="med" len="med"/>
-                    </a:lnL>
-                    <a:lnT w="6350" cap="flat" cmpd="sng" algn="ctr">
-                      <a:solidFill>
-                        <a:schemeClr val="tx1"/>
-                      </a:solidFill>
-                      <a:prstDash val="sysDot"/>
-                      <a:round/>
-                      <a:headEnd type="none" w="med" len="med"/>
-                      <a:tailEnd type="none" w="med" len="med"/>
-                    </a:lnT>
-                    <a:lnB w="6350" cap="flat" cmpd="sng" algn="ctr">
-                      <a:solidFill>
-                        <a:schemeClr val="tx1"/>
-                      </a:solidFill>
-                      <a:prstDash val="sysDot"/>
-                      <a:round/>
-                      <a:headEnd type="none" w="med" len="med"/>
-                      <a:tailEnd type="none" w="med" len="med"/>
-                    </a:lnB>
-                  </a:tcPr>
-                </a:tc>
-                <a:tc>
-                  <a:txBody>
-                    <a:bodyPr/>
-                    <a:lstStyle/>
-                    <a:p>
-                      <a:pPr algn="ctr"/>
-                      <a:endParaRPr lang="de-DE" sz="1600" dirty="0"/>
-                    </a:p>
-                  </a:txBody>
-                  <a:tcPr>
-                    <a:lnR w="6350" cap="flat" cmpd="sng" algn="ctr">
-                      <a:solidFill>
-                        <a:schemeClr val="tx1"/>
-                      </a:solidFill>
-                      <a:prstDash val="sysDot"/>
-                      <a:round/>
-                      <a:headEnd type="none" w="med" len="med"/>
-                      <a:tailEnd type="none" w="med" len="med"/>
-                    </a:lnR>
-                    <a:lnT w="6350" cap="flat" cmpd="sng" algn="ctr">
-                      <a:solidFill>
-                        <a:schemeClr val="tx1"/>
-                      </a:solidFill>
-                      <a:prstDash val="sysDot"/>
-                      <a:round/>
-                      <a:headEnd type="none" w="med" len="med"/>
-                      <a:tailEnd type="none" w="med" len="med"/>
-                    </a:lnT>
-                    <a:lnB w="6350" cap="flat" cmpd="sng" algn="ctr">
-                      <a:solidFill>
-                        <a:schemeClr val="tx1"/>
-                      </a:solidFill>
-                      <a:prstDash val="sysDot"/>
-                      <a:round/>
-                      <a:headEnd type="none" w="med" len="med"/>
-                      <a:tailEnd type="none" w="med" len="med"/>
-                    </a:lnB>
-                  </a:tcPr>
-                </a:tc>
-                <a:tc>
-                  <a:txBody>
-                    <a:bodyPr/>
-                    <a:lstStyle/>
-                    <a:p>
-                      <a:pPr algn="ctr"/>
-                      <a:endParaRPr lang="de-DE" sz="1600" dirty="0"/>
-                    </a:p>
-                  </a:txBody>
-                  <a:tcPr>
-                    <a:lnL w="6350" cap="flat" cmpd="sng" algn="ctr">
-                      <a:solidFill>
-                        <a:schemeClr val="tx1"/>
-                      </a:solidFill>
-                      <a:prstDash val="sysDot"/>
-                      <a:round/>
-                      <a:headEnd type="none" w="med" len="med"/>
-                      <a:tailEnd type="none" w="med" len="med"/>
-                    </a:lnL>
-                    <a:lnR w="6350" cap="flat" cmpd="sng" algn="ctr">
-                      <a:solidFill>
-                        <a:schemeClr val="tx1"/>
-                      </a:solidFill>
-                      <a:prstDash val="sysDot"/>
-                      <a:round/>
-                      <a:headEnd type="none" w="med" len="med"/>
-                      <a:tailEnd type="none" w="med" len="med"/>
-                    </a:lnR>
-                    <a:lnT w="6350" cap="flat" cmpd="sng" algn="ctr">
-                      <a:solidFill>
-                        <a:schemeClr val="tx1"/>
-                      </a:solidFill>
-                      <a:prstDash val="sysDot"/>
-                      <a:round/>
-                      <a:headEnd type="none" w="med" len="med"/>
-                      <a:tailEnd type="none" w="med" len="med"/>
-                    </a:lnT>
-                    <a:lnB w="6350" cap="flat" cmpd="sng" algn="ctr">
-                      <a:solidFill>
-                        <a:schemeClr val="tx1"/>
-                      </a:solidFill>
-                      <a:prstDash val="sysDot"/>
-                      <a:round/>
-                      <a:headEnd type="none" w="med" len="med"/>
-                      <a:tailEnd type="none" w="med" len="med"/>
-                    </a:lnB>
-                  </a:tcPr>
-                </a:tc>
-                <a:tc>
-                  <a:txBody>
-                    <a:bodyPr/>
-                    <a:lstStyle/>
-                    <a:p>
-                      <a:pPr algn="ctr"/>
-                      <a:endParaRPr lang="de-DE" sz="1600" dirty="0"/>
+                      <a:endParaRPr lang="de-DE" sz="1200" dirty="0"/>
                     </a:p>
                   </a:txBody>
                   <a:tcPr>
@@ -11125,7 +9120,7 @@
                     <a:lstStyle/>
                     <a:p>
                       <a:pPr algn="ctr"/>
-                      <a:endParaRPr lang="de-DE" sz="1600" dirty="0"/>
+                      <a:endParaRPr lang="de-DE" sz="1200" dirty="0"/>
                     </a:p>
                   </a:txBody>
                   <a:tcPr>
@@ -11155,7 +9150,7 @@
                     <a:lstStyle/>
                     <a:p>
                       <a:pPr algn="ctr"/>
-                      <a:endParaRPr lang="de-DE" sz="1600" dirty="0"/>
+                      <a:endParaRPr lang="de-DE" sz="1200" dirty="0"/>
                     </a:p>
                   </a:txBody>
                   <a:tcPr>
@@ -11194,7 +9189,7 @@
                     <a:lstStyle/>
                     <a:p>
                       <a:pPr algn="ctr"/>
-                      <a:endParaRPr lang="de-DE" sz="1600" dirty="0"/>
+                      <a:endParaRPr lang="de-DE" sz="1200" dirty="0"/>
                     </a:p>
                   </a:txBody>
                   <a:tcPr>
@@ -11224,7 +9219,7 @@
                     <a:lstStyle/>
                     <a:p>
                       <a:pPr algn="ctr"/>
-                      <a:endParaRPr lang="de-DE" sz="1600"/>
+                      <a:endParaRPr lang="de-DE" sz="1200" dirty="0"/>
                     </a:p>
                   </a:txBody>
                   <a:tcPr>
@@ -11254,7 +9249,7 @@
                     <a:lstStyle/>
                     <a:p>
                       <a:pPr algn="ctr"/>
-                      <a:endParaRPr lang="de-DE" sz="1600"/>
+                      <a:endParaRPr lang="de-DE" sz="1200"/>
                     </a:p>
                   </a:txBody>
                   <a:tcPr>
@@ -11293,106 +9288,7 @@
                     <a:lstStyle/>
                     <a:p>
                       <a:pPr algn="ctr"/>
-                      <a:endParaRPr lang="de-DE" sz="1600" dirty="0"/>
-                    </a:p>
-                  </a:txBody>
-                  <a:tcPr>
-                    <a:lnL w="6350" cap="flat" cmpd="sng" algn="ctr">
-                      <a:solidFill>
-                        <a:schemeClr val="tx1"/>
-                      </a:solidFill>
-                      <a:prstDash val="sysDot"/>
-                      <a:round/>
-                      <a:headEnd type="none" w="med" len="med"/>
-                      <a:tailEnd type="none" w="med" len="med"/>
-                    </a:lnL>
-                    <a:lnT w="6350" cap="flat" cmpd="sng" algn="ctr">
-                      <a:solidFill>
-                        <a:schemeClr val="tx1"/>
-                      </a:solidFill>
-                      <a:prstDash val="sysDot"/>
-                      <a:round/>
-                      <a:headEnd type="none" w="med" len="med"/>
-                      <a:tailEnd type="none" w="med" len="med"/>
-                    </a:lnT>
-                  </a:tcPr>
-                </a:tc>
-                <a:tc>
-                  <a:txBody>
-                    <a:bodyPr/>
-                    <a:lstStyle/>
-                    <a:p>
-                      <a:pPr algn="ctr"/>
-                      <a:endParaRPr lang="de-DE" sz="1600" dirty="0"/>
-                    </a:p>
-                  </a:txBody>
-                  <a:tcPr>
-                    <a:lnR w="6350" cap="flat" cmpd="sng" algn="ctr">
-                      <a:solidFill>
-                        <a:schemeClr val="tx1"/>
-                      </a:solidFill>
-                      <a:prstDash val="sysDot"/>
-                      <a:round/>
-                      <a:headEnd type="none" w="med" len="med"/>
-                      <a:tailEnd type="none" w="med" len="med"/>
-                    </a:lnR>
-                    <a:lnT w="6350" cap="flat" cmpd="sng" algn="ctr">
-                      <a:solidFill>
-                        <a:schemeClr val="tx1"/>
-                      </a:solidFill>
-                      <a:prstDash val="sysDot"/>
-                      <a:round/>
-                      <a:headEnd type="none" w="med" len="med"/>
-                      <a:tailEnd type="none" w="med" len="med"/>
-                    </a:lnT>
-                  </a:tcPr>
-                </a:tc>
-                <a:tc>
-                  <a:txBody>
-                    <a:bodyPr/>
-                    <a:lstStyle/>
-                    <a:p>
-                      <a:pPr algn="ctr"/>
-                      <a:endParaRPr lang="de-DE" sz="1600" dirty="0"/>
-                    </a:p>
-                  </a:txBody>
-                  <a:tcPr>
-                    <a:lnL w="6350" cap="flat" cmpd="sng" algn="ctr">
-                      <a:solidFill>
-                        <a:schemeClr val="tx1"/>
-                      </a:solidFill>
-                      <a:prstDash val="sysDot"/>
-                      <a:round/>
-                      <a:headEnd type="none" w="med" len="med"/>
-                      <a:tailEnd type="none" w="med" len="med"/>
-                    </a:lnL>
-                    <a:lnR w="6350" cap="flat" cmpd="sng" algn="ctr">
-                      <a:solidFill>
-                        <a:schemeClr val="tx1"/>
-                      </a:solidFill>
-                      <a:prstDash val="sysDot"/>
-                      <a:round/>
-                      <a:headEnd type="none" w="med" len="med"/>
-                      <a:tailEnd type="none" w="med" len="med"/>
-                    </a:lnR>
-                    <a:lnT w="6350" cap="flat" cmpd="sng" algn="ctr">
-                      <a:solidFill>
-                        <a:schemeClr val="tx1"/>
-                      </a:solidFill>
-                      <a:prstDash val="sysDot"/>
-                      <a:round/>
-                      <a:headEnd type="none" w="med" len="med"/>
-                      <a:tailEnd type="none" w="med" len="med"/>
-                    </a:lnT>
-                  </a:tcPr>
-                </a:tc>
-                <a:tc>
-                  <a:txBody>
-                    <a:bodyPr/>
-                    <a:lstStyle/>
-                    <a:p>
-                      <a:pPr algn="ctr"/>
-                      <a:endParaRPr lang="de-DE" sz="1600" dirty="0"/>
+                      <a:endParaRPr lang="de-DE" sz="1200" dirty="0"/>
                     </a:p>
                   </a:txBody>
                   <a:tcPr>
@@ -11486,7 +9382,7 @@
                     <a:p>
                       <a:pPr algn="ctr"/>
                       <a:r>
-                        <a:rPr lang="de-DE" sz="1600" dirty="0"/>
+                        <a:rPr lang="de-DE" sz="1200" dirty="0"/>
                         <a:t>4,392</a:t>
                       </a:r>
                     </a:p>
@@ -11519,7 +9415,7 @@
                     <a:p>
                       <a:pPr algn="ctr"/>
                       <a:r>
-                        <a:rPr lang="de-DE" sz="1600" dirty="0"/>
+                        <a:rPr lang="de-DE" sz="1200" dirty="0"/>
                         <a:t>22,342</a:t>
                       </a:r>
                     </a:p>
@@ -11561,7 +9457,7 @@
                     <a:p>
                       <a:pPr algn="ctr"/>
                       <a:r>
-                        <a:rPr lang="de-DE" sz="1600" dirty="0"/>
+                        <a:rPr lang="de-DE" sz="1200" dirty="0"/>
                         <a:t>156,824</a:t>
                       </a:r>
                     </a:p>
@@ -11594,14 +9490,7 @@
                     <a:p>
                       <a:pPr algn="ctr"/>
                       <a:r>
-                        <a:rPr lang="de-DE" sz="1600" dirty="0"/>
-                        <a:t>161 /</a:t>
-                      </a:r>
-                    </a:p>
-                    <a:p>
-                      <a:pPr algn="ctr"/>
-                      <a:r>
-                        <a:rPr lang="de-DE" sz="1600" dirty="0"/>
+                        <a:rPr lang="de-DE" sz="1200" dirty="0"/>
                         <a:t>25456</a:t>
                       </a:r>
                     </a:p>
@@ -11634,14 +9523,7 @@
                     <a:p>
                       <a:pPr algn="ctr"/>
                       <a:r>
-                        <a:rPr lang="de-DE" sz="1600" dirty="0"/>
-                        <a:t>683 /</a:t>
-                      </a:r>
-                    </a:p>
-                    <a:p>
-                      <a:pPr algn="ctr"/>
-                      <a:r>
-                        <a:rPr lang="de-DE" sz="1600" dirty="0"/>
+                        <a:rPr lang="de-DE" sz="1200" dirty="0"/>
                         <a:t>33234</a:t>
                       </a:r>
                     </a:p>
@@ -11683,123 +9565,8 @@
                     <a:p>
                       <a:pPr algn="ctr"/>
                       <a:r>
-                        <a:rPr lang="de-DE" sz="1600" dirty="0"/>
-                        <a:t>14027 /</a:t>
-                      </a:r>
-                    </a:p>
-                    <a:p>
-                      <a:pPr algn="ctr"/>
-                      <a:r>
-                        <a:rPr lang="de-DE" sz="1600" dirty="0"/>
+                        <a:rPr lang="de-DE" sz="1200" dirty="0"/>
                         <a:t>54069</a:t>
-                      </a:r>
-                    </a:p>
-                  </a:txBody>
-                  <a:tcPr>
-                    <a:lnL w="6350" cap="flat" cmpd="sng" algn="ctr">
-                      <a:solidFill>
-                        <a:schemeClr val="tx1"/>
-                      </a:solidFill>
-                      <a:prstDash val="sysDot"/>
-                      <a:round/>
-                      <a:headEnd type="none" w="med" len="med"/>
-                      <a:tailEnd type="none" w="med" len="med"/>
-                    </a:lnL>
-                    <a:lnB w="6350" cap="flat" cmpd="sng" algn="ctr">
-                      <a:solidFill>
-                        <a:schemeClr val="tx1"/>
-                      </a:solidFill>
-                      <a:prstDash val="sysDot"/>
-                      <a:round/>
-                      <a:headEnd type="none" w="med" len="med"/>
-                      <a:tailEnd type="none" w="med" len="med"/>
-                    </a:lnB>
-                  </a:tcPr>
-                </a:tc>
-                <a:tc>
-                  <a:txBody>
-                    <a:bodyPr/>
-                    <a:lstStyle/>
-                    <a:p>
-                      <a:pPr algn="ctr"/>
-                      <a:r>
-                        <a:rPr lang="de-DE" sz="1600" dirty="0"/>
-                        <a:t>f6-&gt;g7</a:t>
-                      </a:r>
-                    </a:p>
-                  </a:txBody>
-                  <a:tcPr>
-                    <a:lnR w="6350" cap="flat" cmpd="sng" algn="ctr">
-                      <a:solidFill>
-                        <a:schemeClr val="tx1"/>
-                      </a:solidFill>
-                      <a:prstDash val="sysDot"/>
-                      <a:round/>
-                      <a:headEnd type="none" w="med" len="med"/>
-                      <a:tailEnd type="none" w="med" len="med"/>
-                    </a:lnR>
-                    <a:lnB w="6350" cap="flat" cmpd="sng" algn="ctr">
-                      <a:solidFill>
-                        <a:schemeClr val="tx1"/>
-                      </a:solidFill>
-                      <a:prstDash val="sysDot"/>
-                      <a:round/>
-                      <a:headEnd type="none" w="med" len="med"/>
-                      <a:tailEnd type="none" w="med" len="med"/>
-                    </a:lnB>
-                  </a:tcPr>
-                </a:tc>
-                <a:tc>
-                  <a:txBody>
-                    <a:bodyPr/>
-                    <a:lstStyle/>
-                    <a:p>
-                      <a:pPr algn="ctr"/>
-                      <a:r>
-                        <a:rPr lang="de-DE" sz="1600" dirty="0"/>
-                        <a:t>b3-&gt;c4</a:t>
-                      </a:r>
-                    </a:p>
-                  </a:txBody>
-                  <a:tcPr>
-                    <a:lnL w="6350" cap="flat" cmpd="sng" algn="ctr">
-                      <a:solidFill>
-                        <a:schemeClr val="tx1"/>
-                      </a:solidFill>
-                      <a:prstDash val="sysDot"/>
-                      <a:round/>
-                      <a:headEnd type="none" w="med" len="med"/>
-                      <a:tailEnd type="none" w="med" len="med"/>
-                    </a:lnL>
-                    <a:lnR w="6350" cap="flat" cmpd="sng" algn="ctr">
-                      <a:solidFill>
-                        <a:schemeClr val="tx1"/>
-                      </a:solidFill>
-                      <a:prstDash val="sysDot"/>
-                      <a:round/>
-                      <a:headEnd type="none" w="med" len="med"/>
-                      <a:tailEnd type="none" w="med" len="med"/>
-                    </a:lnR>
-                    <a:lnB w="6350" cap="flat" cmpd="sng" algn="ctr">
-                      <a:solidFill>
-                        <a:schemeClr val="tx1"/>
-                      </a:solidFill>
-                      <a:prstDash val="sysDot"/>
-                      <a:round/>
-                      <a:headEnd type="none" w="med" len="med"/>
-                      <a:tailEnd type="none" w="med" len="med"/>
-                    </a:lnB>
-                  </a:tcPr>
-                </a:tc>
-                <a:tc>
-                  <a:txBody>
-                    <a:bodyPr/>
-                    <a:lstStyle/>
-                    <a:p>
-                      <a:pPr algn="ctr"/>
-                      <a:r>
-                        <a:rPr lang="de-DE" sz="1600" dirty="0"/>
-                        <a:t>f6-&gt;g7</a:t>
                       </a:r>
                     </a:p>
                   </a:txBody>
@@ -11881,7 +9648,7 @@
                     <a:p>
                       <a:pPr algn="ctr"/>
                       <a:r>
-                        <a:rPr lang="de-DE" sz="1600" dirty="0"/>
+                        <a:rPr lang="de-DE" sz="1200" dirty="0"/>
                         <a:t>14,264</a:t>
                       </a:r>
                     </a:p>
@@ -11923,7 +9690,7 @@
                     <a:p>
                       <a:pPr algn="ctr"/>
                       <a:r>
-                        <a:rPr lang="de-DE" sz="1600" dirty="0"/>
+                        <a:rPr lang="de-DE" sz="1200" dirty="0"/>
                         <a:t>354,884</a:t>
                       </a:r>
                     </a:p>
@@ -11974,7 +9741,7 @@
                     <a:p>
                       <a:pPr algn="ctr"/>
                       <a:r>
-                        <a:rPr lang="de-DE" sz="1600" dirty="0"/>
+                        <a:rPr lang="de-DE" sz="1200" dirty="0"/>
                         <a:t>6899,813</a:t>
                       </a:r>
                     </a:p>
@@ -12016,14 +9783,7 @@
                     <a:p>
                       <a:pPr algn="ctr"/>
                       <a:r>
-                        <a:rPr lang="de-DE" sz="1600" dirty="0"/>
-                        <a:t>594 /</a:t>
-                      </a:r>
-                    </a:p>
-                    <a:p>
-                      <a:pPr algn="ctr"/>
-                      <a:r>
-                        <a:rPr lang="de-DE" sz="1600" dirty="0"/>
+                        <a:rPr lang="de-DE" sz="1200" dirty="0"/>
                         <a:t>41539</a:t>
                       </a:r>
                     </a:p>
@@ -12065,14 +9825,7 @@
                     <a:p>
                       <a:pPr algn="ctr"/>
                       <a:r>
-                        <a:rPr lang="de-DE" sz="1600" dirty="0"/>
-                        <a:t>18461 /</a:t>
-                      </a:r>
-                    </a:p>
-                    <a:p>
-                      <a:pPr algn="ctr"/>
-                      <a:r>
-                        <a:rPr lang="de-DE" sz="1600" dirty="0"/>
+                        <a:rPr lang="de-DE" sz="1200" dirty="0"/>
                         <a:t>40410</a:t>
                       </a:r>
                     </a:p>
@@ -12123,150 +9876,8 @@
                     <a:p>
                       <a:pPr algn="ctr"/>
                       <a:r>
-                        <a:rPr lang="de-DE" sz="1600" dirty="0"/>
-                        <a:t>339728 /</a:t>
-                      </a:r>
-                    </a:p>
-                    <a:p>
-                      <a:pPr algn="ctr"/>
-                      <a:r>
-                        <a:rPr lang="de-DE" sz="1600" dirty="0"/>
+                        <a:rPr lang="de-DE" sz="1200" dirty="0"/>
                         <a:t>49367</a:t>
-                      </a:r>
-                    </a:p>
-                  </a:txBody>
-                  <a:tcPr>
-                    <a:lnL w="6350" cap="flat" cmpd="sng" algn="ctr">
-                      <a:solidFill>
-                        <a:schemeClr val="tx1"/>
-                      </a:solidFill>
-                      <a:prstDash val="sysDot"/>
-                      <a:round/>
-                      <a:headEnd type="none" w="med" len="med"/>
-                      <a:tailEnd type="none" w="med" len="med"/>
-                    </a:lnL>
-                    <a:lnT w="6350" cap="flat" cmpd="sng" algn="ctr">
-                      <a:solidFill>
-                        <a:schemeClr val="tx1"/>
-                      </a:solidFill>
-                      <a:prstDash val="sysDot"/>
-                      <a:round/>
-                      <a:headEnd type="none" w="med" len="med"/>
-                      <a:tailEnd type="none" w="med" len="med"/>
-                    </a:lnT>
-                    <a:lnB w="6350" cap="flat" cmpd="sng" algn="ctr">
-                      <a:solidFill>
-                        <a:schemeClr val="tx1"/>
-                      </a:solidFill>
-                      <a:prstDash val="sysDot"/>
-                      <a:round/>
-                      <a:headEnd type="none" w="med" len="med"/>
-                      <a:tailEnd type="none" w="med" len="med"/>
-                    </a:lnB>
-                  </a:tcPr>
-                </a:tc>
-                <a:tc>
-                  <a:txBody>
-                    <a:bodyPr/>
-                    <a:lstStyle/>
-                    <a:p>
-                      <a:pPr algn="ctr"/>
-                      <a:r>
-                        <a:rPr lang="de-DE" sz="1600" dirty="0"/>
-                        <a:t>a2-&gt;b3</a:t>
-                      </a:r>
-                    </a:p>
-                  </a:txBody>
-                  <a:tcPr>
-                    <a:lnR w="6350" cap="flat" cmpd="sng" algn="ctr">
-                      <a:solidFill>
-                        <a:schemeClr val="tx1"/>
-                      </a:solidFill>
-                      <a:prstDash val="sysDot"/>
-                      <a:round/>
-                      <a:headEnd type="none" w="med" len="med"/>
-                      <a:tailEnd type="none" w="med" len="med"/>
-                    </a:lnR>
-                    <a:lnT w="6350" cap="flat" cmpd="sng" algn="ctr">
-                      <a:solidFill>
-                        <a:schemeClr val="tx1"/>
-                      </a:solidFill>
-                      <a:prstDash val="sysDot"/>
-                      <a:round/>
-                      <a:headEnd type="none" w="med" len="med"/>
-                      <a:tailEnd type="none" w="med" len="med"/>
-                    </a:lnT>
-                    <a:lnB w="6350" cap="flat" cmpd="sng" algn="ctr">
-                      <a:solidFill>
-                        <a:schemeClr val="tx1"/>
-                      </a:solidFill>
-                      <a:prstDash val="sysDot"/>
-                      <a:round/>
-                      <a:headEnd type="none" w="med" len="med"/>
-                      <a:tailEnd type="none" w="med" len="med"/>
-                    </a:lnB>
-                  </a:tcPr>
-                </a:tc>
-                <a:tc>
-                  <a:txBody>
-                    <a:bodyPr/>
-                    <a:lstStyle/>
-                    <a:p>
-                      <a:pPr algn="ctr"/>
-                      <a:r>
-                        <a:rPr lang="de-DE" sz="1600" dirty="0"/>
-                        <a:t>e2-&gt;e3</a:t>
-                      </a:r>
-                    </a:p>
-                  </a:txBody>
-                  <a:tcPr>
-                    <a:lnL w="6350" cap="flat" cmpd="sng" algn="ctr">
-                      <a:solidFill>
-                        <a:schemeClr val="tx1"/>
-                      </a:solidFill>
-                      <a:prstDash val="sysDot"/>
-                      <a:round/>
-                      <a:headEnd type="none" w="med" len="med"/>
-                      <a:tailEnd type="none" w="med" len="med"/>
-                    </a:lnL>
-                    <a:lnR w="6350" cap="flat" cmpd="sng" algn="ctr">
-                      <a:solidFill>
-                        <a:schemeClr val="tx1"/>
-                      </a:solidFill>
-                      <a:prstDash val="sysDot"/>
-                      <a:round/>
-                      <a:headEnd type="none" w="med" len="med"/>
-                      <a:tailEnd type="none" w="med" len="med"/>
-                    </a:lnR>
-                    <a:lnT w="6350" cap="flat" cmpd="sng" algn="ctr">
-                      <a:solidFill>
-                        <a:schemeClr val="tx1"/>
-                      </a:solidFill>
-                      <a:prstDash val="sysDot"/>
-                      <a:round/>
-                      <a:headEnd type="none" w="med" len="med"/>
-                      <a:tailEnd type="none" w="med" len="med"/>
-                    </a:lnT>
-                    <a:lnB w="6350" cap="flat" cmpd="sng" algn="ctr">
-                      <a:solidFill>
-                        <a:schemeClr val="tx1"/>
-                      </a:solidFill>
-                      <a:prstDash val="sysDot"/>
-                      <a:round/>
-                      <a:headEnd type="none" w="med" len="med"/>
-                      <a:tailEnd type="none" w="med" len="med"/>
-                    </a:lnB>
-                  </a:tcPr>
-                </a:tc>
-                <a:tc>
-                  <a:txBody>
-                    <a:bodyPr/>
-                    <a:lstStyle/>
-                    <a:p>
-                      <a:pPr algn="ctr"/>
-                      <a:r>
-                        <a:rPr lang="de-DE" sz="1600" dirty="0"/>
-                        <a:t>a2-&gt;b3</a:t>
                       </a:r>
                     </a:p>
                   </a:txBody>
@@ -12348,7 +9959,7 @@
                     <a:p>
                       <a:pPr algn="ctr"/>
                       <a:r>
-                        <a:rPr lang="de-DE" sz="1600" dirty="0"/>
+                        <a:rPr lang="de-DE" sz="1200" dirty="0"/>
                         <a:t>4,009</a:t>
                       </a:r>
                     </a:p>
@@ -12381,7 +9992,7 @@
                     <a:p>
                       <a:pPr algn="ctr"/>
                       <a:r>
-                        <a:rPr lang="de-DE" sz="1600" dirty="0"/>
+                        <a:rPr lang="de-DE" sz="1200" dirty="0"/>
                         <a:t>65,313</a:t>
                       </a:r>
                     </a:p>
@@ -12423,7 +10034,7 @@
                     <a:p>
                       <a:pPr algn="ctr"/>
                       <a:r>
-                        <a:rPr lang="de-DE" sz="1600" dirty="0"/>
+                        <a:rPr lang="de-DE" sz="1200" dirty="0"/>
                         <a:t>641,174</a:t>
                       </a:r>
                     </a:p>
@@ -12456,14 +10067,7 @@
                     <a:p>
                       <a:pPr algn="ctr"/>
                       <a:r>
-                        <a:rPr lang="de-DE" sz="1600" dirty="0"/>
-                        <a:t>226 /</a:t>
-                      </a:r>
-                    </a:p>
-                    <a:p>
-                      <a:pPr algn="ctr"/>
-                      <a:r>
-                        <a:rPr lang="de-DE" sz="1600" dirty="0"/>
+                        <a:rPr lang="de-DE" sz="1200" dirty="0"/>
                         <a:t>65781</a:t>
                       </a:r>
                     </a:p>
@@ -12496,14 +10100,7 @@
                     <a:p>
                       <a:pPr algn="ctr"/>
                       <a:r>
-                        <a:rPr lang="de-DE" sz="1600" dirty="0"/>
-                        <a:t>4003 /</a:t>
-                      </a:r>
-                    </a:p>
-                    <a:p>
-                      <a:pPr algn="ctr"/>
-                      <a:r>
-                        <a:rPr lang="de-DE" sz="1600" dirty="0"/>
+                        <a:rPr lang="de-DE" sz="1200" dirty="0"/>
                         <a:t>66569</a:t>
                       </a:r>
                     </a:p>
@@ -12545,123 +10142,8 @@
                     <a:p>
                       <a:pPr algn="ctr"/>
                       <a:r>
-                        <a:rPr lang="de-DE" sz="1600" dirty="0"/>
-                        <a:t>38115 /</a:t>
-                      </a:r>
-                    </a:p>
-                    <a:p>
-                      <a:pPr algn="ctr"/>
-                      <a:r>
-                        <a:rPr lang="de-DE" sz="1600" dirty="0"/>
+                        <a:rPr lang="de-DE" sz="1200" dirty="0"/>
                         <a:t>59179</a:t>
-                      </a:r>
-                    </a:p>
-                  </a:txBody>
-                  <a:tcPr>
-                    <a:lnL w="6350" cap="flat" cmpd="sng" algn="ctr">
-                      <a:solidFill>
-                        <a:schemeClr val="tx1"/>
-                      </a:solidFill>
-                      <a:prstDash val="sysDot"/>
-                      <a:round/>
-                      <a:headEnd type="none" w="med" len="med"/>
-                      <a:tailEnd type="none" w="med" len="med"/>
-                    </a:lnL>
-                    <a:lnT w="6350" cap="flat" cmpd="sng" algn="ctr">
-                      <a:solidFill>
-                        <a:schemeClr val="tx1"/>
-                      </a:solidFill>
-                      <a:prstDash val="sysDot"/>
-                      <a:round/>
-                      <a:headEnd type="none" w="med" len="med"/>
-                      <a:tailEnd type="none" w="med" len="med"/>
-                    </a:lnT>
-                  </a:tcPr>
-                </a:tc>
-                <a:tc>
-                  <a:txBody>
-                    <a:bodyPr/>
-                    <a:lstStyle/>
-                    <a:p>
-                      <a:pPr algn="ctr"/>
-                      <a:r>
-                        <a:rPr lang="de-DE" sz="1600" dirty="0"/>
-                        <a:t>e2-&gt;b5</a:t>
-                      </a:r>
-                    </a:p>
-                  </a:txBody>
-                  <a:tcPr>
-                    <a:lnR w="6350" cap="flat" cmpd="sng" algn="ctr">
-                      <a:solidFill>
-                        <a:schemeClr val="tx1"/>
-                      </a:solidFill>
-                      <a:prstDash val="sysDot"/>
-                      <a:round/>
-                      <a:headEnd type="none" w="med" len="med"/>
-                      <a:tailEnd type="none" w="med" len="med"/>
-                    </a:lnR>
-                    <a:lnT w="6350" cap="flat" cmpd="sng" algn="ctr">
-                      <a:solidFill>
-                        <a:schemeClr val="tx1"/>
-                      </a:solidFill>
-                      <a:prstDash val="sysDot"/>
-                      <a:round/>
-                      <a:headEnd type="none" w="med" len="med"/>
-                      <a:tailEnd type="none" w="med" len="med"/>
-                    </a:lnT>
-                  </a:tcPr>
-                </a:tc>
-                <a:tc>
-                  <a:txBody>
-                    <a:bodyPr/>
-                    <a:lstStyle/>
-                    <a:p>
-                      <a:pPr algn="ctr"/>
-                      <a:r>
-                        <a:rPr lang="de-DE" sz="1600" dirty="0"/>
-                        <a:t>e2-&gt;e8</a:t>
-                      </a:r>
-                    </a:p>
-                  </a:txBody>
-                  <a:tcPr>
-                    <a:lnL w="6350" cap="flat" cmpd="sng" algn="ctr">
-                      <a:solidFill>
-                        <a:schemeClr val="tx1"/>
-                      </a:solidFill>
-                      <a:prstDash val="sysDot"/>
-                      <a:round/>
-                      <a:headEnd type="none" w="med" len="med"/>
-                      <a:tailEnd type="none" w="med" len="med"/>
-                    </a:lnL>
-                    <a:lnR w="6350" cap="flat" cmpd="sng" algn="ctr">
-                      <a:solidFill>
-                        <a:schemeClr val="tx1"/>
-                      </a:solidFill>
-                      <a:prstDash val="sysDot"/>
-                      <a:round/>
-                      <a:headEnd type="none" w="med" len="med"/>
-                      <a:tailEnd type="none" w="med" len="med"/>
-                    </a:lnR>
-                    <a:lnT w="6350" cap="flat" cmpd="sng" algn="ctr">
-                      <a:solidFill>
-                        <a:schemeClr val="tx1"/>
-                      </a:solidFill>
-                      <a:prstDash val="sysDot"/>
-                      <a:round/>
-                      <a:headEnd type="none" w="med" len="med"/>
-                      <a:tailEnd type="none" w="med" len="med"/>
-                    </a:lnT>
-                  </a:tcPr>
-                </a:tc>
-                <a:tc>
-                  <a:txBody>
-                    <a:bodyPr/>
-                    <a:lstStyle/>
-                    <a:p>
-                      <a:pPr algn="ctr"/>
-                      <a:r>
-                        <a:rPr lang="de-DE" sz="1600" dirty="0"/>
-                        <a:t>e2-&gt;e8</a:t>
                       </a:r>
                     </a:p>
                   </a:txBody>
@@ -12696,6 +10178,41 @@
           </a:graphicData>
         </a:graphic>
       </p:graphicFrame>
+      <p:sp>
+        <p:nvSpPr>
+          <p:cNvPr id="5" name="Titel 1">
+            <a:extLst>
+              <a:ext uri="{FF2B5EF4-FFF2-40B4-BE49-F238E27FC236}">
+                <a16:creationId xmlns:a16="http://schemas.microsoft.com/office/drawing/2014/main" id="{E92E3D90-F69F-A022-BBD0-9FE30C540A45}"/>
+              </a:ext>
+            </a:extLst>
+          </p:cNvPr>
+          <p:cNvSpPr>
+            <a:spLocks noGrp="1"/>
+          </p:cNvSpPr>
+          <p:nvPr>
+            <p:ph type="title"/>
+          </p:nvPr>
+        </p:nvSpPr>
+        <p:spPr>
+          <a:xfrm>
+            <a:off x="838200" y="365125"/>
+            <a:ext cx="10515600" cy="1325563"/>
+          </a:xfrm>
+        </p:spPr>
+        <p:txBody>
+          <a:bodyPr/>
+          <a:lstStyle/>
+          <a:p>
+            <a:r>
+              <a:rPr lang="de-DE" dirty="0">
+                <a:latin typeface="DM Sans" pitchFamily="2" charset="77"/>
+              </a:rPr>
+              <a:t>AlphaBeta (mit Cutoffs) Benchmarks</a:t>
+            </a:r>
+          </a:p>
+        </p:txBody>
+      </p:sp>
     </p:spTree>
     <p:extLst>
       <p:ext uri="{BB962C8B-B14F-4D97-AF65-F5344CB8AC3E}">
@@ -12726,12 +10243,1200 @@
           <a:chExt cx="0" cy="0"/>
         </a:xfrm>
       </p:grpSpPr>
+      <p:graphicFrame>
+        <p:nvGraphicFramePr>
+          <p:cNvPr id="8" name="Tabelle 11">
+            <a:extLst>
+              <a:ext uri="{FF2B5EF4-FFF2-40B4-BE49-F238E27FC236}">
+                <a16:creationId xmlns:a16="http://schemas.microsoft.com/office/drawing/2014/main" id="{03783885-12AE-EC99-F91D-4AE98D440599}"/>
+              </a:ext>
+            </a:extLst>
+          </p:cNvPr>
+          <p:cNvGraphicFramePr>
+            <a:graphicFrameLocks noGrp="1"/>
+          </p:cNvGraphicFramePr>
+          <p:nvPr>
+            <p:extLst>
+              <p:ext uri="{D42A27DB-BD31-4B8C-83A1-F6EECF244321}">
+                <p14:modId xmlns:p14="http://schemas.microsoft.com/office/powerpoint/2010/main" val="2603880847"/>
+              </p:ext>
+            </p:extLst>
+          </p:nvPr>
+        </p:nvGraphicFramePr>
+        <p:xfrm>
+          <a:off x="2856781" y="2502235"/>
+          <a:ext cx="6478438" cy="1920240"/>
+        </p:xfrm>
+        <a:graphic>
+          <a:graphicData uri="http://schemas.openxmlformats.org/drawingml/2006/table">
+            <a:tbl>
+              <a:tblPr firstRow="1" bandRow="1">
+                <a:tableStyleId>{D7AC3CCA-C797-4891-BE02-D94E43425B78}</a:tableStyleId>
+              </a:tblPr>
+              <a:tblGrid>
+                <a:gridCol w="879895">
+                  <a:extLst>
+                    <a:ext uri="{9D8B030D-6E8A-4147-A177-3AD203B41FA5}">
+                      <a16:colId xmlns:a16="http://schemas.microsoft.com/office/drawing/2014/main" val="4034185946"/>
+                    </a:ext>
+                  </a:extLst>
+                </a:gridCol>
+                <a:gridCol w="940279">
+                  <a:extLst>
+                    <a:ext uri="{9D8B030D-6E8A-4147-A177-3AD203B41FA5}">
+                      <a16:colId xmlns:a16="http://schemas.microsoft.com/office/drawing/2014/main" val="3667442282"/>
+                    </a:ext>
+                  </a:extLst>
+                </a:gridCol>
+                <a:gridCol w="1043796">
+                  <a:extLst>
+                    <a:ext uri="{9D8B030D-6E8A-4147-A177-3AD203B41FA5}">
+                      <a16:colId xmlns:a16="http://schemas.microsoft.com/office/drawing/2014/main" val="3760187539"/>
+                    </a:ext>
+                  </a:extLst>
+                </a:gridCol>
+                <a:gridCol w="1018635">
+                  <a:extLst>
+                    <a:ext uri="{9D8B030D-6E8A-4147-A177-3AD203B41FA5}">
+                      <a16:colId xmlns:a16="http://schemas.microsoft.com/office/drawing/2014/main" val="1504315138"/>
+                    </a:ext>
+                  </a:extLst>
+                </a:gridCol>
+                <a:gridCol w="827418">
+                  <a:extLst>
+                    <a:ext uri="{9D8B030D-6E8A-4147-A177-3AD203B41FA5}">
+                      <a16:colId xmlns:a16="http://schemas.microsoft.com/office/drawing/2014/main" val="1475980084"/>
+                    </a:ext>
+                  </a:extLst>
+                </a:gridCol>
+                <a:gridCol w="828136">
+                  <a:extLst>
+                    <a:ext uri="{9D8B030D-6E8A-4147-A177-3AD203B41FA5}">
+                      <a16:colId xmlns:a16="http://schemas.microsoft.com/office/drawing/2014/main" val="2013879485"/>
+                    </a:ext>
+                  </a:extLst>
+                </a:gridCol>
+                <a:gridCol w="940279">
+                  <a:extLst>
+                    <a:ext uri="{9D8B030D-6E8A-4147-A177-3AD203B41FA5}">
+                      <a16:colId xmlns:a16="http://schemas.microsoft.com/office/drawing/2014/main" val="183763412"/>
+                    </a:ext>
+                  </a:extLst>
+                </a:gridCol>
+              </a:tblGrid>
+              <a:tr h="512409">
+                <a:tc rowSpan="2">
+                  <a:txBody>
+                    <a:bodyPr/>
+                    <a:lstStyle/>
+                    <a:p>
+                      <a:pPr algn="ctr"/>
+                      <a:r>
+                        <a:rPr lang="de-DE" sz="1600" dirty="0"/>
+                        <a:t>Stellung</a:t>
+                      </a:r>
+                    </a:p>
+                  </a:txBody>
+                  <a:tcPr/>
+                </a:tc>
+                <a:tc gridSpan="3">
+                  <a:txBody>
+                    <a:bodyPr/>
+                    <a:lstStyle/>
+                    <a:p>
+                      <a:pPr algn="ctr"/>
+                      <a:r>
+                        <a:rPr lang="de-DE" sz="1600" dirty="0"/>
+                        <a:t>Anzahl untersuchter Stellungen je nach Suchtiefe d</a:t>
+                      </a:r>
+                    </a:p>
+                  </a:txBody>
+                  <a:tcPr>
+                    <a:lnB w="6350" cap="flat" cmpd="sng" algn="ctr">
+                      <a:solidFill>
+                        <a:schemeClr val="tx1"/>
+                      </a:solidFill>
+                      <a:prstDash val="sysDot"/>
+                      <a:round/>
+                      <a:headEnd type="none" w="med" len="med"/>
+                      <a:tailEnd type="none" w="med" len="med"/>
+                    </a:lnB>
+                  </a:tcPr>
+                </a:tc>
+                <a:tc hMerge="1">
+                  <a:txBody>
+                    <a:bodyPr/>
+                    <a:lstStyle/>
+                    <a:p>
+                      <a:endParaRPr lang="de-DE"/>
+                    </a:p>
+                  </a:txBody>
+                  <a:tcPr/>
+                </a:tc>
+                <a:tc hMerge="1">
+                  <a:txBody>
+                    <a:bodyPr/>
+                    <a:lstStyle/>
+                    <a:p>
+                      <a:endParaRPr lang="de-DE"/>
+                    </a:p>
+                  </a:txBody>
+                  <a:tcPr/>
+                </a:tc>
+                <a:tc gridSpan="3">
+                  <a:txBody>
+                    <a:bodyPr/>
+                    <a:lstStyle/>
+                    <a:p>
+                      <a:pPr algn="ctr"/>
+                      <a:r>
+                        <a:rPr lang="de-DE" sz="1600" dirty="0"/>
+                        <a:t>Bester Zug je nach Suchtiefe d</a:t>
+                      </a:r>
+                    </a:p>
+                  </a:txBody>
+                  <a:tcPr>
+                    <a:lnB w="6350" cap="flat" cmpd="sng" algn="ctr">
+                      <a:solidFill>
+                        <a:schemeClr val="tx1"/>
+                      </a:solidFill>
+                      <a:prstDash val="sysDot"/>
+                      <a:round/>
+                      <a:headEnd type="none" w="med" len="med"/>
+                      <a:tailEnd type="none" w="med" len="med"/>
+                    </a:lnB>
+                  </a:tcPr>
+                </a:tc>
+                <a:tc hMerge="1">
+                  <a:txBody>
+                    <a:bodyPr/>
+                    <a:lstStyle/>
+                    <a:p>
+                      <a:endParaRPr lang="de-DE"/>
+                    </a:p>
+                  </a:txBody>
+                  <a:tcPr/>
+                </a:tc>
+                <a:tc hMerge="1">
+                  <a:txBody>
+                    <a:bodyPr/>
+                    <a:lstStyle/>
+                    <a:p>
+                      <a:endParaRPr lang="de-DE"/>
+                    </a:p>
+                  </a:txBody>
+                  <a:tcPr/>
+                </a:tc>
+                <a:extLst>
+                  <a:ext uri="{0D108BD9-81ED-4DB2-BD59-A6C34878D82A}">
+                    <a16:rowId xmlns:a16="http://schemas.microsoft.com/office/drawing/2014/main" val="4262950103"/>
+                  </a:ext>
+                </a:extLst>
+              </a:tr>
+              <a:tr h="127671">
+                <a:tc vMerge="1">
+                  <a:txBody>
+                    <a:bodyPr/>
+                    <a:lstStyle/>
+                    <a:p>
+                      <a:pPr algn="ctr"/>
+                      <a:endParaRPr lang="de-DE" dirty="0"/>
+                    </a:p>
+                  </a:txBody>
+                  <a:tcPr>
+                    <a:lnT w="6350" cap="flat" cmpd="sng" algn="ctr">
+                      <a:solidFill>
+                        <a:schemeClr val="tx1"/>
+                      </a:solidFill>
+                      <a:prstDash val="sysDot"/>
+                      <a:round/>
+                      <a:headEnd type="none" w="med" len="med"/>
+                      <a:tailEnd type="none" w="med" len="med"/>
+                    </a:lnT>
+                  </a:tcPr>
+                </a:tc>
+                <a:tc>
+                  <a:txBody>
+                    <a:bodyPr/>
+                    <a:lstStyle/>
+                    <a:p>
+                      <a:pPr algn="ctr"/>
+                      <a:r>
+                        <a:rPr lang="de-DE" sz="1600" dirty="0"/>
+                        <a:t>d = 2</a:t>
+                      </a:r>
+                    </a:p>
+                  </a:txBody>
+                  <a:tcPr>
+                    <a:lnR w="6350" cap="flat" cmpd="sng" algn="ctr">
+                      <a:solidFill>
+                        <a:schemeClr val="tx1"/>
+                      </a:solidFill>
+                      <a:prstDash val="sysDot"/>
+                      <a:round/>
+                      <a:headEnd type="none" w="med" len="med"/>
+                      <a:tailEnd type="none" w="med" len="med"/>
+                    </a:lnR>
+                    <a:lnT w="6350" cap="flat" cmpd="sng" algn="ctr">
+                      <a:solidFill>
+                        <a:schemeClr val="tx1"/>
+                      </a:solidFill>
+                      <a:prstDash val="sysDot"/>
+                      <a:round/>
+                      <a:headEnd type="none" w="med" len="med"/>
+                      <a:tailEnd type="none" w="med" len="med"/>
+                    </a:lnT>
+                  </a:tcPr>
+                </a:tc>
+                <a:tc>
+                  <a:txBody>
+                    <a:bodyPr/>
+                    <a:lstStyle/>
+                    <a:p>
+                      <a:pPr algn="ctr"/>
+                      <a:r>
+                        <a:rPr lang="de-DE" sz="1600" dirty="0"/>
+                        <a:t>d = 3</a:t>
+                      </a:r>
+                    </a:p>
+                  </a:txBody>
+                  <a:tcPr>
+                    <a:lnL w="6350" cap="flat" cmpd="sng" algn="ctr">
+                      <a:solidFill>
+                        <a:schemeClr val="tx1"/>
+                      </a:solidFill>
+                      <a:prstDash val="sysDot"/>
+                      <a:round/>
+                      <a:headEnd type="none" w="med" len="med"/>
+                      <a:tailEnd type="none" w="med" len="med"/>
+                    </a:lnL>
+                    <a:lnR w="6350" cap="flat" cmpd="sng" algn="ctr">
+                      <a:solidFill>
+                        <a:schemeClr val="tx1"/>
+                      </a:solidFill>
+                      <a:prstDash val="sysDot"/>
+                      <a:round/>
+                      <a:headEnd type="none" w="med" len="med"/>
+                      <a:tailEnd type="none" w="med" len="med"/>
+                    </a:lnR>
+                    <a:lnT w="6350" cap="flat" cmpd="sng" algn="ctr">
+                      <a:solidFill>
+                        <a:schemeClr val="tx1"/>
+                      </a:solidFill>
+                      <a:prstDash val="sysDot"/>
+                      <a:round/>
+                      <a:headEnd type="none" w="med" len="med"/>
+                      <a:tailEnd type="none" w="med" len="med"/>
+                    </a:lnT>
+                  </a:tcPr>
+                </a:tc>
+                <a:tc>
+                  <a:txBody>
+                    <a:bodyPr/>
+                    <a:lstStyle/>
+                    <a:p>
+                      <a:pPr algn="ctr"/>
+                      <a:r>
+                        <a:rPr lang="de-DE" sz="1600" dirty="0"/>
+                        <a:t>d = 4</a:t>
+                      </a:r>
+                    </a:p>
+                  </a:txBody>
+                  <a:tcPr>
+                    <a:lnL w="6350" cap="flat" cmpd="sng" algn="ctr">
+                      <a:solidFill>
+                        <a:schemeClr val="tx1"/>
+                      </a:solidFill>
+                      <a:prstDash val="sysDot"/>
+                      <a:round/>
+                      <a:headEnd type="none" w="med" len="med"/>
+                      <a:tailEnd type="none" w="med" len="med"/>
+                    </a:lnL>
+                    <a:lnT w="6350" cap="flat" cmpd="sng" algn="ctr">
+                      <a:solidFill>
+                        <a:schemeClr val="tx1"/>
+                      </a:solidFill>
+                      <a:prstDash val="sysDot"/>
+                      <a:round/>
+                      <a:headEnd type="none" w="med" len="med"/>
+                      <a:tailEnd type="none" w="med" len="med"/>
+                    </a:lnT>
+                  </a:tcPr>
+                </a:tc>
+                <a:tc>
+                  <a:txBody>
+                    <a:bodyPr/>
+                    <a:lstStyle/>
+                    <a:p>
+                      <a:pPr algn="ctr"/>
+                      <a:r>
+                        <a:rPr lang="de-DE" sz="1600" dirty="0"/>
+                        <a:t>d = 2</a:t>
+                      </a:r>
+                    </a:p>
+                  </a:txBody>
+                  <a:tcPr>
+                    <a:lnR w="6350" cap="flat" cmpd="sng" algn="ctr">
+                      <a:solidFill>
+                        <a:schemeClr val="tx1"/>
+                      </a:solidFill>
+                      <a:prstDash val="sysDot"/>
+                      <a:round/>
+                      <a:headEnd type="none" w="med" len="med"/>
+                      <a:tailEnd type="none" w="med" len="med"/>
+                    </a:lnR>
+                    <a:lnT w="6350" cap="flat" cmpd="sng" algn="ctr">
+                      <a:solidFill>
+                        <a:schemeClr val="tx1"/>
+                      </a:solidFill>
+                      <a:prstDash val="sysDot"/>
+                      <a:round/>
+                      <a:headEnd type="none" w="med" len="med"/>
+                      <a:tailEnd type="none" w="med" len="med"/>
+                    </a:lnT>
+                  </a:tcPr>
+                </a:tc>
+                <a:tc>
+                  <a:txBody>
+                    <a:bodyPr/>
+                    <a:lstStyle/>
+                    <a:p>
+                      <a:pPr algn="ctr"/>
+                      <a:r>
+                        <a:rPr lang="de-DE" sz="1600" dirty="0"/>
+                        <a:t>d = 3</a:t>
+                      </a:r>
+                    </a:p>
+                  </a:txBody>
+                  <a:tcPr>
+                    <a:lnL w="6350" cap="flat" cmpd="sng" algn="ctr">
+                      <a:solidFill>
+                        <a:schemeClr val="tx1"/>
+                      </a:solidFill>
+                      <a:prstDash val="sysDot"/>
+                      <a:round/>
+                      <a:headEnd type="none" w="med" len="med"/>
+                      <a:tailEnd type="none" w="med" len="med"/>
+                    </a:lnL>
+                    <a:lnR w="6350" cap="flat" cmpd="sng" algn="ctr">
+                      <a:solidFill>
+                        <a:schemeClr val="tx1"/>
+                      </a:solidFill>
+                      <a:prstDash val="sysDot"/>
+                      <a:round/>
+                      <a:headEnd type="none" w="med" len="med"/>
+                      <a:tailEnd type="none" w="med" len="med"/>
+                    </a:lnR>
+                    <a:lnT w="6350" cap="flat" cmpd="sng" algn="ctr">
+                      <a:solidFill>
+                        <a:schemeClr val="tx1"/>
+                      </a:solidFill>
+                      <a:prstDash val="sysDot"/>
+                      <a:round/>
+                      <a:headEnd type="none" w="med" len="med"/>
+                      <a:tailEnd type="none" w="med" len="med"/>
+                    </a:lnT>
+                  </a:tcPr>
+                </a:tc>
+                <a:tc>
+                  <a:txBody>
+                    <a:bodyPr/>
+                    <a:lstStyle/>
+                    <a:p>
+                      <a:pPr algn="ctr"/>
+                      <a:r>
+                        <a:rPr lang="de-DE" sz="1600" dirty="0"/>
+                        <a:t>d = 4</a:t>
+                      </a:r>
+                    </a:p>
+                  </a:txBody>
+                  <a:tcPr>
+                    <a:lnL w="6350" cap="flat" cmpd="sng" algn="ctr">
+                      <a:solidFill>
+                        <a:schemeClr val="tx1"/>
+                      </a:solidFill>
+                      <a:prstDash val="sysDot"/>
+                      <a:round/>
+                      <a:headEnd type="none" w="med" len="med"/>
+                      <a:tailEnd type="none" w="med" len="med"/>
+                    </a:lnL>
+                    <a:lnT w="6350" cap="flat" cmpd="sng" algn="ctr">
+                      <a:solidFill>
+                        <a:schemeClr val="tx1"/>
+                      </a:solidFill>
+                      <a:prstDash val="sysDot"/>
+                      <a:round/>
+                      <a:headEnd type="none" w="med" len="med"/>
+                      <a:tailEnd type="none" w="med" len="med"/>
+                    </a:lnT>
+                  </a:tcPr>
+                </a:tc>
+                <a:extLst>
+                  <a:ext uri="{0D108BD9-81ED-4DB2-BD59-A6C34878D82A}">
+                    <a16:rowId xmlns:a16="http://schemas.microsoft.com/office/drawing/2014/main" val="2382145308"/>
+                  </a:ext>
+                </a:extLst>
+              </a:tr>
+              <a:tr h="313779">
+                <a:tc>
+                  <a:txBody>
+                    <a:bodyPr/>
+                    <a:lstStyle/>
+                    <a:p>
+                      <a:pPr algn="ctr"/>
+                      <a:r>
+                        <a:rPr lang="de-DE" sz="1600" dirty="0"/>
+                        <a:t>1</a:t>
+                      </a:r>
+                    </a:p>
+                  </a:txBody>
+                  <a:tcPr>
+                    <a:lnB w="6350" cap="flat" cmpd="sng" algn="ctr">
+                      <a:solidFill>
+                        <a:schemeClr val="tx1"/>
+                      </a:solidFill>
+                      <a:prstDash val="sysDot"/>
+                      <a:round/>
+                      <a:headEnd type="none" w="med" len="med"/>
+                      <a:tailEnd type="none" w="med" len="med"/>
+                    </a:lnB>
+                  </a:tcPr>
+                </a:tc>
+                <a:tc>
+                  <a:txBody>
+                    <a:bodyPr/>
+                    <a:lstStyle/>
+                    <a:p>
+                      <a:pPr algn="ctr"/>
+                      <a:endParaRPr lang="de-DE" sz="1200" dirty="0"/>
+                    </a:p>
+                  </a:txBody>
+                  <a:tcPr>
+                    <a:lnR w="6350" cap="flat" cmpd="sng" algn="ctr">
+                      <a:solidFill>
+                        <a:schemeClr val="tx1"/>
+                      </a:solidFill>
+                      <a:prstDash val="sysDot"/>
+                      <a:round/>
+                      <a:headEnd type="none" w="med" len="med"/>
+                      <a:tailEnd type="none" w="med" len="med"/>
+                    </a:lnR>
+                    <a:lnB w="6350" cap="flat" cmpd="sng" algn="ctr">
+                      <a:solidFill>
+                        <a:schemeClr val="tx1"/>
+                      </a:solidFill>
+                      <a:prstDash val="sysDot"/>
+                      <a:round/>
+                      <a:headEnd type="none" w="med" len="med"/>
+                      <a:tailEnd type="none" w="med" len="med"/>
+                    </a:lnB>
+                  </a:tcPr>
+                </a:tc>
+                <a:tc>
+                  <a:txBody>
+                    <a:bodyPr/>
+                    <a:lstStyle/>
+                    <a:p>
+                      <a:pPr algn="ctr"/>
+                      <a:endParaRPr lang="de-DE" sz="1200" dirty="0"/>
+                    </a:p>
+                  </a:txBody>
+                  <a:tcPr>
+                    <a:lnL w="6350" cap="flat" cmpd="sng" algn="ctr">
+                      <a:solidFill>
+                        <a:schemeClr val="tx1"/>
+                      </a:solidFill>
+                      <a:prstDash val="sysDot"/>
+                      <a:round/>
+                      <a:headEnd type="none" w="med" len="med"/>
+                      <a:tailEnd type="none" w="med" len="med"/>
+                    </a:lnL>
+                    <a:lnR w="6350" cap="flat" cmpd="sng" algn="ctr">
+                      <a:solidFill>
+                        <a:schemeClr val="tx1"/>
+                      </a:solidFill>
+                      <a:prstDash val="sysDot"/>
+                      <a:round/>
+                      <a:headEnd type="none" w="med" len="med"/>
+                      <a:tailEnd type="none" w="med" len="med"/>
+                    </a:lnR>
+                    <a:lnB w="6350" cap="flat" cmpd="sng" algn="ctr">
+                      <a:solidFill>
+                        <a:schemeClr val="tx1"/>
+                      </a:solidFill>
+                      <a:prstDash val="sysDot"/>
+                      <a:round/>
+                      <a:headEnd type="none" w="med" len="med"/>
+                      <a:tailEnd type="none" w="med" len="med"/>
+                    </a:lnB>
+                  </a:tcPr>
+                </a:tc>
+                <a:tc>
+                  <a:txBody>
+                    <a:bodyPr/>
+                    <a:lstStyle/>
+                    <a:p>
+                      <a:pPr algn="ctr"/>
+                      <a:endParaRPr lang="de-DE" sz="1200" dirty="0"/>
+                    </a:p>
+                  </a:txBody>
+                  <a:tcPr>
+                    <a:lnL w="6350" cap="flat" cmpd="sng" algn="ctr">
+                      <a:solidFill>
+                        <a:schemeClr val="tx1"/>
+                      </a:solidFill>
+                      <a:prstDash val="sysDot"/>
+                      <a:round/>
+                      <a:headEnd type="none" w="med" len="med"/>
+                      <a:tailEnd type="none" w="med" len="med"/>
+                    </a:lnL>
+                    <a:lnB w="6350" cap="flat" cmpd="sng" algn="ctr">
+                      <a:solidFill>
+                        <a:schemeClr val="tx1"/>
+                      </a:solidFill>
+                      <a:prstDash val="sysDot"/>
+                      <a:round/>
+                      <a:headEnd type="none" w="med" len="med"/>
+                      <a:tailEnd type="none" w="med" len="med"/>
+                    </a:lnB>
+                  </a:tcPr>
+                </a:tc>
+                <a:tc>
+                  <a:txBody>
+                    <a:bodyPr/>
+                    <a:lstStyle/>
+                    <a:p>
+                      <a:pPr algn="ctr"/>
+                      <a:endParaRPr lang="de-DE" sz="1200" dirty="0"/>
+                    </a:p>
+                  </a:txBody>
+                  <a:tcPr>
+                    <a:lnR w="6350" cap="flat" cmpd="sng" algn="ctr">
+                      <a:solidFill>
+                        <a:schemeClr val="tx1"/>
+                      </a:solidFill>
+                      <a:prstDash val="sysDot"/>
+                      <a:round/>
+                      <a:headEnd type="none" w="med" len="med"/>
+                      <a:tailEnd type="none" w="med" len="med"/>
+                    </a:lnR>
+                    <a:lnB w="6350" cap="flat" cmpd="sng" algn="ctr">
+                      <a:solidFill>
+                        <a:schemeClr val="tx1"/>
+                      </a:solidFill>
+                      <a:prstDash val="sysDot"/>
+                      <a:round/>
+                      <a:headEnd type="none" w="med" len="med"/>
+                      <a:tailEnd type="none" w="med" len="med"/>
+                    </a:lnB>
+                  </a:tcPr>
+                </a:tc>
+                <a:tc>
+                  <a:txBody>
+                    <a:bodyPr/>
+                    <a:lstStyle/>
+                    <a:p>
+                      <a:pPr algn="ctr"/>
+                      <a:endParaRPr lang="de-DE" sz="1200" dirty="0"/>
+                    </a:p>
+                  </a:txBody>
+                  <a:tcPr>
+                    <a:lnL w="6350" cap="flat" cmpd="sng" algn="ctr">
+                      <a:solidFill>
+                        <a:schemeClr val="tx1"/>
+                      </a:solidFill>
+                      <a:prstDash val="sysDot"/>
+                      <a:round/>
+                      <a:headEnd type="none" w="med" len="med"/>
+                      <a:tailEnd type="none" w="med" len="med"/>
+                    </a:lnL>
+                    <a:lnR w="6350" cap="flat" cmpd="sng" algn="ctr">
+                      <a:solidFill>
+                        <a:schemeClr val="tx1"/>
+                      </a:solidFill>
+                      <a:prstDash val="sysDot"/>
+                      <a:round/>
+                      <a:headEnd type="none" w="med" len="med"/>
+                      <a:tailEnd type="none" w="med" len="med"/>
+                    </a:lnR>
+                    <a:lnB w="6350" cap="flat" cmpd="sng" algn="ctr">
+                      <a:solidFill>
+                        <a:schemeClr val="tx1"/>
+                      </a:solidFill>
+                      <a:prstDash val="sysDot"/>
+                      <a:round/>
+                      <a:headEnd type="none" w="med" len="med"/>
+                      <a:tailEnd type="none" w="med" len="med"/>
+                    </a:lnB>
+                  </a:tcPr>
+                </a:tc>
+                <a:tc>
+                  <a:txBody>
+                    <a:bodyPr/>
+                    <a:lstStyle/>
+                    <a:p>
+                      <a:pPr algn="ctr"/>
+                      <a:endParaRPr lang="de-DE" sz="1200" dirty="0"/>
+                    </a:p>
+                  </a:txBody>
+                  <a:tcPr>
+                    <a:lnL w="6350" cap="flat" cmpd="sng" algn="ctr">
+                      <a:solidFill>
+                        <a:schemeClr val="tx1"/>
+                      </a:solidFill>
+                      <a:prstDash val="sysDot"/>
+                      <a:round/>
+                      <a:headEnd type="none" w="med" len="med"/>
+                      <a:tailEnd type="none" w="med" len="med"/>
+                    </a:lnL>
+                    <a:lnB w="6350" cap="flat" cmpd="sng" algn="ctr">
+                      <a:solidFill>
+                        <a:schemeClr val="tx1"/>
+                      </a:solidFill>
+                      <a:prstDash val="sysDot"/>
+                      <a:round/>
+                      <a:headEnd type="none" w="med" len="med"/>
+                      <a:tailEnd type="none" w="med" len="med"/>
+                    </a:lnB>
+                  </a:tcPr>
+                </a:tc>
+                <a:extLst>
+                  <a:ext uri="{0D108BD9-81ED-4DB2-BD59-A6C34878D82A}">
+                    <a16:rowId xmlns:a16="http://schemas.microsoft.com/office/drawing/2014/main" val="1849172935"/>
+                  </a:ext>
+                </a:extLst>
+              </a:tr>
+              <a:tr h="280975">
+                <a:tc>
+                  <a:txBody>
+                    <a:bodyPr/>
+                    <a:lstStyle/>
+                    <a:p>
+                      <a:pPr algn="ctr"/>
+                      <a:r>
+                        <a:rPr lang="de-DE" sz="1600" dirty="0"/>
+                        <a:t>2</a:t>
+                      </a:r>
+                    </a:p>
+                  </a:txBody>
+                  <a:tcPr>
+                    <a:lnT w="6350" cap="flat" cmpd="sng" algn="ctr">
+                      <a:solidFill>
+                        <a:schemeClr val="tx1"/>
+                      </a:solidFill>
+                      <a:prstDash val="sysDot"/>
+                      <a:round/>
+                      <a:headEnd type="none" w="med" len="med"/>
+                      <a:tailEnd type="none" w="med" len="med"/>
+                    </a:lnT>
+                    <a:lnB w="6350" cap="flat" cmpd="sng" algn="ctr">
+                      <a:solidFill>
+                        <a:schemeClr val="tx1"/>
+                      </a:solidFill>
+                      <a:prstDash val="sysDot"/>
+                      <a:round/>
+                      <a:headEnd type="none" w="med" len="med"/>
+                      <a:tailEnd type="none" w="med" len="med"/>
+                    </a:lnB>
+                  </a:tcPr>
+                </a:tc>
+                <a:tc>
+                  <a:txBody>
+                    <a:bodyPr/>
+                    <a:lstStyle/>
+                    <a:p>
+                      <a:pPr algn="ctr"/>
+                      <a:endParaRPr lang="de-DE" sz="1200" dirty="0"/>
+                    </a:p>
+                  </a:txBody>
+                  <a:tcPr>
+                    <a:lnR w="6350" cap="flat" cmpd="sng" algn="ctr">
+                      <a:solidFill>
+                        <a:schemeClr val="tx1"/>
+                      </a:solidFill>
+                      <a:prstDash val="sysDot"/>
+                      <a:round/>
+                      <a:headEnd type="none" w="med" len="med"/>
+                      <a:tailEnd type="none" w="med" len="med"/>
+                    </a:lnR>
+                    <a:lnT w="6350" cap="flat" cmpd="sng" algn="ctr">
+                      <a:solidFill>
+                        <a:schemeClr val="tx1"/>
+                      </a:solidFill>
+                      <a:prstDash val="sysDot"/>
+                      <a:round/>
+                      <a:headEnd type="none" w="med" len="med"/>
+                      <a:tailEnd type="none" w="med" len="med"/>
+                    </a:lnT>
+                    <a:lnB w="6350" cap="flat" cmpd="sng" algn="ctr">
+                      <a:solidFill>
+                        <a:schemeClr val="tx1"/>
+                      </a:solidFill>
+                      <a:prstDash val="sysDot"/>
+                      <a:round/>
+                      <a:headEnd type="none" w="med" len="med"/>
+                      <a:tailEnd type="none" w="med" len="med"/>
+                    </a:lnB>
+                  </a:tcPr>
+                </a:tc>
+                <a:tc>
+                  <a:txBody>
+                    <a:bodyPr/>
+                    <a:lstStyle/>
+                    <a:p>
+                      <a:pPr algn="ctr"/>
+                      <a:endParaRPr lang="de-DE" sz="1200" dirty="0"/>
+                    </a:p>
+                  </a:txBody>
+                  <a:tcPr>
+                    <a:lnL w="6350" cap="flat" cmpd="sng" algn="ctr">
+                      <a:solidFill>
+                        <a:schemeClr val="tx1"/>
+                      </a:solidFill>
+                      <a:prstDash val="sysDot"/>
+                      <a:round/>
+                      <a:headEnd type="none" w="med" len="med"/>
+                      <a:tailEnd type="none" w="med" len="med"/>
+                    </a:lnL>
+                    <a:lnR w="6350" cap="flat" cmpd="sng" algn="ctr">
+                      <a:solidFill>
+                        <a:schemeClr val="tx1"/>
+                      </a:solidFill>
+                      <a:prstDash val="sysDot"/>
+                      <a:round/>
+                      <a:headEnd type="none" w="med" len="med"/>
+                      <a:tailEnd type="none" w="med" len="med"/>
+                    </a:lnR>
+                    <a:lnT w="6350" cap="flat" cmpd="sng" algn="ctr">
+                      <a:solidFill>
+                        <a:schemeClr val="tx1"/>
+                      </a:solidFill>
+                      <a:prstDash val="sysDot"/>
+                      <a:round/>
+                      <a:headEnd type="none" w="med" len="med"/>
+                      <a:tailEnd type="none" w="med" len="med"/>
+                    </a:lnT>
+                    <a:lnB w="6350" cap="flat" cmpd="sng" algn="ctr">
+                      <a:solidFill>
+                        <a:schemeClr val="tx1"/>
+                      </a:solidFill>
+                      <a:prstDash val="sysDot"/>
+                      <a:round/>
+                      <a:headEnd type="none" w="med" len="med"/>
+                      <a:tailEnd type="none" w="med" len="med"/>
+                    </a:lnB>
+                  </a:tcPr>
+                </a:tc>
+                <a:tc>
+                  <a:txBody>
+                    <a:bodyPr/>
+                    <a:lstStyle/>
+                    <a:p>
+                      <a:pPr algn="ctr"/>
+                      <a:endParaRPr lang="de-DE" sz="1200" dirty="0"/>
+                    </a:p>
+                  </a:txBody>
+                  <a:tcPr>
+                    <a:lnL w="6350" cap="flat" cmpd="sng" algn="ctr">
+                      <a:solidFill>
+                        <a:schemeClr val="tx1"/>
+                      </a:solidFill>
+                      <a:prstDash val="sysDot"/>
+                      <a:round/>
+                      <a:headEnd type="none" w="med" len="med"/>
+                      <a:tailEnd type="none" w="med" len="med"/>
+                    </a:lnL>
+                    <a:lnT w="6350" cap="flat" cmpd="sng" algn="ctr">
+                      <a:solidFill>
+                        <a:schemeClr val="tx1"/>
+                      </a:solidFill>
+                      <a:prstDash val="sysDot"/>
+                      <a:round/>
+                      <a:headEnd type="none" w="med" len="med"/>
+                      <a:tailEnd type="none" w="med" len="med"/>
+                    </a:lnT>
+                    <a:lnB w="6350" cap="flat" cmpd="sng" algn="ctr">
+                      <a:solidFill>
+                        <a:schemeClr val="tx1"/>
+                      </a:solidFill>
+                      <a:prstDash val="sysDot"/>
+                      <a:round/>
+                      <a:headEnd type="none" w="med" len="med"/>
+                      <a:tailEnd type="none" w="med" len="med"/>
+                    </a:lnB>
+                  </a:tcPr>
+                </a:tc>
+                <a:tc>
+                  <a:txBody>
+                    <a:bodyPr/>
+                    <a:lstStyle/>
+                    <a:p>
+                      <a:pPr algn="ctr"/>
+                      <a:endParaRPr lang="de-DE" sz="1200" dirty="0"/>
+                    </a:p>
+                  </a:txBody>
+                  <a:tcPr>
+                    <a:lnR w="6350" cap="flat" cmpd="sng" algn="ctr">
+                      <a:solidFill>
+                        <a:schemeClr val="tx1"/>
+                      </a:solidFill>
+                      <a:prstDash val="sysDot"/>
+                      <a:round/>
+                      <a:headEnd type="none" w="med" len="med"/>
+                      <a:tailEnd type="none" w="med" len="med"/>
+                    </a:lnR>
+                    <a:lnT w="6350" cap="flat" cmpd="sng" algn="ctr">
+                      <a:solidFill>
+                        <a:schemeClr val="tx1"/>
+                      </a:solidFill>
+                      <a:prstDash val="sysDot"/>
+                      <a:round/>
+                      <a:headEnd type="none" w="med" len="med"/>
+                      <a:tailEnd type="none" w="med" len="med"/>
+                    </a:lnT>
+                    <a:lnB w="6350" cap="flat" cmpd="sng" algn="ctr">
+                      <a:solidFill>
+                        <a:schemeClr val="tx1"/>
+                      </a:solidFill>
+                      <a:prstDash val="sysDot"/>
+                      <a:round/>
+                      <a:headEnd type="none" w="med" len="med"/>
+                      <a:tailEnd type="none" w="med" len="med"/>
+                    </a:lnB>
+                  </a:tcPr>
+                </a:tc>
+                <a:tc>
+                  <a:txBody>
+                    <a:bodyPr/>
+                    <a:lstStyle/>
+                    <a:p>
+                      <a:pPr algn="ctr"/>
+                      <a:endParaRPr lang="de-DE" sz="1200" dirty="0"/>
+                    </a:p>
+                  </a:txBody>
+                  <a:tcPr>
+                    <a:lnL w="6350" cap="flat" cmpd="sng" algn="ctr">
+                      <a:solidFill>
+                        <a:schemeClr val="tx1"/>
+                      </a:solidFill>
+                      <a:prstDash val="sysDot"/>
+                      <a:round/>
+                      <a:headEnd type="none" w="med" len="med"/>
+                      <a:tailEnd type="none" w="med" len="med"/>
+                    </a:lnL>
+                    <a:lnR w="6350" cap="flat" cmpd="sng" algn="ctr">
+                      <a:solidFill>
+                        <a:schemeClr val="tx1"/>
+                      </a:solidFill>
+                      <a:prstDash val="sysDot"/>
+                      <a:round/>
+                      <a:headEnd type="none" w="med" len="med"/>
+                      <a:tailEnd type="none" w="med" len="med"/>
+                    </a:lnR>
+                    <a:lnT w="6350" cap="flat" cmpd="sng" algn="ctr">
+                      <a:solidFill>
+                        <a:schemeClr val="tx1"/>
+                      </a:solidFill>
+                      <a:prstDash val="sysDot"/>
+                      <a:round/>
+                      <a:headEnd type="none" w="med" len="med"/>
+                      <a:tailEnd type="none" w="med" len="med"/>
+                    </a:lnT>
+                    <a:lnB w="6350" cap="flat" cmpd="sng" algn="ctr">
+                      <a:solidFill>
+                        <a:schemeClr val="tx1"/>
+                      </a:solidFill>
+                      <a:prstDash val="sysDot"/>
+                      <a:round/>
+                      <a:headEnd type="none" w="med" len="med"/>
+                      <a:tailEnd type="none" w="med" len="med"/>
+                    </a:lnB>
+                  </a:tcPr>
+                </a:tc>
+                <a:tc>
+                  <a:txBody>
+                    <a:bodyPr/>
+                    <a:lstStyle/>
+                    <a:p>
+                      <a:pPr algn="ctr"/>
+                      <a:endParaRPr lang="de-DE" sz="1200" dirty="0"/>
+                    </a:p>
+                  </a:txBody>
+                  <a:tcPr>
+                    <a:lnL w="6350" cap="flat" cmpd="sng" algn="ctr">
+                      <a:solidFill>
+                        <a:schemeClr val="tx1"/>
+                      </a:solidFill>
+                      <a:prstDash val="sysDot"/>
+                      <a:round/>
+                      <a:headEnd type="none" w="med" len="med"/>
+                      <a:tailEnd type="none" w="med" len="med"/>
+                    </a:lnL>
+                    <a:lnT w="6350" cap="flat" cmpd="sng" algn="ctr">
+                      <a:solidFill>
+                        <a:schemeClr val="tx1"/>
+                      </a:solidFill>
+                      <a:prstDash val="sysDot"/>
+                      <a:round/>
+                      <a:headEnd type="none" w="med" len="med"/>
+                      <a:tailEnd type="none" w="med" len="med"/>
+                    </a:lnT>
+                    <a:lnB w="6350" cap="flat" cmpd="sng" algn="ctr">
+                      <a:solidFill>
+                        <a:schemeClr val="tx1"/>
+                      </a:solidFill>
+                      <a:prstDash val="sysDot"/>
+                      <a:round/>
+                      <a:headEnd type="none" w="med" len="med"/>
+                      <a:tailEnd type="none" w="med" len="med"/>
+                    </a:lnB>
+                  </a:tcPr>
+                </a:tc>
+                <a:extLst>
+                  <a:ext uri="{0D108BD9-81ED-4DB2-BD59-A6C34878D82A}">
+                    <a16:rowId xmlns:a16="http://schemas.microsoft.com/office/drawing/2014/main" val="3373578135"/>
+                  </a:ext>
+                </a:extLst>
+              </a:tr>
+              <a:tr h="280975">
+                <a:tc>
+                  <a:txBody>
+                    <a:bodyPr/>
+                    <a:lstStyle/>
+                    <a:p>
+                      <a:pPr algn="ctr"/>
+                      <a:r>
+                        <a:rPr lang="de-DE" sz="1600" dirty="0"/>
+                        <a:t>3</a:t>
+                      </a:r>
+                    </a:p>
+                  </a:txBody>
+                  <a:tcPr>
+                    <a:lnT w="6350" cap="flat" cmpd="sng" algn="ctr">
+                      <a:solidFill>
+                        <a:schemeClr val="tx1"/>
+                      </a:solidFill>
+                      <a:prstDash val="sysDot"/>
+                      <a:round/>
+                      <a:headEnd type="none" w="med" len="med"/>
+                      <a:tailEnd type="none" w="med" len="med"/>
+                    </a:lnT>
+                  </a:tcPr>
+                </a:tc>
+                <a:tc>
+                  <a:txBody>
+                    <a:bodyPr/>
+                    <a:lstStyle/>
+                    <a:p>
+                      <a:pPr algn="ctr"/>
+                      <a:endParaRPr lang="de-DE" sz="1200" dirty="0"/>
+                    </a:p>
+                  </a:txBody>
+                  <a:tcPr>
+                    <a:lnR w="6350" cap="flat" cmpd="sng" algn="ctr">
+                      <a:solidFill>
+                        <a:schemeClr val="tx1"/>
+                      </a:solidFill>
+                      <a:prstDash val="sysDot"/>
+                      <a:round/>
+                      <a:headEnd type="none" w="med" len="med"/>
+                      <a:tailEnd type="none" w="med" len="med"/>
+                    </a:lnR>
+                    <a:lnT w="6350" cap="flat" cmpd="sng" algn="ctr">
+                      <a:solidFill>
+                        <a:schemeClr val="tx1"/>
+                      </a:solidFill>
+                      <a:prstDash val="sysDot"/>
+                      <a:round/>
+                      <a:headEnd type="none" w="med" len="med"/>
+                      <a:tailEnd type="none" w="med" len="med"/>
+                    </a:lnT>
+                  </a:tcPr>
+                </a:tc>
+                <a:tc>
+                  <a:txBody>
+                    <a:bodyPr/>
+                    <a:lstStyle/>
+                    <a:p>
+                      <a:pPr algn="ctr"/>
+                      <a:endParaRPr lang="de-DE" sz="1200" dirty="0"/>
+                    </a:p>
+                  </a:txBody>
+                  <a:tcPr>
+                    <a:lnL w="6350" cap="flat" cmpd="sng" algn="ctr">
+                      <a:solidFill>
+                        <a:schemeClr val="tx1"/>
+                      </a:solidFill>
+                      <a:prstDash val="sysDot"/>
+                      <a:round/>
+                      <a:headEnd type="none" w="med" len="med"/>
+                      <a:tailEnd type="none" w="med" len="med"/>
+                    </a:lnL>
+                    <a:lnR w="6350" cap="flat" cmpd="sng" algn="ctr">
+                      <a:solidFill>
+                        <a:schemeClr val="tx1"/>
+                      </a:solidFill>
+                      <a:prstDash val="sysDot"/>
+                      <a:round/>
+                      <a:headEnd type="none" w="med" len="med"/>
+                      <a:tailEnd type="none" w="med" len="med"/>
+                    </a:lnR>
+                    <a:lnT w="6350" cap="flat" cmpd="sng" algn="ctr">
+                      <a:solidFill>
+                        <a:schemeClr val="tx1"/>
+                      </a:solidFill>
+                      <a:prstDash val="sysDot"/>
+                      <a:round/>
+                      <a:headEnd type="none" w="med" len="med"/>
+                      <a:tailEnd type="none" w="med" len="med"/>
+                    </a:lnT>
+                  </a:tcPr>
+                </a:tc>
+                <a:tc>
+                  <a:txBody>
+                    <a:bodyPr/>
+                    <a:lstStyle/>
+                    <a:p>
+                      <a:pPr algn="ctr"/>
+                      <a:endParaRPr lang="de-DE" sz="1200" dirty="0"/>
+                    </a:p>
+                  </a:txBody>
+                  <a:tcPr>
+                    <a:lnL w="6350" cap="flat" cmpd="sng" algn="ctr">
+                      <a:solidFill>
+                        <a:schemeClr val="tx1"/>
+                      </a:solidFill>
+                      <a:prstDash val="sysDot"/>
+                      <a:round/>
+                      <a:headEnd type="none" w="med" len="med"/>
+                      <a:tailEnd type="none" w="med" len="med"/>
+                    </a:lnL>
+                    <a:lnT w="6350" cap="flat" cmpd="sng" algn="ctr">
+                      <a:solidFill>
+                        <a:schemeClr val="tx1"/>
+                      </a:solidFill>
+                      <a:prstDash val="sysDot"/>
+                      <a:round/>
+                      <a:headEnd type="none" w="med" len="med"/>
+                      <a:tailEnd type="none" w="med" len="med"/>
+                    </a:lnT>
+                  </a:tcPr>
+                </a:tc>
+                <a:tc>
+                  <a:txBody>
+                    <a:bodyPr/>
+                    <a:lstStyle/>
+                    <a:p>
+                      <a:pPr algn="ctr"/>
+                      <a:endParaRPr lang="de-DE" sz="1200" dirty="0"/>
+                    </a:p>
+                  </a:txBody>
+                  <a:tcPr>
+                    <a:lnR w="6350" cap="flat" cmpd="sng" algn="ctr">
+                      <a:solidFill>
+                        <a:schemeClr val="tx1"/>
+                      </a:solidFill>
+                      <a:prstDash val="sysDot"/>
+                      <a:round/>
+                      <a:headEnd type="none" w="med" len="med"/>
+                      <a:tailEnd type="none" w="med" len="med"/>
+                    </a:lnR>
+                    <a:lnT w="6350" cap="flat" cmpd="sng" algn="ctr">
+                      <a:solidFill>
+                        <a:schemeClr val="tx1"/>
+                      </a:solidFill>
+                      <a:prstDash val="sysDot"/>
+                      <a:round/>
+                      <a:headEnd type="none" w="med" len="med"/>
+                      <a:tailEnd type="none" w="med" len="med"/>
+                    </a:lnT>
+                  </a:tcPr>
+                </a:tc>
+                <a:tc>
+                  <a:txBody>
+                    <a:bodyPr/>
+                    <a:lstStyle/>
+                    <a:p>
+                      <a:pPr algn="ctr"/>
+                      <a:endParaRPr lang="de-DE" sz="1200" dirty="0"/>
+                    </a:p>
+                  </a:txBody>
+                  <a:tcPr>
+                    <a:lnL w="6350" cap="flat" cmpd="sng" algn="ctr">
+                      <a:solidFill>
+                        <a:schemeClr val="tx1"/>
+                      </a:solidFill>
+                      <a:prstDash val="sysDot"/>
+                      <a:round/>
+                      <a:headEnd type="none" w="med" len="med"/>
+                      <a:tailEnd type="none" w="med" len="med"/>
+                    </a:lnL>
+                    <a:lnR w="6350" cap="flat" cmpd="sng" algn="ctr">
+                      <a:solidFill>
+                        <a:schemeClr val="tx1"/>
+                      </a:solidFill>
+                      <a:prstDash val="sysDot"/>
+                      <a:round/>
+                      <a:headEnd type="none" w="med" len="med"/>
+                      <a:tailEnd type="none" w="med" len="med"/>
+                    </a:lnR>
+                    <a:lnT w="6350" cap="flat" cmpd="sng" algn="ctr">
+                      <a:solidFill>
+                        <a:schemeClr val="tx1"/>
+                      </a:solidFill>
+                      <a:prstDash val="sysDot"/>
+                      <a:round/>
+                      <a:headEnd type="none" w="med" len="med"/>
+                      <a:tailEnd type="none" w="med" len="med"/>
+                    </a:lnT>
+                  </a:tcPr>
+                </a:tc>
+                <a:tc>
+                  <a:txBody>
+                    <a:bodyPr/>
+                    <a:lstStyle/>
+                    <a:p>
+                      <a:pPr algn="ctr"/>
+                      <a:endParaRPr lang="de-DE" sz="1200" dirty="0"/>
+                    </a:p>
+                  </a:txBody>
+                  <a:tcPr>
+                    <a:lnL w="6350" cap="flat" cmpd="sng" algn="ctr">
+                      <a:solidFill>
+                        <a:schemeClr val="tx1"/>
+                      </a:solidFill>
+                      <a:prstDash val="sysDot"/>
+                      <a:round/>
+                      <a:headEnd type="none" w="med" len="med"/>
+                      <a:tailEnd type="none" w="med" len="med"/>
+                    </a:lnL>
+                    <a:lnT w="6350" cap="flat" cmpd="sng" algn="ctr">
+                      <a:solidFill>
+                        <a:schemeClr val="tx1"/>
+                      </a:solidFill>
+                      <a:prstDash val="sysDot"/>
+                      <a:round/>
+                      <a:headEnd type="none" w="med" len="med"/>
+                      <a:tailEnd type="none" w="med" len="med"/>
+                    </a:lnT>
+                  </a:tcPr>
+                </a:tc>
+                <a:extLst>
+                  <a:ext uri="{0D108BD9-81ED-4DB2-BD59-A6C34878D82A}">
+                    <a16:rowId xmlns:a16="http://schemas.microsoft.com/office/drawing/2014/main" val="2203939490"/>
+                  </a:ext>
+                </a:extLst>
+              </a:tr>
+            </a:tbl>
+          </a:graphicData>
+        </a:graphic>
+      </p:graphicFrame>
       <p:sp>
         <p:nvSpPr>
-          <p:cNvPr id="2" name="Titel 1">
+          <p:cNvPr id="5" name="Titel 1">
             <a:extLst>
               <a:ext uri="{FF2B5EF4-FFF2-40B4-BE49-F238E27FC236}">
-                <a16:creationId xmlns:a16="http://schemas.microsoft.com/office/drawing/2014/main" id="{5AA772EB-2F85-D641-B1ED-2B43FA1C49BA}"/>
+                <a16:creationId xmlns:a16="http://schemas.microsoft.com/office/drawing/2014/main" id="{E92E3D90-F69F-A022-BBD0-9FE30C540A45}"/>
               </a:ext>
             </a:extLst>
           </p:cNvPr>
@@ -12745,31 +11450,54 @@
         <p:spPr>
           <a:xfrm>
             <a:off x="838200" y="365125"/>
-            <a:ext cx="8839200" cy="1325563"/>
+            <a:ext cx="10515600" cy="1325563"/>
           </a:xfrm>
         </p:spPr>
         <p:txBody>
-          <a:bodyPr/>
+          <a:bodyPr>
+            <a:normAutofit/>
+          </a:bodyPr>
           <a:lstStyle/>
           <a:p>
             <a:r>
-              <a:rPr lang="de-DE" dirty="0">
+              <a:rPr lang="de-DE" sz="3600" dirty="0">
                 <a:latin typeface="DM Sans" pitchFamily="2" charset="77"/>
               </a:rPr>
-              <a:t>Vergleich Minimax und </a:t>
+              <a:t>Bester Zug und Anzahl untersuchter Stellungen</a:t>
             </a:r>
-            <a:r>
-              <a:rPr lang="de-DE" dirty="0" err="1">
-                <a:latin typeface="DM Sans" pitchFamily="2" charset="77"/>
-              </a:rPr>
-              <a:t>AlphaBeta</a:t>
-            </a:r>
-            <a:endParaRPr lang="de-DE" dirty="0">
-              <a:latin typeface="DM Sans" pitchFamily="2" charset="77"/>
-            </a:endParaRPr>
           </a:p>
         </p:txBody>
       </p:sp>
+    </p:spTree>
+    <p:extLst>
+      <p:ext uri="{BB962C8B-B14F-4D97-AF65-F5344CB8AC3E}">
+        <p14:creationId xmlns:p14="http://schemas.microsoft.com/office/powerpoint/2010/main" val="2558595929"/>
+      </p:ext>
+    </p:extLst>
+  </p:cSld>
+  <p:clrMapOvr>
+    <a:masterClrMapping/>
+  </p:clrMapOvr>
+</p:sld>
+</file>
+
+<file path=ppt/slides/slide6.xml><?xml version="1.0" encoding="utf-8"?>
+<p:sld xmlns:a="http://schemas.openxmlformats.org/drawingml/2006/main" xmlns:r="http://schemas.openxmlformats.org/officeDocument/2006/relationships" xmlns:p="http://schemas.openxmlformats.org/presentationml/2006/main">
+  <p:cSld>
+    <p:spTree>
+      <p:nvGrpSpPr>
+        <p:cNvPr id="1" name=""/>
+        <p:cNvGrpSpPr/>
+        <p:nvPr/>
+      </p:nvGrpSpPr>
+      <p:grpSpPr>
+        <a:xfrm>
+          <a:off x="0" y="0"/>
+          <a:ext cx="0" cy="0"/>
+          <a:chOff x="0" y="0"/>
+          <a:chExt cx="0" cy="0"/>
+        </a:xfrm>
+      </p:grpSpPr>
       <p:graphicFrame>
         <p:nvGraphicFramePr>
           <p:cNvPr id="4" name="Tabelle 11">
@@ -12785,14 +11513,14 @@
           <p:nvPr>
             <p:extLst>
               <p:ext uri="{D42A27DB-BD31-4B8C-83A1-F6EECF244321}">
-                <p14:modId xmlns:p14="http://schemas.microsoft.com/office/powerpoint/2010/main" val="3060588840"/>
+                <p14:modId xmlns:p14="http://schemas.microsoft.com/office/powerpoint/2010/main" val="1446785528"/>
               </p:ext>
             </p:extLst>
           </p:nvPr>
         </p:nvGraphicFramePr>
         <p:xfrm>
-          <a:off x="282874" y="1431766"/>
-          <a:ext cx="11626251" cy="4678123"/>
+          <a:off x="1676040" y="1690688"/>
+          <a:ext cx="8839919" cy="4556203"/>
         </p:xfrm>
         <a:graphic>
           <a:graphicData uri="http://schemas.openxmlformats.org/drawingml/2006/table">
@@ -12857,27 +11585,6 @@
                     </a:ext>
                   </a:extLst>
                 </a:gridCol>
-                <a:gridCol w="776378">
-                  <a:extLst>
-                    <a:ext uri="{9D8B030D-6E8A-4147-A177-3AD203B41FA5}">
-                      <a16:colId xmlns:a16="http://schemas.microsoft.com/office/drawing/2014/main" val="1969351072"/>
-                    </a:ext>
-                  </a:extLst>
-                </a:gridCol>
-                <a:gridCol w="948905">
-                  <a:extLst>
-                    <a:ext uri="{9D8B030D-6E8A-4147-A177-3AD203B41FA5}">
-                      <a16:colId xmlns:a16="http://schemas.microsoft.com/office/drawing/2014/main" val="2232959945"/>
-                    </a:ext>
-                  </a:extLst>
-                </a:gridCol>
-                <a:gridCol w="1061049">
-                  <a:extLst>
-                    <a:ext uri="{9D8B030D-6E8A-4147-A177-3AD203B41FA5}">
-                      <a16:colId xmlns:a16="http://schemas.microsoft.com/office/drawing/2014/main" val="4184487007"/>
-                    </a:ext>
-                  </a:extLst>
-                </a:gridCol>
               </a:tblGrid>
               <a:tr h="512409">
                 <a:tc rowSpan="2">
@@ -12915,13 +11622,8 @@
                       <a:pPr algn="ctr"/>
                       <a:r>
                         <a:rPr lang="de-DE" sz="1600" dirty="0"/>
-                        <a:t>Zeitersparnis durch </a:t>
-                      </a:r>
-                      <a:r>
-                        <a:rPr lang="de-DE" sz="1600" dirty="0" err="1"/>
-                        <a:t>Cutoff</a:t>
-                      </a:r>
-                      <a:endParaRPr lang="de-DE" sz="1600" dirty="0"/>
+                        <a:t>Zeitersparnis durch Cutoff je nach Tiefe d</a:t>
+                      </a:r>
                     </a:p>
                   </a:txBody>
                   <a:tcPr>
@@ -12964,51 +11666,7 @@
                       <a:pPr algn="ctr"/>
                       <a:r>
                         <a:rPr lang="de-DE" sz="1600" dirty="0"/>
-                        <a:t>Gesparte Stellungsuntersuchungen</a:t>
-                      </a:r>
-                    </a:p>
-                  </a:txBody>
-                  <a:tcPr>
-                    <a:lnB w="6350" cap="flat" cmpd="sng" algn="ctr">
-                      <a:solidFill>
-                        <a:schemeClr val="tx1"/>
-                      </a:solidFill>
-                      <a:prstDash val="sysDot"/>
-                      <a:round/>
-                      <a:headEnd type="none" w="med" len="med"/>
-                      <a:tailEnd type="none" w="med" len="med"/>
-                    </a:lnB>
-                  </a:tcPr>
-                </a:tc>
-                <a:tc hMerge="1">
-                  <a:txBody>
-                    <a:bodyPr/>
-                    <a:lstStyle/>
-                    <a:p>
-                      <a:endParaRPr lang="de-DE"/>
-                    </a:p>
-                  </a:txBody>
-                  <a:tcPr/>
-                </a:tc>
-                <a:tc hMerge="1">
-                  <a:txBody>
-                    <a:bodyPr/>
-                    <a:lstStyle/>
-                    <a:p>
-                      <a:endParaRPr lang="de-DE"/>
-                    </a:p>
-                  </a:txBody>
-                  <a:tcPr/>
-                </a:tc>
-                <a:tc gridSpan="3">
-                  <a:txBody>
-                    <a:bodyPr/>
-                    <a:lstStyle/>
-                    <a:p>
-                      <a:pPr algn="ctr"/>
-                      <a:r>
-                        <a:rPr lang="de-DE" sz="1600" dirty="0"/>
-                        <a:t>Bester Zug gleich?</a:t>
+                        <a:t>Gesparte Stellungsuntersuchungen je nach Tiefe d</a:t>
                       </a:r>
                     </a:p>
                   </a:txBody>
@@ -13090,7 +11748,7 @@
                       <a:pPr algn="ctr"/>
                       <a:r>
                         <a:rPr lang="de-DE" sz="1600" dirty="0"/>
-                        <a:t>2</a:t>
+                        <a:t>d = 2</a:t>
                       </a:r>
                     </a:p>
                   </a:txBody>
@@ -13123,7 +11781,7 @@
                       <a:pPr algn="ctr"/>
                       <a:r>
                         <a:rPr lang="de-DE" sz="1600" dirty="0"/>
-                        <a:t>3</a:t>
+                        <a:t>d = 3</a:t>
                       </a:r>
                     </a:p>
                   </a:txBody>
@@ -13165,7 +11823,7 @@
                       <a:pPr algn="ctr"/>
                       <a:r>
                         <a:rPr lang="de-DE" sz="1600" dirty="0"/>
-                        <a:t>4</a:t>
+                        <a:t>d = 4</a:t>
                       </a:r>
                     </a:p>
                   </a:txBody>
@@ -13198,7 +11856,7 @@
                       <a:pPr algn="ctr"/>
                       <a:r>
                         <a:rPr lang="de-DE" sz="1600" dirty="0"/>
-                        <a:t>2</a:t>
+                        <a:t>d = 2</a:t>
                       </a:r>
                     </a:p>
                   </a:txBody>
@@ -13231,7 +11889,7 @@
                       <a:pPr algn="ctr"/>
                       <a:r>
                         <a:rPr lang="de-DE" sz="1600" dirty="0"/>
-                        <a:t>3</a:t>
+                        <a:t>d = 3</a:t>
                       </a:r>
                     </a:p>
                   </a:txBody>
@@ -13273,115 +11931,7 @@
                       <a:pPr algn="ctr"/>
                       <a:r>
                         <a:rPr lang="de-DE" sz="1600" dirty="0"/>
-                        <a:t>4</a:t>
-                      </a:r>
-                    </a:p>
-                  </a:txBody>
-                  <a:tcPr>
-                    <a:lnL w="6350" cap="flat" cmpd="sng" algn="ctr">
-                      <a:solidFill>
-                        <a:schemeClr val="tx1"/>
-                      </a:solidFill>
-                      <a:prstDash val="sysDot"/>
-                      <a:round/>
-                      <a:headEnd type="none" w="med" len="med"/>
-                      <a:tailEnd type="none" w="med" len="med"/>
-                    </a:lnL>
-                    <a:lnT w="6350" cap="flat" cmpd="sng" algn="ctr">
-                      <a:solidFill>
-                        <a:schemeClr val="tx1"/>
-                      </a:solidFill>
-                      <a:prstDash val="sysDot"/>
-                      <a:round/>
-                      <a:headEnd type="none" w="med" len="med"/>
-                      <a:tailEnd type="none" w="med" len="med"/>
-                    </a:lnT>
-                  </a:tcPr>
-                </a:tc>
-                <a:tc>
-                  <a:txBody>
-                    <a:bodyPr/>
-                    <a:lstStyle/>
-                    <a:p>
-                      <a:pPr algn="ctr"/>
-                      <a:r>
-                        <a:rPr lang="de-DE" sz="1600" dirty="0"/>
-                        <a:t>2</a:t>
-                      </a:r>
-                    </a:p>
-                  </a:txBody>
-                  <a:tcPr>
-                    <a:lnR w="6350" cap="flat" cmpd="sng" algn="ctr">
-                      <a:solidFill>
-                        <a:schemeClr val="tx1"/>
-                      </a:solidFill>
-                      <a:prstDash val="sysDot"/>
-                      <a:round/>
-                      <a:headEnd type="none" w="med" len="med"/>
-                      <a:tailEnd type="none" w="med" len="med"/>
-                    </a:lnR>
-                    <a:lnT w="6350" cap="flat" cmpd="sng" algn="ctr">
-                      <a:solidFill>
-                        <a:schemeClr val="tx1"/>
-                      </a:solidFill>
-                      <a:prstDash val="sysDot"/>
-                      <a:round/>
-                      <a:headEnd type="none" w="med" len="med"/>
-                      <a:tailEnd type="none" w="med" len="med"/>
-                    </a:lnT>
-                  </a:tcPr>
-                </a:tc>
-                <a:tc>
-                  <a:txBody>
-                    <a:bodyPr/>
-                    <a:lstStyle/>
-                    <a:p>
-                      <a:pPr algn="ctr"/>
-                      <a:r>
-                        <a:rPr lang="de-DE" sz="1600" dirty="0"/>
-                        <a:t>3</a:t>
-                      </a:r>
-                    </a:p>
-                  </a:txBody>
-                  <a:tcPr>
-                    <a:lnL w="6350" cap="flat" cmpd="sng" algn="ctr">
-                      <a:solidFill>
-                        <a:schemeClr val="tx1"/>
-                      </a:solidFill>
-                      <a:prstDash val="sysDot"/>
-                      <a:round/>
-                      <a:headEnd type="none" w="med" len="med"/>
-                      <a:tailEnd type="none" w="med" len="med"/>
-                    </a:lnL>
-                    <a:lnR w="6350" cap="flat" cmpd="sng" algn="ctr">
-                      <a:solidFill>
-                        <a:schemeClr val="tx1"/>
-                      </a:solidFill>
-                      <a:prstDash val="sysDot"/>
-                      <a:round/>
-                      <a:headEnd type="none" w="med" len="med"/>
-                      <a:tailEnd type="none" w="med" len="med"/>
-                    </a:lnR>
-                    <a:lnT w="6350" cap="flat" cmpd="sng" algn="ctr">
-                      <a:solidFill>
-                        <a:schemeClr val="tx1"/>
-                      </a:solidFill>
-                      <a:prstDash val="sysDot"/>
-                      <a:round/>
-                      <a:headEnd type="none" w="med" len="med"/>
-                      <a:tailEnd type="none" w="med" len="med"/>
-                    </a:lnT>
-                  </a:tcPr>
-                </a:tc>
-                <a:tc>
-                  <a:txBody>
-                    <a:bodyPr/>
-                    <a:lstStyle/>
-                    <a:p>
-                      <a:pPr algn="ctr"/>
-                      <a:r>
-                        <a:rPr lang="de-DE" sz="1600" dirty="0"/>
-                        <a:t>4</a:t>
+                        <a:t>d = 4</a:t>
                       </a:r>
                     </a:p>
                   </a:txBody>
@@ -13475,7 +12025,7 @@
                     <a:lstStyle/>
                     <a:p>
                       <a:pPr algn="ctr"/>
-                      <a:endParaRPr lang="de-DE" sz="1600" dirty="0"/>
+                      <a:endParaRPr lang="de-DE" sz="1200" dirty="0"/>
                     </a:p>
                   </a:txBody>
                   <a:tcPr>
@@ -13505,7 +12055,7 @@
                     <a:lstStyle/>
                     <a:p>
                       <a:pPr algn="ctr"/>
-                      <a:endParaRPr lang="de-DE" sz="1600" dirty="0"/>
+                      <a:endParaRPr lang="de-DE" sz="1200" dirty="0"/>
                     </a:p>
                   </a:txBody>
                   <a:tcPr>
@@ -13544,7 +12094,7 @@
                     <a:lstStyle/>
                     <a:p>
                       <a:pPr algn="ctr"/>
-                      <a:endParaRPr lang="de-DE" sz="1600" dirty="0"/>
+                      <a:endParaRPr lang="de-DE" sz="1200" dirty="0"/>
                     </a:p>
                   </a:txBody>
                   <a:tcPr>
@@ -13574,7 +12124,7 @@
                     <a:lstStyle/>
                     <a:p>
                       <a:pPr algn="ctr"/>
-                      <a:endParaRPr lang="de-DE" sz="1600" dirty="0"/>
+                      <a:endParaRPr lang="de-DE" sz="1200" dirty="0"/>
                     </a:p>
                   </a:txBody>
                   <a:tcPr>
@@ -13604,7 +12154,7 @@
                     <a:lstStyle/>
                     <a:p>
                       <a:pPr algn="ctr"/>
-                      <a:endParaRPr lang="de-DE" sz="1600" dirty="0"/>
+                      <a:endParaRPr lang="de-DE" sz="1200" dirty="0"/>
                     </a:p>
                   </a:txBody>
                   <a:tcPr>
@@ -13643,106 +12193,7 @@
                     <a:lstStyle/>
                     <a:p>
                       <a:pPr algn="ctr"/>
-                      <a:endParaRPr lang="de-DE" sz="1600" dirty="0"/>
-                    </a:p>
-                  </a:txBody>
-                  <a:tcPr>
-                    <a:lnL w="6350" cap="flat" cmpd="sng" algn="ctr">
-                      <a:solidFill>
-                        <a:schemeClr val="tx1"/>
-                      </a:solidFill>
-                      <a:prstDash val="sysDot"/>
-                      <a:round/>
-                      <a:headEnd type="none" w="med" len="med"/>
-                      <a:tailEnd type="none" w="med" len="med"/>
-                    </a:lnL>
-                    <a:lnB w="6350" cap="flat" cmpd="sng" algn="ctr">
-                      <a:solidFill>
-                        <a:schemeClr val="tx1"/>
-                      </a:solidFill>
-                      <a:prstDash val="sysDot"/>
-                      <a:round/>
-                      <a:headEnd type="none" w="med" len="med"/>
-                      <a:tailEnd type="none" w="med" len="med"/>
-                    </a:lnB>
-                  </a:tcPr>
-                </a:tc>
-                <a:tc>
-                  <a:txBody>
-                    <a:bodyPr/>
-                    <a:lstStyle/>
-                    <a:p>
-                      <a:pPr algn="ctr"/>
-                      <a:endParaRPr lang="de-DE" sz="1600" dirty="0"/>
-                    </a:p>
-                  </a:txBody>
-                  <a:tcPr>
-                    <a:lnR w="6350" cap="flat" cmpd="sng" algn="ctr">
-                      <a:solidFill>
-                        <a:schemeClr val="tx1"/>
-                      </a:solidFill>
-                      <a:prstDash val="sysDot"/>
-                      <a:round/>
-                      <a:headEnd type="none" w="med" len="med"/>
-                      <a:tailEnd type="none" w="med" len="med"/>
-                    </a:lnR>
-                    <a:lnB w="6350" cap="flat" cmpd="sng" algn="ctr">
-                      <a:solidFill>
-                        <a:schemeClr val="tx1"/>
-                      </a:solidFill>
-                      <a:prstDash val="sysDot"/>
-                      <a:round/>
-                      <a:headEnd type="none" w="med" len="med"/>
-                      <a:tailEnd type="none" w="med" len="med"/>
-                    </a:lnB>
-                  </a:tcPr>
-                </a:tc>
-                <a:tc>
-                  <a:txBody>
-                    <a:bodyPr/>
-                    <a:lstStyle/>
-                    <a:p>
-                      <a:pPr algn="ctr"/>
-                      <a:endParaRPr lang="de-DE" sz="1600"/>
-                    </a:p>
-                  </a:txBody>
-                  <a:tcPr>
-                    <a:lnL w="6350" cap="flat" cmpd="sng" algn="ctr">
-                      <a:solidFill>
-                        <a:schemeClr val="tx1"/>
-                      </a:solidFill>
-                      <a:prstDash val="sysDot"/>
-                      <a:round/>
-                      <a:headEnd type="none" w="med" len="med"/>
-                      <a:tailEnd type="none" w="med" len="med"/>
-                    </a:lnL>
-                    <a:lnR w="6350" cap="flat" cmpd="sng" algn="ctr">
-                      <a:solidFill>
-                        <a:schemeClr val="tx1"/>
-                      </a:solidFill>
-                      <a:prstDash val="sysDot"/>
-                      <a:round/>
-                      <a:headEnd type="none" w="med" len="med"/>
-                      <a:tailEnd type="none" w="med" len="med"/>
-                    </a:lnR>
-                    <a:lnB w="6350" cap="flat" cmpd="sng" algn="ctr">
-                      <a:solidFill>
-                        <a:schemeClr val="tx1"/>
-                      </a:solidFill>
-                      <a:prstDash val="sysDot"/>
-                      <a:round/>
-                      <a:headEnd type="none" w="med" len="med"/>
-                      <a:tailEnd type="none" w="med" len="med"/>
-                    </a:lnB>
-                  </a:tcPr>
-                </a:tc>
-                <a:tc>
-                  <a:txBody>
-                    <a:bodyPr/>
-                    <a:lstStyle/>
-                    <a:p>
-                      <a:pPr algn="ctr"/>
-                      <a:endParaRPr lang="de-DE" sz="1600" dirty="0"/>
+                      <a:endParaRPr lang="de-DE" sz="1200" dirty="0"/>
                     </a:p>
                   </a:txBody>
                   <a:tcPr>
@@ -13822,7 +12273,7 @@
                     <a:lstStyle/>
                     <a:p>
                       <a:pPr algn="ctr"/>
-                      <a:endParaRPr lang="de-DE" sz="1600" dirty="0"/>
+                      <a:endParaRPr lang="de-DE" sz="1200" dirty="0"/>
                     </a:p>
                   </a:txBody>
                   <a:tcPr>
@@ -13861,7 +12312,7 @@
                     <a:lstStyle/>
                     <a:p>
                       <a:pPr algn="ctr"/>
-                      <a:endParaRPr lang="de-DE" sz="1600" dirty="0"/>
+                      <a:endParaRPr lang="de-DE" sz="1200" dirty="0"/>
                     </a:p>
                   </a:txBody>
                   <a:tcPr>
@@ -13909,7 +12360,7 @@
                     <a:lstStyle/>
                     <a:p>
                       <a:pPr algn="ctr"/>
-                      <a:endParaRPr lang="de-DE" sz="1600" dirty="0"/>
+                      <a:endParaRPr lang="de-DE" sz="1200" dirty="0"/>
                     </a:p>
                   </a:txBody>
                   <a:tcPr>
@@ -13948,7 +12399,7 @@
                     <a:lstStyle/>
                     <a:p>
                       <a:pPr algn="ctr"/>
-                      <a:endParaRPr lang="de-DE" sz="1600" dirty="0"/>
+                      <a:endParaRPr lang="de-DE" sz="1200" dirty="0"/>
                     </a:p>
                   </a:txBody>
                   <a:tcPr>
@@ -13987,7 +12438,7 @@
                     <a:lstStyle/>
                     <a:p>
                       <a:pPr algn="ctr"/>
-                      <a:endParaRPr lang="de-DE" sz="1600" dirty="0"/>
+                      <a:endParaRPr lang="de-DE" sz="1200" dirty="0"/>
                     </a:p>
                   </a:txBody>
                   <a:tcPr>
@@ -14035,133 +12486,7 @@
                     <a:lstStyle/>
                     <a:p>
                       <a:pPr algn="ctr"/>
-                      <a:endParaRPr lang="de-DE" sz="1600" dirty="0"/>
-                    </a:p>
-                  </a:txBody>
-                  <a:tcPr>
-                    <a:lnL w="6350" cap="flat" cmpd="sng" algn="ctr">
-                      <a:solidFill>
-                        <a:schemeClr val="tx1"/>
-                      </a:solidFill>
-                      <a:prstDash val="sysDot"/>
-                      <a:round/>
-                      <a:headEnd type="none" w="med" len="med"/>
-                      <a:tailEnd type="none" w="med" len="med"/>
-                    </a:lnL>
-                    <a:lnT w="6350" cap="flat" cmpd="sng" algn="ctr">
-                      <a:solidFill>
-                        <a:schemeClr val="tx1"/>
-                      </a:solidFill>
-                      <a:prstDash val="sysDot"/>
-                      <a:round/>
-                      <a:headEnd type="none" w="med" len="med"/>
-                      <a:tailEnd type="none" w="med" len="med"/>
-                    </a:lnT>
-                    <a:lnB w="6350" cap="flat" cmpd="sng" algn="ctr">
-                      <a:solidFill>
-                        <a:schemeClr val="tx1"/>
-                      </a:solidFill>
-                      <a:prstDash val="sysDot"/>
-                      <a:round/>
-                      <a:headEnd type="none" w="med" len="med"/>
-                      <a:tailEnd type="none" w="med" len="med"/>
-                    </a:lnB>
-                  </a:tcPr>
-                </a:tc>
-                <a:tc>
-                  <a:txBody>
-                    <a:bodyPr/>
-                    <a:lstStyle/>
-                    <a:p>
-                      <a:pPr algn="ctr"/>
-                      <a:endParaRPr lang="de-DE" sz="1600"/>
-                    </a:p>
-                  </a:txBody>
-                  <a:tcPr>
-                    <a:lnR w="6350" cap="flat" cmpd="sng" algn="ctr">
-                      <a:solidFill>
-                        <a:schemeClr val="tx1"/>
-                      </a:solidFill>
-                      <a:prstDash val="sysDot"/>
-                      <a:round/>
-                      <a:headEnd type="none" w="med" len="med"/>
-                      <a:tailEnd type="none" w="med" len="med"/>
-                    </a:lnR>
-                    <a:lnT w="6350" cap="flat" cmpd="sng" algn="ctr">
-                      <a:solidFill>
-                        <a:schemeClr val="tx1"/>
-                      </a:solidFill>
-                      <a:prstDash val="sysDot"/>
-                      <a:round/>
-                      <a:headEnd type="none" w="med" len="med"/>
-                      <a:tailEnd type="none" w="med" len="med"/>
-                    </a:lnT>
-                    <a:lnB w="6350" cap="flat" cmpd="sng" algn="ctr">
-                      <a:solidFill>
-                        <a:schemeClr val="tx1"/>
-                      </a:solidFill>
-                      <a:prstDash val="sysDot"/>
-                      <a:round/>
-                      <a:headEnd type="none" w="med" len="med"/>
-                      <a:tailEnd type="none" w="med" len="med"/>
-                    </a:lnB>
-                  </a:tcPr>
-                </a:tc>
-                <a:tc>
-                  <a:txBody>
-                    <a:bodyPr/>
-                    <a:lstStyle/>
-                    <a:p>
-                      <a:pPr algn="ctr"/>
-                      <a:endParaRPr lang="de-DE" sz="1600" dirty="0"/>
-                    </a:p>
-                  </a:txBody>
-                  <a:tcPr>
-                    <a:lnL w="6350" cap="flat" cmpd="sng" algn="ctr">
-                      <a:solidFill>
-                        <a:schemeClr val="tx1"/>
-                      </a:solidFill>
-                      <a:prstDash val="sysDot"/>
-                      <a:round/>
-                      <a:headEnd type="none" w="med" len="med"/>
-                      <a:tailEnd type="none" w="med" len="med"/>
-                    </a:lnL>
-                    <a:lnR w="6350" cap="flat" cmpd="sng" algn="ctr">
-                      <a:solidFill>
-                        <a:schemeClr val="tx1"/>
-                      </a:solidFill>
-                      <a:prstDash val="sysDot"/>
-                      <a:round/>
-                      <a:headEnd type="none" w="med" len="med"/>
-                      <a:tailEnd type="none" w="med" len="med"/>
-                    </a:lnR>
-                    <a:lnT w="6350" cap="flat" cmpd="sng" algn="ctr">
-                      <a:solidFill>
-                        <a:schemeClr val="tx1"/>
-                      </a:solidFill>
-                      <a:prstDash val="sysDot"/>
-                      <a:round/>
-                      <a:headEnd type="none" w="med" len="med"/>
-                      <a:tailEnd type="none" w="med" len="med"/>
-                    </a:lnT>
-                    <a:lnB w="6350" cap="flat" cmpd="sng" algn="ctr">
-                      <a:solidFill>
-                        <a:schemeClr val="tx1"/>
-                      </a:solidFill>
-                      <a:prstDash val="sysDot"/>
-                      <a:round/>
-                      <a:headEnd type="none" w="med" len="med"/>
-                      <a:tailEnd type="none" w="med" len="med"/>
-                    </a:lnB>
-                  </a:tcPr>
-                </a:tc>
-                <a:tc>
-                  <a:txBody>
-                    <a:bodyPr/>
-                    <a:lstStyle/>
-                    <a:p>
-                      <a:pPr algn="ctr"/>
-                      <a:endParaRPr lang="de-DE" sz="1600" dirty="0"/>
+                      <a:endParaRPr lang="de-DE" sz="1200" dirty="0"/>
                     </a:p>
                   </a:txBody>
                   <a:tcPr>
@@ -14241,7 +12566,7 @@
                     <a:lstStyle/>
                     <a:p>
                       <a:pPr algn="ctr"/>
-                      <a:endParaRPr lang="de-DE" sz="1600" dirty="0"/>
+                      <a:endParaRPr lang="de-DE" sz="1200" dirty="0"/>
                     </a:p>
                   </a:txBody>
                   <a:tcPr>
@@ -14271,7 +12596,7 @@
                     <a:lstStyle/>
                     <a:p>
                       <a:pPr algn="ctr"/>
-                      <a:endParaRPr lang="de-DE" sz="1600" dirty="0"/>
+                      <a:endParaRPr lang="de-DE" sz="1200" dirty="0"/>
                     </a:p>
                   </a:txBody>
                   <a:tcPr>
@@ -14310,7 +12635,7 @@
                     <a:lstStyle/>
                     <a:p>
                       <a:pPr algn="ctr"/>
-                      <a:endParaRPr lang="de-DE" sz="1600" dirty="0"/>
+                      <a:endParaRPr lang="de-DE" sz="1200" dirty="0"/>
                     </a:p>
                   </a:txBody>
                   <a:tcPr>
@@ -14340,7 +12665,7 @@
                     <a:lstStyle/>
                     <a:p>
                       <a:pPr algn="ctr"/>
-                      <a:endParaRPr lang="de-DE" sz="1600" dirty="0"/>
+                      <a:endParaRPr lang="de-DE" sz="1200" dirty="0"/>
                     </a:p>
                   </a:txBody>
                   <a:tcPr>
@@ -14370,7 +12695,7 @@
                     <a:lstStyle/>
                     <a:p>
                       <a:pPr algn="ctr"/>
-                      <a:endParaRPr lang="de-DE" sz="1600" dirty="0"/>
+                      <a:endParaRPr lang="de-DE" sz="1200" dirty="0"/>
                     </a:p>
                   </a:txBody>
                   <a:tcPr>
@@ -14409,106 +12734,7 @@
                     <a:lstStyle/>
                     <a:p>
                       <a:pPr algn="ctr"/>
-                      <a:endParaRPr lang="de-DE" sz="1600" dirty="0"/>
-                    </a:p>
-                  </a:txBody>
-                  <a:tcPr>
-                    <a:lnL w="6350" cap="flat" cmpd="sng" algn="ctr">
-                      <a:solidFill>
-                        <a:schemeClr val="tx1"/>
-                      </a:solidFill>
-                      <a:prstDash val="sysDot"/>
-                      <a:round/>
-                      <a:headEnd type="none" w="med" len="med"/>
-                      <a:tailEnd type="none" w="med" len="med"/>
-                    </a:lnL>
-                    <a:lnT w="6350" cap="flat" cmpd="sng" algn="ctr">
-                      <a:solidFill>
-                        <a:schemeClr val="tx1"/>
-                      </a:solidFill>
-                      <a:prstDash val="sysDot"/>
-                      <a:round/>
-                      <a:headEnd type="none" w="med" len="med"/>
-                      <a:tailEnd type="none" w="med" len="med"/>
-                    </a:lnT>
-                  </a:tcPr>
-                </a:tc>
-                <a:tc>
-                  <a:txBody>
-                    <a:bodyPr/>
-                    <a:lstStyle/>
-                    <a:p>
-                      <a:pPr algn="ctr"/>
-                      <a:endParaRPr lang="de-DE" sz="1600"/>
-                    </a:p>
-                  </a:txBody>
-                  <a:tcPr>
-                    <a:lnR w="6350" cap="flat" cmpd="sng" algn="ctr">
-                      <a:solidFill>
-                        <a:schemeClr val="tx1"/>
-                      </a:solidFill>
-                      <a:prstDash val="sysDot"/>
-                      <a:round/>
-                      <a:headEnd type="none" w="med" len="med"/>
-                      <a:tailEnd type="none" w="med" len="med"/>
-                    </a:lnR>
-                    <a:lnT w="6350" cap="flat" cmpd="sng" algn="ctr">
-                      <a:solidFill>
-                        <a:schemeClr val="tx1"/>
-                      </a:solidFill>
-                      <a:prstDash val="sysDot"/>
-                      <a:round/>
-                      <a:headEnd type="none" w="med" len="med"/>
-                      <a:tailEnd type="none" w="med" len="med"/>
-                    </a:lnT>
-                  </a:tcPr>
-                </a:tc>
-                <a:tc>
-                  <a:txBody>
-                    <a:bodyPr/>
-                    <a:lstStyle/>
-                    <a:p>
-                      <a:pPr algn="ctr"/>
-                      <a:endParaRPr lang="de-DE" sz="1600" dirty="0"/>
-                    </a:p>
-                  </a:txBody>
-                  <a:tcPr>
-                    <a:lnL w="6350" cap="flat" cmpd="sng" algn="ctr">
-                      <a:solidFill>
-                        <a:schemeClr val="tx1"/>
-                      </a:solidFill>
-                      <a:prstDash val="sysDot"/>
-                      <a:round/>
-                      <a:headEnd type="none" w="med" len="med"/>
-                      <a:tailEnd type="none" w="med" len="med"/>
-                    </a:lnL>
-                    <a:lnR w="6350" cap="flat" cmpd="sng" algn="ctr">
-                      <a:solidFill>
-                        <a:schemeClr val="tx1"/>
-                      </a:solidFill>
-                      <a:prstDash val="sysDot"/>
-                      <a:round/>
-                      <a:headEnd type="none" w="med" len="med"/>
-                      <a:tailEnd type="none" w="med" len="med"/>
-                    </a:lnR>
-                    <a:lnT w="6350" cap="flat" cmpd="sng" algn="ctr">
-                      <a:solidFill>
-                        <a:schemeClr val="tx1"/>
-                      </a:solidFill>
-                      <a:prstDash val="sysDot"/>
-                      <a:round/>
-                      <a:headEnd type="none" w="med" len="med"/>
-                      <a:tailEnd type="none" w="med" len="med"/>
-                    </a:lnT>
-                  </a:tcPr>
-                </a:tc>
-                <a:tc>
-                  <a:txBody>
-                    <a:bodyPr/>
-                    <a:lstStyle/>
-                    <a:p>
-                      <a:pPr algn="ctr"/>
-                      <a:endParaRPr lang="de-DE" sz="1600" dirty="0"/>
+                      <a:endParaRPr lang="de-DE" sz="1200" dirty="0"/>
                     </a:p>
                   </a:txBody>
                   <a:tcPr>
@@ -14601,7 +12827,7 @@
                     <a:lstStyle/>
                     <a:p>
                       <a:pPr algn="ctr"/>
-                      <a:endParaRPr lang="de-DE" sz="1600" dirty="0"/>
+                      <a:endParaRPr lang="de-DE" sz="1200" dirty="0"/>
                     </a:p>
                   </a:txBody>
                   <a:tcPr>
@@ -14631,7 +12857,7 @@
                     <a:lstStyle/>
                     <a:p>
                       <a:pPr algn="ctr"/>
-                      <a:endParaRPr lang="de-DE" sz="1600" dirty="0"/>
+                      <a:endParaRPr lang="de-DE" sz="1200" dirty="0"/>
                     </a:p>
                   </a:txBody>
                   <a:tcPr>
@@ -14670,7 +12896,7 @@
                     <a:lstStyle/>
                     <a:p>
                       <a:pPr algn="ctr"/>
-                      <a:endParaRPr lang="de-DE" sz="1600" dirty="0"/>
+                      <a:endParaRPr lang="de-DE" sz="1200" dirty="0"/>
                     </a:p>
                   </a:txBody>
                   <a:tcPr>
@@ -14700,7 +12926,7 @@
                     <a:lstStyle/>
                     <a:p>
                       <a:pPr algn="ctr"/>
-                      <a:endParaRPr lang="de-DE" sz="1600" dirty="0"/>
+                      <a:endParaRPr lang="de-DE" sz="1200" dirty="0"/>
                     </a:p>
                   </a:txBody>
                   <a:tcPr>
@@ -14730,7 +12956,7 @@
                     <a:lstStyle/>
                     <a:p>
                       <a:pPr algn="ctr"/>
-                      <a:endParaRPr lang="de-DE" sz="1600" dirty="0"/>
+                      <a:endParaRPr lang="de-DE" sz="1200" dirty="0"/>
                     </a:p>
                   </a:txBody>
                   <a:tcPr>
@@ -14769,106 +12995,7 @@
                     <a:lstStyle/>
                     <a:p>
                       <a:pPr algn="ctr"/>
-                      <a:endParaRPr lang="de-DE" sz="1600" dirty="0"/>
-                    </a:p>
-                  </a:txBody>
-                  <a:tcPr>
-                    <a:lnL w="6350" cap="flat" cmpd="sng" algn="ctr">
-                      <a:solidFill>
-                        <a:schemeClr val="tx1"/>
-                      </a:solidFill>
-                      <a:prstDash val="sysDot"/>
-                      <a:round/>
-                      <a:headEnd type="none" w="med" len="med"/>
-                      <a:tailEnd type="none" w="med" len="med"/>
-                    </a:lnL>
-                    <a:lnB w="6350" cap="flat" cmpd="sng" algn="ctr">
-                      <a:solidFill>
-                        <a:schemeClr val="tx1"/>
-                      </a:solidFill>
-                      <a:prstDash val="sysDot"/>
-                      <a:round/>
-                      <a:headEnd type="none" w="med" len="med"/>
-                      <a:tailEnd type="none" w="med" len="med"/>
-                    </a:lnB>
-                  </a:tcPr>
-                </a:tc>
-                <a:tc>
-                  <a:txBody>
-                    <a:bodyPr/>
-                    <a:lstStyle/>
-                    <a:p>
-                      <a:pPr algn="ctr"/>
-                      <a:endParaRPr lang="de-DE" sz="1600"/>
-                    </a:p>
-                  </a:txBody>
-                  <a:tcPr>
-                    <a:lnR w="6350" cap="flat" cmpd="sng" algn="ctr">
-                      <a:solidFill>
-                        <a:schemeClr val="tx1"/>
-                      </a:solidFill>
-                      <a:prstDash val="sysDot"/>
-                      <a:round/>
-                      <a:headEnd type="none" w="med" len="med"/>
-                      <a:tailEnd type="none" w="med" len="med"/>
-                    </a:lnR>
-                    <a:lnB w="6350" cap="flat" cmpd="sng" algn="ctr">
-                      <a:solidFill>
-                        <a:schemeClr val="tx1"/>
-                      </a:solidFill>
-                      <a:prstDash val="sysDot"/>
-                      <a:round/>
-                      <a:headEnd type="none" w="med" len="med"/>
-                      <a:tailEnd type="none" w="med" len="med"/>
-                    </a:lnB>
-                  </a:tcPr>
-                </a:tc>
-                <a:tc>
-                  <a:txBody>
-                    <a:bodyPr/>
-                    <a:lstStyle/>
-                    <a:p>
-                      <a:pPr algn="ctr"/>
-                      <a:endParaRPr lang="de-DE" sz="1600" dirty="0"/>
-                    </a:p>
-                  </a:txBody>
-                  <a:tcPr>
-                    <a:lnL w="6350" cap="flat" cmpd="sng" algn="ctr">
-                      <a:solidFill>
-                        <a:schemeClr val="tx1"/>
-                      </a:solidFill>
-                      <a:prstDash val="sysDot"/>
-                      <a:round/>
-                      <a:headEnd type="none" w="med" len="med"/>
-                      <a:tailEnd type="none" w="med" len="med"/>
-                    </a:lnL>
-                    <a:lnR w="6350" cap="flat" cmpd="sng" algn="ctr">
-                      <a:solidFill>
-                        <a:schemeClr val="tx1"/>
-                      </a:solidFill>
-                      <a:prstDash val="sysDot"/>
-                      <a:round/>
-                      <a:headEnd type="none" w="med" len="med"/>
-                      <a:tailEnd type="none" w="med" len="med"/>
-                    </a:lnR>
-                    <a:lnB w="6350" cap="flat" cmpd="sng" algn="ctr">
-                      <a:solidFill>
-                        <a:schemeClr val="tx1"/>
-                      </a:solidFill>
-                      <a:prstDash val="sysDot"/>
-                      <a:round/>
-                      <a:headEnd type="none" w="med" len="med"/>
-                      <a:tailEnd type="none" w="med" len="med"/>
-                    </a:lnB>
-                  </a:tcPr>
-                </a:tc>
-                <a:tc>
-                  <a:txBody>
-                    <a:bodyPr/>
-                    <a:lstStyle/>
-                    <a:p>
-                      <a:pPr algn="ctr"/>
-                      <a:endParaRPr lang="de-DE" sz="1600" dirty="0"/>
+                      <a:endParaRPr lang="de-DE" sz="1200" dirty="0"/>
                     </a:p>
                   </a:txBody>
                   <a:tcPr>
@@ -14948,7 +13075,7 @@
                     <a:lstStyle/>
                     <a:p>
                       <a:pPr algn="ctr"/>
-                      <a:endParaRPr lang="de-DE" sz="1600" dirty="0"/>
+                      <a:endParaRPr lang="de-DE" sz="1200" dirty="0"/>
                     </a:p>
                   </a:txBody>
                   <a:tcPr>
@@ -14987,7 +13114,7 @@
                     <a:lstStyle/>
                     <a:p>
                       <a:pPr algn="ctr"/>
-                      <a:endParaRPr lang="de-DE" sz="1600" dirty="0"/>
+                      <a:endParaRPr lang="de-DE" sz="1200" dirty="0"/>
                     </a:p>
                   </a:txBody>
                   <a:tcPr>
@@ -15035,7 +13162,7 @@
                     <a:lstStyle/>
                     <a:p>
                       <a:pPr algn="ctr"/>
-                      <a:endParaRPr lang="de-DE" sz="1600" dirty="0"/>
+                      <a:endParaRPr lang="de-DE" sz="1200" dirty="0"/>
                     </a:p>
                   </a:txBody>
                   <a:tcPr>
@@ -15074,7 +13201,7 @@
                     <a:lstStyle/>
                     <a:p>
                       <a:pPr algn="ctr"/>
-                      <a:endParaRPr lang="de-DE" sz="1600" dirty="0"/>
+                      <a:endParaRPr lang="de-DE" sz="1200" dirty="0"/>
                     </a:p>
                   </a:txBody>
                   <a:tcPr>
@@ -15113,7 +13240,7 @@
                     <a:lstStyle/>
                     <a:p>
                       <a:pPr algn="ctr"/>
-                      <a:endParaRPr lang="de-DE" sz="1600" dirty="0"/>
+                      <a:endParaRPr lang="de-DE" sz="1200" dirty="0"/>
                     </a:p>
                   </a:txBody>
                   <a:tcPr>
@@ -15161,133 +13288,7 @@
                     <a:lstStyle/>
                     <a:p>
                       <a:pPr algn="ctr"/>
-                      <a:endParaRPr lang="de-DE" sz="1600" dirty="0"/>
-                    </a:p>
-                  </a:txBody>
-                  <a:tcPr>
-                    <a:lnL w="6350" cap="flat" cmpd="sng" algn="ctr">
-                      <a:solidFill>
-                        <a:schemeClr val="tx1"/>
-                      </a:solidFill>
-                      <a:prstDash val="sysDot"/>
-                      <a:round/>
-                      <a:headEnd type="none" w="med" len="med"/>
-                      <a:tailEnd type="none" w="med" len="med"/>
-                    </a:lnL>
-                    <a:lnT w="6350" cap="flat" cmpd="sng" algn="ctr">
-                      <a:solidFill>
-                        <a:schemeClr val="tx1"/>
-                      </a:solidFill>
-                      <a:prstDash val="sysDot"/>
-                      <a:round/>
-                      <a:headEnd type="none" w="med" len="med"/>
-                      <a:tailEnd type="none" w="med" len="med"/>
-                    </a:lnT>
-                    <a:lnB w="6350" cap="flat" cmpd="sng" algn="ctr">
-                      <a:solidFill>
-                        <a:schemeClr val="tx1"/>
-                      </a:solidFill>
-                      <a:prstDash val="sysDot"/>
-                      <a:round/>
-                      <a:headEnd type="none" w="med" len="med"/>
-                      <a:tailEnd type="none" w="med" len="med"/>
-                    </a:lnB>
-                  </a:tcPr>
-                </a:tc>
-                <a:tc>
-                  <a:txBody>
-                    <a:bodyPr/>
-                    <a:lstStyle/>
-                    <a:p>
-                      <a:pPr algn="ctr"/>
-                      <a:endParaRPr lang="de-DE" sz="1600" dirty="0"/>
-                    </a:p>
-                  </a:txBody>
-                  <a:tcPr>
-                    <a:lnR w="6350" cap="flat" cmpd="sng" algn="ctr">
-                      <a:solidFill>
-                        <a:schemeClr val="tx1"/>
-                      </a:solidFill>
-                      <a:prstDash val="sysDot"/>
-                      <a:round/>
-                      <a:headEnd type="none" w="med" len="med"/>
-                      <a:tailEnd type="none" w="med" len="med"/>
-                    </a:lnR>
-                    <a:lnT w="6350" cap="flat" cmpd="sng" algn="ctr">
-                      <a:solidFill>
-                        <a:schemeClr val="tx1"/>
-                      </a:solidFill>
-                      <a:prstDash val="sysDot"/>
-                      <a:round/>
-                      <a:headEnd type="none" w="med" len="med"/>
-                      <a:tailEnd type="none" w="med" len="med"/>
-                    </a:lnT>
-                    <a:lnB w="6350" cap="flat" cmpd="sng" algn="ctr">
-                      <a:solidFill>
-                        <a:schemeClr val="tx1"/>
-                      </a:solidFill>
-                      <a:prstDash val="sysDot"/>
-                      <a:round/>
-                      <a:headEnd type="none" w="med" len="med"/>
-                      <a:tailEnd type="none" w="med" len="med"/>
-                    </a:lnB>
-                  </a:tcPr>
-                </a:tc>
-                <a:tc>
-                  <a:txBody>
-                    <a:bodyPr/>
-                    <a:lstStyle/>
-                    <a:p>
-                      <a:pPr algn="ctr"/>
-                      <a:endParaRPr lang="de-DE" sz="1600" dirty="0"/>
-                    </a:p>
-                  </a:txBody>
-                  <a:tcPr>
-                    <a:lnL w="6350" cap="flat" cmpd="sng" algn="ctr">
-                      <a:solidFill>
-                        <a:schemeClr val="tx1"/>
-                      </a:solidFill>
-                      <a:prstDash val="sysDot"/>
-                      <a:round/>
-                      <a:headEnd type="none" w="med" len="med"/>
-                      <a:tailEnd type="none" w="med" len="med"/>
-                    </a:lnL>
-                    <a:lnR w="6350" cap="flat" cmpd="sng" algn="ctr">
-                      <a:solidFill>
-                        <a:schemeClr val="tx1"/>
-                      </a:solidFill>
-                      <a:prstDash val="sysDot"/>
-                      <a:round/>
-                      <a:headEnd type="none" w="med" len="med"/>
-                      <a:tailEnd type="none" w="med" len="med"/>
-                    </a:lnR>
-                    <a:lnT w="6350" cap="flat" cmpd="sng" algn="ctr">
-                      <a:solidFill>
-                        <a:schemeClr val="tx1"/>
-                      </a:solidFill>
-                      <a:prstDash val="sysDot"/>
-                      <a:round/>
-                      <a:headEnd type="none" w="med" len="med"/>
-                      <a:tailEnd type="none" w="med" len="med"/>
-                    </a:lnT>
-                    <a:lnB w="6350" cap="flat" cmpd="sng" algn="ctr">
-                      <a:solidFill>
-                        <a:schemeClr val="tx1"/>
-                      </a:solidFill>
-                      <a:prstDash val="sysDot"/>
-                      <a:round/>
-                      <a:headEnd type="none" w="med" len="med"/>
-                      <a:tailEnd type="none" w="med" len="med"/>
-                    </a:lnB>
-                  </a:tcPr>
-                </a:tc>
-                <a:tc>
-                  <a:txBody>
-                    <a:bodyPr/>
-                    <a:lstStyle/>
-                    <a:p>
-                      <a:pPr algn="ctr"/>
-                      <a:endParaRPr lang="de-DE" sz="1600" dirty="0"/>
+                      <a:endParaRPr lang="de-DE" sz="1200" dirty="0"/>
                     </a:p>
                   </a:txBody>
                   <a:tcPr>
@@ -15367,7 +13368,7 @@
                     <a:lstStyle/>
                     <a:p>
                       <a:pPr algn="ctr"/>
-                      <a:endParaRPr lang="de-DE" sz="1600" dirty="0"/>
+                      <a:endParaRPr lang="de-DE" sz="1200" dirty="0"/>
                     </a:p>
                   </a:txBody>
                   <a:tcPr>
@@ -15397,7 +13398,7 @@
                     <a:lstStyle/>
                     <a:p>
                       <a:pPr algn="ctr"/>
-                      <a:endParaRPr lang="de-DE" sz="1600" dirty="0"/>
+                      <a:endParaRPr lang="de-DE" sz="1200" dirty="0"/>
                     </a:p>
                   </a:txBody>
                   <a:tcPr>
@@ -15436,7 +13437,7 @@
                     <a:lstStyle/>
                     <a:p>
                       <a:pPr algn="ctr"/>
-                      <a:endParaRPr lang="de-DE" sz="1600" dirty="0"/>
+                      <a:endParaRPr lang="de-DE" sz="1200" dirty="0"/>
                     </a:p>
                   </a:txBody>
                   <a:tcPr>
@@ -15466,7 +13467,7 @@
                     <a:lstStyle/>
                     <a:p>
                       <a:pPr algn="ctr"/>
-                      <a:endParaRPr lang="de-DE" sz="1600"/>
+                      <a:endParaRPr lang="de-DE" sz="1200" dirty="0"/>
                     </a:p>
                   </a:txBody>
                   <a:tcPr>
@@ -15496,7 +13497,7 @@
                     <a:lstStyle/>
                     <a:p>
                       <a:pPr algn="ctr"/>
-                      <a:endParaRPr lang="de-DE" sz="1600"/>
+                      <a:endParaRPr lang="de-DE" sz="1200" dirty="0"/>
                     </a:p>
                   </a:txBody>
                   <a:tcPr>
@@ -15535,106 +13536,7 @@
                     <a:lstStyle/>
                     <a:p>
                       <a:pPr algn="ctr"/>
-                      <a:endParaRPr lang="de-DE" sz="1600" dirty="0"/>
-                    </a:p>
-                  </a:txBody>
-                  <a:tcPr>
-                    <a:lnL w="6350" cap="flat" cmpd="sng" algn="ctr">
-                      <a:solidFill>
-                        <a:schemeClr val="tx1"/>
-                      </a:solidFill>
-                      <a:prstDash val="sysDot"/>
-                      <a:round/>
-                      <a:headEnd type="none" w="med" len="med"/>
-                      <a:tailEnd type="none" w="med" len="med"/>
-                    </a:lnL>
-                    <a:lnT w="6350" cap="flat" cmpd="sng" algn="ctr">
-                      <a:solidFill>
-                        <a:schemeClr val="tx1"/>
-                      </a:solidFill>
-                      <a:prstDash val="sysDot"/>
-                      <a:round/>
-                      <a:headEnd type="none" w="med" len="med"/>
-                      <a:tailEnd type="none" w="med" len="med"/>
-                    </a:lnT>
-                  </a:tcPr>
-                </a:tc>
-                <a:tc>
-                  <a:txBody>
-                    <a:bodyPr/>
-                    <a:lstStyle/>
-                    <a:p>
-                      <a:pPr algn="ctr"/>
-                      <a:endParaRPr lang="de-DE" sz="1600" dirty="0"/>
-                    </a:p>
-                  </a:txBody>
-                  <a:tcPr>
-                    <a:lnR w="6350" cap="flat" cmpd="sng" algn="ctr">
-                      <a:solidFill>
-                        <a:schemeClr val="tx1"/>
-                      </a:solidFill>
-                      <a:prstDash val="sysDot"/>
-                      <a:round/>
-                      <a:headEnd type="none" w="med" len="med"/>
-                      <a:tailEnd type="none" w="med" len="med"/>
-                    </a:lnR>
-                    <a:lnT w="6350" cap="flat" cmpd="sng" algn="ctr">
-                      <a:solidFill>
-                        <a:schemeClr val="tx1"/>
-                      </a:solidFill>
-                      <a:prstDash val="sysDot"/>
-                      <a:round/>
-                      <a:headEnd type="none" w="med" len="med"/>
-                      <a:tailEnd type="none" w="med" len="med"/>
-                    </a:lnT>
-                  </a:tcPr>
-                </a:tc>
-                <a:tc>
-                  <a:txBody>
-                    <a:bodyPr/>
-                    <a:lstStyle/>
-                    <a:p>
-                      <a:pPr algn="ctr"/>
-                      <a:endParaRPr lang="de-DE" sz="1600" dirty="0"/>
-                    </a:p>
-                  </a:txBody>
-                  <a:tcPr>
-                    <a:lnL w="6350" cap="flat" cmpd="sng" algn="ctr">
-                      <a:solidFill>
-                        <a:schemeClr val="tx1"/>
-                      </a:solidFill>
-                      <a:prstDash val="sysDot"/>
-                      <a:round/>
-                      <a:headEnd type="none" w="med" len="med"/>
-                      <a:tailEnd type="none" w="med" len="med"/>
-                    </a:lnL>
-                    <a:lnR w="6350" cap="flat" cmpd="sng" algn="ctr">
-                      <a:solidFill>
-                        <a:schemeClr val="tx1"/>
-                      </a:solidFill>
-                      <a:prstDash val="sysDot"/>
-                      <a:round/>
-                      <a:headEnd type="none" w="med" len="med"/>
-                      <a:tailEnd type="none" w="med" len="med"/>
-                    </a:lnR>
-                    <a:lnT w="6350" cap="flat" cmpd="sng" algn="ctr">
-                      <a:solidFill>
-                        <a:schemeClr val="tx1"/>
-                      </a:solidFill>
-                      <a:prstDash val="sysDot"/>
-                      <a:round/>
-                      <a:headEnd type="none" w="med" len="med"/>
-                      <a:tailEnd type="none" w="med" len="med"/>
-                    </a:lnT>
-                  </a:tcPr>
-                </a:tc>
-                <a:tc>
-                  <a:txBody>
-                    <a:bodyPr/>
-                    <a:lstStyle/>
-                    <a:p>
-                      <a:pPr algn="ctr"/>
-                      <a:endParaRPr lang="de-DE" sz="1600" dirty="0"/>
+                      <a:endParaRPr lang="de-DE" sz="1200" dirty="0"/>
                     </a:p>
                   </a:txBody>
                   <a:tcPr>
@@ -15728,7 +13630,7 @@
                     <a:p>
                       <a:pPr algn="ctr"/>
                       <a:r>
-                        <a:rPr lang="de-DE" sz="1600" dirty="0"/>
+                        <a:rPr lang="de-DE" sz="1200" dirty="0"/>
                         <a:t>-9,31%</a:t>
                       </a:r>
                     </a:p>
@@ -15761,7 +13663,7 @@
                     <a:p>
                       <a:pPr algn="ctr"/>
                       <a:r>
-                        <a:rPr lang="de-DE" sz="1600" dirty="0"/>
+                        <a:rPr lang="de-DE" sz="1200" dirty="0"/>
                         <a:t>67,98%</a:t>
                       </a:r>
                     </a:p>
@@ -15803,7 +13705,7 @@
                     <a:p>
                       <a:pPr algn="ctr"/>
                       <a:r>
-                        <a:rPr lang="de-DE" sz="1600" dirty="0"/>
+                        <a:rPr lang="de-DE" sz="1200" dirty="0"/>
                         <a:t>85,29%</a:t>
                       </a:r>
                     </a:p>
@@ -15836,7 +13738,7 @@
                     <a:p>
                       <a:pPr algn="ctr"/>
                       <a:r>
-                        <a:rPr lang="de-DE" sz="1600" dirty="0"/>
+                        <a:rPr lang="de-DE" sz="1200" dirty="0"/>
                         <a:t>207 (56,25%)</a:t>
                       </a:r>
                     </a:p>
@@ -15869,7 +13771,7 @@
                     <a:p>
                       <a:pPr algn="ctr"/>
                       <a:r>
-                        <a:rPr lang="de-DE" sz="1600" dirty="0"/>
+                        <a:rPr lang="de-DE" sz="1200" dirty="0"/>
                         <a:t>4781 (87,5%)</a:t>
                       </a:r>
                     </a:p>
@@ -15911,116 +13813,8 @@
                     <a:p>
                       <a:pPr algn="ctr"/>
                       <a:r>
-                        <a:rPr lang="de-DE" sz="1600" dirty="0"/>
+                        <a:rPr lang="de-DE" sz="1200" dirty="0"/>
                         <a:t>87997 (86,25%)</a:t>
-                      </a:r>
-                    </a:p>
-                  </a:txBody>
-                  <a:tcPr>
-                    <a:lnL w="6350" cap="flat" cmpd="sng" algn="ctr">
-                      <a:solidFill>
-                        <a:schemeClr val="tx1"/>
-                      </a:solidFill>
-                      <a:prstDash val="sysDot"/>
-                      <a:round/>
-                      <a:headEnd type="none" w="med" len="med"/>
-                      <a:tailEnd type="none" w="med" len="med"/>
-                    </a:lnL>
-                    <a:lnB w="6350" cap="flat" cmpd="sng" algn="ctr">
-                      <a:solidFill>
-                        <a:schemeClr val="tx1"/>
-                      </a:solidFill>
-                      <a:prstDash val="sysDot"/>
-                      <a:round/>
-                      <a:headEnd type="none" w="med" len="med"/>
-                      <a:tailEnd type="none" w="med" len="med"/>
-                    </a:lnB>
-                  </a:tcPr>
-                </a:tc>
-                <a:tc>
-                  <a:txBody>
-                    <a:bodyPr/>
-                    <a:lstStyle/>
-                    <a:p>
-                      <a:pPr algn="ctr"/>
-                      <a:r>
-                        <a:rPr lang="de-DE" sz="1600" dirty="0"/>
-                        <a:t>ja</a:t>
-                      </a:r>
-                    </a:p>
-                  </a:txBody>
-                  <a:tcPr>
-                    <a:lnR w="6350" cap="flat" cmpd="sng" algn="ctr">
-                      <a:solidFill>
-                        <a:schemeClr val="tx1"/>
-                      </a:solidFill>
-                      <a:prstDash val="sysDot"/>
-                      <a:round/>
-                      <a:headEnd type="none" w="med" len="med"/>
-                      <a:tailEnd type="none" w="med" len="med"/>
-                    </a:lnR>
-                    <a:lnB w="6350" cap="flat" cmpd="sng" algn="ctr">
-                      <a:solidFill>
-                        <a:schemeClr val="tx1"/>
-                      </a:solidFill>
-                      <a:prstDash val="sysDot"/>
-                      <a:round/>
-                      <a:headEnd type="none" w="med" len="med"/>
-                      <a:tailEnd type="none" w="med" len="med"/>
-                    </a:lnB>
-                  </a:tcPr>
-                </a:tc>
-                <a:tc>
-                  <a:txBody>
-                    <a:bodyPr/>
-                    <a:lstStyle/>
-                    <a:p>
-                      <a:pPr algn="ctr"/>
-                      <a:r>
-                        <a:rPr lang="de-DE" sz="1600" dirty="0"/>
-                        <a:t>ja</a:t>
-                      </a:r>
-                    </a:p>
-                  </a:txBody>
-                  <a:tcPr>
-                    <a:lnL w="6350" cap="flat" cmpd="sng" algn="ctr">
-                      <a:solidFill>
-                        <a:schemeClr val="tx1"/>
-                      </a:solidFill>
-                      <a:prstDash val="sysDot"/>
-                      <a:round/>
-                      <a:headEnd type="none" w="med" len="med"/>
-                      <a:tailEnd type="none" w="med" len="med"/>
-                    </a:lnL>
-                    <a:lnR w="6350" cap="flat" cmpd="sng" algn="ctr">
-                      <a:solidFill>
-                        <a:schemeClr val="tx1"/>
-                      </a:solidFill>
-                      <a:prstDash val="sysDot"/>
-                      <a:round/>
-                      <a:headEnd type="none" w="med" len="med"/>
-                      <a:tailEnd type="none" w="med" len="med"/>
-                    </a:lnR>
-                    <a:lnB w="6350" cap="flat" cmpd="sng" algn="ctr">
-                      <a:solidFill>
-                        <a:schemeClr val="tx1"/>
-                      </a:solidFill>
-                      <a:prstDash val="sysDot"/>
-                      <a:round/>
-                      <a:headEnd type="none" w="med" len="med"/>
-                      <a:tailEnd type="none" w="med" len="med"/>
-                    </a:lnB>
-                  </a:tcPr>
-                </a:tc>
-                <a:tc>
-                  <a:txBody>
-                    <a:bodyPr/>
-                    <a:lstStyle/>
-                    <a:p>
-                      <a:pPr algn="ctr"/>
-                      <a:r>
-                        <a:rPr lang="de-DE" sz="1600" dirty="0"/>
-                        <a:t>ja</a:t>
                       </a:r>
                     </a:p>
                   </a:txBody>
@@ -16102,7 +13896,7 @@
                     <a:p>
                       <a:pPr algn="ctr"/>
                       <a:r>
-                        <a:rPr lang="de-DE" sz="1600" dirty="0"/>
+                        <a:rPr lang="de-DE" sz="1200" dirty="0"/>
                         <a:t>51,65%</a:t>
                       </a:r>
                     </a:p>
@@ -16144,7 +13938,7 @@
                     <a:p>
                       <a:pPr algn="ctr"/>
                       <a:r>
-                        <a:rPr lang="de-DE" sz="1600" dirty="0"/>
+                        <a:rPr lang="de-DE" sz="1200" dirty="0"/>
                         <a:t>70,04%</a:t>
                       </a:r>
                     </a:p>
@@ -16195,7 +13989,7 @@
                     <a:p>
                       <a:pPr algn="ctr"/>
                       <a:r>
-                        <a:rPr lang="de-DE" sz="1600" dirty="0"/>
+                        <a:rPr lang="de-DE" sz="1200" dirty="0"/>
                         <a:t>84,92%</a:t>
                       </a:r>
                     </a:p>
@@ -16237,7 +14031,7 @@
                     <a:p>
                       <a:pPr algn="ctr"/>
                       <a:r>
-                        <a:rPr lang="de-DE" sz="1600" dirty="0"/>
+                        <a:rPr lang="de-DE" sz="1200" dirty="0"/>
                         <a:t>932 (61,07%)</a:t>
                       </a:r>
                     </a:p>
@@ -16279,7 +14073,7 @@
                     <a:p>
                       <a:pPr algn="ctr"/>
                       <a:r>
-                        <a:rPr lang="de-DE" sz="1600" dirty="0"/>
+                        <a:rPr lang="de-DE" sz="1200" dirty="0"/>
                         <a:t>39566 (68,19%)</a:t>
                       </a:r>
                     </a:p>
@@ -16330,143 +14124,8 @@
                     <a:p>
                       <a:pPr algn="ctr"/>
                       <a:r>
-                        <a:rPr lang="de-DE" sz="1600" dirty="0"/>
+                        <a:rPr lang="de-DE" sz="1200" dirty="0"/>
                         <a:t>1872077 (84,64%)</a:t>
-                      </a:r>
-                    </a:p>
-                  </a:txBody>
-                  <a:tcPr>
-                    <a:lnL w="6350" cap="flat" cmpd="sng" algn="ctr">
-                      <a:solidFill>
-                        <a:schemeClr val="tx1"/>
-                      </a:solidFill>
-                      <a:prstDash val="sysDot"/>
-                      <a:round/>
-                      <a:headEnd type="none" w="med" len="med"/>
-                      <a:tailEnd type="none" w="med" len="med"/>
-                    </a:lnL>
-                    <a:lnT w="6350" cap="flat" cmpd="sng" algn="ctr">
-                      <a:solidFill>
-                        <a:schemeClr val="tx1"/>
-                      </a:solidFill>
-                      <a:prstDash val="sysDot"/>
-                      <a:round/>
-                      <a:headEnd type="none" w="med" len="med"/>
-                      <a:tailEnd type="none" w="med" len="med"/>
-                    </a:lnT>
-                    <a:lnB w="6350" cap="flat" cmpd="sng" algn="ctr">
-                      <a:solidFill>
-                        <a:schemeClr val="tx1"/>
-                      </a:solidFill>
-                      <a:prstDash val="sysDot"/>
-                      <a:round/>
-                      <a:headEnd type="none" w="med" len="med"/>
-                      <a:tailEnd type="none" w="med" len="med"/>
-                    </a:lnB>
-                  </a:tcPr>
-                </a:tc>
-                <a:tc>
-                  <a:txBody>
-                    <a:bodyPr/>
-                    <a:lstStyle/>
-                    <a:p>
-                      <a:pPr algn="ctr"/>
-                      <a:r>
-                        <a:rPr lang="de-DE" sz="1600" dirty="0"/>
-                        <a:t>ja</a:t>
-                      </a:r>
-                    </a:p>
-                  </a:txBody>
-                  <a:tcPr>
-                    <a:lnR w="6350" cap="flat" cmpd="sng" algn="ctr">
-                      <a:solidFill>
-                        <a:schemeClr val="tx1"/>
-                      </a:solidFill>
-                      <a:prstDash val="sysDot"/>
-                      <a:round/>
-                      <a:headEnd type="none" w="med" len="med"/>
-                      <a:tailEnd type="none" w="med" len="med"/>
-                    </a:lnR>
-                    <a:lnT w="6350" cap="flat" cmpd="sng" algn="ctr">
-                      <a:solidFill>
-                        <a:schemeClr val="tx1"/>
-                      </a:solidFill>
-                      <a:prstDash val="sysDot"/>
-                      <a:round/>
-                      <a:headEnd type="none" w="med" len="med"/>
-                      <a:tailEnd type="none" w="med" len="med"/>
-                    </a:lnT>
-                    <a:lnB w="6350" cap="flat" cmpd="sng" algn="ctr">
-                      <a:solidFill>
-                        <a:schemeClr val="tx1"/>
-                      </a:solidFill>
-                      <a:prstDash val="sysDot"/>
-                      <a:round/>
-                      <a:headEnd type="none" w="med" len="med"/>
-                      <a:tailEnd type="none" w="med" len="med"/>
-                    </a:lnB>
-                  </a:tcPr>
-                </a:tc>
-                <a:tc>
-                  <a:txBody>
-                    <a:bodyPr/>
-                    <a:lstStyle/>
-                    <a:p>
-                      <a:pPr algn="ctr"/>
-                      <a:r>
-                        <a:rPr lang="de-DE" sz="1600" dirty="0"/>
-                        <a:t>ja</a:t>
-                      </a:r>
-                    </a:p>
-                  </a:txBody>
-                  <a:tcPr>
-                    <a:lnL w="6350" cap="flat" cmpd="sng" algn="ctr">
-                      <a:solidFill>
-                        <a:schemeClr val="tx1"/>
-                      </a:solidFill>
-                      <a:prstDash val="sysDot"/>
-                      <a:round/>
-                      <a:headEnd type="none" w="med" len="med"/>
-                      <a:tailEnd type="none" w="med" len="med"/>
-                    </a:lnL>
-                    <a:lnR w="6350" cap="flat" cmpd="sng" algn="ctr">
-                      <a:solidFill>
-                        <a:schemeClr val="tx1"/>
-                      </a:solidFill>
-                      <a:prstDash val="sysDot"/>
-                      <a:round/>
-                      <a:headEnd type="none" w="med" len="med"/>
-                      <a:tailEnd type="none" w="med" len="med"/>
-                    </a:lnR>
-                    <a:lnT w="6350" cap="flat" cmpd="sng" algn="ctr">
-                      <a:solidFill>
-                        <a:schemeClr val="tx1"/>
-                      </a:solidFill>
-                      <a:prstDash val="sysDot"/>
-                      <a:round/>
-                      <a:headEnd type="none" w="med" len="med"/>
-                      <a:tailEnd type="none" w="med" len="med"/>
-                    </a:lnT>
-                    <a:lnB w="6350" cap="flat" cmpd="sng" algn="ctr">
-                      <a:solidFill>
-                        <a:schemeClr val="tx1"/>
-                      </a:solidFill>
-                      <a:prstDash val="sysDot"/>
-                      <a:round/>
-                      <a:headEnd type="none" w="med" len="med"/>
-                      <a:tailEnd type="none" w="med" len="med"/>
-                    </a:lnB>
-                  </a:tcPr>
-                </a:tc>
-                <a:tc>
-                  <a:txBody>
-                    <a:bodyPr/>
-                    <a:lstStyle/>
-                    <a:p>
-                      <a:pPr algn="ctr"/>
-                      <a:r>
-                        <a:rPr lang="de-DE" sz="1600" dirty="0"/>
-                        <a:t>ja</a:t>
                       </a:r>
                     </a:p>
                   </a:txBody>
@@ -16548,7 +14207,7 @@
                     <a:p>
                       <a:pPr algn="ctr"/>
                       <a:r>
-                        <a:rPr lang="de-DE" sz="1600" dirty="0"/>
+                        <a:rPr lang="de-DE" sz="1200" dirty="0"/>
                         <a:t>75,35%</a:t>
                       </a:r>
                     </a:p>
@@ -16581,7 +14240,7 @@
                     <a:p>
                       <a:pPr algn="ctr"/>
                       <a:r>
-                        <a:rPr lang="de-DE" sz="1600" dirty="0"/>
+                        <a:rPr lang="de-DE" sz="1200" dirty="0"/>
                         <a:t>88%</a:t>
                       </a:r>
                     </a:p>
@@ -16623,7 +14282,7 @@
                     <a:p>
                       <a:pPr algn="ctr"/>
                       <a:r>
-                        <a:rPr lang="de-DE" sz="1600" dirty="0"/>
+                        <a:rPr lang="de-DE" sz="1200" dirty="0"/>
                         <a:t>96,67%</a:t>
                       </a:r>
                     </a:p>
@@ -16656,7 +14315,7 @@
                     <a:p>
                       <a:pPr algn="ctr"/>
                       <a:r>
-                        <a:rPr lang="de-DE" sz="1600" dirty="0"/>
+                        <a:rPr lang="de-DE" sz="1200" dirty="0"/>
                         <a:t>759 (77,05%)</a:t>
                       </a:r>
                     </a:p>
@@ -16689,7 +14348,7 @@
                     <a:p>
                       <a:pPr algn="ctr"/>
                       <a:r>
-                        <a:rPr lang="de-DE" sz="1600" dirty="0"/>
+                        <a:rPr lang="de-DE" sz="1200" dirty="0"/>
                         <a:t>29147 (87,92%)</a:t>
                       </a:r>
                     </a:p>
@@ -16731,116 +14390,8 @@
                     <a:p>
                       <a:pPr algn="ctr"/>
                       <a:r>
-                        <a:rPr lang="de-DE" sz="1600" dirty="0"/>
+                        <a:rPr lang="de-DE" sz="1200" dirty="0"/>
                         <a:t>997652 (96,32%)</a:t>
-                      </a:r>
-                    </a:p>
-                  </a:txBody>
-                  <a:tcPr>
-                    <a:lnL w="6350" cap="flat" cmpd="sng" algn="ctr">
-                      <a:solidFill>
-                        <a:schemeClr val="tx1"/>
-                      </a:solidFill>
-                      <a:prstDash val="sysDot"/>
-                      <a:round/>
-                      <a:headEnd type="none" w="med" len="med"/>
-                      <a:tailEnd type="none" w="med" len="med"/>
-                    </a:lnL>
-                    <a:lnT w="6350" cap="flat" cmpd="sng" algn="ctr">
-                      <a:solidFill>
-                        <a:schemeClr val="tx1"/>
-                      </a:solidFill>
-                      <a:prstDash val="sysDot"/>
-                      <a:round/>
-                      <a:headEnd type="none" w="med" len="med"/>
-                      <a:tailEnd type="none" w="med" len="med"/>
-                    </a:lnT>
-                  </a:tcPr>
-                </a:tc>
-                <a:tc>
-                  <a:txBody>
-                    <a:bodyPr/>
-                    <a:lstStyle/>
-                    <a:p>
-                      <a:pPr algn="ctr"/>
-                      <a:r>
-                        <a:rPr lang="de-DE" sz="1600" dirty="0"/>
-                        <a:t>ja</a:t>
-                      </a:r>
-                    </a:p>
-                  </a:txBody>
-                  <a:tcPr>
-                    <a:lnR w="6350" cap="flat" cmpd="sng" algn="ctr">
-                      <a:solidFill>
-                        <a:schemeClr val="tx1"/>
-                      </a:solidFill>
-                      <a:prstDash val="sysDot"/>
-                      <a:round/>
-                      <a:headEnd type="none" w="med" len="med"/>
-                      <a:tailEnd type="none" w="med" len="med"/>
-                    </a:lnR>
-                    <a:lnT w="6350" cap="flat" cmpd="sng" algn="ctr">
-                      <a:solidFill>
-                        <a:schemeClr val="tx1"/>
-                      </a:solidFill>
-                      <a:prstDash val="sysDot"/>
-                      <a:round/>
-                      <a:headEnd type="none" w="med" len="med"/>
-                      <a:tailEnd type="none" w="med" len="med"/>
-                    </a:lnT>
-                  </a:tcPr>
-                </a:tc>
-                <a:tc>
-                  <a:txBody>
-                    <a:bodyPr/>
-                    <a:lstStyle/>
-                    <a:p>
-                      <a:pPr algn="ctr"/>
-                      <a:r>
-                        <a:rPr lang="de-DE" sz="1600" dirty="0"/>
-                        <a:t>ja</a:t>
-                      </a:r>
-                    </a:p>
-                  </a:txBody>
-                  <a:tcPr>
-                    <a:lnL w="6350" cap="flat" cmpd="sng" algn="ctr">
-                      <a:solidFill>
-                        <a:schemeClr val="tx1"/>
-                      </a:solidFill>
-                      <a:prstDash val="sysDot"/>
-                      <a:round/>
-                      <a:headEnd type="none" w="med" len="med"/>
-                      <a:tailEnd type="none" w="med" len="med"/>
-                    </a:lnL>
-                    <a:lnR w="6350" cap="flat" cmpd="sng" algn="ctr">
-                      <a:solidFill>
-                        <a:schemeClr val="tx1"/>
-                      </a:solidFill>
-                      <a:prstDash val="sysDot"/>
-                      <a:round/>
-                      <a:headEnd type="none" w="med" len="med"/>
-                      <a:tailEnd type="none" w="med" len="med"/>
-                    </a:lnR>
-                    <a:lnT w="6350" cap="flat" cmpd="sng" algn="ctr">
-                      <a:solidFill>
-                        <a:schemeClr val="tx1"/>
-                      </a:solidFill>
-                      <a:prstDash val="sysDot"/>
-                      <a:round/>
-                      <a:headEnd type="none" w="med" len="med"/>
-                      <a:tailEnd type="none" w="med" len="med"/>
-                    </a:lnT>
-                  </a:tcPr>
-                </a:tc>
-                <a:tc>
-                  <a:txBody>
-                    <a:bodyPr/>
-                    <a:lstStyle/>
-                    <a:p>
-                      <a:pPr algn="ctr"/>
-                      <a:r>
-                        <a:rPr lang="de-DE" sz="1600" dirty="0"/>
-                        <a:t>ja</a:t>
                       </a:r>
                     </a:p>
                   </a:txBody>
@@ -16875,6 +14426,37 @@
           </a:graphicData>
         </a:graphic>
       </p:graphicFrame>
+      <p:sp>
+        <p:nvSpPr>
+          <p:cNvPr id="8" name="Titel 7">
+            <a:extLst>
+              <a:ext uri="{FF2B5EF4-FFF2-40B4-BE49-F238E27FC236}">
+                <a16:creationId xmlns:a16="http://schemas.microsoft.com/office/drawing/2014/main" id="{E9D6B9D4-3108-9C97-88F4-83BA9553A6ED}"/>
+              </a:ext>
+            </a:extLst>
+          </p:cNvPr>
+          <p:cNvSpPr>
+            <a:spLocks noGrp="1"/>
+          </p:cNvSpPr>
+          <p:nvPr>
+            <p:ph type="title"/>
+          </p:nvPr>
+        </p:nvSpPr>
+        <p:spPr/>
+        <p:txBody>
+          <a:bodyPr/>
+          <a:lstStyle/>
+          <a:p>
+            <a:r>
+              <a:rPr lang="de-DE" dirty="0">
+                <a:latin typeface="DM Sans" pitchFamily="2" charset="77"/>
+              </a:rPr>
+              <a:t>Vergleich MiniMax und AlphaBeta</a:t>
+            </a:r>
+            <a:endParaRPr lang="de-DE" dirty="0"/>
+          </a:p>
+        </p:txBody>
+      </p:sp>
     </p:spTree>
     <p:extLst>
       <p:ext uri="{BB962C8B-B14F-4D97-AF65-F5344CB8AC3E}">
@@ -16888,7 +14470,7 @@
 </p:sld>
 </file>
 
-<file path=ppt/slides/slide6.xml><?xml version="1.0" encoding="utf-8"?>
+<file path=ppt/slides/slide7.xml><?xml version="1.0" encoding="utf-8"?>
 <p:sld xmlns:a="http://schemas.openxmlformats.org/drawingml/2006/main" xmlns:r="http://schemas.openxmlformats.org/officeDocument/2006/relationships" xmlns:p="http://schemas.openxmlformats.org/presentationml/2006/main">
   <p:cSld>
     <p:spTree>
@@ -16968,7 +14550,7 @@
               <a:rPr lang="de-DE" sz="1600" b="1" dirty="0">
                 <a:latin typeface="DM Sans" pitchFamily="2" charset="77"/>
               </a:rPr>
-              <a:t>Verbesserungen / Refactorings:</a:t>
+              <a:t>Weiterentwicklung:</a:t>
             </a:r>
           </a:p>
           <a:p>
@@ -16979,22 +14561,83 @@
               <a:buFontTx/>
               <a:buChar char="-"/>
             </a:pPr>
-            <a:endParaRPr lang="de-DE" sz="1600" dirty="0">
-              <a:latin typeface="DM Sans" pitchFamily="2" charset="77"/>
-            </a:endParaRPr>
+            <a:r>
+              <a:rPr lang="de-DE" sz="1600" dirty="0">
+                <a:latin typeface="DM Sans" pitchFamily="2" charset="77"/>
+              </a:rPr>
+              <a:t>Beschleunigte Stellungsbewertung mittels Transposition Tables</a:t>
+            </a:r>
           </a:p>
           <a:p>
-            <a:pPr marL="0" indent="0">
+            <a:pPr>
               <a:lnSpc>
                 <a:spcPct val="150000"/>
               </a:lnSpc>
-              <a:buNone/>
+              <a:buFontTx/>
+              <a:buChar char="-"/>
             </a:pPr>
             <a:r>
-              <a:rPr lang="de-DE" sz="1600" b="1" dirty="0">
+              <a:rPr lang="de-DE" sz="1600" dirty="0">
                 <a:latin typeface="DM Sans" pitchFamily="2" charset="77"/>
               </a:rPr>
-              <a:t>Weiterentwicklung:</a:t>
+              <a:t>Weiterentwicklung der Stellungsbewertung: Mobilität der Figuren, Figurenwertigkeit in Abhängigkeit der Spielphase / Bauernstruktur, Berücksichtigung weiterer Strukturen (z.B. offene Linien für Türme, Outposts für Springer, lange Diagonalen für Läufer, …), Bessere Bewertung der Königsposition in Bezug auf King-Of-The-Hill-Spielmodus</a:t>
+            </a:r>
+          </a:p>
+          <a:p>
+            <a:pPr>
+              <a:lnSpc>
+                <a:spcPct val="150000"/>
+              </a:lnSpc>
+              <a:buFontTx/>
+              <a:buChar char="-"/>
+            </a:pPr>
+            <a:r>
+              <a:rPr lang="de-DE" sz="1600" dirty="0">
+                <a:latin typeface="DM Sans" pitchFamily="2" charset="77"/>
+              </a:rPr>
+              <a:t>Zugsortierung für Alpha-Beta-Suche bei iterativer Tiefensuche</a:t>
+            </a:r>
+          </a:p>
+          <a:p>
+            <a:pPr>
+              <a:lnSpc>
+                <a:spcPct val="150000"/>
+              </a:lnSpc>
+              <a:buFontTx/>
+              <a:buChar char="-"/>
+            </a:pPr>
+            <a:r>
+              <a:rPr lang="de-DE" sz="1600" dirty="0">
+                <a:latin typeface="DM Sans" pitchFamily="2" charset="77"/>
+              </a:rPr>
+              <a:t>Minimal-</a:t>
+            </a:r>
+            <a:r>
+              <a:rPr lang="de-DE" sz="1600" dirty="0" err="1">
+                <a:latin typeface="DM Sans" pitchFamily="2" charset="77"/>
+              </a:rPr>
+              <a:t>Window</a:t>
+            </a:r>
+            <a:r>
+              <a:rPr lang="de-DE" sz="1600" dirty="0">
+                <a:latin typeface="DM Sans" pitchFamily="2" charset="77"/>
+              </a:rPr>
+              <a:t>-Methode zur Förderung von Cutoffs während der Alpha-Beta-Suche</a:t>
+            </a:r>
+          </a:p>
+          <a:p>
+            <a:pPr>
+              <a:lnSpc>
+                <a:spcPct val="150000"/>
+              </a:lnSpc>
+              <a:buFontTx/>
+              <a:buChar char="-"/>
+            </a:pPr>
+            <a:r>
+              <a:rPr lang="de-DE" sz="1600" dirty="0">
+                <a:latin typeface="DM Sans" pitchFamily="2" charset="77"/>
+              </a:rPr>
+              <a:t>Ggf. Einführung von Benchmarks zum Testen der Spielstärke der KI</a:t>
             </a:r>
           </a:p>
         </p:txBody>
@@ -17003,104 +14646,6 @@
     <p:extLst>
       <p:ext uri="{BB962C8B-B14F-4D97-AF65-F5344CB8AC3E}">
         <p14:creationId xmlns:p14="http://schemas.microsoft.com/office/powerpoint/2010/main" val="4049893299"/>
-      </p:ext>
-    </p:extLst>
-  </p:cSld>
-  <p:clrMapOvr>
-    <a:masterClrMapping/>
-  </p:clrMapOvr>
-</p:sld>
-</file>
-
-<file path=ppt/slides/slide7.xml><?xml version="1.0" encoding="utf-8"?>
-<p:sld xmlns:a="http://schemas.openxmlformats.org/drawingml/2006/main" xmlns:r="http://schemas.openxmlformats.org/officeDocument/2006/relationships" xmlns:p="http://schemas.openxmlformats.org/presentationml/2006/main">
-  <p:cSld>
-    <p:spTree>
-      <p:nvGrpSpPr>
-        <p:cNvPr id="1" name=""/>
-        <p:cNvGrpSpPr/>
-        <p:nvPr/>
-      </p:nvGrpSpPr>
-      <p:grpSpPr>
-        <a:xfrm>
-          <a:off x="0" y="0"/>
-          <a:ext cx="0" cy="0"/>
-          <a:chOff x="0" y="0"/>
-          <a:chExt cx="0" cy="0"/>
-        </a:xfrm>
-      </p:grpSpPr>
-      <p:sp>
-        <p:nvSpPr>
-          <p:cNvPr id="2" name="Titel 1">
-            <a:extLst>
-              <a:ext uri="{FF2B5EF4-FFF2-40B4-BE49-F238E27FC236}">
-                <a16:creationId xmlns:a16="http://schemas.microsoft.com/office/drawing/2014/main" id="{5AA772EB-2F85-D641-B1ED-2B43FA1C49BA}"/>
-              </a:ext>
-            </a:extLst>
-          </p:cNvPr>
-          <p:cNvSpPr>
-            <a:spLocks noGrp="1"/>
-          </p:cNvSpPr>
-          <p:nvPr>
-            <p:ph type="title"/>
-          </p:nvPr>
-        </p:nvSpPr>
-        <p:spPr/>
-        <p:txBody>
-          <a:bodyPr/>
-          <a:lstStyle/>
-          <a:p>
-            <a:r>
-              <a:rPr lang="de-DE" dirty="0">
-                <a:latin typeface="DM Sans" pitchFamily="2" charset="77"/>
-              </a:rPr>
-              <a:t>Ausblick und nächste Schritte</a:t>
-            </a:r>
-          </a:p>
-        </p:txBody>
-      </p:sp>
-      <p:sp>
-        <p:nvSpPr>
-          <p:cNvPr id="3" name="Inhaltsplatzhalter 2">
-            <a:extLst>
-              <a:ext uri="{FF2B5EF4-FFF2-40B4-BE49-F238E27FC236}">
-                <a16:creationId xmlns:a16="http://schemas.microsoft.com/office/drawing/2014/main" id="{EE3C1B38-B6C1-FCDB-1B7B-8A85D0E9F7C5}"/>
-              </a:ext>
-            </a:extLst>
-          </p:cNvPr>
-          <p:cNvSpPr>
-            <a:spLocks noGrp="1"/>
-          </p:cNvSpPr>
-          <p:nvPr>
-            <p:ph idx="1"/>
-          </p:nvPr>
-        </p:nvSpPr>
-        <p:spPr/>
-        <p:txBody>
-          <a:bodyPr anchor="ctr">
-            <a:normAutofit/>
-          </a:bodyPr>
-          <a:lstStyle/>
-          <a:p>
-            <a:pPr marL="0" indent="0" algn="ctr">
-              <a:lnSpc>
-                <a:spcPct val="150000"/>
-              </a:lnSpc>
-              <a:buNone/>
-            </a:pPr>
-            <a:r>
-              <a:rPr lang="de-DE" sz="1600" dirty="0">
-                <a:latin typeface="DM Sans" pitchFamily="2" charset="77"/>
-              </a:rPr>
-              <a:t>Abgabetermin für Meilenstein 2 – Basis-KI: 22.05.2023, 23:59 Uhr</a:t>
-            </a:r>
-          </a:p>
-        </p:txBody>
-      </p:sp>
-    </p:spTree>
-    <p:extLst>
-      <p:ext uri="{BB962C8B-B14F-4D97-AF65-F5344CB8AC3E}">
-        <p14:creationId xmlns:p14="http://schemas.microsoft.com/office/powerpoint/2010/main" val="2128798831"/>
       </p:ext>
     </p:extLst>
   </p:cSld>

--- a/PJ_KI_MST2.pptx
+++ b/PJ_KI_MST2.pptx
@@ -265,7 +265,7 @@
           <a:p>
             <a:fld id="{17468778-AD1E-48E6-A1B1-00A628170ED2}" type="datetimeFigureOut">
               <a:rPr lang="de-DE" smtClean="0"/>
-              <a:t>21.05.23</a:t>
+              <a:t>22.05.2023</a:t>
             </a:fld>
             <a:endParaRPr lang="de-DE"/>
           </a:p>
@@ -463,7 +463,7 @@
           <a:p>
             <a:fld id="{17468778-AD1E-48E6-A1B1-00A628170ED2}" type="datetimeFigureOut">
               <a:rPr lang="de-DE" smtClean="0"/>
-              <a:t>21.05.23</a:t>
+              <a:t>22.05.2023</a:t>
             </a:fld>
             <a:endParaRPr lang="de-DE"/>
           </a:p>
@@ -671,7 +671,7 @@
           <a:p>
             <a:fld id="{17468778-AD1E-48E6-A1B1-00A628170ED2}" type="datetimeFigureOut">
               <a:rPr lang="de-DE" smtClean="0"/>
-              <a:t>21.05.23</a:t>
+              <a:t>22.05.2023</a:t>
             </a:fld>
             <a:endParaRPr lang="de-DE"/>
           </a:p>
@@ -869,7 +869,7 @@
           <a:p>
             <a:fld id="{17468778-AD1E-48E6-A1B1-00A628170ED2}" type="datetimeFigureOut">
               <a:rPr lang="de-DE" smtClean="0"/>
-              <a:t>21.05.23</a:t>
+              <a:t>22.05.2023</a:t>
             </a:fld>
             <a:endParaRPr lang="de-DE"/>
           </a:p>
@@ -1144,7 +1144,7 @@
           <a:p>
             <a:fld id="{17468778-AD1E-48E6-A1B1-00A628170ED2}" type="datetimeFigureOut">
               <a:rPr lang="de-DE" smtClean="0"/>
-              <a:t>21.05.23</a:t>
+              <a:t>22.05.2023</a:t>
             </a:fld>
             <a:endParaRPr lang="de-DE"/>
           </a:p>
@@ -1409,7 +1409,7 @@
           <a:p>
             <a:fld id="{17468778-AD1E-48E6-A1B1-00A628170ED2}" type="datetimeFigureOut">
               <a:rPr lang="de-DE" smtClean="0"/>
-              <a:t>21.05.23</a:t>
+              <a:t>22.05.2023</a:t>
             </a:fld>
             <a:endParaRPr lang="de-DE"/>
           </a:p>
@@ -1821,7 +1821,7 @@
           <a:p>
             <a:fld id="{17468778-AD1E-48E6-A1B1-00A628170ED2}" type="datetimeFigureOut">
               <a:rPr lang="de-DE" smtClean="0"/>
-              <a:t>21.05.23</a:t>
+              <a:t>22.05.2023</a:t>
             </a:fld>
             <a:endParaRPr lang="de-DE"/>
           </a:p>
@@ -1962,7 +1962,7 @@
           <a:p>
             <a:fld id="{17468778-AD1E-48E6-A1B1-00A628170ED2}" type="datetimeFigureOut">
               <a:rPr lang="de-DE" smtClean="0"/>
-              <a:t>21.05.23</a:t>
+              <a:t>22.05.2023</a:t>
             </a:fld>
             <a:endParaRPr lang="de-DE"/>
           </a:p>
@@ -2075,7 +2075,7 @@
           <a:p>
             <a:fld id="{17468778-AD1E-48E6-A1B1-00A628170ED2}" type="datetimeFigureOut">
               <a:rPr lang="de-DE" smtClean="0"/>
-              <a:t>21.05.23</a:t>
+              <a:t>22.05.2023</a:t>
             </a:fld>
             <a:endParaRPr lang="de-DE"/>
           </a:p>
@@ -2386,7 +2386,7 @@
           <a:p>
             <a:fld id="{17468778-AD1E-48E6-A1B1-00A628170ED2}" type="datetimeFigureOut">
               <a:rPr lang="de-DE" smtClean="0"/>
-              <a:t>21.05.23</a:t>
+              <a:t>22.05.2023</a:t>
             </a:fld>
             <a:endParaRPr lang="de-DE"/>
           </a:p>
@@ -2674,7 +2674,7 @@
           <a:p>
             <a:fld id="{17468778-AD1E-48E6-A1B1-00A628170ED2}" type="datetimeFigureOut">
               <a:rPr lang="de-DE" smtClean="0"/>
-              <a:t>21.05.23</a:t>
+              <a:t>22.05.2023</a:t>
             </a:fld>
             <a:endParaRPr lang="de-DE"/>
           </a:p>
@@ -2915,7 +2915,7 @@
           <a:p>
             <a:fld id="{17468778-AD1E-48E6-A1B1-00A628170ED2}" type="datetimeFigureOut">
               <a:rPr lang="de-DE" smtClean="0"/>
-              <a:t>21.05.23</a:t>
+              <a:t>22.05.2023</a:t>
             </a:fld>
             <a:endParaRPr lang="de-DE"/>
           </a:p>
@@ -3696,7 +3696,7 @@
           <p:nvPr>
             <p:extLst>
               <p:ext uri="{D42A27DB-BD31-4B8C-83A1-F6EECF244321}">
-                <p14:modId xmlns:p14="http://schemas.microsoft.com/office/powerpoint/2010/main" val="2213999179"/>
+                <p14:modId xmlns:p14="http://schemas.microsoft.com/office/powerpoint/2010/main" val="2378833138"/>
               </p:ext>
             </p:extLst>
           </p:nvPr>
@@ -4064,7 +4064,7 @@
                       </a:pPr>
                       <a:r>
                         <a:rPr lang="de-DE" dirty="0"/>
-                        <a:t>0,014271ms</a:t>
+                        <a:t>0,018165ms</a:t>
                       </a:r>
                       <a:endParaRPr lang="de-DE" dirty="0">
                         <a:latin typeface="DM Sans" pitchFamily="2" charset="77"/>
@@ -4085,7 +4085,7 @@
                       </a:pPr>
                       <a:r>
                         <a:rPr lang="de-DE" dirty="0"/>
-                        <a:t>0,024283ms</a:t>
+                        <a:t>0,033509ms</a:t>
                       </a:r>
                       <a:endParaRPr lang="de-DE" dirty="0">
                         <a:latin typeface="DM Sans" pitchFamily="2" charset="77"/>
@@ -4106,7 +4106,7 @@
                       </a:pPr>
                       <a:r>
                         <a:rPr lang="de-DE" dirty="0"/>
-                        <a:t>0,015082ms</a:t>
+                        <a:t>0,017521ms</a:t>
                       </a:r>
                       <a:endParaRPr lang="de-DE" dirty="0">
                         <a:latin typeface="DM Sans" pitchFamily="2" charset="77"/>
@@ -4245,7 +4245,7 @@
           <p:nvPr>
             <p:extLst>
               <p:ext uri="{D42A27DB-BD31-4B8C-83A1-F6EECF244321}">
-                <p14:modId xmlns:p14="http://schemas.microsoft.com/office/powerpoint/2010/main" val="293245608"/>
+                <p14:modId xmlns:p14="http://schemas.microsoft.com/office/powerpoint/2010/main" val="3151567785"/>
               </p:ext>
             </p:extLst>
           </p:nvPr>
@@ -6363,7 +6363,7 @@
                       <a:pPr algn="ctr"/>
                       <a:r>
                         <a:rPr lang="de-DE" sz="1200" dirty="0"/>
-                        <a:t>4,018</a:t>
+                        <a:t>3.89526</a:t>
                       </a:r>
                     </a:p>
                   </a:txBody>
@@ -6396,7 +6396,7 @@
                       <a:pPr algn="ctr"/>
                       <a:r>
                         <a:rPr lang="de-DE" sz="1200" dirty="0"/>
-                        <a:t>69,775</a:t>
+                        <a:t>62.04666</a:t>
                       </a:r>
                     </a:p>
                   </a:txBody>
@@ -6438,7 +6438,7 @@
                       <a:pPr algn="ctr"/>
                       <a:r>
                         <a:rPr lang="de-DE" sz="1200" dirty="0"/>
-                        <a:t>1066,056</a:t>
+                        <a:t>1133.41844</a:t>
                       </a:r>
                     </a:p>
                   </a:txBody>
@@ -6471,7 +6471,7 @@
                       <a:pPr algn="ctr"/>
                       <a:r>
                         <a:rPr lang="de-DE" sz="1200" dirty="0"/>
-                        <a:t>102524</a:t>
+                        <a:t>94474</a:t>
                       </a:r>
                     </a:p>
                   </a:txBody>
@@ -6504,7 +6504,7 @@
                       <a:pPr algn="ctr"/>
                       <a:r>
                         <a:rPr lang="de-DE" sz="1200" dirty="0"/>
-                        <a:t>86721</a:t>
+                        <a:t>88063</a:t>
                       </a:r>
                     </a:p>
                   </a:txBody>
@@ -6546,7 +6546,7 @@
                       <a:pPr algn="ctr"/>
                       <a:r>
                         <a:rPr lang="de-DE" sz="1200" dirty="0"/>
-                        <a:t>92228</a:t>
+                        <a:t>90014</a:t>
                       </a:r>
                     </a:p>
                   </a:txBody>
@@ -6629,7 +6629,7 @@
                       <a:pPr algn="ctr"/>
                       <a:r>
                         <a:rPr lang="de-DE" sz="1200" dirty="0"/>
-                        <a:t>29,503</a:t>
+                        <a:t>36.07686</a:t>
                       </a:r>
                     </a:p>
                   </a:txBody>
@@ -6671,7 +6671,7 @@
                       <a:pPr algn="ctr"/>
                       <a:r>
                         <a:rPr lang="de-DE" sz="1200" dirty="0"/>
-                        <a:t>1184,344</a:t>
+                        <a:t>1304.23974</a:t>
                       </a:r>
                     </a:p>
                   </a:txBody>
@@ -6722,7 +6722,7 @@
                       <a:pPr algn="ctr"/>
                       <a:r>
                         <a:rPr lang="de-DE" sz="1200" dirty="0"/>
-                        <a:t>45761,745</a:t>
+                        <a:t>51436.92228</a:t>
                       </a:r>
                     </a:p>
                   </a:txBody>
@@ -6764,7 +6764,7 @@
                       <a:pPr algn="ctr"/>
                       <a:r>
                         <a:rPr lang="de-DE" sz="1200" dirty="0"/>
-                        <a:t>51046</a:t>
+                        <a:t>42299</a:t>
                       </a:r>
                     </a:p>
                   </a:txBody>
@@ -6806,7 +6806,7 @@
                       <a:pPr algn="ctr"/>
                       <a:r>
                         <a:rPr lang="de-DE" sz="1200" dirty="0"/>
-                        <a:t>48702</a:t>
+                        <a:t>44491</a:t>
                       </a:r>
                     </a:p>
                   </a:txBody>
@@ -6857,7 +6857,7 @@
                       <a:pPr algn="ctr"/>
                       <a:r>
                         <a:rPr lang="de-DE" sz="1200" dirty="0"/>
-                        <a:t>48211</a:t>
+                        <a:t>43000</a:t>
                       </a:r>
                     </a:p>
                   </a:txBody>
@@ -6940,7 +6940,7 @@
                       <a:pPr algn="ctr"/>
                       <a:r>
                         <a:rPr lang="de-DE" sz="1200" dirty="0"/>
-                        <a:t>16,262</a:t>
+                        <a:t>24.60834</a:t>
                       </a:r>
                     </a:p>
                   </a:txBody>
@@ -6973,7 +6973,7 @@
                       <a:pPr algn="ctr"/>
                       <a:r>
                         <a:rPr lang="de-DE" sz="1200" dirty="0"/>
-                        <a:t>544,305</a:t>
+                        <a:t>587.17426</a:t>
                       </a:r>
                     </a:p>
                   </a:txBody>
@@ -7015,7 +7015,7 @@
                       <a:pPr algn="ctr"/>
                       <a:r>
                         <a:rPr lang="de-DE" sz="1200" dirty="0"/>
-                        <a:t>19260,375</a:t>
+                        <a:t>19537.9714</a:t>
                       </a:r>
                     </a:p>
                   </a:txBody>
@@ -7048,7 +7048,7 @@
                       <a:pPr algn="ctr"/>
                       <a:r>
                         <a:rPr lang="de-DE" sz="1200" dirty="0"/>
-                        <a:t>62074</a:t>
+                        <a:t>40027</a:t>
                       </a:r>
                     </a:p>
                   </a:txBody>
@@ -7081,7 +7081,7 @@
                       <a:pPr algn="ctr"/>
                       <a:r>
                         <a:rPr lang="de-DE" sz="1200" dirty="0"/>
-                        <a:t>61905</a:t>
+                        <a:t>56457</a:t>
                       </a:r>
                     </a:p>
                   </a:txBody>
@@ -7123,7 +7123,7 @@
                       <a:pPr algn="ctr"/>
                       <a:r>
                         <a:rPr lang="de-DE" sz="1200" dirty="0"/>
-                        <a:t>52654</a:t>
+                        <a:t>53013</a:t>
                       </a:r>
                     </a:p>
                   </a:txBody>
@@ -7238,7 +7238,7 @@
           <p:nvPr>
             <p:extLst>
               <p:ext uri="{D42A27DB-BD31-4B8C-83A1-F6EECF244321}">
-                <p14:modId xmlns:p14="http://schemas.microsoft.com/office/powerpoint/2010/main" val="2959860028"/>
+                <p14:modId xmlns:p14="http://schemas.microsoft.com/office/powerpoint/2010/main" val="870737581"/>
               </p:ext>
             </p:extLst>
           </p:nvPr>
@@ -9383,7 +9383,7 @@
                       <a:pPr algn="ctr"/>
                       <a:r>
                         <a:rPr lang="de-DE" sz="1200" dirty="0"/>
-                        <a:t>4,392</a:t>
+                        <a:t>4,17024</a:t>
                       </a:r>
                     </a:p>
                   </a:txBody>
@@ -9416,7 +9416,7 @@
                       <a:pPr algn="ctr"/>
                       <a:r>
                         <a:rPr lang="de-DE" sz="1200" dirty="0"/>
-                        <a:t>22,342</a:t>
+                        <a:t>19,37374</a:t>
                       </a:r>
                     </a:p>
                   </a:txBody>
@@ -9458,7 +9458,7 @@
                       <a:pPr algn="ctr"/>
                       <a:r>
                         <a:rPr lang="de-DE" sz="1200" dirty="0"/>
-                        <a:t>156,824</a:t>
+                        <a:t>157,09694</a:t>
                       </a:r>
                     </a:p>
                   </a:txBody>
@@ -9491,7 +9491,7 @@
                       <a:pPr algn="ctr"/>
                       <a:r>
                         <a:rPr lang="de-DE" sz="1200" dirty="0"/>
-                        <a:t>25456</a:t>
+                        <a:t>38607</a:t>
                       </a:r>
                     </a:p>
                   </a:txBody>
@@ -9524,7 +9524,7 @@
                       <a:pPr algn="ctr"/>
                       <a:r>
                         <a:rPr lang="de-DE" sz="1200" dirty="0"/>
-                        <a:t>33234</a:t>
+                        <a:t>35254</a:t>
                       </a:r>
                     </a:p>
                   </a:txBody>
@@ -9566,7 +9566,7 @@
                       <a:pPr algn="ctr"/>
                       <a:r>
                         <a:rPr lang="de-DE" sz="1200" dirty="0"/>
-                        <a:t>54069</a:t>
+                        <a:t>89289</a:t>
                       </a:r>
                     </a:p>
                   </a:txBody>
@@ -9649,7 +9649,7 @@
                       <a:pPr algn="ctr"/>
                       <a:r>
                         <a:rPr lang="de-DE" sz="1200" dirty="0"/>
-                        <a:t>14,264</a:t>
+                        <a:t>15,06604</a:t>
                       </a:r>
                     </a:p>
                   </a:txBody>
@@ -9691,7 +9691,7 @@
                       <a:pPr algn="ctr"/>
                       <a:r>
                         <a:rPr lang="de-DE" sz="1200" dirty="0"/>
-                        <a:t>354,884</a:t>
+                        <a:t>381,39094</a:t>
                       </a:r>
                     </a:p>
                   </a:txBody>
@@ -9742,7 +9742,7 @@
                       <a:pPr algn="ctr"/>
                       <a:r>
                         <a:rPr lang="de-DE" sz="1200" dirty="0"/>
-                        <a:t>6899,813</a:t>
+                        <a:t>7510,29358</a:t>
                       </a:r>
                     </a:p>
                   </a:txBody>
@@ -9784,7 +9784,7 @@
                       <a:pPr algn="ctr"/>
                       <a:r>
                         <a:rPr lang="de-DE" sz="1200" dirty="0"/>
-                        <a:t>41539</a:t>
+                        <a:t>31804</a:t>
                       </a:r>
                     </a:p>
                   </a:txBody>
@@ -9826,7 +9826,7 @@
                       <a:pPr algn="ctr"/>
                       <a:r>
                         <a:rPr lang="de-DE" sz="1200" dirty="0"/>
-                        <a:t>40410</a:t>
+                        <a:t>39426</a:t>
                       </a:r>
                     </a:p>
                   </a:txBody>
@@ -9877,7 +9877,7 @@
                       <a:pPr algn="ctr"/>
                       <a:r>
                         <a:rPr lang="de-DE" sz="1200" dirty="0"/>
-                        <a:t>49367</a:t>
+                        <a:t>48404</a:t>
                       </a:r>
                     </a:p>
                   </a:txBody>
@@ -9960,7 +9960,7 @@
                       <a:pPr algn="ctr"/>
                       <a:r>
                         <a:rPr lang="de-DE" sz="1200" dirty="0"/>
-                        <a:t>4,009</a:t>
+                        <a:t>3,31796</a:t>
                       </a:r>
                     </a:p>
                   </a:txBody>
@@ -9993,7 +9993,7 @@
                       <a:pPr algn="ctr"/>
                       <a:r>
                         <a:rPr lang="de-DE" sz="1200" dirty="0"/>
-                        <a:t>65,313</a:t>
+                        <a:t>60,93984</a:t>
                       </a:r>
                     </a:p>
                   </a:txBody>
@@ -10035,7 +10035,7 @@
                       <a:pPr algn="ctr"/>
                       <a:r>
                         <a:rPr lang="de-DE" sz="1200" dirty="0"/>
-                        <a:t>641,174</a:t>
+                        <a:t>643,17226</a:t>
                       </a:r>
                     </a:p>
                   </a:txBody>
@@ -10068,7 +10068,7 @@
                       <a:pPr algn="ctr"/>
                       <a:r>
                         <a:rPr lang="de-DE" sz="1200" dirty="0"/>
-                        <a:t>65781</a:t>
+                        <a:t>68114</a:t>
                       </a:r>
                     </a:p>
                   </a:txBody>
@@ -10101,7 +10101,7 @@
                       <a:pPr algn="ctr"/>
                       <a:r>
                         <a:rPr lang="de-DE" sz="1200" dirty="0"/>
-                        <a:t>66569</a:t>
+                        <a:t>65688</a:t>
                       </a:r>
                     </a:p>
                   </a:txBody>
@@ -10143,7 +10143,7 @@
                       <a:pPr algn="ctr"/>
                       <a:r>
                         <a:rPr lang="de-DE" sz="1200" dirty="0"/>
-                        <a:t>59179</a:t>
+                        <a:t>59261</a:t>
                       </a:r>
                     </a:p>
                   </a:txBody>
@@ -10258,7 +10258,7 @@
           <p:nvPr>
             <p:extLst>
               <p:ext uri="{D42A27DB-BD31-4B8C-83A1-F6EECF244321}">
-                <p14:modId xmlns:p14="http://schemas.microsoft.com/office/powerpoint/2010/main" val="2603880847"/>
+                <p14:modId xmlns:p14="http://schemas.microsoft.com/office/powerpoint/2010/main" val="1852253935"/>
               </p:ext>
             </p:extLst>
           </p:nvPr>
@@ -10708,7 +10708,10 @@
                     <a:lstStyle/>
                     <a:p>
                       <a:pPr algn="ctr"/>
-                      <a:endParaRPr lang="de-DE" sz="1200" dirty="0"/>
+                      <a:r>
+                        <a:rPr lang="de-DE" sz="1200" dirty="0"/>
+                        <a:t>161</a:t>
+                      </a:r>
                     </a:p>
                   </a:txBody>
                   <a:tcPr>
@@ -10738,7 +10741,10 @@
                     <a:lstStyle/>
                     <a:p>
                       <a:pPr algn="ctr"/>
-                      <a:endParaRPr lang="de-DE" sz="1200" dirty="0"/>
+                      <a:r>
+                        <a:rPr lang="de-DE" sz="1200" dirty="0"/>
+                        <a:t>683</a:t>
+                      </a:r>
                     </a:p>
                   </a:txBody>
                   <a:tcPr>
@@ -10777,7 +10783,10 @@
                     <a:lstStyle/>
                     <a:p>
                       <a:pPr algn="ctr"/>
-                      <a:endParaRPr lang="de-DE" sz="1200" dirty="0"/>
+                      <a:r>
+                        <a:rPr lang="de-DE" sz="1200" dirty="0"/>
+                        <a:t>14027</a:t>
+                      </a:r>
                     </a:p>
                   </a:txBody>
                   <a:tcPr>
@@ -10807,7 +10816,10 @@
                     <a:lstStyle/>
                     <a:p>
                       <a:pPr algn="ctr"/>
-                      <a:endParaRPr lang="de-DE" sz="1200" dirty="0"/>
+                      <a:r>
+                        <a:rPr lang="de-DE" sz="1200" dirty="0"/>
+                        <a:t>f6-&gt;g7</a:t>
+                      </a:r>
                     </a:p>
                   </a:txBody>
                   <a:tcPr>
@@ -10837,7 +10849,10 @@
                     <a:lstStyle/>
                     <a:p>
                       <a:pPr algn="ctr"/>
-                      <a:endParaRPr lang="de-DE" sz="1200" dirty="0"/>
+                      <a:r>
+                        <a:rPr lang="de-DE" sz="1200" dirty="0"/>
+                        <a:t>b3-&gt;c4</a:t>
+                      </a:r>
                     </a:p>
                   </a:txBody>
                   <a:tcPr>
@@ -10876,7 +10891,10 @@
                     <a:lstStyle/>
                     <a:p>
                       <a:pPr algn="ctr"/>
-                      <a:endParaRPr lang="de-DE" sz="1200" dirty="0"/>
+                      <a:r>
+                        <a:rPr lang="de-DE" sz="1200" dirty="0"/>
+                        <a:t>f6-&gt;g7</a:t>
+                      </a:r>
                     </a:p>
                   </a:txBody>
                   <a:tcPr>
@@ -10946,7 +10964,10 @@
                     <a:lstStyle/>
                     <a:p>
                       <a:pPr algn="ctr"/>
-                      <a:endParaRPr lang="de-DE" sz="1200" dirty="0"/>
+                      <a:r>
+                        <a:rPr lang="de-DE" sz="1200" dirty="0"/>
+                        <a:t>594</a:t>
+                      </a:r>
                     </a:p>
                   </a:txBody>
                   <a:tcPr>
@@ -10985,7 +11006,10 @@
                     <a:lstStyle/>
                     <a:p>
                       <a:pPr algn="ctr"/>
-                      <a:endParaRPr lang="de-DE" sz="1200" dirty="0"/>
+                      <a:r>
+                        <a:rPr lang="de-DE" sz="1200" dirty="0"/>
+                        <a:t>18461</a:t>
+                      </a:r>
                     </a:p>
                   </a:txBody>
                   <a:tcPr>
@@ -11033,7 +11057,10 @@
                     <a:lstStyle/>
                     <a:p>
                       <a:pPr algn="ctr"/>
-                      <a:endParaRPr lang="de-DE" sz="1200" dirty="0"/>
+                      <a:r>
+                        <a:rPr lang="de-DE" sz="1200" dirty="0"/>
+                        <a:t>339728</a:t>
+                      </a:r>
                     </a:p>
                   </a:txBody>
                   <a:tcPr>
@@ -11072,7 +11099,10 @@
                     <a:lstStyle/>
                     <a:p>
                       <a:pPr algn="ctr"/>
-                      <a:endParaRPr lang="de-DE" sz="1200" dirty="0"/>
+                      <a:r>
+                        <a:rPr lang="de-DE" sz="1200" dirty="0"/>
+                        <a:t>a2-&gt;b3</a:t>
+                      </a:r>
                     </a:p>
                   </a:txBody>
                   <a:tcPr>
@@ -11111,7 +11141,10 @@
                     <a:lstStyle/>
                     <a:p>
                       <a:pPr algn="ctr"/>
-                      <a:endParaRPr lang="de-DE" sz="1200" dirty="0"/>
+                      <a:r>
+                        <a:rPr lang="de-DE" sz="1200" dirty="0"/>
+                        <a:t>e2-&gt;e3</a:t>
+                      </a:r>
                     </a:p>
                   </a:txBody>
                   <a:tcPr>
@@ -11159,7 +11192,10 @@
                     <a:lstStyle/>
                     <a:p>
                       <a:pPr algn="ctr"/>
-                      <a:endParaRPr lang="de-DE" sz="1200" dirty="0"/>
+                      <a:r>
+                        <a:rPr lang="de-DE" sz="1200" dirty="0"/>
+                        <a:t>a2-&gt;b3</a:t>
+                      </a:r>
                     </a:p>
                   </a:txBody>
                   <a:tcPr>
@@ -11229,7 +11265,10 @@
                     <a:lstStyle/>
                     <a:p>
                       <a:pPr algn="ctr"/>
-                      <a:endParaRPr lang="de-DE" sz="1200" dirty="0"/>
+                      <a:r>
+                        <a:rPr lang="de-DE" sz="1200" dirty="0"/>
+                        <a:t>226</a:t>
+                      </a:r>
                     </a:p>
                   </a:txBody>
                   <a:tcPr>
@@ -11259,7 +11298,10 @@
                     <a:lstStyle/>
                     <a:p>
                       <a:pPr algn="ctr"/>
-                      <a:endParaRPr lang="de-DE" sz="1200" dirty="0"/>
+                      <a:r>
+                        <a:rPr lang="de-DE" sz="1200" dirty="0"/>
+                        <a:t>4003</a:t>
+                      </a:r>
                     </a:p>
                   </a:txBody>
                   <a:tcPr>
@@ -11298,7 +11340,10 @@
                     <a:lstStyle/>
                     <a:p>
                       <a:pPr algn="ctr"/>
-                      <a:endParaRPr lang="de-DE" sz="1200" dirty="0"/>
+                      <a:r>
+                        <a:rPr lang="de-DE" sz="1200" dirty="0"/>
+                        <a:t>38115</a:t>
+                      </a:r>
                     </a:p>
                   </a:txBody>
                   <a:tcPr>
@@ -11328,7 +11373,10 @@
                     <a:lstStyle/>
                     <a:p>
                       <a:pPr algn="ctr"/>
-                      <a:endParaRPr lang="de-DE" sz="1200" dirty="0"/>
+                      <a:r>
+                        <a:rPr lang="de-DE" sz="1200" dirty="0"/>
+                        <a:t>e2-&gt;b5</a:t>
+                      </a:r>
                     </a:p>
                   </a:txBody>
                   <a:tcPr>
@@ -11358,7 +11406,10 @@
                     <a:lstStyle/>
                     <a:p>
                       <a:pPr algn="ctr"/>
-                      <a:endParaRPr lang="de-DE" sz="1200" dirty="0"/>
+                      <a:r>
+                        <a:rPr lang="de-DE" sz="1200" dirty="0"/>
+                        <a:t>e2-&gt;e8</a:t>
+                      </a:r>
                     </a:p>
                   </a:txBody>
                   <a:tcPr>
@@ -11397,7 +11448,10 @@
                     <a:lstStyle/>
                     <a:p>
                       <a:pPr algn="ctr"/>
-                      <a:endParaRPr lang="de-DE" sz="1200" dirty="0"/>
+                      <a:r>
+                        <a:rPr lang="de-DE" sz="1200" dirty="0"/>
+                        <a:t>e2-&gt;e8</a:t>
+                      </a:r>
                     </a:p>
                   </a:txBody>
                   <a:tcPr>
@@ -11513,14 +11567,14 @@
           <p:nvPr>
             <p:extLst>
               <p:ext uri="{D42A27DB-BD31-4B8C-83A1-F6EECF244321}">
-                <p14:modId xmlns:p14="http://schemas.microsoft.com/office/powerpoint/2010/main" val="1446785528"/>
+                <p14:modId xmlns:p14="http://schemas.microsoft.com/office/powerpoint/2010/main" val="2765669063"/>
               </p:ext>
             </p:extLst>
           </p:nvPr>
         </p:nvGraphicFramePr>
         <p:xfrm>
           <a:off x="1676040" y="1690688"/>
-          <a:ext cx="8839919" cy="4556203"/>
+          <a:ext cx="8839919" cy="4190443"/>
         </p:xfrm>
         <a:graphic>
           <a:graphicData uri="http://schemas.openxmlformats.org/drawingml/2006/table">
@@ -13629,10 +13683,7 @@
                     <a:lstStyle/>
                     <a:p>
                       <a:pPr algn="ctr"/>
-                      <a:r>
-                        <a:rPr lang="de-DE" sz="1200" dirty="0"/>
-                        <a:t>-9,31%</a:t>
-                      </a:r>
+                      <a:endParaRPr lang="de-DE" sz="1200" dirty="0"/>
                     </a:p>
                   </a:txBody>
                   <a:tcPr>
@@ -13662,10 +13713,7 @@
                     <a:lstStyle/>
                     <a:p>
                       <a:pPr algn="ctr"/>
-                      <a:r>
-                        <a:rPr lang="de-DE" sz="1200" dirty="0"/>
-                        <a:t>67,98%</a:t>
-                      </a:r>
+                      <a:endParaRPr lang="de-DE" sz="1200" dirty="0"/>
                     </a:p>
                   </a:txBody>
                   <a:tcPr>
@@ -13704,10 +13752,7 @@
                     <a:lstStyle/>
                     <a:p>
                       <a:pPr algn="ctr"/>
-                      <a:r>
-                        <a:rPr lang="de-DE" sz="1200" dirty="0"/>
-                        <a:t>85,29%</a:t>
-                      </a:r>
+                      <a:endParaRPr lang="de-DE" sz="1200" dirty="0"/>
                     </a:p>
                   </a:txBody>
                   <a:tcPr>
@@ -13737,10 +13782,7 @@
                     <a:lstStyle/>
                     <a:p>
                       <a:pPr algn="ctr"/>
-                      <a:r>
-                        <a:rPr lang="de-DE" sz="1200" dirty="0"/>
-                        <a:t>207 (56,25%)</a:t>
-                      </a:r>
+                      <a:endParaRPr lang="de-DE" sz="1200" dirty="0"/>
                     </a:p>
                   </a:txBody>
                   <a:tcPr>
@@ -13770,10 +13812,7 @@
                     <a:lstStyle/>
                     <a:p>
                       <a:pPr algn="ctr"/>
-                      <a:r>
-                        <a:rPr lang="de-DE" sz="1200" dirty="0"/>
-                        <a:t>4781 (87,5%)</a:t>
-                      </a:r>
+                      <a:endParaRPr lang="de-DE" sz="1200" dirty="0"/>
                     </a:p>
                   </a:txBody>
                   <a:tcPr>
@@ -13812,10 +13851,7 @@
                     <a:lstStyle/>
                     <a:p>
                       <a:pPr algn="ctr"/>
-                      <a:r>
-                        <a:rPr lang="de-DE" sz="1200" dirty="0"/>
-                        <a:t>87997 (86,25%)</a:t>
-                      </a:r>
+                      <a:endParaRPr lang="de-DE" sz="1200" dirty="0"/>
                     </a:p>
                   </a:txBody>
                   <a:tcPr>
@@ -13895,10 +13931,7 @@
                     <a:lstStyle/>
                     <a:p>
                       <a:pPr algn="ctr"/>
-                      <a:r>
-                        <a:rPr lang="de-DE" sz="1200" dirty="0"/>
-                        <a:t>51,65%</a:t>
-                      </a:r>
+                      <a:endParaRPr lang="de-DE" sz="1200" dirty="0"/>
                     </a:p>
                   </a:txBody>
                   <a:tcPr>
@@ -13937,10 +13970,7 @@
                     <a:lstStyle/>
                     <a:p>
                       <a:pPr algn="ctr"/>
-                      <a:r>
-                        <a:rPr lang="de-DE" sz="1200" dirty="0"/>
-                        <a:t>70,04%</a:t>
-                      </a:r>
+                      <a:endParaRPr lang="de-DE" sz="1200" dirty="0"/>
                     </a:p>
                   </a:txBody>
                   <a:tcPr>
@@ -13988,10 +14018,7 @@
                     <a:lstStyle/>
                     <a:p>
                       <a:pPr algn="ctr"/>
-                      <a:r>
-                        <a:rPr lang="de-DE" sz="1200" dirty="0"/>
-                        <a:t>84,92%</a:t>
-                      </a:r>
+                      <a:endParaRPr lang="de-DE" sz="1200" dirty="0"/>
                     </a:p>
                   </a:txBody>
                   <a:tcPr>
@@ -14030,10 +14057,7 @@
                     <a:lstStyle/>
                     <a:p>
                       <a:pPr algn="ctr"/>
-                      <a:r>
-                        <a:rPr lang="de-DE" sz="1200" dirty="0"/>
-                        <a:t>932 (61,07%)</a:t>
-                      </a:r>
+                      <a:endParaRPr lang="de-DE" sz="1200" dirty="0"/>
                     </a:p>
                   </a:txBody>
                   <a:tcPr>
@@ -14072,10 +14096,7 @@
                     <a:lstStyle/>
                     <a:p>
                       <a:pPr algn="ctr"/>
-                      <a:r>
-                        <a:rPr lang="de-DE" sz="1200" dirty="0"/>
-                        <a:t>39566 (68,19%)</a:t>
-                      </a:r>
+                      <a:endParaRPr lang="de-DE" sz="1200" dirty="0"/>
                     </a:p>
                   </a:txBody>
                   <a:tcPr>
@@ -14123,10 +14144,7 @@
                     <a:lstStyle/>
                     <a:p>
                       <a:pPr algn="ctr"/>
-                      <a:r>
-                        <a:rPr lang="de-DE" sz="1200" dirty="0"/>
-                        <a:t>1872077 (84,64%)</a:t>
-                      </a:r>
+                      <a:endParaRPr lang="de-DE" sz="1200" dirty="0"/>
                     </a:p>
                   </a:txBody>
                   <a:tcPr>
@@ -14206,10 +14224,7 @@
                     <a:lstStyle/>
                     <a:p>
                       <a:pPr algn="ctr"/>
-                      <a:r>
-                        <a:rPr lang="de-DE" sz="1200" dirty="0"/>
-                        <a:t>75,35%</a:t>
-                      </a:r>
+                      <a:endParaRPr lang="de-DE" sz="1200" dirty="0"/>
                     </a:p>
                   </a:txBody>
                   <a:tcPr>
@@ -14239,10 +14254,7 @@
                     <a:lstStyle/>
                     <a:p>
                       <a:pPr algn="ctr"/>
-                      <a:r>
-                        <a:rPr lang="de-DE" sz="1200" dirty="0"/>
-                        <a:t>88%</a:t>
-                      </a:r>
+                      <a:endParaRPr lang="de-DE" sz="1200" dirty="0"/>
                     </a:p>
                   </a:txBody>
                   <a:tcPr>
@@ -14281,10 +14293,7 @@
                     <a:lstStyle/>
                     <a:p>
                       <a:pPr algn="ctr"/>
-                      <a:r>
-                        <a:rPr lang="de-DE" sz="1200" dirty="0"/>
-                        <a:t>96,67%</a:t>
-                      </a:r>
+                      <a:endParaRPr lang="de-DE" sz="1200" dirty="0"/>
                     </a:p>
                   </a:txBody>
                   <a:tcPr>
@@ -14314,10 +14323,7 @@
                     <a:lstStyle/>
                     <a:p>
                       <a:pPr algn="ctr"/>
-                      <a:r>
-                        <a:rPr lang="de-DE" sz="1200" dirty="0"/>
-                        <a:t>759 (77,05%)</a:t>
-                      </a:r>
+                      <a:endParaRPr lang="de-DE" sz="1200" dirty="0"/>
                     </a:p>
                   </a:txBody>
                   <a:tcPr>
@@ -14347,10 +14353,7 @@
                     <a:lstStyle/>
                     <a:p>
                       <a:pPr algn="ctr"/>
-                      <a:r>
-                        <a:rPr lang="de-DE" sz="1200" dirty="0"/>
-                        <a:t>29147 (87,92%)</a:t>
-                      </a:r>
+                      <a:endParaRPr lang="de-DE" sz="1200" dirty="0"/>
                     </a:p>
                   </a:txBody>
                   <a:tcPr>
@@ -14389,10 +14392,7 @@
                     <a:lstStyle/>
                     <a:p>
                       <a:pPr algn="ctr"/>
-                      <a:r>
-                        <a:rPr lang="de-DE" sz="1200" dirty="0"/>
-                        <a:t>997652 (96,32%)</a:t>
-                      </a:r>
+                      <a:endParaRPr lang="de-DE" sz="1200" dirty="0"/>
                     </a:p>
                   </a:txBody>
                   <a:tcPr>

--- a/PJ_KI_MST2.pptx
+++ b/PJ_KI_MST2.pptx
@@ -265,7 +265,7 @@
           <a:p>
             <a:fld id="{17468778-AD1E-48E6-A1B1-00A628170ED2}" type="datetimeFigureOut">
               <a:rPr lang="de-DE" smtClean="0"/>
-              <a:t>22.05.2023</a:t>
+              <a:t>22.05.23</a:t>
             </a:fld>
             <a:endParaRPr lang="de-DE"/>
           </a:p>
@@ -463,7 +463,7 @@
           <a:p>
             <a:fld id="{17468778-AD1E-48E6-A1B1-00A628170ED2}" type="datetimeFigureOut">
               <a:rPr lang="de-DE" smtClean="0"/>
-              <a:t>22.05.2023</a:t>
+              <a:t>22.05.23</a:t>
             </a:fld>
             <a:endParaRPr lang="de-DE"/>
           </a:p>
@@ -671,7 +671,7 @@
           <a:p>
             <a:fld id="{17468778-AD1E-48E6-A1B1-00A628170ED2}" type="datetimeFigureOut">
               <a:rPr lang="de-DE" smtClean="0"/>
-              <a:t>22.05.2023</a:t>
+              <a:t>22.05.23</a:t>
             </a:fld>
             <a:endParaRPr lang="de-DE"/>
           </a:p>
@@ -869,7 +869,7 @@
           <a:p>
             <a:fld id="{17468778-AD1E-48E6-A1B1-00A628170ED2}" type="datetimeFigureOut">
               <a:rPr lang="de-DE" smtClean="0"/>
-              <a:t>22.05.2023</a:t>
+              <a:t>22.05.23</a:t>
             </a:fld>
             <a:endParaRPr lang="de-DE"/>
           </a:p>
@@ -1144,7 +1144,7 @@
           <a:p>
             <a:fld id="{17468778-AD1E-48E6-A1B1-00A628170ED2}" type="datetimeFigureOut">
               <a:rPr lang="de-DE" smtClean="0"/>
-              <a:t>22.05.2023</a:t>
+              <a:t>22.05.23</a:t>
             </a:fld>
             <a:endParaRPr lang="de-DE"/>
           </a:p>
@@ -1409,7 +1409,7 @@
           <a:p>
             <a:fld id="{17468778-AD1E-48E6-A1B1-00A628170ED2}" type="datetimeFigureOut">
               <a:rPr lang="de-DE" smtClean="0"/>
-              <a:t>22.05.2023</a:t>
+              <a:t>22.05.23</a:t>
             </a:fld>
             <a:endParaRPr lang="de-DE"/>
           </a:p>
@@ -1821,7 +1821,7 @@
           <a:p>
             <a:fld id="{17468778-AD1E-48E6-A1B1-00A628170ED2}" type="datetimeFigureOut">
               <a:rPr lang="de-DE" smtClean="0"/>
-              <a:t>22.05.2023</a:t>
+              <a:t>22.05.23</a:t>
             </a:fld>
             <a:endParaRPr lang="de-DE"/>
           </a:p>
@@ -1962,7 +1962,7 @@
           <a:p>
             <a:fld id="{17468778-AD1E-48E6-A1B1-00A628170ED2}" type="datetimeFigureOut">
               <a:rPr lang="de-DE" smtClean="0"/>
-              <a:t>22.05.2023</a:t>
+              <a:t>22.05.23</a:t>
             </a:fld>
             <a:endParaRPr lang="de-DE"/>
           </a:p>
@@ -2075,7 +2075,7 @@
           <a:p>
             <a:fld id="{17468778-AD1E-48E6-A1B1-00A628170ED2}" type="datetimeFigureOut">
               <a:rPr lang="de-DE" smtClean="0"/>
-              <a:t>22.05.2023</a:t>
+              <a:t>22.05.23</a:t>
             </a:fld>
             <a:endParaRPr lang="de-DE"/>
           </a:p>
@@ -2386,7 +2386,7 @@
           <a:p>
             <a:fld id="{17468778-AD1E-48E6-A1B1-00A628170ED2}" type="datetimeFigureOut">
               <a:rPr lang="de-DE" smtClean="0"/>
-              <a:t>22.05.2023</a:t>
+              <a:t>22.05.23</a:t>
             </a:fld>
             <a:endParaRPr lang="de-DE"/>
           </a:p>
@@ -2674,7 +2674,7 @@
           <a:p>
             <a:fld id="{17468778-AD1E-48E6-A1B1-00A628170ED2}" type="datetimeFigureOut">
               <a:rPr lang="de-DE" smtClean="0"/>
-              <a:t>22.05.2023</a:t>
+              <a:t>22.05.23</a:t>
             </a:fld>
             <a:endParaRPr lang="de-DE"/>
           </a:p>
@@ -2915,7 +2915,7 @@
           <a:p>
             <a:fld id="{17468778-AD1E-48E6-A1B1-00A628170ED2}" type="datetimeFigureOut">
               <a:rPr lang="de-DE" smtClean="0"/>
-              <a:t>22.05.2023</a:t>
+              <a:t>22.05.23</a:t>
             </a:fld>
             <a:endParaRPr lang="de-DE"/>
           </a:p>
@@ -3696,7 +3696,7 @@
           <p:nvPr>
             <p:extLst>
               <p:ext uri="{D42A27DB-BD31-4B8C-83A1-F6EECF244321}">
-                <p14:modId xmlns:p14="http://schemas.microsoft.com/office/powerpoint/2010/main" val="2378833138"/>
+                <p14:modId xmlns:p14="http://schemas.microsoft.com/office/powerpoint/2010/main" val="59773669"/>
               </p:ext>
             </p:extLst>
           </p:nvPr>
@@ -3860,7 +3860,7 @@
                       </a:pPr>
                       <a:r>
                         <a:rPr lang="de-DE" dirty="0"/>
-                        <a:t> 0.011127 ms</a:t>
+                        <a:t> 0.010939 ms</a:t>
                       </a:r>
                       <a:endParaRPr lang="de-DE" dirty="0">
                         <a:latin typeface="DM Sans" pitchFamily="2" charset="77"/>
@@ -3881,7 +3881,7 @@
                       </a:pPr>
                       <a:r>
                         <a:rPr lang="de-DE" dirty="0"/>
-                        <a:t> 0.009938 ms</a:t>
+                        <a:t>0.010508ms</a:t>
                       </a:r>
                       <a:endParaRPr lang="de-DE" dirty="0">
                         <a:latin typeface="DM Sans" pitchFamily="2" charset="77"/>
@@ -3902,7 +3902,7 @@
                       </a:pPr>
                       <a:r>
                         <a:rPr lang="de-DE" dirty="0"/>
-                        <a:t> 0.007215 ms</a:t>
+                        <a:t> 0.008228 ms</a:t>
                       </a:r>
                       <a:endParaRPr lang="de-DE" dirty="0">
                         <a:latin typeface="DM Sans" pitchFamily="2" charset="77"/>
@@ -4245,7 +4245,7 @@
           <p:nvPr>
             <p:extLst>
               <p:ext uri="{D42A27DB-BD31-4B8C-83A1-F6EECF244321}">
-                <p14:modId xmlns:p14="http://schemas.microsoft.com/office/powerpoint/2010/main" val="3151567785"/>
+                <p14:modId xmlns:p14="http://schemas.microsoft.com/office/powerpoint/2010/main" val="1649300102"/>
               </p:ext>
             </p:extLst>
           </p:nvPr>
@@ -4757,7 +4757,10 @@
                     <a:lstStyle/>
                     <a:p>
                       <a:pPr algn="ctr"/>
-                      <a:endParaRPr lang="de-DE" sz="1200" dirty="0"/>
+                      <a:r>
+                        <a:rPr lang="de-DE" sz="1200" dirty="0"/>
+                        <a:t>2.257966</a:t>
+                      </a:r>
                     </a:p>
                   </a:txBody>
                   <a:tcPr>
@@ -4787,7 +4790,10 @@
                     <a:lstStyle/>
                     <a:p>
                       <a:pPr algn="ctr"/>
-                      <a:endParaRPr lang="de-DE" sz="1200" dirty="0"/>
+                      <a:r>
+                        <a:rPr lang="de-DE" sz="1200" dirty="0"/>
+                        <a:t>38.673325</a:t>
+                      </a:r>
                     </a:p>
                   </a:txBody>
                   <a:tcPr>
@@ -4826,7 +4832,10 @@
                     <a:lstStyle/>
                     <a:p>
                       <a:pPr algn="ctr"/>
-                      <a:endParaRPr lang="de-DE" sz="1200" dirty="0"/>
+                      <a:r>
+                        <a:rPr lang="de-DE" sz="1200" dirty="0"/>
+                        <a:t>609.607391</a:t>
+                      </a:r>
                     </a:p>
                   </a:txBody>
                   <a:tcPr>
@@ -4856,7 +4865,10 @@
                     <a:lstStyle/>
                     <a:p>
                       <a:pPr algn="ctr"/>
-                      <a:endParaRPr lang="de-DE" sz="1200" dirty="0"/>
+                      <a:r>
+                        <a:rPr lang="de-DE" sz="1200" dirty="0"/>
+                        <a:t>162979</a:t>
+                      </a:r>
                     </a:p>
                   </a:txBody>
                   <a:tcPr>
@@ -4886,7 +4898,10 @@
                     <a:lstStyle/>
                     <a:p>
                       <a:pPr algn="ctr"/>
-                      <a:endParaRPr lang="de-DE" sz="1200" dirty="0"/>
+                      <a:r>
+                        <a:rPr lang="de-DE" sz="1200" dirty="0"/>
+                        <a:t>141286</a:t>
+                      </a:r>
                     </a:p>
                   </a:txBody>
                   <a:tcPr>
@@ -4925,7 +4940,10 @@
                     <a:lstStyle/>
                     <a:p>
                       <a:pPr algn="ctr"/>
-                      <a:endParaRPr lang="de-DE" sz="1200" dirty="0"/>
+                      <a:r>
+                        <a:rPr lang="de-DE" sz="1200" dirty="0"/>
+                        <a:t>167360</a:t>
+                      </a:r>
                     </a:p>
                   </a:txBody>
                   <a:tcPr>
@@ -5005,7 +5023,10 @@
                     <a:lstStyle/>
                     <a:p>
                       <a:pPr algn="ctr"/>
-                      <a:endParaRPr lang="de-DE" sz="1200" dirty="0"/>
+                      <a:r>
+                        <a:rPr lang="de-DE" sz="1200" dirty="0"/>
+                        <a:t>18.549416</a:t>
+                      </a:r>
                     </a:p>
                   </a:txBody>
                   <a:tcPr>
@@ -5044,7 +5065,10 @@
                     <a:lstStyle/>
                     <a:p>
                       <a:pPr algn="ctr"/>
-                      <a:endParaRPr lang="de-DE" sz="1200" dirty="0"/>
+                      <a:r>
+                        <a:rPr lang="de-DE" sz="1200" dirty="0"/>
+                        <a:t>718.497658 </a:t>
+                      </a:r>
                     </a:p>
                   </a:txBody>
                   <a:tcPr>
@@ -5092,7 +5116,10 @@
                     <a:lstStyle/>
                     <a:p>
                       <a:pPr algn="ctr"/>
-                      <a:endParaRPr lang="de-DE" sz="1200" dirty="0"/>
+                      <a:r>
+                        <a:rPr lang="de-DE" sz="1200" dirty="0"/>
+                        <a:t>27461.15875</a:t>
+                      </a:r>
                     </a:p>
                   </a:txBody>
                   <a:tcPr>
@@ -5131,7 +5158,10 @@
                     <a:lstStyle/>
                     <a:p>
                       <a:pPr algn="ctr"/>
-                      <a:endParaRPr lang="de-DE" sz="1200" dirty="0"/>
+                      <a:r>
+                        <a:rPr lang="de-DE" sz="1200" dirty="0"/>
+                        <a:t>82267</a:t>
+                      </a:r>
                     </a:p>
                   </a:txBody>
                   <a:tcPr>
@@ -5170,7 +5200,10 @@
                     <a:lstStyle/>
                     <a:p>
                       <a:pPr algn="ctr"/>
-                      <a:endParaRPr lang="de-DE" sz="1200" dirty="0"/>
+                      <a:r>
+                        <a:rPr lang="de-DE" sz="1200" dirty="0"/>
+                        <a:t>80762</a:t>
+                      </a:r>
                     </a:p>
                   </a:txBody>
                   <a:tcPr>
@@ -5218,7 +5251,10 @@
                     <a:lstStyle/>
                     <a:p>
                       <a:pPr algn="ctr"/>
-                      <a:endParaRPr lang="de-DE" sz="1200" dirty="0"/>
+                      <a:r>
+                        <a:rPr lang="de-DE" sz="1200" dirty="0"/>
+                        <a:t>80543</a:t>
+                      </a:r>
                     </a:p>
                   </a:txBody>
                   <a:tcPr>
@@ -5298,7 +5334,10 @@
                     <a:lstStyle/>
                     <a:p>
                       <a:pPr algn="ctr"/>
-                      <a:endParaRPr lang="de-DE" sz="1200" dirty="0"/>
+                      <a:r>
+                        <a:rPr lang="de-DE" sz="1200" dirty="0"/>
+                        <a:t>10.645108</a:t>
+                      </a:r>
                     </a:p>
                   </a:txBody>
                   <a:tcPr>
@@ -5328,7 +5367,10 @@
                     <a:lstStyle/>
                     <a:p>
                       <a:pPr algn="ctr"/>
-                      <a:endParaRPr lang="de-DE" sz="1200" dirty="0"/>
+                      <a:r>
+                        <a:rPr lang="de-DE" sz="1200" dirty="0"/>
+                        <a:t>325.254425</a:t>
+                      </a:r>
                     </a:p>
                   </a:txBody>
                   <a:tcPr>
@@ -5367,7 +5409,10 @@
                     <a:lstStyle/>
                     <a:p>
                       <a:pPr algn="ctr"/>
-                      <a:endParaRPr lang="de-DE" sz="1200" dirty="0"/>
+                      <a:r>
+                        <a:rPr lang="de-DE" sz="1200" dirty="0"/>
+                        <a:t>11211.73835</a:t>
+                      </a:r>
                     </a:p>
                   </a:txBody>
                   <a:tcPr>
@@ -5397,7 +5442,10 @@
                     <a:lstStyle/>
                     <a:p>
                       <a:pPr algn="ctr"/>
-                      <a:endParaRPr lang="de-DE" sz="1200" dirty="0"/>
+                      <a:r>
+                        <a:rPr lang="de-DE" sz="1200" dirty="0"/>
+                        <a:t>92531</a:t>
+                      </a:r>
                     </a:p>
                   </a:txBody>
                   <a:tcPr>
@@ -5427,7 +5475,10 @@
                     <a:lstStyle/>
                     <a:p>
                       <a:pPr algn="ctr"/>
-                      <a:endParaRPr lang="de-DE" sz="1200" dirty="0"/>
+                      <a:r>
+                        <a:rPr lang="de-DE" sz="1200" dirty="0"/>
+                        <a:t>101920</a:t>
+                      </a:r>
                     </a:p>
                   </a:txBody>
                   <a:tcPr>
@@ -5466,7 +5517,10 @@
                     <a:lstStyle/>
                     <a:p>
                       <a:pPr algn="ctr"/>
-                      <a:endParaRPr lang="de-DE" sz="1200" dirty="0"/>
+                      <a:r>
+                        <a:rPr lang="de-DE" sz="1200" dirty="0"/>
+                        <a:t>92382</a:t>
+                      </a:r>
                     </a:p>
                   </a:txBody>
                   <a:tcPr>
@@ -7238,7 +7292,7 @@
           <p:nvPr>
             <p:extLst>
               <p:ext uri="{D42A27DB-BD31-4B8C-83A1-F6EECF244321}">
-                <p14:modId xmlns:p14="http://schemas.microsoft.com/office/powerpoint/2010/main" val="870737581"/>
+                <p14:modId xmlns:p14="http://schemas.microsoft.com/office/powerpoint/2010/main" val="2512041362"/>
               </p:ext>
             </p:extLst>
           </p:nvPr>
@@ -7752,7 +7806,7 @@
                       <a:pPr algn="ctr"/>
                       <a:r>
                         <a:rPr lang="de-DE" sz="1200" dirty="0"/>
-                        <a:t>9.840</a:t>
+                        <a:t>3.826283</a:t>
                       </a:r>
                     </a:p>
                   </a:txBody>
@@ -7785,7 +7839,7 @@
                       <a:pPr algn="ctr"/>
                       <a:r>
                         <a:rPr lang="de-DE" sz="1200" dirty="0"/>
-                        <a:t>15.354</a:t>
+                        <a:t>11.949717</a:t>
                       </a:r>
                     </a:p>
                   </a:txBody>
@@ -7827,7 +7881,7 @@
                       <a:pPr algn="ctr"/>
                       <a:r>
                         <a:rPr lang="de-DE" sz="1200" dirty="0"/>
-                        <a:t>101.723</a:t>
+                        <a:t>98.290975</a:t>
                       </a:r>
                     </a:p>
                   </a:txBody>
@@ -7858,7 +7912,10 @@
                     <a:lstStyle/>
                     <a:p>
                       <a:pPr algn="ctr"/>
-                      <a:endParaRPr lang="de-DE" sz="1200" dirty="0"/>
+                      <a:r>
+                        <a:rPr lang="de-DE" sz="1200" dirty="0"/>
+                        <a:t>42077</a:t>
+                      </a:r>
                     </a:p>
                   </a:txBody>
                   <a:tcPr>
@@ -7888,7 +7945,10 @@
                     <a:lstStyle/>
                     <a:p>
                       <a:pPr algn="ctr"/>
-                      <a:endParaRPr lang="de-DE" sz="1200" dirty="0"/>
+                      <a:r>
+                        <a:rPr lang="de-DE" sz="1200" dirty="0"/>
+                        <a:t>57156</a:t>
+                      </a:r>
                     </a:p>
                   </a:txBody>
                   <a:tcPr>
@@ -7927,7 +7987,10 @@
                     <a:lstStyle/>
                     <a:p>
                       <a:pPr algn="ctr"/>
-                      <a:endParaRPr lang="de-DE" sz="1200" dirty="0"/>
+                      <a:r>
+                        <a:rPr lang="de-DE" sz="1200" dirty="0"/>
+                        <a:t>142709</a:t>
+                      </a:r>
                     </a:p>
                   </a:txBody>
                   <a:tcPr>
@@ -8009,7 +8072,7 @@
                       <a:pPr algn="ctr"/>
                       <a:r>
                         <a:rPr lang="de-DE" sz="1200" dirty="0"/>
-                        <a:t>6.743</a:t>
+                        <a:t>10.679458</a:t>
                       </a:r>
                     </a:p>
                   </a:txBody>
@@ -8051,7 +8114,7 @@
                       <a:pPr algn="ctr"/>
                       <a:r>
                         <a:rPr lang="de-DE" sz="1200" dirty="0"/>
-                        <a:t>213.551</a:t>
+                        <a:t>242.70335</a:t>
                       </a:r>
                     </a:p>
                   </a:txBody>
@@ -8102,7 +8165,7 @@
                       <a:pPr algn="ctr"/>
                       <a:r>
                         <a:rPr lang="de-DE" sz="1200" dirty="0"/>
-                        <a:t>3881.854</a:t>
+                        <a:t>4114.663608</a:t>
                       </a:r>
                     </a:p>
                   </a:txBody>
@@ -8142,7 +8205,10 @@
                     <a:lstStyle/>
                     <a:p>
                       <a:pPr algn="ctr"/>
-                      <a:endParaRPr lang="de-DE" sz="1200" dirty="0"/>
+                      <a:r>
+                        <a:rPr lang="de-DE" sz="1200" dirty="0"/>
+                        <a:t>55621</a:t>
+                      </a:r>
                     </a:p>
                   </a:txBody>
                   <a:tcPr>
@@ -8181,7 +8247,10 @@
                     <a:lstStyle/>
                     <a:p>
                       <a:pPr algn="ctr"/>
-                      <a:endParaRPr lang="de-DE" sz="1200" dirty="0"/>
+                      <a:r>
+                        <a:rPr lang="de-DE" sz="1200" dirty="0"/>
+                        <a:t>76064</a:t>
+                      </a:r>
                     </a:p>
                   </a:txBody>
                   <a:tcPr>
@@ -8229,7 +8298,10 @@
                     <a:lstStyle/>
                     <a:p>
                       <a:pPr algn="ctr"/>
-                      <a:endParaRPr lang="de-DE" sz="1200" dirty="0"/>
+                      <a:r>
+                        <a:rPr lang="de-DE" sz="1200" dirty="0"/>
+                        <a:t>82565</a:t>
+                      </a:r>
                     </a:p>
                   </a:txBody>
                   <a:tcPr>
@@ -8311,7 +8383,7 @@
                       <a:pPr algn="ctr"/>
                       <a:r>
                         <a:rPr lang="de-DE" sz="1200" dirty="0"/>
-                        <a:t>2.257</a:t>
+                        <a:t>2.1391</a:t>
                       </a:r>
                     </a:p>
                   </a:txBody>
@@ -8344,7 +8416,7 @@
                       <a:pPr algn="ctr"/>
                       <a:r>
                         <a:rPr lang="de-DE" sz="1200" dirty="0"/>
-                        <a:t>36.297</a:t>
+                        <a:t>37.182533</a:t>
                       </a:r>
                     </a:p>
                   </a:txBody>
@@ -8386,7 +8458,7 @@
                       <a:pPr algn="ctr"/>
                       <a:r>
                         <a:rPr lang="de-DE" sz="1200" dirty="0"/>
-                        <a:t>368.572</a:t>
+                        <a:t>380.406283</a:t>
                       </a:r>
                     </a:p>
                   </a:txBody>
@@ -8417,7 +8489,10 @@
                     <a:lstStyle/>
                     <a:p>
                       <a:pPr algn="ctr"/>
-                      <a:endParaRPr lang="de-DE" sz="1200" dirty="0"/>
+                      <a:r>
+                        <a:rPr lang="de-DE" sz="1200" dirty="0"/>
+                        <a:t>105652</a:t>
+                      </a:r>
                     </a:p>
                   </a:txBody>
                   <a:tcPr>
@@ -8447,7 +8522,10 @@
                     <a:lstStyle/>
                     <a:p>
                       <a:pPr algn="ctr"/>
-                      <a:endParaRPr lang="de-DE" sz="1200" dirty="0"/>
+                      <a:r>
+                        <a:rPr lang="de-DE" sz="1200" dirty="0"/>
+                        <a:t>107658</a:t>
+                      </a:r>
                     </a:p>
                   </a:txBody>
                   <a:tcPr>
@@ -8486,7 +8564,10 @@
                     <a:lstStyle/>
                     <a:p>
                       <a:pPr algn="ctr"/>
-                      <a:endParaRPr lang="de-DE" sz="1200" dirty="0"/>
+                      <a:r>
+                        <a:rPr lang="de-DE" sz="1200" dirty="0"/>
+                        <a:t>100196</a:t>
+                      </a:r>
                     </a:p>
                   </a:txBody>
                   <a:tcPr>

--- a/PJ_KI_MST2.pptx
+++ b/PJ_KI_MST2.pptx
@@ -4245,7 +4245,7 @@
           <p:nvPr>
             <p:extLst>
               <p:ext uri="{D42A27DB-BD31-4B8C-83A1-F6EECF244321}">
-                <p14:modId xmlns:p14="http://schemas.microsoft.com/office/powerpoint/2010/main" val="1649300102"/>
+                <p14:modId xmlns:p14="http://schemas.microsoft.com/office/powerpoint/2010/main" val="1192278293"/>
               </p:ext>
             </p:extLst>
           </p:nvPr>
@@ -5613,7 +5613,10 @@
                     <a:lstStyle/>
                     <a:p>
                       <a:pPr algn="ctr"/>
-                      <a:endParaRPr lang="de-DE" sz="1200" dirty="0"/>
+                      <a:r>
+                        <a:rPr lang="de-DE" sz="1200" dirty="0"/>
+                        <a:t>2.33882</a:t>
+                      </a:r>
                     </a:p>
                   </a:txBody>
                   <a:tcPr>
@@ -5643,7 +5646,10 @@
                     <a:lstStyle/>
                     <a:p>
                       <a:pPr algn="ctr"/>
-                      <a:endParaRPr lang="de-DE" sz="1200" dirty="0"/>
+                      <a:r>
+                        <a:rPr lang="de-DE" sz="1200" dirty="0"/>
+                        <a:t>40.83484</a:t>
+                      </a:r>
                     </a:p>
                   </a:txBody>
                   <a:tcPr>
@@ -5682,7 +5688,10 @@
                     <a:lstStyle/>
                     <a:p>
                       <a:pPr algn="ctr"/>
-                      <a:endParaRPr lang="de-DE" sz="1200" dirty="0"/>
+                      <a:r>
+                        <a:rPr lang="de-DE" sz="1200" dirty="0"/>
+                        <a:t>661.30738</a:t>
+                      </a:r>
                     </a:p>
                   </a:txBody>
                   <a:tcPr>
@@ -5712,7 +5721,10 @@
                     <a:lstStyle/>
                     <a:p>
                       <a:pPr algn="ctr"/>
-                      <a:endParaRPr lang="de-DE" sz="1200" dirty="0"/>
+                      <a:r>
+                        <a:rPr lang="de-DE" sz="1200" dirty="0"/>
+                        <a:t>157344</a:t>
+                      </a:r>
                     </a:p>
                   </a:txBody>
                   <a:tcPr>
@@ -5742,7 +5754,10 @@
                     <a:lstStyle/>
                     <a:p>
                       <a:pPr algn="ctr"/>
-                      <a:endParaRPr lang="de-DE" sz="1200" dirty="0"/>
+                      <a:r>
+                        <a:rPr lang="de-DE" sz="1200" dirty="0"/>
+                        <a:t>133807</a:t>
+                      </a:r>
                     </a:p>
                   </a:txBody>
                   <a:tcPr>
@@ -5781,7 +5796,10 @@
                     <a:lstStyle/>
                     <a:p>
                       <a:pPr algn="ctr"/>
-                      <a:endParaRPr lang="de-DE" sz="1200" dirty="0"/>
+                      <a:r>
+                        <a:rPr lang="de-DE" sz="1200" dirty="0"/>
+                        <a:t>154276</a:t>
+                      </a:r>
                     </a:p>
                   </a:txBody>
                   <a:tcPr>
@@ -5861,7 +5879,10 @@
                     <a:lstStyle/>
                     <a:p>
                       <a:pPr algn="ctr"/>
-                      <a:endParaRPr lang="de-DE" sz="1200" dirty="0"/>
+                      <a:r>
+                        <a:rPr lang="de-DE" sz="1200" dirty="0"/>
+                        <a:t>19.11446</a:t>
+                      </a:r>
                     </a:p>
                   </a:txBody>
                   <a:tcPr>
@@ -5900,7 +5921,10 @@
                     <a:lstStyle/>
                     <a:p>
                       <a:pPr algn="ctr"/>
-                      <a:endParaRPr lang="de-DE" sz="1200" dirty="0"/>
+                      <a:r>
+                        <a:rPr lang="de-DE" sz="1200" dirty="0"/>
+                        <a:t>741.0739</a:t>
+                      </a:r>
                     </a:p>
                   </a:txBody>
                   <a:tcPr>
@@ -5948,7 +5972,10 @@
                     <a:lstStyle/>
                     <a:p>
                       <a:pPr algn="ctr"/>
-                      <a:endParaRPr lang="de-DE" sz="1200" dirty="0"/>
+                      <a:r>
+                        <a:rPr lang="de-DE" sz="1200" dirty="0"/>
+                        <a:t>29144.52802</a:t>
+                      </a:r>
                     </a:p>
                   </a:txBody>
                   <a:tcPr>
@@ -5987,7 +6014,10 @@
                     <a:lstStyle/>
                     <a:p>
                       <a:pPr algn="ctr"/>
-                      <a:endParaRPr lang="de-DE" sz="1200" dirty="0"/>
+                      <a:r>
+                        <a:rPr lang="de-DE" sz="1200" dirty="0"/>
+                        <a:t>79835</a:t>
+                      </a:r>
                     </a:p>
                   </a:txBody>
                   <a:tcPr>
@@ -6026,7 +6056,10 @@
                     <a:lstStyle/>
                     <a:p>
                       <a:pPr algn="ctr"/>
-                      <a:endParaRPr lang="de-DE" sz="1200" dirty="0"/>
+                      <a:r>
+                        <a:rPr lang="de-DE" sz="1200" dirty="0"/>
+                        <a:t>78301</a:t>
+                      </a:r>
                     </a:p>
                   </a:txBody>
                   <a:tcPr>
@@ -6074,7 +6107,10 @@
                     <a:lstStyle/>
                     <a:p>
                       <a:pPr algn="ctr"/>
-                      <a:endParaRPr lang="de-DE" sz="1200" dirty="0"/>
+                      <a:r>
+                        <a:rPr lang="de-DE" sz="1200" dirty="0"/>
+                        <a:t>75891</a:t>
+                      </a:r>
                     </a:p>
                   </a:txBody>
                   <a:tcPr>
@@ -6154,7 +6190,10 @@
                     <a:lstStyle/>
                     <a:p>
                       <a:pPr algn="ctr"/>
-                      <a:endParaRPr lang="de-DE" sz="1200" dirty="0"/>
+                      <a:r>
+                        <a:rPr lang="de-DE" sz="1200" dirty="0"/>
+                        <a:t>10.87954</a:t>
+                      </a:r>
                     </a:p>
                   </a:txBody>
                   <a:tcPr>
@@ -6184,7 +6223,10 @@
                     <a:lstStyle/>
                     <a:p>
                       <a:pPr algn="ctr"/>
-                      <a:endParaRPr lang="de-DE" sz="1200" dirty="0"/>
+                      <a:r>
+                        <a:rPr lang="de-DE" sz="1200" dirty="0"/>
+                        <a:t>345.7105</a:t>
+                      </a:r>
                     </a:p>
                   </a:txBody>
                   <a:tcPr>
@@ -6223,7 +6265,10 @@
                     <a:lstStyle/>
                     <a:p>
                       <a:pPr algn="ctr"/>
-                      <a:endParaRPr lang="de-DE" sz="1200" dirty="0"/>
+                      <a:r>
+                        <a:rPr lang="de-DE" sz="1200" dirty="0"/>
+                        <a:t>11527.75996</a:t>
+                      </a:r>
                     </a:p>
                   </a:txBody>
                   <a:tcPr>
@@ -6253,7 +6298,10 @@
                     <a:lstStyle/>
                     <a:p>
                       <a:pPr algn="ctr"/>
-                      <a:endParaRPr lang="de-DE" sz="1200"/>
+                      <a:r>
+                        <a:rPr lang="de-DE" sz="1200" dirty="0"/>
+                        <a:t>90537</a:t>
+                      </a:r>
                     </a:p>
                   </a:txBody>
                   <a:tcPr>
@@ -6283,7 +6331,10 @@
                     <a:lstStyle/>
                     <a:p>
                       <a:pPr algn="ctr"/>
-                      <a:endParaRPr lang="de-DE" sz="1200"/>
+                      <a:r>
+                        <a:rPr lang="de-DE" sz="1200" dirty="0"/>
+                        <a:t>95889</a:t>
+                      </a:r>
                     </a:p>
                   </a:txBody>
                   <a:tcPr>
@@ -6322,7 +6373,10 @@
                     <a:lstStyle/>
                     <a:p>
                       <a:pPr algn="ctr"/>
-                      <a:endParaRPr lang="de-DE" sz="1200" dirty="0"/>
+                      <a:r>
+                        <a:rPr lang="de-DE" sz="1200" dirty="0"/>
+                        <a:t>89850</a:t>
+                      </a:r>
                     </a:p>
                   </a:txBody>
                   <a:tcPr>
@@ -7292,7 +7346,7 @@
           <p:nvPr>
             <p:extLst>
               <p:ext uri="{D42A27DB-BD31-4B8C-83A1-F6EECF244321}">
-                <p14:modId xmlns:p14="http://schemas.microsoft.com/office/powerpoint/2010/main" val="2512041362"/>
+                <p14:modId xmlns:p14="http://schemas.microsoft.com/office/powerpoint/2010/main" val="72455839"/>
               </p:ext>
             </p:extLst>
           </p:nvPr>
@@ -7806,7 +7860,7 @@
                       <a:pPr algn="ctr"/>
                       <a:r>
                         <a:rPr lang="de-DE" sz="1200" dirty="0"/>
-                        <a:t>3.826283</a:t>
+                        <a:t>3.826</a:t>
                       </a:r>
                     </a:p>
                   </a:txBody>
@@ -7839,7 +7893,7 @@
                       <a:pPr algn="ctr"/>
                       <a:r>
                         <a:rPr lang="de-DE" sz="1200" dirty="0"/>
-                        <a:t>11.949717</a:t>
+                        <a:t>11.949</a:t>
                       </a:r>
                     </a:p>
                   </a:txBody>
@@ -7881,7 +7935,7 @@
                       <a:pPr algn="ctr"/>
                       <a:r>
                         <a:rPr lang="de-DE" sz="1200" dirty="0"/>
-                        <a:t>98.290975</a:t>
+                        <a:t>98.290</a:t>
                       </a:r>
                     </a:p>
                   </a:txBody>
@@ -8072,7 +8126,7 @@
                       <a:pPr algn="ctr"/>
                       <a:r>
                         <a:rPr lang="de-DE" sz="1200" dirty="0"/>
-                        <a:t>10.679458</a:t>
+                        <a:t>10.679</a:t>
                       </a:r>
                     </a:p>
                   </a:txBody>
@@ -8114,7 +8168,7 @@
                       <a:pPr algn="ctr"/>
                       <a:r>
                         <a:rPr lang="de-DE" sz="1200" dirty="0"/>
-                        <a:t>242.70335</a:t>
+                        <a:t>242.703</a:t>
                       </a:r>
                     </a:p>
                   </a:txBody>
@@ -8165,7 +8219,7 @@
                       <a:pPr algn="ctr"/>
                       <a:r>
                         <a:rPr lang="de-DE" sz="1200" dirty="0"/>
-                        <a:t>4114.663608</a:t>
+                        <a:t>4114.663</a:t>
                       </a:r>
                     </a:p>
                   </a:txBody>
@@ -8383,7 +8437,7 @@
                       <a:pPr algn="ctr"/>
                       <a:r>
                         <a:rPr lang="de-DE" sz="1200" dirty="0"/>
-                        <a:t>2.1391</a:t>
+                        <a:t>2.139</a:t>
                       </a:r>
                     </a:p>
                   </a:txBody>
@@ -8416,7 +8470,7 @@
                       <a:pPr algn="ctr"/>
                       <a:r>
                         <a:rPr lang="de-DE" sz="1200" dirty="0"/>
-                        <a:t>37.182533</a:t>
+                        <a:t>37.182</a:t>
                       </a:r>
                     </a:p>
                   </a:txBody>
@@ -8458,7 +8512,7 @@
                       <a:pPr algn="ctr"/>
                       <a:r>
                         <a:rPr lang="de-DE" sz="1200" dirty="0"/>
-                        <a:t>380.406283</a:t>
+                        <a:t>380.406</a:t>
                       </a:r>
                     </a:p>
                   </a:txBody>
@@ -8660,7 +8714,10 @@
                     <a:lstStyle/>
                     <a:p>
                       <a:pPr algn="ctr"/>
-                      <a:endParaRPr lang="de-DE" sz="1200" dirty="0"/>
+                      <a:r>
+                        <a:rPr lang="de-DE" sz="1200" dirty="0"/>
+                        <a:t>2.910</a:t>
+                      </a:r>
                     </a:p>
                   </a:txBody>
                   <a:tcPr>
@@ -8690,7 +8747,10 @@
                     <a:lstStyle/>
                     <a:p>
                       <a:pPr algn="ctr"/>
-                      <a:endParaRPr lang="de-DE" sz="1200" dirty="0"/>
+                      <a:r>
+                        <a:rPr lang="de-DE" sz="1200" dirty="0"/>
+                        <a:t>14.545</a:t>
+                      </a:r>
                     </a:p>
                   </a:txBody>
                   <a:tcPr>
@@ -8729,7 +8789,10 @@
                     <a:lstStyle/>
                     <a:p>
                       <a:pPr algn="ctr"/>
-                      <a:endParaRPr lang="de-DE" sz="1200" dirty="0"/>
+                      <a:r>
+                        <a:rPr lang="de-DE" sz="1200" dirty="0"/>
+                        <a:t>100.660</a:t>
+                      </a:r>
                     </a:p>
                   </a:txBody>
                   <a:tcPr>
@@ -8759,7 +8822,10 @@
                     <a:lstStyle/>
                     <a:p>
                       <a:pPr algn="ctr"/>
-                      <a:endParaRPr lang="de-DE" sz="1200" dirty="0"/>
+                      <a:r>
+                        <a:rPr lang="de-DE" sz="1200" dirty="0"/>
+                        <a:t>55310</a:t>
+                      </a:r>
                     </a:p>
                   </a:txBody>
                   <a:tcPr>
@@ -8789,7 +8855,10 @@
                     <a:lstStyle/>
                     <a:p>
                       <a:pPr algn="ctr"/>
-                      <a:endParaRPr lang="de-DE" sz="1200" dirty="0"/>
+                      <a:r>
+                        <a:rPr lang="de-DE" sz="1200" dirty="0"/>
+                        <a:t>46956</a:t>
+                      </a:r>
                     </a:p>
                   </a:txBody>
                   <a:tcPr>
@@ -8828,7 +8897,10 @@
                     <a:lstStyle/>
                     <a:p>
                       <a:pPr algn="ctr"/>
-                      <a:endParaRPr lang="de-DE" sz="1200" dirty="0"/>
+                      <a:r>
+                        <a:rPr lang="de-DE" sz="1200" dirty="0"/>
+                        <a:t>139349</a:t>
+                      </a:r>
                     </a:p>
                   </a:txBody>
                   <a:tcPr>
@@ -8908,7 +8980,10 @@
                     <a:lstStyle/>
                     <a:p>
                       <a:pPr algn="ctr"/>
-                      <a:endParaRPr lang="de-DE" sz="1200" dirty="0"/>
+                      <a:r>
+                        <a:rPr lang="de-DE" sz="1200" dirty="0"/>
+                        <a:t>9.526</a:t>
+                      </a:r>
                     </a:p>
                   </a:txBody>
                   <a:tcPr>
@@ -8947,7 +9022,10 @@
                     <a:lstStyle/>
                     <a:p>
                       <a:pPr algn="ctr"/>
-                      <a:endParaRPr lang="de-DE" sz="1200" dirty="0"/>
+                      <a:r>
+                        <a:rPr lang="de-DE" sz="1200" dirty="0"/>
+                        <a:t>239.449</a:t>
+                      </a:r>
                     </a:p>
                   </a:txBody>
                   <a:tcPr>
@@ -8995,7 +9073,10 @@
                     <a:lstStyle/>
                     <a:p>
                       <a:pPr algn="ctr"/>
-                      <a:endParaRPr lang="de-DE" sz="1200" dirty="0"/>
+                      <a:r>
+                        <a:rPr lang="de-DE" sz="1200" dirty="0"/>
+                        <a:t>4300.536</a:t>
+                      </a:r>
                     </a:p>
                   </a:txBody>
                   <a:tcPr>
@@ -9034,7 +9115,10 @@
                     <a:lstStyle/>
                     <a:p>
                       <a:pPr algn="ctr"/>
-                      <a:endParaRPr lang="de-DE" sz="1200" dirty="0"/>
+                      <a:r>
+                        <a:rPr lang="de-DE" sz="1200" dirty="0"/>
+                        <a:t>62354</a:t>
+                      </a:r>
                     </a:p>
                   </a:txBody>
                   <a:tcPr>
@@ -9073,7 +9157,10 @@
                     <a:lstStyle/>
                     <a:p>
                       <a:pPr algn="ctr"/>
-                      <a:endParaRPr lang="de-DE" sz="1200" dirty="0"/>
+                      <a:r>
+                        <a:rPr lang="de-DE" sz="1200" dirty="0"/>
+                        <a:t>77098</a:t>
+                      </a:r>
                     </a:p>
                   </a:txBody>
                   <a:tcPr>
@@ -9121,7 +9208,10 @@
                     <a:lstStyle/>
                     <a:p>
                       <a:pPr algn="ctr"/>
-                      <a:endParaRPr lang="de-DE" sz="1200" dirty="0"/>
+                      <a:r>
+                        <a:rPr lang="de-DE" sz="1200" dirty="0"/>
+                        <a:t>78997</a:t>
+                      </a:r>
                     </a:p>
                   </a:txBody>
                   <a:tcPr>
@@ -9201,7 +9291,10 @@
                     <a:lstStyle/>
                     <a:p>
                       <a:pPr algn="ctr"/>
-                      <a:endParaRPr lang="de-DE" sz="1200" dirty="0"/>
+                      <a:r>
+                        <a:rPr lang="de-DE" sz="1200" dirty="0"/>
+                        <a:t>2.273</a:t>
+                      </a:r>
                     </a:p>
                   </a:txBody>
                   <a:tcPr>
@@ -9231,7 +9324,10 @@
                     <a:lstStyle/>
                     <a:p>
                       <a:pPr algn="ctr"/>
-                      <a:endParaRPr lang="de-DE" sz="1200" dirty="0"/>
+                      <a:r>
+                        <a:rPr lang="de-DE" sz="1200" dirty="0"/>
+                        <a:t>39.678</a:t>
+                      </a:r>
                     </a:p>
                   </a:txBody>
                   <a:tcPr>
@@ -9270,7 +9366,10 @@
                     <a:lstStyle/>
                     <a:p>
                       <a:pPr algn="ctr"/>
-                      <a:endParaRPr lang="de-DE" sz="1200" dirty="0"/>
+                      <a:r>
+                        <a:rPr lang="de-DE" sz="1200" dirty="0"/>
+                        <a:t>408.472</a:t>
+                      </a:r>
                     </a:p>
                   </a:txBody>
                   <a:tcPr>
@@ -9300,7 +9399,10 @@
                     <a:lstStyle/>
                     <a:p>
                       <a:pPr algn="ctr"/>
-                      <a:endParaRPr lang="de-DE" sz="1200" dirty="0"/>
+                      <a:r>
+                        <a:rPr lang="de-DE" sz="1200" dirty="0"/>
+                        <a:t>99385</a:t>
+                      </a:r>
                     </a:p>
                   </a:txBody>
                   <a:tcPr>
@@ -9330,7 +9432,10 @@
                     <a:lstStyle/>
                     <a:p>
                       <a:pPr algn="ctr"/>
-                      <a:endParaRPr lang="de-DE" sz="1200"/>
+                      <a:r>
+                        <a:rPr lang="de-DE" sz="1200" dirty="0"/>
+                        <a:t>100887</a:t>
+                      </a:r>
                     </a:p>
                   </a:txBody>
                   <a:tcPr>
@@ -9369,7 +9474,10 @@
                     <a:lstStyle/>
                     <a:p>
                       <a:pPr algn="ctr"/>
-                      <a:endParaRPr lang="de-DE" sz="1200" dirty="0"/>
+                      <a:r>
+                        <a:rPr lang="de-DE" sz="1200" dirty="0"/>
+                        <a:t>93311</a:t>
+                      </a:r>
                     </a:p>
                   </a:txBody>
                   <a:tcPr>
@@ -9464,7 +9572,7 @@
                       <a:pPr algn="ctr"/>
                       <a:r>
                         <a:rPr lang="de-DE" sz="1200" dirty="0"/>
-                        <a:t>4,17024</a:t>
+                        <a:t>4,170</a:t>
                       </a:r>
                     </a:p>
                   </a:txBody>
@@ -9497,7 +9605,7 @@
                       <a:pPr algn="ctr"/>
                       <a:r>
                         <a:rPr lang="de-DE" sz="1200" dirty="0"/>
-                        <a:t>19,37374</a:t>
+                        <a:t>19,373</a:t>
                       </a:r>
                     </a:p>
                   </a:txBody>
@@ -9539,7 +9647,7 @@
                       <a:pPr algn="ctr"/>
                       <a:r>
                         <a:rPr lang="de-DE" sz="1200" dirty="0"/>
-                        <a:t>157,09694</a:t>
+                        <a:t>157,096</a:t>
                       </a:r>
                     </a:p>
                   </a:txBody>
@@ -9730,7 +9838,7 @@
                       <a:pPr algn="ctr"/>
                       <a:r>
                         <a:rPr lang="de-DE" sz="1200" dirty="0"/>
-                        <a:t>15,06604</a:t>
+                        <a:t>15,066</a:t>
                       </a:r>
                     </a:p>
                   </a:txBody>
@@ -9772,7 +9880,7 @@
                       <a:pPr algn="ctr"/>
                       <a:r>
                         <a:rPr lang="de-DE" sz="1200" dirty="0"/>
-                        <a:t>381,39094</a:t>
+                        <a:t>381,390</a:t>
                       </a:r>
                     </a:p>
                   </a:txBody>
@@ -9823,7 +9931,7 @@
                       <a:pPr algn="ctr"/>
                       <a:r>
                         <a:rPr lang="de-DE" sz="1200" dirty="0"/>
-                        <a:t>7510,29358</a:t>
+                        <a:t>7510,293</a:t>
                       </a:r>
                     </a:p>
                   </a:txBody>
@@ -10041,7 +10149,7 @@
                       <a:pPr algn="ctr"/>
                       <a:r>
                         <a:rPr lang="de-DE" sz="1200" dirty="0"/>
-                        <a:t>3,31796</a:t>
+                        <a:t>3,317</a:t>
                       </a:r>
                     </a:p>
                   </a:txBody>
@@ -10074,7 +10182,7 @@
                       <a:pPr algn="ctr"/>
                       <a:r>
                         <a:rPr lang="de-DE" sz="1200" dirty="0"/>
-                        <a:t>60,93984</a:t>
+                        <a:t>60,939</a:t>
                       </a:r>
                     </a:p>
                   </a:txBody>
@@ -10116,7 +10224,7 @@
                       <a:pPr algn="ctr"/>
                       <a:r>
                         <a:rPr lang="de-DE" sz="1200" dirty="0"/>
-                        <a:t>643,17226</a:t>
+                        <a:t>643,172</a:t>
                       </a:r>
                     </a:p>
                   </a:txBody>
@@ -10339,14 +10447,14 @@
           <p:nvPr>
             <p:extLst>
               <p:ext uri="{D42A27DB-BD31-4B8C-83A1-F6EECF244321}">
-                <p14:modId xmlns:p14="http://schemas.microsoft.com/office/powerpoint/2010/main" val="1852253935"/>
+                <p14:modId xmlns:p14="http://schemas.microsoft.com/office/powerpoint/2010/main" val="3281258883"/>
               </p:ext>
             </p:extLst>
           </p:nvPr>
         </p:nvGraphicFramePr>
         <p:xfrm>
-          <a:off x="2856781" y="2502235"/>
-          <a:ext cx="6478438" cy="1920240"/>
+          <a:off x="2137382" y="2346960"/>
+          <a:ext cx="7917236" cy="2164080"/>
         </p:xfrm>
         <a:graphic>
           <a:graphicData uri="http://schemas.openxmlformats.org/drawingml/2006/table">
@@ -10355,49 +10463,70 @@
                 <a:tableStyleId>{D7AC3CCA-C797-4891-BE02-D94E43425B78}</a:tableStyleId>
               </a:tblPr>
               <a:tblGrid>
-                <a:gridCol w="879895">
+                <a:gridCol w="880332">
                   <a:extLst>
                     <a:ext uri="{9D8B030D-6E8A-4147-A177-3AD203B41FA5}">
                       <a16:colId xmlns:a16="http://schemas.microsoft.com/office/drawing/2014/main" val="4034185946"/>
                     </a:ext>
                   </a:extLst>
                 </a:gridCol>
-                <a:gridCol w="940279">
+                <a:gridCol w="626165">
                   <a:extLst>
                     <a:ext uri="{9D8B030D-6E8A-4147-A177-3AD203B41FA5}">
                       <a16:colId xmlns:a16="http://schemas.microsoft.com/office/drawing/2014/main" val="3667442282"/>
                     </a:ext>
                   </a:extLst>
                 </a:gridCol>
-                <a:gridCol w="1043796">
+                <a:gridCol w="755374">
                   <a:extLst>
                     <a:ext uri="{9D8B030D-6E8A-4147-A177-3AD203B41FA5}">
                       <a16:colId xmlns:a16="http://schemas.microsoft.com/office/drawing/2014/main" val="3760187539"/>
                     </a:ext>
                   </a:extLst>
                 </a:gridCol>
-                <a:gridCol w="1018635">
+                <a:gridCol w="860166">
                   <a:extLst>
                     <a:ext uri="{9D8B030D-6E8A-4147-A177-3AD203B41FA5}">
                       <a16:colId xmlns:a16="http://schemas.microsoft.com/office/drawing/2014/main" val="1504315138"/>
                     </a:ext>
                   </a:extLst>
                 </a:gridCol>
-                <a:gridCol w="827418">
+                <a:gridCol w="610826">
+                  <a:extLst>
+                    <a:ext uri="{9D8B030D-6E8A-4147-A177-3AD203B41FA5}">
+                      <a16:colId xmlns:a16="http://schemas.microsoft.com/office/drawing/2014/main" val="3978432956"/>
+                    </a:ext>
+                  </a:extLst>
+                </a:gridCol>
+                <a:gridCol w="785191">
+                  <a:extLst>
+                    <a:ext uri="{9D8B030D-6E8A-4147-A177-3AD203B41FA5}">
+                      <a16:colId xmlns:a16="http://schemas.microsoft.com/office/drawing/2014/main" val="3982809005"/>
+                    </a:ext>
+                  </a:extLst>
+                </a:gridCol>
+                <a:gridCol w="798912">
+                  <a:extLst>
+                    <a:ext uri="{9D8B030D-6E8A-4147-A177-3AD203B41FA5}">
+                      <a16:colId xmlns:a16="http://schemas.microsoft.com/office/drawing/2014/main" val="3734169058"/>
+                    </a:ext>
+                  </a:extLst>
+                </a:gridCol>
+                <a:gridCol w="771470">
                   <a:extLst>
                     <a:ext uri="{9D8B030D-6E8A-4147-A177-3AD203B41FA5}">
                       <a16:colId xmlns:a16="http://schemas.microsoft.com/office/drawing/2014/main" val="1475980084"/>
                     </a:ext>
                   </a:extLst>
                 </a:gridCol>
-                <a:gridCol w="828136">
+                <a:gridCol w="834887">
                   <a:extLst>
                     <a:ext uri="{9D8B030D-6E8A-4147-A177-3AD203B41FA5}">
                       <a16:colId xmlns:a16="http://schemas.microsoft.com/office/drawing/2014/main" val="2013879485"/>
                     </a:ext>
                   </a:extLst>
                 </a:gridCol>
-                <a:gridCol w="940279">
+                <a:gridCol w="993913">
                   <a:extLst>
                     <a:ext uri="{9D8B030D-6E8A-4147-A177-3AD203B41FA5}">
                       <a16:colId xmlns:a16="http://schemas.microsoft.com/office/drawing/2014/main" val="183763412"/>
@@ -10428,7 +10557,7 @@
                       <a:pPr algn="ctr"/>
                       <a:r>
                         <a:rPr lang="de-DE" sz="1600" dirty="0"/>
-                        <a:t>Anzahl untersuchter Stellungen je nach Suchtiefe d</a:t>
+                        <a:t>Anzahl untersuchter Stellungen je nach Suchtiefe d (AlphaBeta)</a:t>
                       </a:r>
                     </a:p>
                   </a:txBody>
@@ -10463,6 +10592,88 @@
                     </a:p>
                   </a:txBody>
                   <a:tcPr/>
+                </a:tc>
+                <a:tc gridSpan="3">
+                  <a:txBody>
+                    <a:bodyPr/>
+                    <a:lstStyle/>
+                    <a:p>
+                      <a:pPr marL="0" marR="0" lvl="0" indent="0" algn="ctr" defTabSz="914400" rtl="0" eaLnBrk="1" fontAlgn="auto" latinLnBrk="0" hangingPunct="1">
+                        <a:lnSpc>
+                          <a:spcPct val="100000"/>
+                        </a:lnSpc>
+                        <a:spcBef>
+                          <a:spcPts val="0"/>
+                        </a:spcBef>
+                        <a:spcAft>
+                          <a:spcPts val="0"/>
+                        </a:spcAft>
+                        <a:buClrTx/>
+                        <a:buSzTx/>
+                        <a:buFontTx/>
+                        <a:buNone/>
+                        <a:tabLst/>
+                        <a:defRPr/>
+                      </a:pPr>
+                      <a:r>
+                        <a:rPr lang="de-DE" sz="1600" dirty="0"/>
+                        <a:t>Anzahl untersuchter Stellungen je nach Suchtiefe d (MiniMax)</a:t>
+                      </a:r>
+                    </a:p>
+                  </a:txBody>
+                  <a:tcPr>
+                    <a:lnB w="6350" cap="flat" cmpd="sng" algn="ctr">
+                      <a:solidFill>
+                        <a:schemeClr val="tx1"/>
+                      </a:solidFill>
+                      <a:prstDash val="sysDot"/>
+                      <a:round/>
+                      <a:headEnd type="none" w="med" len="med"/>
+                      <a:tailEnd type="none" w="med" len="med"/>
+                    </a:lnB>
+                  </a:tcPr>
+                </a:tc>
+                <a:tc hMerge="1">
+                  <a:txBody>
+                    <a:bodyPr/>
+                    <a:lstStyle/>
+                    <a:p>
+                      <a:pPr algn="ctr"/>
+                      <a:endParaRPr lang="de-DE" sz="1600" dirty="0"/>
+                    </a:p>
+                  </a:txBody>
+                  <a:tcPr>
+                    <a:lnB w="6350" cap="flat" cmpd="sng" algn="ctr">
+                      <a:solidFill>
+                        <a:schemeClr val="tx1"/>
+                      </a:solidFill>
+                      <a:prstDash val="sysDot"/>
+                      <a:round/>
+                      <a:headEnd type="none" w="med" len="med"/>
+                      <a:tailEnd type="none" w="med" len="med"/>
+                    </a:lnB>
+                  </a:tcPr>
+                </a:tc>
+                <a:tc hMerge="1">
+                  <a:txBody>
+                    <a:bodyPr/>
+                    <a:lstStyle/>
+                    <a:p>
+                      <a:pPr algn="ctr"/>
+                      <a:endParaRPr lang="de-DE" sz="1600" dirty="0"/>
+                    </a:p>
+                  </a:txBody>
+                  <a:tcPr>
+                    <a:lnB w="6350" cap="flat" cmpd="sng" algn="ctr">
+                      <a:solidFill>
+                        <a:schemeClr val="tx1"/>
+                      </a:solidFill>
+                      <a:prstDash val="sysDot"/>
+                      <a:round/>
+                      <a:headEnd type="none" w="med" len="med"/>
+                      <a:tailEnd type="none" w="med" len="med"/>
+                    </a:lnB>
+                  </a:tcPr>
                 </a:tc>
                 <a:tc gridSpan="3">
                   <a:txBody>
@@ -10657,6 +10868,78 @@
                     </a:p>
                   </a:txBody>
                   <a:tcPr>
+                    <a:lnT w="6350" cap="flat" cmpd="sng" algn="ctr">
+                      <a:solidFill>
+                        <a:schemeClr val="tx1"/>
+                      </a:solidFill>
+                      <a:prstDash val="sysDot"/>
+                      <a:round/>
+                      <a:headEnd type="none" w="med" len="med"/>
+                      <a:tailEnd type="none" w="med" len="med"/>
+                    </a:lnT>
+                  </a:tcPr>
+                </a:tc>
+                <a:tc>
+                  <a:txBody>
+                    <a:bodyPr/>
+                    <a:lstStyle/>
+                    <a:p>
+                      <a:pPr algn="ctr"/>
+                      <a:r>
+                        <a:rPr lang="de-DE" sz="1600" dirty="0"/>
+                        <a:t>d = 3</a:t>
+                      </a:r>
+                    </a:p>
+                  </a:txBody>
+                  <a:tcPr>
+                    <a:lnT w="6350" cap="flat" cmpd="sng" algn="ctr">
+                      <a:solidFill>
+                        <a:schemeClr val="tx1"/>
+                      </a:solidFill>
+                      <a:prstDash val="sysDot"/>
+                      <a:round/>
+                      <a:headEnd type="none" w="med" len="med"/>
+                      <a:tailEnd type="none" w="med" len="med"/>
+                    </a:lnT>
+                  </a:tcPr>
+                </a:tc>
+                <a:tc>
+                  <a:txBody>
+                    <a:bodyPr/>
+                    <a:lstStyle/>
+                    <a:p>
+                      <a:pPr algn="ctr"/>
+                      <a:r>
+                        <a:rPr lang="de-DE" sz="1600" dirty="0"/>
+                        <a:t>d = 4</a:t>
+                      </a:r>
+                    </a:p>
+                  </a:txBody>
+                  <a:tcPr>
+                    <a:lnT w="6350" cap="flat" cmpd="sng" algn="ctr">
+                      <a:solidFill>
+                        <a:schemeClr val="tx1"/>
+                      </a:solidFill>
+                      <a:prstDash val="sysDot"/>
+                      <a:round/>
+                      <a:headEnd type="none" w="med" len="med"/>
+                      <a:tailEnd type="none" w="med" len="med"/>
+                    </a:lnT>
+                  </a:tcPr>
+                </a:tc>
+                <a:tc>
+                  <a:txBody>
+                    <a:bodyPr/>
+                    <a:lstStyle/>
+                    <a:p>
+                      <a:pPr algn="ctr"/>
+                      <a:r>
+                        <a:rPr lang="de-DE" sz="1600" dirty="0"/>
+                        <a:t>d = 2</a:t>
+                      </a:r>
+                    </a:p>
+                  </a:txBody>
+                  <a:tcPr>
                     <a:lnR w="6350" cap="flat" cmpd="sng" algn="ctr">
                       <a:solidFill>
                         <a:schemeClr val="tx1"/>
@@ -10899,6 +11182,78 @@
                       <a:pPr algn="ctr"/>
                       <a:r>
                         <a:rPr lang="de-DE" sz="1200" dirty="0"/>
+                        <a:t>368</a:t>
+                      </a:r>
+                    </a:p>
+                  </a:txBody>
+                  <a:tcPr>
+                    <a:lnB w="6350" cap="flat" cmpd="sng" algn="ctr">
+                      <a:solidFill>
+                        <a:schemeClr val="tx1"/>
+                      </a:solidFill>
+                      <a:prstDash val="sysDot"/>
+                      <a:round/>
+                      <a:headEnd type="none" w="med" len="med"/>
+                      <a:tailEnd type="none" w="med" len="med"/>
+                    </a:lnB>
+                  </a:tcPr>
+                </a:tc>
+                <a:tc>
+                  <a:txBody>
+                    <a:bodyPr/>
+                    <a:lstStyle/>
+                    <a:p>
+                      <a:pPr algn="ctr"/>
+                      <a:r>
+                        <a:rPr lang="de-DE" sz="1200" dirty="0"/>
+                        <a:t>5464</a:t>
+                      </a:r>
+                    </a:p>
+                  </a:txBody>
+                  <a:tcPr>
+                    <a:lnB w="6350" cap="flat" cmpd="sng" algn="ctr">
+                      <a:solidFill>
+                        <a:schemeClr val="tx1"/>
+                      </a:solidFill>
+                      <a:prstDash val="sysDot"/>
+                      <a:round/>
+                      <a:headEnd type="none" w="med" len="med"/>
+                      <a:tailEnd type="none" w="med" len="med"/>
+                    </a:lnB>
+                  </a:tcPr>
+                </a:tc>
+                <a:tc>
+                  <a:txBody>
+                    <a:bodyPr/>
+                    <a:lstStyle/>
+                    <a:p>
+                      <a:pPr algn="ctr"/>
+                      <a:r>
+                        <a:rPr lang="de-DE" sz="1200" dirty="0"/>
+                        <a:t>102024</a:t>
+                      </a:r>
+                    </a:p>
+                  </a:txBody>
+                  <a:tcPr>
+                    <a:lnB w="6350" cap="flat" cmpd="sng" algn="ctr">
+                      <a:solidFill>
+                        <a:schemeClr val="tx1"/>
+                      </a:solidFill>
+                      <a:prstDash val="sysDot"/>
+                      <a:round/>
+                      <a:headEnd type="none" w="med" len="med"/>
+                      <a:tailEnd type="none" w="med" len="med"/>
+                    </a:lnB>
+                  </a:tcPr>
+                </a:tc>
+                <a:tc>
+                  <a:txBody>
+                    <a:bodyPr/>
+                    <a:lstStyle/>
+                    <a:p>
+                      <a:pPr algn="ctr"/>
+                      <a:r>
+                        <a:rPr lang="de-DE" sz="1200" dirty="0"/>
                         <a:t>f6-&gt;g7</a:t>
                       </a:r>
                     </a:p>
@@ -11182,6 +11537,105 @@
                       <a:pPr algn="ctr"/>
                       <a:r>
                         <a:rPr lang="de-DE" sz="1200" dirty="0"/>
+                        <a:t>1526</a:t>
+                      </a:r>
+                    </a:p>
+                  </a:txBody>
+                  <a:tcPr>
+                    <a:lnT w="6350" cap="flat" cmpd="sng" algn="ctr">
+                      <a:solidFill>
+                        <a:schemeClr val="tx1"/>
+                      </a:solidFill>
+                      <a:prstDash val="sysDot"/>
+                      <a:round/>
+                      <a:headEnd type="none" w="med" len="med"/>
+                      <a:tailEnd type="none" w="med" len="med"/>
+                    </a:lnT>
+                    <a:lnB w="6350" cap="flat" cmpd="sng" algn="ctr">
+                      <a:solidFill>
+                        <a:schemeClr val="tx1"/>
+                      </a:solidFill>
+                      <a:prstDash val="sysDot"/>
+                      <a:round/>
+                      <a:headEnd type="none" w="med" len="med"/>
+                      <a:tailEnd type="none" w="med" len="med"/>
+                    </a:lnB>
+                  </a:tcPr>
+                </a:tc>
+                <a:tc>
+                  <a:txBody>
+                    <a:bodyPr/>
+                    <a:lstStyle/>
+                    <a:p>
+                      <a:pPr algn="ctr"/>
+                      <a:r>
+                        <a:rPr lang="de-DE" sz="1200" dirty="0"/>
+                        <a:t>58027</a:t>
+                      </a:r>
+                    </a:p>
+                  </a:txBody>
+                  <a:tcPr>
+                    <a:lnT w="6350" cap="flat" cmpd="sng" algn="ctr">
+                      <a:solidFill>
+                        <a:schemeClr val="tx1"/>
+                      </a:solidFill>
+                      <a:prstDash val="sysDot"/>
+                      <a:round/>
+                      <a:headEnd type="none" w="med" len="med"/>
+                      <a:tailEnd type="none" w="med" len="med"/>
+                    </a:lnT>
+                    <a:lnB w="6350" cap="flat" cmpd="sng" algn="ctr">
+                      <a:solidFill>
+                        <a:schemeClr val="tx1"/>
+                      </a:solidFill>
+                      <a:prstDash val="sysDot"/>
+                      <a:round/>
+                      <a:headEnd type="none" w="med" len="med"/>
+                      <a:tailEnd type="none" w="med" len="med"/>
+                    </a:lnB>
+                  </a:tcPr>
+                </a:tc>
+                <a:tc>
+                  <a:txBody>
+                    <a:bodyPr/>
+                    <a:lstStyle/>
+                    <a:p>
+                      <a:pPr algn="ctr"/>
+                      <a:r>
+                        <a:rPr lang="de-DE" sz="1200" dirty="0"/>
+                        <a:t>2211805</a:t>
+                      </a:r>
+                    </a:p>
+                  </a:txBody>
+                  <a:tcPr>
+                    <a:lnT w="6350" cap="flat" cmpd="sng" algn="ctr">
+                      <a:solidFill>
+                        <a:schemeClr val="tx1"/>
+                      </a:solidFill>
+                      <a:prstDash val="sysDot"/>
+                      <a:round/>
+                      <a:headEnd type="none" w="med" len="med"/>
+                      <a:tailEnd type="none" w="med" len="med"/>
+                    </a:lnT>
+                    <a:lnB w="6350" cap="flat" cmpd="sng" algn="ctr">
+                      <a:solidFill>
+                        <a:schemeClr val="tx1"/>
+                      </a:solidFill>
+                      <a:prstDash val="sysDot"/>
+                      <a:round/>
+                      <a:headEnd type="none" w="med" len="med"/>
+                      <a:tailEnd type="none" w="med" len="med"/>
+                    </a:lnB>
+                  </a:tcPr>
+                </a:tc>
+                <a:tc>
+                  <a:txBody>
+                    <a:bodyPr/>
+                    <a:lstStyle/>
+                    <a:p>
+                      <a:pPr algn="ctr"/>
+                      <a:r>
+                        <a:rPr lang="de-DE" sz="1200" dirty="0"/>
                         <a:t>a2-&gt;b3</a:t>
                       </a:r>
                     </a:p>
@@ -11437,6 +11891,78 @@
                       <a:headEnd type="none" w="med" len="med"/>
                       <a:tailEnd type="none" w="med" len="med"/>
                     </a:lnL>
+                    <a:lnT w="6350" cap="flat" cmpd="sng" algn="ctr">
+                      <a:solidFill>
+                        <a:schemeClr val="tx1"/>
+                      </a:solidFill>
+                      <a:prstDash val="sysDot"/>
+                      <a:round/>
+                      <a:headEnd type="none" w="med" len="med"/>
+                      <a:tailEnd type="none" w="med" len="med"/>
+                    </a:lnT>
+                  </a:tcPr>
+                </a:tc>
+                <a:tc>
+                  <a:txBody>
+                    <a:bodyPr/>
+                    <a:lstStyle/>
+                    <a:p>
+                      <a:pPr algn="ctr"/>
+                      <a:r>
+                        <a:rPr lang="de-DE" sz="1200" dirty="0"/>
+                        <a:t>985</a:t>
+                      </a:r>
+                    </a:p>
+                  </a:txBody>
+                  <a:tcPr>
+                    <a:lnT w="6350" cap="flat" cmpd="sng" algn="ctr">
+                      <a:solidFill>
+                        <a:schemeClr val="tx1"/>
+                      </a:solidFill>
+                      <a:prstDash val="sysDot"/>
+                      <a:round/>
+                      <a:headEnd type="none" w="med" len="med"/>
+                      <a:tailEnd type="none" w="med" len="med"/>
+                    </a:lnT>
+                  </a:tcPr>
+                </a:tc>
+                <a:tc>
+                  <a:txBody>
+                    <a:bodyPr/>
+                    <a:lstStyle/>
+                    <a:p>
+                      <a:pPr algn="ctr"/>
+                      <a:r>
+                        <a:rPr lang="de-DE" sz="1200" dirty="0"/>
+                        <a:t>33150</a:t>
+                      </a:r>
+                    </a:p>
+                  </a:txBody>
+                  <a:tcPr>
+                    <a:lnT w="6350" cap="flat" cmpd="sng" algn="ctr">
+                      <a:solidFill>
+                        <a:schemeClr val="tx1"/>
+                      </a:solidFill>
+                      <a:prstDash val="sysDot"/>
+                      <a:round/>
+                      <a:headEnd type="none" w="med" len="med"/>
+                      <a:tailEnd type="none" w="med" len="med"/>
+                    </a:lnT>
+                  </a:tcPr>
+                </a:tc>
+                <a:tc>
+                  <a:txBody>
+                    <a:bodyPr/>
+                    <a:lstStyle/>
+                    <a:p>
+                      <a:pPr algn="ctr"/>
+                      <a:r>
+                        <a:rPr lang="de-DE" sz="1200" dirty="0"/>
+                        <a:t>1035767</a:t>
+                      </a:r>
+                    </a:p>
+                  </a:txBody>
+                  <a:tcPr>
                     <a:lnT w="6350" cap="flat" cmpd="sng" algn="ctr">
                       <a:solidFill>
                         <a:schemeClr val="tx1"/>

--- a/PJ_KI_MST2.pptx
+++ b/PJ_KI_MST2.pptx
@@ -11,7 +11,8 @@
     <p:sldId id="266" r:id="rId5"/>
     <p:sldId id="268" r:id="rId6"/>
     <p:sldId id="267" r:id="rId7"/>
-    <p:sldId id="259" r:id="rId8"/>
+    <p:sldId id="269" r:id="rId8"/>
+    <p:sldId id="259" r:id="rId9"/>
   </p:sldIdLst>
   <p:sldSz cx="12192000" cy="6858000"/>
   <p:notesSz cx="6858000" cy="9144000"/>
@@ -265,7 +266,7 @@
           <a:p>
             <a:fld id="{17468778-AD1E-48E6-A1B1-00A628170ED2}" type="datetimeFigureOut">
               <a:rPr lang="de-DE" smtClean="0"/>
-              <a:t>22.05.23</a:t>
+              <a:t>22.05.2023</a:t>
             </a:fld>
             <a:endParaRPr lang="de-DE"/>
           </a:p>
@@ -463,7 +464,7 @@
           <a:p>
             <a:fld id="{17468778-AD1E-48E6-A1B1-00A628170ED2}" type="datetimeFigureOut">
               <a:rPr lang="de-DE" smtClean="0"/>
-              <a:t>22.05.23</a:t>
+              <a:t>22.05.2023</a:t>
             </a:fld>
             <a:endParaRPr lang="de-DE"/>
           </a:p>
@@ -671,7 +672,7 @@
           <a:p>
             <a:fld id="{17468778-AD1E-48E6-A1B1-00A628170ED2}" type="datetimeFigureOut">
               <a:rPr lang="de-DE" smtClean="0"/>
-              <a:t>22.05.23</a:t>
+              <a:t>22.05.2023</a:t>
             </a:fld>
             <a:endParaRPr lang="de-DE"/>
           </a:p>
@@ -869,7 +870,7 @@
           <a:p>
             <a:fld id="{17468778-AD1E-48E6-A1B1-00A628170ED2}" type="datetimeFigureOut">
               <a:rPr lang="de-DE" smtClean="0"/>
-              <a:t>22.05.23</a:t>
+              <a:t>22.05.2023</a:t>
             </a:fld>
             <a:endParaRPr lang="de-DE"/>
           </a:p>
@@ -1144,7 +1145,7 @@
           <a:p>
             <a:fld id="{17468778-AD1E-48E6-A1B1-00A628170ED2}" type="datetimeFigureOut">
               <a:rPr lang="de-DE" smtClean="0"/>
-              <a:t>22.05.23</a:t>
+              <a:t>22.05.2023</a:t>
             </a:fld>
             <a:endParaRPr lang="de-DE"/>
           </a:p>
@@ -1409,7 +1410,7 @@
           <a:p>
             <a:fld id="{17468778-AD1E-48E6-A1B1-00A628170ED2}" type="datetimeFigureOut">
               <a:rPr lang="de-DE" smtClean="0"/>
-              <a:t>22.05.23</a:t>
+              <a:t>22.05.2023</a:t>
             </a:fld>
             <a:endParaRPr lang="de-DE"/>
           </a:p>
@@ -1821,7 +1822,7 @@
           <a:p>
             <a:fld id="{17468778-AD1E-48E6-A1B1-00A628170ED2}" type="datetimeFigureOut">
               <a:rPr lang="de-DE" smtClean="0"/>
-              <a:t>22.05.23</a:t>
+              <a:t>22.05.2023</a:t>
             </a:fld>
             <a:endParaRPr lang="de-DE"/>
           </a:p>
@@ -1962,7 +1963,7 @@
           <a:p>
             <a:fld id="{17468778-AD1E-48E6-A1B1-00A628170ED2}" type="datetimeFigureOut">
               <a:rPr lang="de-DE" smtClean="0"/>
-              <a:t>22.05.23</a:t>
+              <a:t>22.05.2023</a:t>
             </a:fld>
             <a:endParaRPr lang="de-DE"/>
           </a:p>
@@ -2075,7 +2076,7 @@
           <a:p>
             <a:fld id="{17468778-AD1E-48E6-A1B1-00A628170ED2}" type="datetimeFigureOut">
               <a:rPr lang="de-DE" smtClean="0"/>
-              <a:t>22.05.23</a:t>
+              <a:t>22.05.2023</a:t>
             </a:fld>
             <a:endParaRPr lang="de-DE"/>
           </a:p>
@@ -2386,7 +2387,7 @@
           <a:p>
             <a:fld id="{17468778-AD1E-48E6-A1B1-00A628170ED2}" type="datetimeFigureOut">
               <a:rPr lang="de-DE" smtClean="0"/>
-              <a:t>22.05.23</a:t>
+              <a:t>22.05.2023</a:t>
             </a:fld>
             <a:endParaRPr lang="de-DE"/>
           </a:p>
@@ -2674,7 +2675,7 @@
           <a:p>
             <a:fld id="{17468778-AD1E-48E6-A1B1-00A628170ED2}" type="datetimeFigureOut">
               <a:rPr lang="de-DE" smtClean="0"/>
-              <a:t>22.05.23</a:t>
+              <a:t>22.05.2023</a:t>
             </a:fld>
             <a:endParaRPr lang="de-DE"/>
           </a:p>
@@ -2915,7 +2916,7 @@
           <a:p>
             <a:fld id="{17468778-AD1E-48E6-A1B1-00A628170ED2}" type="datetimeFigureOut">
               <a:rPr lang="de-DE" smtClean="0"/>
-              <a:t>22.05.23</a:t>
+              <a:t>22.05.2023</a:t>
             </a:fld>
             <a:endParaRPr lang="de-DE"/>
           </a:p>
@@ -3696,7 +3697,7 @@
           <p:nvPr>
             <p:extLst>
               <p:ext uri="{D42A27DB-BD31-4B8C-83A1-F6EECF244321}">
-                <p14:modId xmlns:p14="http://schemas.microsoft.com/office/powerpoint/2010/main" val="59773669"/>
+                <p14:modId xmlns:p14="http://schemas.microsoft.com/office/powerpoint/2010/main" val="2805396535"/>
               </p:ext>
             </p:extLst>
           </p:nvPr>
@@ -3860,7 +3861,7 @@
                       </a:pPr>
                       <a:r>
                         <a:rPr lang="de-DE" dirty="0"/>
-                        <a:t> 0.010939 ms</a:t>
+                        <a:t> 0,010939ms</a:t>
                       </a:r>
                       <a:endParaRPr lang="de-DE" dirty="0">
                         <a:latin typeface="DM Sans" pitchFamily="2" charset="77"/>
@@ -3881,7 +3882,7 @@
                       </a:pPr>
                       <a:r>
                         <a:rPr lang="de-DE" dirty="0"/>
-                        <a:t>0.010508ms</a:t>
+                        <a:t>0,010508ms</a:t>
                       </a:r>
                       <a:endParaRPr lang="de-DE" dirty="0">
                         <a:latin typeface="DM Sans" pitchFamily="2" charset="77"/>
@@ -3902,7 +3903,7 @@
                       </a:pPr>
                       <a:r>
                         <a:rPr lang="de-DE" dirty="0"/>
-                        <a:t> 0.008228 ms</a:t>
+                        <a:t> 0,008228ms</a:t>
                       </a:r>
                       <a:endParaRPr lang="de-DE" dirty="0">
                         <a:latin typeface="DM Sans" pitchFamily="2" charset="77"/>
@@ -3961,7 +3962,19 @@
                         </a:lnSpc>
                       </a:pPr>
                       <a:r>
-                        <a:rPr lang="de-DE" dirty="0" err="1"/>
+                        <a:rPr lang="de-DE" sz="1800" b="0" i="0" kern="1200" dirty="0">
+                          <a:solidFill>
+                            <a:schemeClr val="dk1"/>
+                          </a:solidFill>
+                          <a:effectLst/>
+                          <a:latin typeface="+mn-lt"/>
+                          <a:ea typeface="+mn-ea"/>
+                          <a:cs typeface="+mn-cs"/>
+                        </a:rPr>
+                        <a:t>0,010986</a:t>
+                      </a:r>
+                      <a:r>
+                        <a:rPr lang="de-DE" dirty="0"/>
                         <a:t>ms</a:t>
                       </a:r>
                       <a:endParaRPr lang="de-DE" dirty="0">
@@ -3976,13 +3989,37 @@
                     <a:bodyPr/>
                     <a:lstStyle/>
                     <a:p>
-                      <a:pPr algn="ctr">
+                      <a:pPr marL="0" marR="0" lvl="0" indent="0" algn="ctr" defTabSz="914400" rtl="0" eaLnBrk="1" fontAlgn="auto" latinLnBrk="0" hangingPunct="1">
                         <a:lnSpc>
                           <a:spcPct val="150000"/>
                         </a:lnSpc>
+                        <a:spcBef>
+                          <a:spcPts val="0"/>
+                        </a:spcBef>
+                        <a:spcAft>
+                          <a:spcPts val="0"/>
+                        </a:spcAft>
+                        <a:buClrTx/>
+                        <a:buSzTx/>
+                        <a:buFontTx/>
+                        <a:buNone/>
+                        <a:tabLst/>
+                        <a:defRPr/>
                       </a:pPr>
                       <a:r>
-                        <a:rPr lang="de-DE" dirty="0" err="1"/>
+                        <a:rPr lang="de-DE" sz="1800" b="0" i="0" kern="1200" dirty="0">
+                          <a:solidFill>
+                            <a:schemeClr val="dk1"/>
+                          </a:solidFill>
+                          <a:effectLst/>
+                          <a:latin typeface="+mn-lt"/>
+                          <a:ea typeface="+mn-ea"/>
+                          <a:cs typeface="+mn-cs"/>
+                        </a:rPr>
+                        <a:t>0,011276</a:t>
+                      </a:r>
+                      <a:r>
+                        <a:rPr lang="de-DE" dirty="0"/>
                         <a:t>ms</a:t>
                       </a:r>
                       <a:endParaRPr lang="de-DE" dirty="0">
@@ -3997,13 +4034,37 @@
                     <a:bodyPr/>
                     <a:lstStyle/>
                     <a:p>
-                      <a:pPr algn="ctr">
+                      <a:pPr marL="0" marR="0" lvl="0" indent="0" algn="ctr" defTabSz="914400" rtl="0" eaLnBrk="1" fontAlgn="auto" latinLnBrk="0" hangingPunct="1">
                         <a:lnSpc>
                           <a:spcPct val="150000"/>
                         </a:lnSpc>
+                        <a:spcBef>
+                          <a:spcPts val="0"/>
+                        </a:spcBef>
+                        <a:spcAft>
+                          <a:spcPts val="0"/>
+                        </a:spcAft>
+                        <a:buClrTx/>
+                        <a:buSzTx/>
+                        <a:buFontTx/>
+                        <a:buNone/>
+                        <a:tabLst/>
+                        <a:defRPr/>
                       </a:pPr>
                       <a:r>
-                        <a:rPr lang="de-DE" dirty="0" err="1"/>
+                        <a:rPr lang="de-DE" sz="1800" b="0" i="0" kern="1200" dirty="0">
+                          <a:solidFill>
+                            <a:schemeClr val="dk1"/>
+                          </a:solidFill>
+                          <a:effectLst/>
+                          <a:latin typeface="+mn-lt"/>
+                          <a:ea typeface="+mn-ea"/>
+                          <a:cs typeface="+mn-cs"/>
+                        </a:rPr>
+                        <a:t>0,00867</a:t>
+                      </a:r>
+                      <a:r>
+                        <a:rPr lang="de-DE" dirty="0"/>
                         <a:t>ms</a:t>
                       </a:r>
                       <a:endParaRPr lang="de-DE" dirty="0">
@@ -4245,7 +4306,7 @@
           <p:nvPr>
             <p:extLst>
               <p:ext uri="{D42A27DB-BD31-4B8C-83A1-F6EECF244321}">
-                <p14:modId xmlns:p14="http://schemas.microsoft.com/office/powerpoint/2010/main" val="1192278293"/>
+                <p14:modId xmlns:p14="http://schemas.microsoft.com/office/powerpoint/2010/main" val="72783194"/>
               </p:ext>
             </p:extLst>
           </p:nvPr>
@@ -4759,7 +4820,7 @@
                       <a:pPr algn="ctr"/>
                       <a:r>
                         <a:rPr lang="de-DE" sz="1200" dirty="0"/>
-                        <a:t>2.257966</a:t>
+                        <a:t>2,257</a:t>
                       </a:r>
                     </a:p>
                   </a:txBody>
@@ -4792,7 +4853,7 @@
                       <a:pPr algn="ctr"/>
                       <a:r>
                         <a:rPr lang="de-DE" sz="1200" dirty="0"/>
-                        <a:t>38.673325</a:t>
+                        <a:t>38,673</a:t>
                       </a:r>
                     </a:p>
                   </a:txBody>
@@ -4834,7 +4895,7 @@
                       <a:pPr algn="ctr"/>
                       <a:r>
                         <a:rPr lang="de-DE" sz="1200" dirty="0"/>
-                        <a:t>609.607391</a:t>
+                        <a:t>609,607</a:t>
                       </a:r>
                     </a:p>
                   </a:txBody>
@@ -5025,7 +5086,7 @@
                       <a:pPr algn="ctr"/>
                       <a:r>
                         <a:rPr lang="de-DE" sz="1200" dirty="0"/>
-                        <a:t>18.549416</a:t>
+                        <a:t>18,549</a:t>
                       </a:r>
                     </a:p>
                   </a:txBody>
@@ -5067,7 +5128,7 @@
                       <a:pPr algn="ctr"/>
                       <a:r>
                         <a:rPr lang="de-DE" sz="1200" dirty="0"/>
-                        <a:t>718.497658 </a:t>
+                        <a:t>718,497 </a:t>
                       </a:r>
                     </a:p>
                   </a:txBody>
@@ -5118,7 +5179,7 @@
                       <a:pPr algn="ctr"/>
                       <a:r>
                         <a:rPr lang="de-DE" sz="1200" dirty="0"/>
-                        <a:t>27461.15875</a:t>
+                        <a:t>27461,158</a:t>
                       </a:r>
                     </a:p>
                   </a:txBody>
@@ -5336,7 +5397,7 @@
                       <a:pPr algn="ctr"/>
                       <a:r>
                         <a:rPr lang="de-DE" sz="1200" dirty="0"/>
-                        <a:t>10.645108</a:t>
+                        <a:t>10,645</a:t>
                       </a:r>
                     </a:p>
                   </a:txBody>
@@ -5369,7 +5430,7 @@
                       <a:pPr algn="ctr"/>
                       <a:r>
                         <a:rPr lang="de-DE" sz="1200" dirty="0"/>
-                        <a:t>325.254425</a:t>
+                        <a:t>325,254</a:t>
                       </a:r>
                     </a:p>
                   </a:txBody>
@@ -5411,7 +5472,7 @@
                       <a:pPr algn="ctr"/>
                       <a:r>
                         <a:rPr lang="de-DE" sz="1200" dirty="0"/>
-                        <a:t>11211.73835</a:t>
+                        <a:t>11211,738</a:t>
                       </a:r>
                     </a:p>
                   </a:txBody>
@@ -5615,7 +5676,7 @@
                       <a:pPr algn="ctr"/>
                       <a:r>
                         <a:rPr lang="de-DE" sz="1200" dirty="0"/>
-                        <a:t>2.33882</a:t>
+                        <a:t>2,338</a:t>
                       </a:r>
                     </a:p>
                   </a:txBody>
@@ -5648,7 +5709,7 @@
                       <a:pPr algn="ctr"/>
                       <a:r>
                         <a:rPr lang="de-DE" sz="1200" dirty="0"/>
-                        <a:t>40.83484</a:t>
+                        <a:t>40,834</a:t>
                       </a:r>
                     </a:p>
                   </a:txBody>
@@ -5690,7 +5751,7 @@
                       <a:pPr algn="ctr"/>
                       <a:r>
                         <a:rPr lang="de-DE" sz="1200" dirty="0"/>
-                        <a:t>661.30738</a:t>
+                        <a:t>661,307</a:t>
                       </a:r>
                     </a:p>
                   </a:txBody>
@@ -5881,7 +5942,7 @@
                       <a:pPr algn="ctr"/>
                       <a:r>
                         <a:rPr lang="de-DE" sz="1200" dirty="0"/>
-                        <a:t>19.11446</a:t>
+                        <a:t>19,114</a:t>
                       </a:r>
                     </a:p>
                   </a:txBody>
@@ -5923,7 +5984,7 @@
                       <a:pPr algn="ctr"/>
                       <a:r>
                         <a:rPr lang="de-DE" sz="1200" dirty="0"/>
-                        <a:t>741.0739</a:t>
+                        <a:t>741,073</a:t>
                       </a:r>
                     </a:p>
                   </a:txBody>
@@ -5974,7 +6035,7 @@
                       <a:pPr algn="ctr"/>
                       <a:r>
                         <a:rPr lang="de-DE" sz="1200" dirty="0"/>
-                        <a:t>29144.52802</a:t>
+                        <a:t>29144,528</a:t>
                       </a:r>
                     </a:p>
                   </a:txBody>
@@ -6192,7 +6253,7 @@
                       <a:pPr algn="ctr"/>
                       <a:r>
                         <a:rPr lang="de-DE" sz="1200" dirty="0"/>
-                        <a:t>10.87954</a:t>
+                        <a:t>10,879</a:t>
                       </a:r>
                     </a:p>
                   </a:txBody>
@@ -6225,7 +6286,7 @@
                       <a:pPr algn="ctr"/>
                       <a:r>
                         <a:rPr lang="de-DE" sz="1200" dirty="0"/>
-                        <a:t>345.7105</a:t>
+                        <a:t>345,710</a:t>
                       </a:r>
                     </a:p>
                   </a:txBody>
@@ -6267,7 +6328,7 @@
                       <a:pPr algn="ctr"/>
                       <a:r>
                         <a:rPr lang="de-DE" sz="1200" dirty="0"/>
-                        <a:t>11527.75996</a:t>
+                        <a:t>11527,759</a:t>
                       </a:r>
                     </a:p>
                   </a:txBody>
@@ -6471,7 +6532,7 @@
                       <a:pPr algn="ctr"/>
                       <a:r>
                         <a:rPr lang="de-DE" sz="1200" dirty="0"/>
-                        <a:t>3.89526</a:t>
+                        <a:t>3,895</a:t>
                       </a:r>
                     </a:p>
                   </a:txBody>
@@ -6504,7 +6565,7 @@
                       <a:pPr algn="ctr"/>
                       <a:r>
                         <a:rPr lang="de-DE" sz="1200" dirty="0"/>
-                        <a:t>62.04666</a:t>
+                        <a:t>62,046</a:t>
                       </a:r>
                     </a:p>
                   </a:txBody>
@@ -6546,7 +6607,7 @@
                       <a:pPr algn="ctr"/>
                       <a:r>
                         <a:rPr lang="de-DE" sz="1200" dirty="0"/>
-                        <a:t>1133.41844</a:t>
+                        <a:t>1133,418</a:t>
                       </a:r>
                     </a:p>
                   </a:txBody>
@@ -6737,7 +6798,7 @@
                       <a:pPr algn="ctr"/>
                       <a:r>
                         <a:rPr lang="de-DE" sz="1200" dirty="0"/>
-                        <a:t>36.07686</a:t>
+                        <a:t>36,076</a:t>
                       </a:r>
                     </a:p>
                   </a:txBody>
@@ -6779,7 +6840,7 @@
                       <a:pPr algn="ctr"/>
                       <a:r>
                         <a:rPr lang="de-DE" sz="1200" dirty="0"/>
-                        <a:t>1304.23974</a:t>
+                        <a:t>1304,239</a:t>
                       </a:r>
                     </a:p>
                   </a:txBody>
@@ -6830,7 +6891,7 @@
                       <a:pPr algn="ctr"/>
                       <a:r>
                         <a:rPr lang="de-DE" sz="1200" dirty="0"/>
-                        <a:t>51436.92228</a:t>
+                        <a:t>51436,922</a:t>
                       </a:r>
                     </a:p>
                   </a:txBody>
@@ -7048,7 +7109,7 @@
                       <a:pPr algn="ctr"/>
                       <a:r>
                         <a:rPr lang="de-DE" sz="1200" dirty="0"/>
-                        <a:t>24.60834</a:t>
+                        <a:t>24,608</a:t>
                       </a:r>
                     </a:p>
                   </a:txBody>
@@ -7081,7 +7142,7 @@
                       <a:pPr algn="ctr"/>
                       <a:r>
                         <a:rPr lang="de-DE" sz="1200" dirty="0"/>
-                        <a:t>587.17426</a:t>
+                        <a:t>587,174</a:t>
                       </a:r>
                     </a:p>
                   </a:txBody>
@@ -7123,7 +7184,7 @@
                       <a:pPr algn="ctr"/>
                       <a:r>
                         <a:rPr lang="de-DE" sz="1200" dirty="0"/>
-                        <a:t>19537.9714</a:t>
+                        <a:t>19537,971</a:t>
                       </a:r>
                     </a:p>
                   </a:txBody>
@@ -7346,7 +7407,7 @@
           <p:nvPr>
             <p:extLst>
               <p:ext uri="{D42A27DB-BD31-4B8C-83A1-F6EECF244321}">
-                <p14:modId xmlns:p14="http://schemas.microsoft.com/office/powerpoint/2010/main" val="72455839"/>
+                <p14:modId xmlns:p14="http://schemas.microsoft.com/office/powerpoint/2010/main" val="7850969"/>
               </p:ext>
             </p:extLst>
           </p:nvPr>
@@ -7860,7 +7921,7 @@
                       <a:pPr algn="ctr"/>
                       <a:r>
                         <a:rPr lang="de-DE" sz="1200" dirty="0"/>
-                        <a:t>3.826</a:t>
+                        <a:t>3,826</a:t>
                       </a:r>
                     </a:p>
                   </a:txBody>
@@ -7893,7 +7954,7 @@
                       <a:pPr algn="ctr"/>
                       <a:r>
                         <a:rPr lang="de-DE" sz="1200" dirty="0"/>
-                        <a:t>11.949</a:t>
+                        <a:t>11,949</a:t>
                       </a:r>
                     </a:p>
                   </a:txBody>
@@ -7935,7 +7996,7 @@
                       <a:pPr algn="ctr"/>
                       <a:r>
                         <a:rPr lang="de-DE" sz="1200" dirty="0"/>
-                        <a:t>98.290</a:t>
+                        <a:t>98,290</a:t>
                       </a:r>
                     </a:p>
                   </a:txBody>
@@ -8126,7 +8187,7 @@
                       <a:pPr algn="ctr"/>
                       <a:r>
                         <a:rPr lang="de-DE" sz="1200" dirty="0"/>
-                        <a:t>10.679</a:t>
+                        <a:t>10,679</a:t>
                       </a:r>
                     </a:p>
                   </a:txBody>
@@ -8168,7 +8229,7 @@
                       <a:pPr algn="ctr"/>
                       <a:r>
                         <a:rPr lang="de-DE" sz="1200" dirty="0"/>
-                        <a:t>242.703</a:t>
+                        <a:t>242,703</a:t>
                       </a:r>
                     </a:p>
                   </a:txBody>
@@ -8219,7 +8280,7 @@
                       <a:pPr algn="ctr"/>
                       <a:r>
                         <a:rPr lang="de-DE" sz="1200" dirty="0"/>
-                        <a:t>4114.663</a:t>
+                        <a:t>4114,663</a:t>
                       </a:r>
                     </a:p>
                   </a:txBody>
@@ -8437,7 +8498,7 @@
                       <a:pPr algn="ctr"/>
                       <a:r>
                         <a:rPr lang="de-DE" sz="1200" dirty="0"/>
-                        <a:t>2.139</a:t>
+                        <a:t>2,139</a:t>
                       </a:r>
                     </a:p>
                   </a:txBody>
@@ -8470,7 +8531,7 @@
                       <a:pPr algn="ctr"/>
                       <a:r>
                         <a:rPr lang="de-DE" sz="1200" dirty="0"/>
-                        <a:t>37.182</a:t>
+                        <a:t>37,182</a:t>
                       </a:r>
                     </a:p>
                   </a:txBody>
@@ -8512,7 +8573,7 @@
                       <a:pPr algn="ctr"/>
                       <a:r>
                         <a:rPr lang="de-DE" sz="1200" dirty="0"/>
-                        <a:t>380.406</a:t>
+                        <a:t>380,406</a:t>
                       </a:r>
                     </a:p>
                   </a:txBody>
@@ -8716,7 +8777,7 @@
                       <a:pPr algn="ctr"/>
                       <a:r>
                         <a:rPr lang="de-DE" sz="1200" dirty="0"/>
-                        <a:t>2.910</a:t>
+                        <a:t>2,910</a:t>
                       </a:r>
                     </a:p>
                   </a:txBody>
@@ -8749,7 +8810,7 @@
                       <a:pPr algn="ctr"/>
                       <a:r>
                         <a:rPr lang="de-DE" sz="1200" dirty="0"/>
-                        <a:t>14.545</a:t>
+                        <a:t>14,545</a:t>
                       </a:r>
                     </a:p>
                   </a:txBody>
@@ -8791,7 +8852,7 @@
                       <a:pPr algn="ctr"/>
                       <a:r>
                         <a:rPr lang="de-DE" sz="1200" dirty="0"/>
-                        <a:t>100.660</a:t>
+                        <a:t>100,660</a:t>
                       </a:r>
                     </a:p>
                   </a:txBody>
@@ -8982,7 +9043,7 @@
                       <a:pPr algn="ctr"/>
                       <a:r>
                         <a:rPr lang="de-DE" sz="1200" dirty="0"/>
-                        <a:t>9.526</a:t>
+                        <a:t>9,526</a:t>
                       </a:r>
                     </a:p>
                   </a:txBody>
@@ -9024,7 +9085,7 @@
                       <a:pPr algn="ctr"/>
                       <a:r>
                         <a:rPr lang="de-DE" sz="1200" dirty="0"/>
-                        <a:t>239.449</a:t>
+                        <a:t>239,449</a:t>
                       </a:r>
                     </a:p>
                   </a:txBody>
@@ -9075,7 +9136,7 @@
                       <a:pPr algn="ctr"/>
                       <a:r>
                         <a:rPr lang="de-DE" sz="1200" dirty="0"/>
-                        <a:t>4300.536</a:t>
+                        <a:t>4300,536</a:t>
                       </a:r>
                     </a:p>
                   </a:txBody>
@@ -9293,7 +9354,7 @@
                       <a:pPr algn="ctr"/>
                       <a:r>
                         <a:rPr lang="de-DE" sz="1200" dirty="0"/>
-                        <a:t>2.273</a:t>
+                        <a:t>2,273</a:t>
                       </a:r>
                     </a:p>
                   </a:txBody>
@@ -9326,7 +9387,7 @@
                       <a:pPr algn="ctr"/>
                       <a:r>
                         <a:rPr lang="de-DE" sz="1200" dirty="0"/>
-                        <a:t>39.678</a:t>
+                        <a:t>39,678</a:t>
                       </a:r>
                     </a:p>
                   </a:txBody>
@@ -9368,7 +9429,7 @@
                       <a:pPr algn="ctr"/>
                       <a:r>
                         <a:rPr lang="de-DE" sz="1200" dirty="0"/>
-                        <a:t>408.472</a:t>
+                        <a:t>408,472</a:t>
                       </a:r>
                     </a:p>
                   </a:txBody>
@@ -12174,14 +12235,14 @@
           <p:nvPr>
             <p:extLst>
               <p:ext uri="{D42A27DB-BD31-4B8C-83A1-F6EECF244321}">
-                <p14:modId xmlns:p14="http://schemas.microsoft.com/office/powerpoint/2010/main" val="2765669063"/>
+                <p14:modId xmlns:p14="http://schemas.microsoft.com/office/powerpoint/2010/main" val="204680224"/>
               </p:ext>
             </p:extLst>
           </p:nvPr>
         </p:nvGraphicFramePr>
         <p:xfrm>
-          <a:off x="1676040" y="1690688"/>
-          <a:ext cx="8839919" cy="4190443"/>
+          <a:off x="1020071" y="2260031"/>
+          <a:ext cx="10151853" cy="3702763"/>
         </p:xfrm>
         <a:graphic>
           <a:graphicData uri="http://schemas.openxmlformats.org/drawingml/2006/table">
@@ -12204,50 +12265,29 @@
                     </a:ext>
                   </a:extLst>
                 </a:gridCol>
-                <a:gridCol w="819725">
+                <a:gridCol w="2183201">
                   <a:extLst>
                     <a:ext uri="{9D8B030D-6E8A-4147-A177-3AD203B41FA5}">
                       <a16:colId xmlns:a16="http://schemas.microsoft.com/office/drawing/2014/main" val="3667442282"/>
                     </a:ext>
                   </a:extLst>
                 </a:gridCol>
-                <a:gridCol w="929640">
+                <a:gridCol w="2294627">
                   <a:extLst>
                     <a:ext uri="{9D8B030D-6E8A-4147-A177-3AD203B41FA5}">
                       <a16:colId xmlns:a16="http://schemas.microsoft.com/office/drawing/2014/main" val="3760187539"/>
                     </a:ext>
                   </a:extLst>
                 </a:gridCol>
-                <a:gridCol w="914400">
+                <a:gridCol w="2432649">
                   <a:extLst>
                     <a:ext uri="{9D8B030D-6E8A-4147-A177-3AD203B41FA5}">
                       <a16:colId xmlns:a16="http://schemas.microsoft.com/office/drawing/2014/main" val="1504315138"/>
                     </a:ext>
                   </a:extLst>
                 </a:gridCol>
-                <a:gridCol w="1005840">
-                  <a:extLst>
-                    <a:ext uri="{9D8B030D-6E8A-4147-A177-3AD203B41FA5}">
-                      <a16:colId xmlns:a16="http://schemas.microsoft.com/office/drawing/2014/main" val="1475980084"/>
-                    </a:ext>
-                  </a:extLst>
-                </a:gridCol>
-                <a:gridCol w="988659">
-                  <a:extLst>
-                    <a:ext uri="{9D8B030D-6E8A-4147-A177-3AD203B41FA5}">
-                      <a16:colId xmlns:a16="http://schemas.microsoft.com/office/drawing/2014/main" val="2013879485"/>
-                    </a:ext>
-                  </a:extLst>
-                </a:gridCol>
-                <a:gridCol w="940279">
-                  <a:extLst>
-                    <a:ext uri="{9D8B030D-6E8A-4147-A177-3AD203B41FA5}">
-                      <a16:colId xmlns:a16="http://schemas.microsoft.com/office/drawing/2014/main" val="183763412"/>
-                    </a:ext>
-                  </a:extLst>
-                </a:gridCol>
               </a:tblGrid>
-              <a:tr h="512409">
+              <a:tr h="0">
                 <a:tc rowSpan="2">
                   <a:txBody>
                     <a:bodyPr/>
@@ -12284,50 +12324,6 @@
                       <a:r>
                         <a:rPr lang="de-DE" sz="1600" dirty="0"/>
                         <a:t>Zeitersparnis durch Cutoff je nach Tiefe d</a:t>
-                      </a:r>
-                    </a:p>
-                  </a:txBody>
-                  <a:tcPr>
-                    <a:lnB w="6350" cap="flat" cmpd="sng" algn="ctr">
-                      <a:solidFill>
-                        <a:schemeClr val="tx1"/>
-                      </a:solidFill>
-                      <a:prstDash val="sysDot"/>
-                      <a:round/>
-                      <a:headEnd type="none" w="med" len="med"/>
-                      <a:tailEnd type="none" w="med" len="med"/>
-                    </a:lnB>
-                  </a:tcPr>
-                </a:tc>
-                <a:tc hMerge="1">
-                  <a:txBody>
-                    <a:bodyPr/>
-                    <a:lstStyle/>
-                    <a:p>
-                      <a:endParaRPr lang="de-DE"/>
-                    </a:p>
-                  </a:txBody>
-                  <a:tcPr/>
-                </a:tc>
-                <a:tc hMerge="1">
-                  <a:txBody>
-                    <a:bodyPr/>
-                    <a:lstStyle/>
-                    <a:p>
-                      <a:endParaRPr lang="de-DE"/>
-                    </a:p>
-                  </a:txBody>
-                  <a:tcPr/>
-                </a:tc>
-                <a:tc gridSpan="3">
-                  <a:txBody>
-                    <a:bodyPr/>
-                    <a:lstStyle/>
-                    <a:p>
-                      <a:pPr algn="ctr"/>
-                      <a:r>
-                        <a:rPr lang="de-DE" sz="1600" dirty="0"/>
-                        <a:t>Gesparte Stellungsuntersuchungen je nach Tiefe d</a:t>
                       </a:r>
                     </a:p>
                   </a:txBody>
@@ -12509,114 +12505,6 @@
                     </a:lnT>
                   </a:tcPr>
                 </a:tc>
-                <a:tc>
-                  <a:txBody>
-                    <a:bodyPr/>
-                    <a:lstStyle/>
-                    <a:p>
-                      <a:pPr algn="ctr"/>
-                      <a:r>
-                        <a:rPr lang="de-DE" sz="1600" dirty="0"/>
-                        <a:t>d = 2</a:t>
-                      </a:r>
-                    </a:p>
-                  </a:txBody>
-                  <a:tcPr>
-                    <a:lnR w="6350" cap="flat" cmpd="sng" algn="ctr">
-                      <a:solidFill>
-                        <a:schemeClr val="tx1"/>
-                      </a:solidFill>
-                      <a:prstDash val="sysDot"/>
-                      <a:round/>
-                      <a:headEnd type="none" w="med" len="med"/>
-                      <a:tailEnd type="none" w="med" len="med"/>
-                    </a:lnR>
-                    <a:lnT w="6350" cap="flat" cmpd="sng" algn="ctr">
-                      <a:solidFill>
-                        <a:schemeClr val="tx1"/>
-                      </a:solidFill>
-                      <a:prstDash val="sysDot"/>
-                      <a:round/>
-                      <a:headEnd type="none" w="med" len="med"/>
-                      <a:tailEnd type="none" w="med" len="med"/>
-                    </a:lnT>
-                  </a:tcPr>
-                </a:tc>
-                <a:tc>
-                  <a:txBody>
-                    <a:bodyPr/>
-                    <a:lstStyle/>
-                    <a:p>
-                      <a:pPr algn="ctr"/>
-                      <a:r>
-                        <a:rPr lang="de-DE" sz="1600" dirty="0"/>
-                        <a:t>d = 3</a:t>
-                      </a:r>
-                    </a:p>
-                  </a:txBody>
-                  <a:tcPr>
-                    <a:lnL w="6350" cap="flat" cmpd="sng" algn="ctr">
-                      <a:solidFill>
-                        <a:schemeClr val="tx1"/>
-                      </a:solidFill>
-                      <a:prstDash val="sysDot"/>
-                      <a:round/>
-                      <a:headEnd type="none" w="med" len="med"/>
-                      <a:tailEnd type="none" w="med" len="med"/>
-                    </a:lnL>
-                    <a:lnR w="6350" cap="flat" cmpd="sng" algn="ctr">
-                      <a:solidFill>
-                        <a:schemeClr val="tx1"/>
-                      </a:solidFill>
-                      <a:prstDash val="sysDot"/>
-                      <a:round/>
-                      <a:headEnd type="none" w="med" len="med"/>
-                      <a:tailEnd type="none" w="med" len="med"/>
-                    </a:lnR>
-                    <a:lnT w="6350" cap="flat" cmpd="sng" algn="ctr">
-                      <a:solidFill>
-                        <a:schemeClr val="tx1"/>
-                      </a:solidFill>
-                      <a:prstDash val="sysDot"/>
-                      <a:round/>
-                      <a:headEnd type="none" w="med" len="med"/>
-                      <a:tailEnd type="none" w="med" len="med"/>
-                    </a:lnT>
-                  </a:tcPr>
-                </a:tc>
-                <a:tc>
-                  <a:txBody>
-                    <a:bodyPr/>
-                    <a:lstStyle/>
-                    <a:p>
-                      <a:pPr algn="ctr"/>
-                      <a:r>
-                        <a:rPr lang="de-DE" sz="1600" dirty="0"/>
-                        <a:t>d = 4</a:t>
-                      </a:r>
-                    </a:p>
-                  </a:txBody>
-                  <a:tcPr>
-                    <a:lnL w="6350" cap="flat" cmpd="sng" algn="ctr">
-                      <a:solidFill>
-                        <a:schemeClr val="tx1"/>
-                      </a:solidFill>
-                      <a:prstDash val="sysDot"/>
-                      <a:round/>
-                      <a:headEnd type="none" w="med" len="med"/>
-                      <a:tailEnd type="none" w="med" len="med"/>
-                    </a:lnL>
-                    <a:lnT w="6350" cap="flat" cmpd="sng" algn="ctr">
-                      <a:solidFill>
-                        <a:schemeClr val="tx1"/>
-                      </a:solidFill>
-                      <a:prstDash val="sysDot"/>
-                      <a:round/>
-                      <a:headEnd type="none" w="med" len="med"/>
-                      <a:tailEnd type="none" w="med" len="med"/>
-                    </a:lnT>
-                  </a:tcPr>
-                </a:tc>
                 <a:extLst>
                   <a:ext uri="{0D108BD9-81ED-4DB2-BD59-A6C34878D82A}">
                     <a16:rowId xmlns:a16="http://schemas.microsoft.com/office/drawing/2014/main" val="2382145308"/>
@@ -12685,8 +12573,35 @@
                     <a:bodyPr/>
                     <a:lstStyle/>
                     <a:p>
-                      <a:pPr algn="ctr"/>
-                      <a:endParaRPr lang="de-DE" sz="1200" dirty="0"/>
+                      <a:pPr marL="0" marR="0" lvl="0" indent="0" algn="ctr" defTabSz="914400" rtl="0" eaLnBrk="1" fontAlgn="auto" latinLnBrk="0" hangingPunct="1">
+                        <a:lnSpc>
+                          <a:spcPct val="100000"/>
+                        </a:lnSpc>
+                        <a:spcBef>
+                          <a:spcPts val="0"/>
+                        </a:spcBef>
+                        <a:spcAft>
+                          <a:spcPts val="0"/>
+                        </a:spcAft>
+                        <a:buClrTx/>
+                        <a:buSzTx/>
+                        <a:buFontTx/>
+                        <a:buNone/>
+                        <a:tabLst/>
+                        <a:defRPr/>
+                      </a:pPr>
+                      <a:r>
+                        <a:rPr lang="de-DE" sz="1600" kern="1200" dirty="0">
+                          <a:solidFill>
+                            <a:schemeClr val="dk1"/>
+                          </a:solidFill>
+                          <a:effectLst/>
+                          <a:latin typeface="+mn-lt"/>
+                          <a:ea typeface="+mn-ea"/>
+                          <a:cs typeface="+mn-cs"/>
+                        </a:rPr>
+                        <a:t>-1,568ms (-69,457%)</a:t>
+                      </a:r>
                     </a:p>
                   </a:txBody>
                   <a:tcPr>
@@ -12715,8 +12630,35 @@
                     <a:bodyPr/>
                     <a:lstStyle/>
                     <a:p>
-                      <a:pPr algn="ctr"/>
-                      <a:endParaRPr lang="de-DE" sz="1200" dirty="0"/>
+                      <a:pPr marL="0" marR="0" lvl="0" indent="0" algn="ctr" defTabSz="914400" rtl="0" eaLnBrk="1" fontAlgn="auto" latinLnBrk="0" hangingPunct="1">
+                        <a:lnSpc>
+                          <a:spcPct val="100000"/>
+                        </a:lnSpc>
+                        <a:spcBef>
+                          <a:spcPts val="0"/>
+                        </a:spcBef>
+                        <a:spcAft>
+                          <a:spcPts val="0"/>
+                        </a:spcAft>
+                        <a:buClrTx/>
+                        <a:buSzTx/>
+                        <a:buFontTx/>
+                        <a:buNone/>
+                        <a:tabLst/>
+                        <a:defRPr/>
+                      </a:pPr>
+                      <a:r>
+                        <a:rPr lang="de-DE" sz="1600" kern="1200" dirty="0">
+                          <a:solidFill>
+                            <a:schemeClr val="dk1"/>
+                          </a:solidFill>
+                          <a:effectLst/>
+                          <a:latin typeface="+mn-lt"/>
+                          <a:ea typeface="+mn-ea"/>
+                          <a:cs typeface="+mn-cs"/>
+                        </a:rPr>
+                        <a:t>26,724ms (69,101%)</a:t>
+                      </a:r>
                     </a:p>
                   </a:txBody>
                   <a:tcPr>
@@ -12754,107 +12696,35 @@
                     <a:bodyPr/>
                     <a:lstStyle/>
                     <a:p>
-                      <a:pPr algn="ctr"/>
-                      <a:endParaRPr lang="de-DE" sz="1200" dirty="0"/>
-                    </a:p>
-                  </a:txBody>
-                  <a:tcPr>
-                    <a:lnL w="6350" cap="flat" cmpd="sng" algn="ctr">
-                      <a:solidFill>
-                        <a:schemeClr val="tx1"/>
-                      </a:solidFill>
-                      <a:prstDash val="sysDot"/>
-                      <a:round/>
-                      <a:headEnd type="none" w="med" len="med"/>
-                      <a:tailEnd type="none" w="med" len="med"/>
-                    </a:lnL>
-                    <a:lnB w="6350" cap="flat" cmpd="sng" algn="ctr">
-                      <a:solidFill>
-                        <a:schemeClr val="tx1"/>
-                      </a:solidFill>
-                      <a:prstDash val="sysDot"/>
-                      <a:round/>
-                      <a:headEnd type="none" w="med" len="med"/>
-                      <a:tailEnd type="none" w="med" len="med"/>
-                    </a:lnB>
-                  </a:tcPr>
-                </a:tc>
-                <a:tc>
-                  <a:txBody>
-                    <a:bodyPr/>
-                    <a:lstStyle/>
-                    <a:p>
-                      <a:pPr algn="ctr"/>
-                      <a:endParaRPr lang="de-DE" sz="1200" dirty="0"/>
-                    </a:p>
-                  </a:txBody>
-                  <a:tcPr>
-                    <a:lnR w="6350" cap="flat" cmpd="sng" algn="ctr">
-                      <a:solidFill>
-                        <a:schemeClr val="tx1"/>
-                      </a:solidFill>
-                      <a:prstDash val="sysDot"/>
-                      <a:round/>
-                      <a:headEnd type="none" w="med" len="med"/>
-                      <a:tailEnd type="none" w="med" len="med"/>
-                    </a:lnR>
-                    <a:lnB w="6350" cap="flat" cmpd="sng" algn="ctr">
-                      <a:solidFill>
-                        <a:schemeClr val="tx1"/>
-                      </a:solidFill>
-                      <a:prstDash val="sysDot"/>
-                      <a:round/>
-                      <a:headEnd type="none" w="med" len="med"/>
-                      <a:tailEnd type="none" w="med" len="med"/>
-                    </a:lnB>
-                  </a:tcPr>
-                </a:tc>
-                <a:tc>
-                  <a:txBody>
-                    <a:bodyPr/>
-                    <a:lstStyle/>
-                    <a:p>
-                      <a:pPr algn="ctr"/>
-                      <a:endParaRPr lang="de-DE" sz="1200" dirty="0"/>
-                    </a:p>
-                  </a:txBody>
-                  <a:tcPr>
-                    <a:lnL w="6350" cap="flat" cmpd="sng" algn="ctr">
-                      <a:solidFill>
-                        <a:schemeClr val="tx1"/>
-                      </a:solidFill>
-                      <a:prstDash val="sysDot"/>
-                      <a:round/>
-                      <a:headEnd type="none" w="med" len="med"/>
-                      <a:tailEnd type="none" w="med" len="med"/>
-                    </a:lnL>
-                    <a:lnR w="6350" cap="flat" cmpd="sng" algn="ctr">
-                      <a:solidFill>
-                        <a:schemeClr val="tx1"/>
-                      </a:solidFill>
-                      <a:prstDash val="sysDot"/>
-                      <a:round/>
-                      <a:headEnd type="none" w="med" len="med"/>
-                      <a:tailEnd type="none" w="med" len="med"/>
-                    </a:lnR>
-                    <a:lnB w="6350" cap="flat" cmpd="sng" algn="ctr">
-                      <a:solidFill>
-                        <a:schemeClr val="tx1"/>
-                      </a:solidFill>
-                      <a:prstDash val="sysDot"/>
-                      <a:round/>
-                      <a:headEnd type="none" w="med" len="med"/>
-                      <a:tailEnd type="none" w="med" len="med"/>
-                    </a:lnB>
-                  </a:tcPr>
-                </a:tc>
-                <a:tc>
-                  <a:txBody>
-                    <a:bodyPr/>
-                    <a:lstStyle/>
-                    <a:p>
-                      <a:pPr algn="ctr"/>
-                      <a:endParaRPr lang="de-DE" sz="1200" dirty="0"/>
+                      <a:pPr marL="0" marR="0" lvl="0" indent="0" algn="ctr" defTabSz="914400" rtl="0" eaLnBrk="1" fontAlgn="auto" latinLnBrk="0" hangingPunct="1">
+                        <a:lnSpc>
+                          <a:spcPct val="100000"/>
+                        </a:lnSpc>
+                        <a:spcBef>
+                          <a:spcPts val="0"/>
+                        </a:spcBef>
+                        <a:spcAft>
+                          <a:spcPts val="0"/>
+                        </a:spcAft>
+                        <a:buClrTx/>
+                        <a:buSzTx/>
+                        <a:buFontTx/>
+                        <a:buNone/>
+                        <a:tabLst/>
+                        <a:defRPr/>
+                      </a:pPr>
+                      <a:r>
+                        <a:rPr lang="de-DE" sz="1600" kern="1200" dirty="0">
+                          <a:solidFill>
+                            <a:schemeClr val="dk1"/>
+                          </a:solidFill>
+                          <a:effectLst/>
+                          <a:latin typeface="+mn-lt"/>
+                          <a:ea typeface="+mn-ea"/>
+                          <a:cs typeface="+mn-cs"/>
+                        </a:rPr>
+                        <a:t>511,316ms (83,876%)</a:t>
+                      </a:r>
                     </a:p>
                   </a:txBody>
                   <a:tcPr>
@@ -12933,8 +12803,35 @@
                     <a:bodyPr/>
                     <a:lstStyle/>
                     <a:p>
-                      <a:pPr algn="ctr"/>
-                      <a:endParaRPr lang="de-DE" sz="1200" dirty="0"/>
+                      <a:pPr marL="0" marR="0" lvl="0" indent="0" algn="ctr" defTabSz="914400" rtl="0" eaLnBrk="1" fontAlgn="auto" latinLnBrk="0" hangingPunct="1">
+                        <a:lnSpc>
+                          <a:spcPct val="100000"/>
+                        </a:lnSpc>
+                        <a:spcBef>
+                          <a:spcPts val="0"/>
+                        </a:spcBef>
+                        <a:spcAft>
+                          <a:spcPts val="0"/>
+                        </a:spcAft>
+                        <a:buClrTx/>
+                        <a:buSzTx/>
+                        <a:buFontTx/>
+                        <a:buNone/>
+                        <a:tabLst/>
+                        <a:defRPr/>
+                      </a:pPr>
+                      <a:r>
+                        <a:rPr lang="de-DE" sz="1600" kern="1200" dirty="0">
+                          <a:solidFill>
+                            <a:schemeClr val="dk1"/>
+                          </a:solidFill>
+                          <a:effectLst/>
+                          <a:latin typeface="+mn-lt"/>
+                          <a:ea typeface="+mn-ea"/>
+                          <a:cs typeface="+mn-cs"/>
+                        </a:rPr>
+                        <a:t>7,870ms (42,427%)</a:t>
+                      </a:r>
                     </a:p>
                   </a:txBody>
                   <a:tcPr>
@@ -12972,8 +12869,35 @@
                     <a:bodyPr/>
                     <a:lstStyle/>
                     <a:p>
-                      <a:pPr algn="ctr"/>
-                      <a:endParaRPr lang="de-DE" sz="1200" dirty="0"/>
+                      <a:pPr marL="0" marR="0" lvl="0" indent="0" algn="ctr" defTabSz="914400" rtl="0" eaLnBrk="1" fontAlgn="auto" latinLnBrk="0" hangingPunct="1">
+                        <a:lnSpc>
+                          <a:spcPct val="100000"/>
+                        </a:lnSpc>
+                        <a:spcBef>
+                          <a:spcPts val="0"/>
+                        </a:spcBef>
+                        <a:spcAft>
+                          <a:spcPts val="0"/>
+                        </a:spcAft>
+                        <a:buClrTx/>
+                        <a:buSzTx/>
+                        <a:buFontTx/>
+                        <a:buNone/>
+                        <a:tabLst/>
+                        <a:defRPr/>
+                      </a:pPr>
+                      <a:r>
+                        <a:rPr lang="de-DE" sz="1600" kern="1200" dirty="0">
+                          <a:solidFill>
+                            <a:schemeClr val="dk1"/>
+                          </a:solidFill>
+                          <a:effectLst/>
+                          <a:latin typeface="+mn-lt"/>
+                          <a:ea typeface="+mn-ea"/>
+                          <a:cs typeface="+mn-cs"/>
+                        </a:rPr>
+                        <a:t>475,794ms (66,221%)</a:t>
+                      </a:r>
                     </a:p>
                   </a:txBody>
                   <a:tcPr>
@@ -13020,134 +12944,35 @@
                     <a:bodyPr/>
                     <a:lstStyle/>
                     <a:p>
-                      <a:pPr algn="ctr"/>
-                      <a:endParaRPr lang="de-DE" sz="1200" dirty="0"/>
-                    </a:p>
-                  </a:txBody>
-                  <a:tcPr>
-                    <a:lnL w="6350" cap="flat" cmpd="sng" algn="ctr">
-                      <a:solidFill>
-                        <a:schemeClr val="tx1"/>
-                      </a:solidFill>
-                      <a:prstDash val="sysDot"/>
-                      <a:round/>
-                      <a:headEnd type="none" w="med" len="med"/>
-                      <a:tailEnd type="none" w="med" len="med"/>
-                    </a:lnL>
-                    <a:lnT w="6350" cap="flat" cmpd="sng" algn="ctr">
-                      <a:solidFill>
-                        <a:schemeClr val="tx1"/>
-                      </a:solidFill>
-                      <a:prstDash val="sysDot"/>
-                      <a:round/>
-                      <a:headEnd type="none" w="med" len="med"/>
-                      <a:tailEnd type="none" w="med" len="med"/>
-                    </a:lnT>
-                    <a:lnB w="6350" cap="flat" cmpd="sng" algn="ctr">
-                      <a:solidFill>
-                        <a:schemeClr val="tx1"/>
-                      </a:solidFill>
-                      <a:prstDash val="sysDot"/>
-                      <a:round/>
-                      <a:headEnd type="none" w="med" len="med"/>
-                      <a:tailEnd type="none" w="med" len="med"/>
-                    </a:lnB>
-                  </a:tcPr>
-                </a:tc>
-                <a:tc>
-                  <a:txBody>
-                    <a:bodyPr/>
-                    <a:lstStyle/>
-                    <a:p>
-                      <a:pPr algn="ctr"/>
-                      <a:endParaRPr lang="de-DE" sz="1200" dirty="0"/>
-                    </a:p>
-                  </a:txBody>
-                  <a:tcPr>
-                    <a:lnR w="6350" cap="flat" cmpd="sng" algn="ctr">
-                      <a:solidFill>
-                        <a:schemeClr val="tx1"/>
-                      </a:solidFill>
-                      <a:prstDash val="sysDot"/>
-                      <a:round/>
-                      <a:headEnd type="none" w="med" len="med"/>
-                      <a:tailEnd type="none" w="med" len="med"/>
-                    </a:lnR>
-                    <a:lnT w="6350" cap="flat" cmpd="sng" algn="ctr">
-                      <a:solidFill>
-                        <a:schemeClr val="tx1"/>
-                      </a:solidFill>
-                      <a:prstDash val="sysDot"/>
-                      <a:round/>
-                      <a:headEnd type="none" w="med" len="med"/>
-                      <a:tailEnd type="none" w="med" len="med"/>
-                    </a:lnT>
-                    <a:lnB w="6350" cap="flat" cmpd="sng" algn="ctr">
-                      <a:solidFill>
-                        <a:schemeClr val="tx1"/>
-                      </a:solidFill>
-                      <a:prstDash val="sysDot"/>
-                      <a:round/>
-                      <a:headEnd type="none" w="med" len="med"/>
-                      <a:tailEnd type="none" w="med" len="med"/>
-                    </a:lnB>
-                  </a:tcPr>
-                </a:tc>
-                <a:tc>
-                  <a:txBody>
-                    <a:bodyPr/>
-                    <a:lstStyle/>
-                    <a:p>
-                      <a:pPr algn="ctr"/>
-                      <a:endParaRPr lang="de-DE" sz="1200" dirty="0"/>
-                    </a:p>
-                  </a:txBody>
-                  <a:tcPr>
-                    <a:lnL w="6350" cap="flat" cmpd="sng" algn="ctr">
-                      <a:solidFill>
-                        <a:schemeClr val="tx1"/>
-                      </a:solidFill>
-                      <a:prstDash val="sysDot"/>
-                      <a:round/>
-                      <a:headEnd type="none" w="med" len="med"/>
-                      <a:tailEnd type="none" w="med" len="med"/>
-                    </a:lnL>
-                    <a:lnR w="6350" cap="flat" cmpd="sng" algn="ctr">
-                      <a:solidFill>
-                        <a:schemeClr val="tx1"/>
-                      </a:solidFill>
-                      <a:prstDash val="sysDot"/>
-                      <a:round/>
-                      <a:headEnd type="none" w="med" len="med"/>
-                      <a:tailEnd type="none" w="med" len="med"/>
-                    </a:lnR>
-                    <a:lnT w="6350" cap="flat" cmpd="sng" algn="ctr">
-                      <a:solidFill>
-                        <a:schemeClr val="tx1"/>
-                      </a:solidFill>
-                      <a:prstDash val="sysDot"/>
-                      <a:round/>
-                      <a:headEnd type="none" w="med" len="med"/>
-                      <a:tailEnd type="none" w="med" len="med"/>
-                    </a:lnT>
-                    <a:lnB w="6350" cap="flat" cmpd="sng" algn="ctr">
-                      <a:solidFill>
-                        <a:schemeClr val="tx1"/>
-                      </a:solidFill>
-                      <a:prstDash val="sysDot"/>
-                      <a:round/>
-                      <a:headEnd type="none" w="med" len="med"/>
-                      <a:tailEnd type="none" w="med" len="med"/>
-                    </a:lnB>
-                  </a:tcPr>
-                </a:tc>
-                <a:tc>
-                  <a:txBody>
-                    <a:bodyPr/>
-                    <a:lstStyle/>
-                    <a:p>
-                      <a:pPr algn="ctr"/>
-                      <a:endParaRPr lang="de-DE" sz="1200" dirty="0"/>
+                      <a:pPr marL="0" marR="0" lvl="0" indent="0" algn="ctr" defTabSz="914400" rtl="0" eaLnBrk="1" fontAlgn="auto" latinLnBrk="0" hangingPunct="1">
+                        <a:lnSpc>
+                          <a:spcPct val="100000"/>
+                        </a:lnSpc>
+                        <a:spcBef>
+                          <a:spcPts val="0"/>
+                        </a:spcBef>
+                        <a:spcAft>
+                          <a:spcPts val="0"/>
+                        </a:spcAft>
+                        <a:buClrTx/>
+                        <a:buSzTx/>
+                        <a:buFontTx/>
+                        <a:buNone/>
+                        <a:tabLst/>
+                        <a:defRPr/>
+                      </a:pPr>
+                      <a:r>
+                        <a:rPr lang="de-DE" sz="1600" kern="1200" dirty="0">
+                          <a:solidFill>
+                            <a:schemeClr val="dk1"/>
+                          </a:solidFill>
+                          <a:effectLst/>
+                          <a:latin typeface="+mn-lt"/>
+                          <a:ea typeface="+mn-ea"/>
+                          <a:cs typeface="+mn-cs"/>
+                        </a:rPr>
+                        <a:t>23346,495ms (85,016%)</a:t>
+                      </a:r>
                     </a:p>
                   </a:txBody>
                   <a:tcPr>
@@ -13226,8 +13051,35 @@
                     <a:bodyPr/>
                     <a:lstStyle/>
                     <a:p>
-                      <a:pPr algn="ctr"/>
-                      <a:endParaRPr lang="de-DE" sz="1200" dirty="0"/>
+                      <a:pPr marL="0" marR="0" lvl="0" indent="0" algn="ctr" defTabSz="914400" rtl="0" eaLnBrk="1" fontAlgn="auto" latinLnBrk="0" hangingPunct="1">
+                        <a:lnSpc>
+                          <a:spcPct val="100000"/>
+                        </a:lnSpc>
+                        <a:spcBef>
+                          <a:spcPts val="0"/>
+                        </a:spcBef>
+                        <a:spcAft>
+                          <a:spcPts val="0"/>
+                        </a:spcAft>
+                        <a:buClrTx/>
+                        <a:buSzTx/>
+                        <a:buFontTx/>
+                        <a:buNone/>
+                        <a:tabLst/>
+                        <a:defRPr/>
+                      </a:pPr>
+                      <a:r>
+                        <a:rPr lang="de-DE" sz="1600" kern="1200" dirty="0">
+                          <a:solidFill>
+                            <a:schemeClr val="dk1"/>
+                          </a:solidFill>
+                          <a:effectLst/>
+                          <a:latin typeface="+mn-lt"/>
+                          <a:ea typeface="+mn-ea"/>
+                          <a:cs typeface="+mn-cs"/>
+                        </a:rPr>
+                        <a:t>8,506ms (79,905%)</a:t>
+                      </a:r>
                     </a:p>
                   </a:txBody>
                   <a:tcPr>
@@ -13256,8 +13108,35 @@
                     <a:bodyPr/>
                     <a:lstStyle/>
                     <a:p>
-                      <a:pPr algn="ctr"/>
-                      <a:endParaRPr lang="de-DE" sz="1200" dirty="0"/>
+                      <a:pPr marL="0" marR="0" lvl="0" indent="0" algn="ctr" defTabSz="914400" rtl="0" eaLnBrk="1" fontAlgn="auto" latinLnBrk="0" hangingPunct="1">
+                        <a:lnSpc>
+                          <a:spcPct val="100000"/>
+                        </a:lnSpc>
+                        <a:spcBef>
+                          <a:spcPts val="0"/>
+                        </a:spcBef>
+                        <a:spcAft>
+                          <a:spcPts val="0"/>
+                        </a:spcAft>
+                        <a:buClrTx/>
+                        <a:buSzTx/>
+                        <a:buFontTx/>
+                        <a:buNone/>
+                        <a:tabLst/>
+                        <a:defRPr/>
+                      </a:pPr>
+                      <a:r>
+                        <a:rPr lang="de-DE" sz="1600" kern="1200" dirty="0">
+                          <a:solidFill>
+                            <a:schemeClr val="dk1"/>
+                          </a:solidFill>
+                          <a:effectLst/>
+                          <a:latin typeface="+mn-lt"/>
+                          <a:ea typeface="+mn-ea"/>
+                          <a:cs typeface="+mn-cs"/>
+                        </a:rPr>
+                        <a:t>288,072ms (88,568%)</a:t>
+                      </a:r>
                     </a:p>
                   </a:txBody>
                   <a:tcPr>
@@ -13295,107 +13174,35 @@
                     <a:bodyPr/>
                     <a:lstStyle/>
                     <a:p>
-                      <a:pPr algn="ctr"/>
-                      <a:endParaRPr lang="de-DE" sz="1200" dirty="0"/>
-                    </a:p>
-                  </a:txBody>
-                  <a:tcPr>
-                    <a:lnL w="6350" cap="flat" cmpd="sng" algn="ctr">
-                      <a:solidFill>
-                        <a:schemeClr val="tx1"/>
-                      </a:solidFill>
-                      <a:prstDash val="sysDot"/>
-                      <a:round/>
-                      <a:headEnd type="none" w="med" len="med"/>
-                      <a:tailEnd type="none" w="med" len="med"/>
-                    </a:lnL>
-                    <a:lnT w="6350" cap="flat" cmpd="sng" algn="ctr">
-                      <a:solidFill>
-                        <a:schemeClr val="tx1"/>
-                      </a:solidFill>
-                      <a:prstDash val="sysDot"/>
-                      <a:round/>
-                      <a:headEnd type="none" w="med" len="med"/>
-                      <a:tailEnd type="none" w="med" len="med"/>
-                    </a:lnT>
-                  </a:tcPr>
-                </a:tc>
-                <a:tc>
-                  <a:txBody>
-                    <a:bodyPr/>
-                    <a:lstStyle/>
-                    <a:p>
-                      <a:pPr algn="ctr"/>
-                      <a:endParaRPr lang="de-DE" sz="1200" dirty="0"/>
-                    </a:p>
-                  </a:txBody>
-                  <a:tcPr>
-                    <a:lnR w="6350" cap="flat" cmpd="sng" algn="ctr">
-                      <a:solidFill>
-                        <a:schemeClr val="tx1"/>
-                      </a:solidFill>
-                      <a:prstDash val="sysDot"/>
-                      <a:round/>
-                      <a:headEnd type="none" w="med" len="med"/>
-                      <a:tailEnd type="none" w="med" len="med"/>
-                    </a:lnR>
-                    <a:lnT w="6350" cap="flat" cmpd="sng" algn="ctr">
-                      <a:solidFill>
-                        <a:schemeClr val="tx1"/>
-                      </a:solidFill>
-                      <a:prstDash val="sysDot"/>
-                      <a:round/>
-                      <a:headEnd type="none" w="med" len="med"/>
-                      <a:tailEnd type="none" w="med" len="med"/>
-                    </a:lnT>
-                  </a:tcPr>
-                </a:tc>
-                <a:tc>
-                  <a:txBody>
-                    <a:bodyPr/>
-                    <a:lstStyle/>
-                    <a:p>
-                      <a:pPr algn="ctr"/>
-                      <a:endParaRPr lang="de-DE" sz="1200" dirty="0"/>
-                    </a:p>
-                  </a:txBody>
-                  <a:tcPr>
-                    <a:lnL w="6350" cap="flat" cmpd="sng" algn="ctr">
-                      <a:solidFill>
-                        <a:schemeClr val="tx1"/>
-                      </a:solidFill>
-                      <a:prstDash val="sysDot"/>
-                      <a:round/>
-                      <a:headEnd type="none" w="med" len="med"/>
-                      <a:tailEnd type="none" w="med" len="med"/>
-                    </a:lnL>
-                    <a:lnR w="6350" cap="flat" cmpd="sng" algn="ctr">
-                      <a:solidFill>
-                        <a:schemeClr val="tx1"/>
-                      </a:solidFill>
-                      <a:prstDash val="sysDot"/>
-                      <a:round/>
-                      <a:headEnd type="none" w="med" len="med"/>
-                      <a:tailEnd type="none" w="med" len="med"/>
-                    </a:lnR>
-                    <a:lnT w="6350" cap="flat" cmpd="sng" algn="ctr">
-                      <a:solidFill>
-                        <a:schemeClr val="tx1"/>
-                      </a:solidFill>
-                      <a:prstDash val="sysDot"/>
-                      <a:round/>
-                      <a:headEnd type="none" w="med" len="med"/>
-                      <a:tailEnd type="none" w="med" len="med"/>
-                    </a:lnT>
-                  </a:tcPr>
-                </a:tc>
-                <a:tc>
-                  <a:txBody>
-                    <a:bodyPr/>
-                    <a:lstStyle/>
-                    <a:p>
-                      <a:pPr algn="ctr"/>
-                      <a:endParaRPr lang="de-DE" sz="1200" dirty="0"/>
+                      <a:pPr marL="0" marR="0" lvl="0" indent="0" algn="ctr" defTabSz="914400" rtl="0" eaLnBrk="1" fontAlgn="auto" latinLnBrk="0" hangingPunct="1">
+                        <a:lnSpc>
+                          <a:spcPct val="100000"/>
+                        </a:lnSpc>
+                        <a:spcBef>
+                          <a:spcPts val="0"/>
+                        </a:spcBef>
+                        <a:spcAft>
+                          <a:spcPts val="0"/>
+                        </a:spcAft>
+                        <a:buClrTx/>
+                        <a:buSzTx/>
+                        <a:buFontTx/>
+                        <a:buNone/>
+                        <a:tabLst/>
+                        <a:defRPr/>
+                      </a:pPr>
+                      <a:r>
+                        <a:rPr lang="de-DE" sz="1600" kern="1200" dirty="0">
+                          <a:solidFill>
+                            <a:schemeClr val="dk1"/>
+                          </a:solidFill>
+                          <a:effectLst/>
+                          <a:latin typeface="+mn-lt"/>
+                          <a:ea typeface="+mn-ea"/>
+                          <a:cs typeface="+mn-cs"/>
+                        </a:rPr>
+                        <a:t>10831,332ms (96,607%)</a:t>
+                      </a:r>
                     </a:p>
                   </a:txBody>
                   <a:tcPr>
@@ -13487,8 +13294,35 @@
                     <a:bodyPr/>
                     <a:lstStyle/>
                     <a:p>
-                      <a:pPr algn="ctr"/>
-                      <a:endParaRPr lang="de-DE" sz="1200" dirty="0"/>
+                      <a:pPr marL="0" marR="0" lvl="0" indent="0" algn="ctr" defTabSz="914400" rtl="0" eaLnBrk="1" fontAlgn="auto" latinLnBrk="0" hangingPunct="1">
+                        <a:lnSpc>
+                          <a:spcPct val="100000"/>
+                        </a:lnSpc>
+                        <a:spcBef>
+                          <a:spcPts val="0"/>
+                        </a:spcBef>
+                        <a:spcAft>
+                          <a:spcPts val="0"/>
+                        </a:spcAft>
+                        <a:buClrTx/>
+                        <a:buSzTx/>
+                        <a:buFontTx/>
+                        <a:buNone/>
+                        <a:tabLst/>
+                        <a:defRPr/>
+                      </a:pPr>
+                      <a:r>
+                        <a:rPr lang="de-DE" sz="1600" kern="1200" dirty="0">
+                          <a:solidFill>
+                            <a:schemeClr val="dk1"/>
+                          </a:solidFill>
+                          <a:effectLst/>
+                          <a:latin typeface="+mn-lt"/>
+                          <a:ea typeface="+mn-ea"/>
+                          <a:cs typeface="+mn-cs"/>
+                        </a:rPr>
+                        <a:t>-0,572ms (-24,459%)</a:t>
+                      </a:r>
                     </a:p>
                   </a:txBody>
                   <a:tcPr>
@@ -13517,8 +13351,35 @@
                     <a:bodyPr/>
                     <a:lstStyle/>
                     <a:p>
-                      <a:pPr algn="ctr"/>
-                      <a:endParaRPr lang="de-DE" sz="1200" dirty="0"/>
+                      <a:pPr marL="0" marR="0" lvl="0" indent="0" algn="ctr" defTabSz="914400" rtl="0" eaLnBrk="1" fontAlgn="auto" latinLnBrk="0" hangingPunct="1">
+                        <a:lnSpc>
+                          <a:spcPct val="100000"/>
+                        </a:lnSpc>
+                        <a:spcBef>
+                          <a:spcPts val="0"/>
+                        </a:spcBef>
+                        <a:spcAft>
+                          <a:spcPts val="0"/>
+                        </a:spcAft>
+                        <a:buClrTx/>
+                        <a:buSzTx/>
+                        <a:buFontTx/>
+                        <a:buNone/>
+                        <a:tabLst/>
+                        <a:defRPr/>
+                      </a:pPr>
+                      <a:r>
+                        <a:rPr lang="de-DE" sz="1600" kern="1200" dirty="0">
+                          <a:solidFill>
+                            <a:schemeClr val="dk1"/>
+                          </a:solidFill>
+                          <a:effectLst/>
+                          <a:latin typeface="+mn-lt"/>
+                          <a:ea typeface="+mn-ea"/>
+                          <a:cs typeface="+mn-cs"/>
+                        </a:rPr>
+                        <a:t>26,289ms (64,379%)</a:t>
+                      </a:r>
                     </a:p>
                   </a:txBody>
                   <a:tcPr>
@@ -13556,107 +13417,35 @@
                     <a:bodyPr/>
                     <a:lstStyle/>
                     <a:p>
-                      <a:pPr algn="ctr"/>
-                      <a:endParaRPr lang="de-DE" sz="1200" dirty="0"/>
-                    </a:p>
-                  </a:txBody>
-                  <a:tcPr>
-                    <a:lnL w="6350" cap="flat" cmpd="sng" algn="ctr">
-                      <a:solidFill>
-                        <a:schemeClr val="tx1"/>
-                      </a:solidFill>
-                      <a:prstDash val="sysDot"/>
-                      <a:round/>
-                      <a:headEnd type="none" w="med" len="med"/>
-                      <a:tailEnd type="none" w="med" len="med"/>
-                    </a:lnL>
-                    <a:lnB w="6350" cap="flat" cmpd="sng" algn="ctr">
-                      <a:solidFill>
-                        <a:schemeClr val="tx1"/>
-                      </a:solidFill>
-                      <a:prstDash val="sysDot"/>
-                      <a:round/>
-                      <a:headEnd type="none" w="med" len="med"/>
-                      <a:tailEnd type="none" w="med" len="med"/>
-                    </a:lnB>
-                  </a:tcPr>
-                </a:tc>
-                <a:tc>
-                  <a:txBody>
-                    <a:bodyPr/>
-                    <a:lstStyle/>
-                    <a:p>
-                      <a:pPr algn="ctr"/>
-                      <a:endParaRPr lang="de-DE" sz="1200" dirty="0"/>
-                    </a:p>
-                  </a:txBody>
-                  <a:tcPr>
-                    <a:lnR w="6350" cap="flat" cmpd="sng" algn="ctr">
-                      <a:solidFill>
-                        <a:schemeClr val="tx1"/>
-                      </a:solidFill>
-                      <a:prstDash val="sysDot"/>
-                      <a:round/>
-                      <a:headEnd type="none" w="med" len="med"/>
-                      <a:tailEnd type="none" w="med" len="med"/>
-                    </a:lnR>
-                    <a:lnB w="6350" cap="flat" cmpd="sng" algn="ctr">
-                      <a:solidFill>
-                        <a:schemeClr val="tx1"/>
-                      </a:solidFill>
-                      <a:prstDash val="sysDot"/>
-                      <a:round/>
-                      <a:headEnd type="none" w="med" len="med"/>
-                      <a:tailEnd type="none" w="med" len="med"/>
-                    </a:lnB>
-                  </a:tcPr>
-                </a:tc>
-                <a:tc>
-                  <a:txBody>
-                    <a:bodyPr/>
-                    <a:lstStyle/>
-                    <a:p>
-                      <a:pPr algn="ctr"/>
-                      <a:endParaRPr lang="de-DE" sz="1200" dirty="0"/>
-                    </a:p>
-                  </a:txBody>
-                  <a:tcPr>
-                    <a:lnL w="6350" cap="flat" cmpd="sng" algn="ctr">
-                      <a:solidFill>
-                        <a:schemeClr val="tx1"/>
-                      </a:solidFill>
-                      <a:prstDash val="sysDot"/>
-                      <a:round/>
-                      <a:headEnd type="none" w="med" len="med"/>
-                      <a:tailEnd type="none" w="med" len="med"/>
-                    </a:lnL>
-                    <a:lnR w="6350" cap="flat" cmpd="sng" algn="ctr">
-                      <a:solidFill>
-                        <a:schemeClr val="tx1"/>
-                      </a:solidFill>
-                      <a:prstDash val="sysDot"/>
-                      <a:round/>
-                      <a:headEnd type="none" w="med" len="med"/>
-                      <a:tailEnd type="none" w="med" len="med"/>
-                    </a:lnR>
-                    <a:lnB w="6350" cap="flat" cmpd="sng" algn="ctr">
-                      <a:solidFill>
-                        <a:schemeClr val="tx1"/>
-                      </a:solidFill>
-                      <a:prstDash val="sysDot"/>
-                      <a:round/>
-                      <a:headEnd type="none" w="med" len="med"/>
-                      <a:tailEnd type="none" w="med" len="med"/>
-                    </a:lnB>
-                  </a:tcPr>
-                </a:tc>
-                <a:tc>
-                  <a:txBody>
-                    <a:bodyPr/>
-                    <a:lstStyle/>
-                    <a:p>
-                      <a:pPr algn="ctr"/>
-                      <a:endParaRPr lang="de-DE" sz="1200" dirty="0"/>
+                      <a:pPr marL="0" marR="0" lvl="0" indent="0" algn="ctr" defTabSz="914400" rtl="0" eaLnBrk="1" fontAlgn="auto" latinLnBrk="0" hangingPunct="1">
+                        <a:lnSpc>
+                          <a:spcPct val="100000"/>
+                        </a:lnSpc>
+                        <a:spcBef>
+                          <a:spcPts val="0"/>
+                        </a:spcBef>
+                        <a:spcAft>
+                          <a:spcPts val="0"/>
+                        </a:spcAft>
+                        <a:buClrTx/>
+                        <a:buSzTx/>
+                        <a:buFontTx/>
+                        <a:buNone/>
+                        <a:tabLst/>
+                        <a:defRPr/>
+                      </a:pPr>
+                      <a:r>
+                        <a:rPr lang="de-DE" sz="1600" kern="1200" dirty="0">
+                          <a:solidFill>
+                            <a:schemeClr val="dk1"/>
+                          </a:solidFill>
+                          <a:effectLst/>
+                          <a:latin typeface="+mn-lt"/>
+                          <a:ea typeface="+mn-ea"/>
+                          <a:cs typeface="+mn-cs"/>
+                        </a:rPr>
+                        <a:t>560,646ms (84,778%)</a:t>
+                      </a:r>
                     </a:p>
                   </a:txBody>
                   <a:tcPr>
@@ -13735,8 +13524,35 @@
                     <a:bodyPr/>
                     <a:lstStyle/>
                     <a:p>
-                      <a:pPr algn="ctr"/>
-                      <a:endParaRPr lang="de-DE" sz="1200" dirty="0"/>
+                      <a:pPr marL="0" marR="0" lvl="0" indent="0" algn="ctr" defTabSz="914400" rtl="0" eaLnBrk="1" fontAlgn="auto" latinLnBrk="0" hangingPunct="1">
+                        <a:lnSpc>
+                          <a:spcPct val="100000"/>
+                        </a:lnSpc>
+                        <a:spcBef>
+                          <a:spcPts val="0"/>
+                        </a:spcBef>
+                        <a:spcAft>
+                          <a:spcPts val="0"/>
+                        </a:spcAft>
+                        <a:buClrTx/>
+                        <a:buSzTx/>
+                        <a:buFontTx/>
+                        <a:buNone/>
+                        <a:tabLst/>
+                        <a:defRPr/>
+                      </a:pPr>
+                      <a:r>
+                        <a:rPr lang="de-DE" sz="1600" kern="1200" dirty="0">
+                          <a:solidFill>
+                            <a:schemeClr val="dk1"/>
+                          </a:solidFill>
+                          <a:effectLst/>
+                          <a:latin typeface="+mn-lt"/>
+                          <a:ea typeface="+mn-ea"/>
+                          <a:cs typeface="+mn-cs"/>
+                        </a:rPr>
+                        <a:t>9,588ms (50,162%)</a:t>
+                      </a:r>
                     </a:p>
                   </a:txBody>
                   <a:tcPr>
@@ -13774,8 +13590,35 @@
                     <a:bodyPr/>
                     <a:lstStyle/>
                     <a:p>
-                      <a:pPr algn="ctr"/>
-                      <a:endParaRPr lang="de-DE" sz="1200" dirty="0"/>
+                      <a:pPr marL="0" marR="0" lvl="0" indent="0" algn="ctr" defTabSz="914400" rtl="0" eaLnBrk="1" fontAlgn="auto" latinLnBrk="0" hangingPunct="1">
+                        <a:lnSpc>
+                          <a:spcPct val="100000"/>
+                        </a:lnSpc>
+                        <a:spcBef>
+                          <a:spcPts val="0"/>
+                        </a:spcBef>
+                        <a:spcAft>
+                          <a:spcPts val="0"/>
+                        </a:spcAft>
+                        <a:buClrTx/>
+                        <a:buSzTx/>
+                        <a:buFontTx/>
+                        <a:buNone/>
+                        <a:tabLst/>
+                        <a:defRPr/>
+                      </a:pPr>
+                      <a:r>
+                        <a:rPr lang="de-DE" sz="1600" kern="1200" dirty="0">
+                          <a:solidFill>
+                            <a:schemeClr val="dk1"/>
+                          </a:solidFill>
+                          <a:effectLst/>
+                          <a:latin typeface="+mn-lt"/>
+                          <a:ea typeface="+mn-ea"/>
+                          <a:cs typeface="+mn-cs"/>
+                        </a:rPr>
+                        <a:t>501,625ms (67,689%)</a:t>
+                      </a:r>
                     </a:p>
                   </a:txBody>
                   <a:tcPr>
@@ -13822,134 +13665,35 @@
                     <a:bodyPr/>
                     <a:lstStyle/>
                     <a:p>
-                      <a:pPr algn="ctr"/>
-                      <a:endParaRPr lang="de-DE" sz="1200" dirty="0"/>
-                    </a:p>
-                  </a:txBody>
-                  <a:tcPr>
-                    <a:lnL w="6350" cap="flat" cmpd="sng" algn="ctr">
-                      <a:solidFill>
-                        <a:schemeClr val="tx1"/>
-                      </a:solidFill>
-                      <a:prstDash val="sysDot"/>
-                      <a:round/>
-                      <a:headEnd type="none" w="med" len="med"/>
-                      <a:tailEnd type="none" w="med" len="med"/>
-                    </a:lnL>
-                    <a:lnT w="6350" cap="flat" cmpd="sng" algn="ctr">
-                      <a:solidFill>
-                        <a:schemeClr val="tx1"/>
-                      </a:solidFill>
-                      <a:prstDash val="sysDot"/>
-                      <a:round/>
-                      <a:headEnd type="none" w="med" len="med"/>
-                      <a:tailEnd type="none" w="med" len="med"/>
-                    </a:lnT>
-                    <a:lnB w="6350" cap="flat" cmpd="sng" algn="ctr">
-                      <a:solidFill>
-                        <a:schemeClr val="tx1"/>
-                      </a:solidFill>
-                      <a:prstDash val="sysDot"/>
-                      <a:round/>
-                      <a:headEnd type="none" w="med" len="med"/>
-                      <a:tailEnd type="none" w="med" len="med"/>
-                    </a:lnB>
-                  </a:tcPr>
-                </a:tc>
-                <a:tc>
-                  <a:txBody>
-                    <a:bodyPr/>
-                    <a:lstStyle/>
-                    <a:p>
-                      <a:pPr algn="ctr"/>
-                      <a:endParaRPr lang="de-DE" sz="1200" dirty="0"/>
-                    </a:p>
-                  </a:txBody>
-                  <a:tcPr>
-                    <a:lnR w="6350" cap="flat" cmpd="sng" algn="ctr">
-                      <a:solidFill>
-                        <a:schemeClr val="tx1"/>
-                      </a:solidFill>
-                      <a:prstDash val="sysDot"/>
-                      <a:round/>
-                      <a:headEnd type="none" w="med" len="med"/>
-                      <a:tailEnd type="none" w="med" len="med"/>
-                    </a:lnR>
-                    <a:lnT w="6350" cap="flat" cmpd="sng" algn="ctr">
-                      <a:solidFill>
-                        <a:schemeClr val="tx1"/>
-                      </a:solidFill>
-                      <a:prstDash val="sysDot"/>
-                      <a:round/>
-                      <a:headEnd type="none" w="med" len="med"/>
-                      <a:tailEnd type="none" w="med" len="med"/>
-                    </a:lnT>
-                    <a:lnB w="6350" cap="flat" cmpd="sng" algn="ctr">
-                      <a:solidFill>
-                        <a:schemeClr val="tx1"/>
-                      </a:solidFill>
-                      <a:prstDash val="sysDot"/>
-                      <a:round/>
-                      <a:headEnd type="none" w="med" len="med"/>
-                      <a:tailEnd type="none" w="med" len="med"/>
-                    </a:lnB>
-                  </a:tcPr>
-                </a:tc>
-                <a:tc>
-                  <a:txBody>
-                    <a:bodyPr/>
-                    <a:lstStyle/>
-                    <a:p>
-                      <a:pPr algn="ctr"/>
-                      <a:endParaRPr lang="de-DE" sz="1200" dirty="0"/>
-                    </a:p>
-                  </a:txBody>
-                  <a:tcPr>
-                    <a:lnL w="6350" cap="flat" cmpd="sng" algn="ctr">
-                      <a:solidFill>
-                        <a:schemeClr val="tx1"/>
-                      </a:solidFill>
-                      <a:prstDash val="sysDot"/>
-                      <a:round/>
-                      <a:headEnd type="none" w="med" len="med"/>
-                      <a:tailEnd type="none" w="med" len="med"/>
-                    </a:lnL>
-                    <a:lnR w="6350" cap="flat" cmpd="sng" algn="ctr">
-                      <a:solidFill>
-                        <a:schemeClr val="tx1"/>
-                      </a:solidFill>
-                      <a:prstDash val="sysDot"/>
-                      <a:round/>
-                      <a:headEnd type="none" w="med" len="med"/>
-                      <a:tailEnd type="none" w="med" len="med"/>
-                    </a:lnR>
-                    <a:lnT w="6350" cap="flat" cmpd="sng" algn="ctr">
-                      <a:solidFill>
-                        <a:schemeClr val="tx1"/>
-                      </a:solidFill>
-                      <a:prstDash val="sysDot"/>
-                      <a:round/>
-                      <a:headEnd type="none" w="med" len="med"/>
-                      <a:tailEnd type="none" w="med" len="med"/>
-                    </a:lnT>
-                    <a:lnB w="6350" cap="flat" cmpd="sng" algn="ctr">
-                      <a:solidFill>
-                        <a:schemeClr val="tx1"/>
-                      </a:solidFill>
-                      <a:prstDash val="sysDot"/>
-                      <a:round/>
-                      <a:headEnd type="none" w="med" len="med"/>
-                      <a:tailEnd type="none" w="med" len="med"/>
-                    </a:lnB>
-                  </a:tcPr>
-                </a:tc>
-                <a:tc>
-                  <a:txBody>
-                    <a:bodyPr/>
-                    <a:lstStyle/>
-                    <a:p>
-                      <a:pPr algn="ctr"/>
-                      <a:endParaRPr lang="de-DE" sz="1200" dirty="0"/>
+                      <a:pPr marL="0" marR="0" lvl="0" indent="0" algn="ctr" defTabSz="914400" rtl="0" eaLnBrk="1" fontAlgn="auto" latinLnBrk="0" hangingPunct="1">
+                        <a:lnSpc>
+                          <a:spcPct val="100000"/>
+                        </a:lnSpc>
+                        <a:spcBef>
+                          <a:spcPts val="0"/>
+                        </a:spcBef>
+                        <a:spcAft>
+                          <a:spcPts val="0"/>
+                        </a:spcAft>
+                        <a:buClrTx/>
+                        <a:buSzTx/>
+                        <a:buFontTx/>
+                        <a:buNone/>
+                        <a:tabLst/>
+                        <a:defRPr/>
+                      </a:pPr>
+                      <a:r>
+                        <a:rPr lang="de-DE" sz="1600" kern="1200" dirty="0">
+                          <a:solidFill>
+                            <a:schemeClr val="dk1"/>
+                          </a:solidFill>
+                          <a:effectLst/>
+                          <a:latin typeface="+mn-lt"/>
+                          <a:ea typeface="+mn-ea"/>
+                          <a:cs typeface="+mn-cs"/>
+                        </a:rPr>
+                        <a:t>24843,991ms (85,244%)</a:t>
+                      </a:r>
                     </a:p>
                   </a:txBody>
                   <a:tcPr>
@@ -14028,8 +13772,35 @@
                     <a:bodyPr/>
                     <a:lstStyle/>
                     <a:p>
-                      <a:pPr algn="ctr"/>
-                      <a:endParaRPr lang="de-DE" sz="1200" dirty="0"/>
+                      <a:pPr marL="0" marR="0" lvl="0" indent="0" algn="ctr" defTabSz="914400" rtl="0" eaLnBrk="1" fontAlgn="auto" latinLnBrk="0" hangingPunct="1">
+                        <a:lnSpc>
+                          <a:spcPct val="100000"/>
+                        </a:lnSpc>
+                        <a:spcBef>
+                          <a:spcPts val="0"/>
+                        </a:spcBef>
+                        <a:spcAft>
+                          <a:spcPts val="0"/>
+                        </a:spcAft>
+                        <a:buClrTx/>
+                        <a:buSzTx/>
+                        <a:buFontTx/>
+                        <a:buNone/>
+                        <a:tabLst/>
+                        <a:defRPr/>
+                      </a:pPr>
+                      <a:r>
+                        <a:rPr lang="de-DE" sz="1600" kern="1200" dirty="0">
+                          <a:solidFill>
+                            <a:schemeClr val="dk1"/>
+                          </a:solidFill>
+                          <a:effectLst/>
+                          <a:latin typeface="+mn-lt"/>
+                          <a:ea typeface="+mn-ea"/>
+                          <a:cs typeface="+mn-cs"/>
+                        </a:rPr>
+                        <a:t>8,606ms (79,099%)</a:t>
+                      </a:r>
                     </a:p>
                   </a:txBody>
                   <a:tcPr>
@@ -14058,8 +13829,35 @@
                     <a:bodyPr/>
                     <a:lstStyle/>
                     <a:p>
-                      <a:pPr algn="ctr"/>
-                      <a:endParaRPr lang="de-DE" sz="1200" dirty="0"/>
+                      <a:pPr marL="0" marR="0" lvl="0" indent="0" algn="ctr" defTabSz="914400" rtl="0" eaLnBrk="1" fontAlgn="auto" latinLnBrk="0" hangingPunct="1">
+                        <a:lnSpc>
+                          <a:spcPct val="100000"/>
+                        </a:lnSpc>
+                        <a:spcBef>
+                          <a:spcPts val="0"/>
+                        </a:spcBef>
+                        <a:spcAft>
+                          <a:spcPts val="0"/>
+                        </a:spcAft>
+                        <a:buClrTx/>
+                        <a:buSzTx/>
+                        <a:buFontTx/>
+                        <a:buNone/>
+                        <a:tabLst/>
+                        <a:defRPr/>
+                      </a:pPr>
+                      <a:r>
+                        <a:rPr lang="de-DE" sz="1600" kern="1200" dirty="0">
+                          <a:solidFill>
+                            <a:schemeClr val="dk1"/>
+                          </a:solidFill>
+                          <a:effectLst/>
+                          <a:latin typeface="+mn-lt"/>
+                          <a:ea typeface="+mn-ea"/>
+                          <a:cs typeface="+mn-cs"/>
+                        </a:rPr>
+                        <a:t>306,032ms (88,523%)</a:t>
+                      </a:r>
                     </a:p>
                   </a:txBody>
                   <a:tcPr>
@@ -14097,107 +13895,35 @@
                     <a:bodyPr/>
                     <a:lstStyle/>
                     <a:p>
-                      <a:pPr algn="ctr"/>
-                      <a:endParaRPr lang="de-DE" sz="1200" dirty="0"/>
-                    </a:p>
-                  </a:txBody>
-                  <a:tcPr>
-                    <a:lnL w="6350" cap="flat" cmpd="sng" algn="ctr">
-                      <a:solidFill>
-                        <a:schemeClr val="tx1"/>
-                      </a:solidFill>
-                      <a:prstDash val="sysDot"/>
-                      <a:round/>
-                      <a:headEnd type="none" w="med" len="med"/>
-                      <a:tailEnd type="none" w="med" len="med"/>
-                    </a:lnL>
-                    <a:lnT w="6350" cap="flat" cmpd="sng" algn="ctr">
-                      <a:solidFill>
-                        <a:schemeClr val="tx1"/>
-                      </a:solidFill>
-                      <a:prstDash val="sysDot"/>
-                      <a:round/>
-                      <a:headEnd type="none" w="med" len="med"/>
-                      <a:tailEnd type="none" w="med" len="med"/>
-                    </a:lnT>
-                  </a:tcPr>
-                </a:tc>
-                <a:tc>
-                  <a:txBody>
-                    <a:bodyPr/>
-                    <a:lstStyle/>
-                    <a:p>
-                      <a:pPr algn="ctr"/>
-                      <a:endParaRPr lang="de-DE" sz="1200" dirty="0"/>
-                    </a:p>
-                  </a:txBody>
-                  <a:tcPr>
-                    <a:lnR w="6350" cap="flat" cmpd="sng" algn="ctr">
-                      <a:solidFill>
-                        <a:schemeClr val="tx1"/>
-                      </a:solidFill>
-                      <a:prstDash val="sysDot"/>
-                      <a:round/>
-                      <a:headEnd type="none" w="med" len="med"/>
-                      <a:tailEnd type="none" w="med" len="med"/>
-                    </a:lnR>
-                    <a:lnT w="6350" cap="flat" cmpd="sng" algn="ctr">
-                      <a:solidFill>
-                        <a:schemeClr val="tx1"/>
-                      </a:solidFill>
-                      <a:prstDash val="sysDot"/>
-                      <a:round/>
-                      <a:headEnd type="none" w="med" len="med"/>
-                      <a:tailEnd type="none" w="med" len="med"/>
-                    </a:lnT>
-                  </a:tcPr>
-                </a:tc>
-                <a:tc>
-                  <a:txBody>
-                    <a:bodyPr/>
-                    <a:lstStyle/>
-                    <a:p>
-                      <a:pPr algn="ctr"/>
-                      <a:endParaRPr lang="de-DE" sz="1200" dirty="0"/>
-                    </a:p>
-                  </a:txBody>
-                  <a:tcPr>
-                    <a:lnL w="6350" cap="flat" cmpd="sng" algn="ctr">
-                      <a:solidFill>
-                        <a:schemeClr val="tx1"/>
-                      </a:solidFill>
-                      <a:prstDash val="sysDot"/>
-                      <a:round/>
-                      <a:headEnd type="none" w="med" len="med"/>
-                      <a:tailEnd type="none" w="med" len="med"/>
-                    </a:lnL>
-                    <a:lnR w="6350" cap="flat" cmpd="sng" algn="ctr">
-                      <a:solidFill>
-                        <a:schemeClr val="tx1"/>
-                      </a:solidFill>
-                      <a:prstDash val="sysDot"/>
-                      <a:round/>
-                      <a:headEnd type="none" w="med" len="med"/>
-                      <a:tailEnd type="none" w="med" len="med"/>
-                    </a:lnR>
-                    <a:lnT w="6350" cap="flat" cmpd="sng" algn="ctr">
-                      <a:solidFill>
-                        <a:schemeClr val="tx1"/>
-                      </a:solidFill>
-                      <a:prstDash val="sysDot"/>
-                      <a:round/>
-                      <a:headEnd type="none" w="med" len="med"/>
-                      <a:tailEnd type="none" w="med" len="med"/>
-                    </a:lnT>
-                  </a:tcPr>
-                </a:tc>
-                <a:tc>
-                  <a:txBody>
-                    <a:bodyPr/>
-                    <a:lstStyle/>
-                    <a:p>
-                      <a:pPr algn="ctr"/>
-                      <a:endParaRPr lang="de-DE" sz="1200" dirty="0"/>
+                      <a:pPr marL="0" marR="0" lvl="0" indent="0" algn="ctr" defTabSz="914400" rtl="0" eaLnBrk="1" fontAlgn="auto" latinLnBrk="0" hangingPunct="1">
+                        <a:lnSpc>
+                          <a:spcPct val="100000"/>
+                        </a:lnSpc>
+                        <a:spcBef>
+                          <a:spcPts val="0"/>
+                        </a:spcBef>
+                        <a:spcAft>
+                          <a:spcPts val="0"/>
+                        </a:spcAft>
+                        <a:buClrTx/>
+                        <a:buSzTx/>
+                        <a:buFontTx/>
+                        <a:buNone/>
+                        <a:tabLst/>
+                        <a:defRPr/>
+                      </a:pPr>
+                      <a:r>
+                        <a:rPr lang="de-DE" sz="1600" kern="1200" dirty="0">
+                          <a:solidFill>
+                            <a:schemeClr val="dk1"/>
+                          </a:solidFill>
+                          <a:effectLst/>
+                          <a:latin typeface="+mn-lt"/>
+                          <a:ea typeface="+mn-ea"/>
+                          <a:cs typeface="+mn-cs"/>
+                        </a:rPr>
+                        <a:t>11119,287ms (96,457%)</a:t>
+                      </a:r>
                     </a:p>
                   </a:txBody>
                   <a:tcPr>
@@ -14289,8 +14015,35 @@
                     <a:bodyPr/>
                     <a:lstStyle/>
                     <a:p>
-                      <a:pPr algn="ctr"/>
-                      <a:endParaRPr lang="de-DE" sz="1200" dirty="0"/>
+                      <a:pPr marL="0" marR="0" lvl="0" indent="0" algn="ctr" defTabSz="914400" rtl="0" eaLnBrk="1" fontAlgn="auto" latinLnBrk="0" hangingPunct="1">
+                        <a:lnSpc>
+                          <a:spcPct val="100000"/>
+                        </a:lnSpc>
+                        <a:spcBef>
+                          <a:spcPts val="0"/>
+                        </a:spcBef>
+                        <a:spcAft>
+                          <a:spcPts val="0"/>
+                        </a:spcAft>
+                        <a:buClrTx/>
+                        <a:buSzTx/>
+                        <a:buFontTx/>
+                        <a:buNone/>
+                        <a:tabLst/>
+                        <a:defRPr/>
+                      </a:pPr>
+                      <a:r>
+                        <a:rPr lang="de-DE" sz="1600" kern="1200" dirty="0">
+                          <a:solidFill>
+                            <a:schemeClr val="dk1"/>
+                          </a:solidFill>
+                          <a:effectLst/>
+                          <a:latin typeface="+mn-lt"/>
+                          <a:ea typeface="+mn-ea"/>
+                          <a:cs typeface="+mn-cs"/>
+                        </a:rPr>
+                        <a:t>-0,275ms (-7,059%)</a:t>
+                      </a:r>
                     </a:p>
                   </a:txBody>
                   <a:tcPr>
@@ -14319,8 +14072,35 @@
                     <a:bodyPr/>
                     <a:lstStyle/>
                     <a:p>
-                      <a:pPr algn="ctr"/>
-                      <a:endParaRPr lang="de-DE" sz="1200" dirty="0"/>
+                      <a:pPr marL="0" marR="0" lvl="0" indent="0" algn="ctr" defTabSz="914400" rtl="0" eaLnBrk="1" fontAlgn="auto" latinLnBrk="0" hangingPunct="1">
+                        <a:lnSpc>
+                          <a:spcPct val="100000"/>
+                        </a:lnSpc>
+                        <a:spcBef>
+                          <a:spcPts val="0"/>
+                        </a:spcBef>
+                        <a:spcAft>
+                          <a:spcPts val="0"/>
+                        </a:spcAft>
+                        <a:buClrTx/>
+                        <a:buSzTx/>
+                        <a:buFontTx/>
+                        <a:buNone/>
+                        <a:tabLst/>
+                        <a:defRPr/>
+                      </a:pPr>
+                      <a:r>
+                        <a:rPr lang="de-DE" sz="1600" kern="1200" dirty="0">
+                          <a:solidFill>
+                            <a:schemeClr val="dk1"/>
+                          </a:solidFill>
+                          <a:effectLst/>
+                          <a:latin typeface="+mn-lt"/>
+                          <a:ea typeface="+mn-ea"/>
+                          <a:cs typeface="+mn-cs"/>
+                        </a:rPr>
+                        <a:t>42,673ms (68,776%)</a:t>
+                      </a:r>
                     </a:p>
                   </a:txBody>
                   <a:tcPr>
@@ -14358,107 +14138,35 @@
                     <a:bodyPr/>
                     <a:lstStyle/>
                     <a:p>
-                      <a:pPr algn="ctr"/>
-                      <a:endParaRPr lang="de-DE" sz="1200" dirty="0"/>
-                    </a:p>
-                  </a:txBody>
-                  <a:tcPr>
-                    <a:lnL w="6350" cap="flat" cmpd="sng" algn="ctr">
-                      <a:solidFill>
-                        <a:schemeClr val="tx1"/>
-                      </a:solidFill>
-                      <a:prstDash val="sysDot"/>
-                      <a:round/>
-                      <a:headEnd type="none" w="med" len="med"/>
-                      <a:tailEnd type="none" w="med" len="med"/>
-                    </a:lnL>
-                    <a:lnB w="6350" cap="flat" cmpd="sng" algn="ctr">
-                      <a:solidFill>
-                        <a:schemeClr val="tx1"/>
-                      </a:solidFill>
-                      <a:prstDash val="sysDot"/>
-                      <a:round/>
-                      <a:headEnd type="none" w="med" len="med"/>
-                      <a:tailEnd type="none" w="med" len="med"/>
-                    </a:lnB>
-                  </a:tcPr>
-                </a:tc>
-                <a:tc>
-                  <a:txBody>
-                    <a:bodyPr/>
-                    <a:lstStyle/>
-                    <a:p>
-                      <a:pPr algn="ctr"/>
-                      <a:endParaRPr lang="de-DE" sz="1200" dirty="0"/>
-                    </a:p>
-                  </a:txBody>
-                  <a:tcPr>
-                    <a:lnR w="6350" cap="flat" cmpd="sng" algn="ctr">
-                      <a:solidFill>
-                        <a:schemeClr val="tx1"/>
-                      </a:solidFill>
-                      <a:prstDash val="sysDot"/>
-                      <a:round/>
-                      <a:headEnd type="none" w="med" len="med"/>
-                      <a:tailEnd type="none" w="med" len="med"/>
-                    </a:lnR>
-                    <a:lnB w="6350" cap="flat" cmpd="sng" algn="ctr">
-                      <a:solidFill>
-                        <a:schemeClr val="tx1"/>
-                      </a:solidFill>
-                      <a:prstDash val="sysDot"/>
-                      <a:round/>
-                      <a:headEnd type="none" w="med" len="med"/>
-                      <a:tailEnd type="none" w="med" len="med"/>
-                    </a:lnB>
-                  </a:tcPr>
-                </a:tc>
-                <a:tc>
-                  <a:txBody>
-                    <a:bodyPr/>
-                    <a:lstStyle/>
-                    <a:p>
-                      <a:pPr algn="ctr"/>
-                      <a:endParaRPr lang="de-DE" sz="1200" dirty="0"/>
-                    </a:p>
-                  </a:txBody>
-                  <a:tcPr>
-                    <a:lnL w="6350" cap="flat" cmpd="sng" algn="ctr">
-                      <a:solidFill>
-                        <a:schemeClr val="tx1"/>
-                      </a:solidFill>
-                      <a:prstDash val="sysDot"/>
-                      <a:round/>
-                      <a:headEnd type="none" w="med" len="med"/>
-                      <a:tailEnd type="none" w="med" len="med"/>
-                    </a:lnL>
-                    <a:lnR w="6350" cap="flat" cmpd="sng" algn="ctr">
-                      <a:solidFill>
-                        <a:schemeClr val="tx1"/>
-                      </a:solidFill>
-                      <a:prstDash val="sysDot"/>
-                      <a:round/>
-                      <a:headEnd type="none" w="med" len="med"/>
-                      <a:tailEnd type="none" w="med" len="med"/>
-                    </a:lnR>
-                    <a:lnB w="6350" cap="flat" cmpd="sng" algn="ctr">
-                      <a:solidFill>
-                        <a:schemeClr val="tx1"/>
-                      </a:solidFill>
-                      <a:prstDash val="sysDot"/>
-                      <a:round/>
-                      <a:headEnd type="none" w="med" len="med"/>
-                      <a:tailEnd type="none" w="med" len="med"/>
-                    </a:lnB>
-                  </a:tcPr>
-                </a:tc>
-                <a:tc>
-                  <a:txBody>
-                    <a:bodyPr/>
-                    <a:lstStyle/>
-                    <a:p>
-                      <a:pPr algn="ctr"/>
-                      <a:endParaRPr lang="de-DE" sz="1200" dirty="0"/>
+                      <a:pPr marL="0" marR="0" lvl="0" indent="0" algn="ctr" defTabSz="914400" rtl="0" eaLnBrk="1" fontAlgn="auto" latinLnBrk="0" hangingPunct="1">
+                        <a:lnSpc>
+                          <a:spcPct val="100000"/>
+                        </a:lnSpc>
+                        <a:spcBef>
+                          <a:spcPts val="0"/>
+                        </a:spcBef>
+                        <a:spcAft>
+                          <a:spcPts val="0"/>
+                        </a:spcAft>
+                        <a:buClrTx/>
+                        <a:buSzTx/>
+                        <a:buFontTx/>
+                        <a:buNone/>
+                        <a:tabLst/>
+                        <a:defRPr/>
+                      </a:pPr>
+                      <a:r>
+                        <a:rPr lang="de-DE" sz="1600" kern="1200" dirty="0">
+                          <a:solidFill>
+                            <a:schemeClr val="dk1"/>
+                          </a:solidFill>
+                          <a:effectLst/>
+                          <a:latin typeface="+mn-lt"/>
+                          <a:ea typeface="+mn-ea"/>
+                          <a:cs typeface="+mn-cs"/>
+                        </a:rPr>
+                        <a:t>976,321ms (86,140%)</a:t>
+                      </a:r>
                     </a:p>
                   </a:txBody>
                   <a:tcPr>
@@ -14537,8 +14245,35 @@
                     <a:bodyPr/>
                     <a:lstStyle/>
                     <a:p>
-                      <a:pPr algn="ctr"/>
-                      <a:endParaRPr lang="de-DE" sz="1200" dirty="0"/>
+                      <a:pPr marL="0" marR="0" lvl="0" indent="0" algn="ctr" defTabSz="914400" rtl="0" eaLnBrk="1" fontAlgn="auto" latinLnBrk="0" hangingPunct="1">
+                        <a:lnSpc>
+                          <a:spcPct val="100000"/>
+                        </a:lnSpc>
+                        <a:spcBef>
+                          <a:spcPts val="0"/>
+                        </a:spcBef>
+                        <a:spcAft>
+                          <a:spcPts val="0"/>
+                        </a:spcAft>
+                        <a:buClrTx/>
+                        <a:buSzTx/>
+                        <a:buFontTx/>
+                        <a:buNone/>
+                        <a:tabLst/>
+                        <a:defRPr/>
+                      </a:pPr>
+                      <a:r>
+                        <a:rPr lang="de-DE" sz="1600" kern="1200" dirty="0">
+                          <a:solidFill>
+                            <a:schemeClr val="dk1"/>
+                          </a:solidFill>
+                          <a:effectLst/>
+                          <a:latin typeface="+mn-lt"/>
+                          <a:ea typeface="+mn-ea"/>
+                          <a:cs typeface="+mn-cs"/>
+                        </a:rPr>
+                        <a:t>21,011ms (58,239%)</a:t>
+                      </a:r>
                     </a:p>
                   </a:txBody>
                   <a:tcPr>
@@ -14576,8 +14311,35 @@
                     <a:bodyPr/>
                     <a:lstStyle/>
                     <a:p>
-                      <a:pPr algn="ctr"/>
-                      <a:endParaRPr lang="de-DE" sz="1200" dirty="0"/>
+                      <a:pPr marL="0" marR="0" lvl="0" indent="0" algn="ctr" defTabSz="914400" rtl="0" eaLnBrk="1" fontAlgn="auto" latinLnBrk="0" hangingPunct="1">
+                        <a:lnSpc>
+                          <a:spcPct val="100000"/>
+                        </a:lnSpc>
+                        <a:spcBef>
+                          <a:spcPts val="0"/>
+                        </a:spcBef>
+                        <a:spcAft>
+                          <a:spcPts val="0"/>
+                        </a:spcAft>
+                        <a:buClrTx/>
+                        <a:buSzTx/>
+                        <a:buFontTx/>
+                        <a:buNone/>
+                        <a:tabLst/>
+                        <a:defRPr/>
+                      </a:pPr>
+                      <a:r>
+                        <a:rPr lang="de-DE" sz="1600" kern="1200" dirty="0">
+                          <a:solidFill>
+                            <a:schemeClr val="dk1"/>
+                          </a:solidFill>
+                          <a:effectLst/>
+                          <a:latin typeface="+mn-lt"/>
+                          <a:ea typeface="+mn-ea"/>
+                          <a:cs typeface="+mn-cs"/>
+                        </a:rPr>
+                        <a:t>922,849ms (70,758%)</a:t>
+                      </a:r>
                     </a:p>
                   </a:txBody>
                   <a:tcPr>
@@ -14624,134 +14386,35 @@
                     <a:bodyPr/>
                     <a:lstStyle/>
                     <a:p>
-                      <a:pPr algn="ctr"/>
-                      <a:endParaRPr lang="de-DE" sz="1200" dirty="0"/>
-                    </a:p>
-                  </a:txBody>
-                  <a:tcPr>
-                    <a:lnL w="6350" cap="flat" cmpd="sng" algn="ctr">
-                      <a:solidFill>
-                        <a:schemeClr val="tx1"/>
-                      </a:solidFill>
-                      <a:prstDash val="sysDot"/>
-                      <a:round/>
-                      <a:headEnd type="none" w="med" len="med"/>
-                      <a:tailEnd type="none" w="med" len="med"/>
-                    </a:lnL>
-                    <a:lnT w="6350" cap="flat" cmpd="sng" algn="ctr">
-                      <a:solidFill>
-                        <a:schemeClr val="tx1"/>
-                      </a:solidFill>
-                      <a:prstDash val="sysDot"/>
-                      <a:round/>
-                      <a:headEnd type="none" w="med" len="med"/>
-                      <a:tailEnd type="none" w="med" len="med"/>
-                    </a:lnT>
-                    <a:lnB w="6350" cap="flat" cmpd="sng" algn="ctr">
-                      <a:solidFill>
-                        <a:schemeClr val="tx1"/>
-                      </a:solidFill>
-                      <a:prstDash val="sysDot"/>
-                      <a:round/>
-                      <a:headEnd type="none" w="med" len="med"/>
-                      <a:tailEnd type="none" w="med" len="med"/>
-                    </a:lnB>
-                  </a:tcPr>
-                </a:tc>
-                <a:tc>
-                  <a:txBody>
-                    <a:bodyPr/>
-                    <a:lstStyle/>
-                    <a:p>
-                      <a:pPr algn="ctr"/>
-                      <a:endParaRPr lang="de-DE" sz="1200" dirty="0"/>
-                    </a:p>
-                  </a:txBody>
-                  <a:tcPr>
-                    <a:lnR w="6350" cap="flat" cmpd="sng" algn="ctr">
-                      <a:solidFill>
-                        <a:schemeClr val="tx1"/>
-                      </a:solidFill>
-                      <a:prstDash val="sysDot"/>
-                      <a:round/>
-                      <a:headEnd type="none" w="med" len="med"/>
-                      <a:tailEnd type="none" w="med" len="med"/>
-                    </a:lnR>
-                    <a:lnT w="6350" cap="flat" cmpd="sng" algn="ctr">
-                      <a:solidFill>
-                        <a:schemeClr val="tx1"/>
-                      </a:solidFill>
-                      <a:prstDash val="sysDot"/>
-                      <a:round/>
-                      <a:headEnd type="none" w="med" len="med"/>
-                      <a:tailEnd type="none" w="med" len="med"/>
-                    </a:lnT>
-                    <a:lnB w="6350" cap="flat" cmpd="sng" algn="ctr">
-                      <a:solidFill>
-                        <a:schemeClr val="tx1"/>
-                      </a:solidFill>
-                      <a:prstDash val="sysDot"/>
-                      <a:round/>
-                      <a:headEnd type="none" w="med" len="med"/>
-                      <a:tailEnd type="none" w="med" len="med"/>
-                    </a:lnB>
-                  </a:tcPr>
-                </a:tc>
-                <a:tc>
-                  <a:txBody>
-                    <a:bodyPr/>
-                    <a:lstStyle/>
-                    <a:p>
-                      <a:pPr algn="ctr"/>
-                      <a:endParaRPr lang="de-DE" sz="1200" dirty="0"/>
-                    </a:p>
-                  </a:txBody>
-                  <a:tcPr>
-                    <a:lnL w="6350" cap="flat" cmpd="sng" algn="ctr">
-                      <a:solidFill>
-                        <a:schemeClr val="tx1"/>
-                      </a:solidFill>
-                      <a:prstDash val="sysDot"/>
-                      <a:round/>
-                      <a:headEnd type="none" w="med" len="med"/>
-                      <a:tailEnd type="none" w="med" len="med"/>
-                    </a:lnL>
-                    <a:lnR w="6350" cap="flat" cmpd="sng" algn="ctr">
-                      <a:solidFill>
-                        <a:schemeClr val="tx1"/>
-                      </a:solidFill>
-                      <a:prstDash val="sysDot"/>
-                      <a:round/>
-                      <a:headEnd type="none" w="med" len="med"/>
-                      <a:tailEnd type="none" w="med" len="med"/>
-                    </a:lnR>
-                    <a:lnT w="6350" cap="flat" cmpd="sng" algn="ctr">
-                      <a:solidFill>
-                        <a:schemeClr val="tx1"/>
-                      </a:solidFill>
-                      <a:prstDash val="sysDot"/>
-                      <a:round/>
-                      <a:headEnd type="none" w="med" len="med"/>
-                      <a:tailEnd type="none" w="med" len="med"/>
-                    </a:lnT>
-                    <a:lnB w="6350" cap="flat" cmpd="sng" algn="ctr">
-                      <a:solidFill>
-                        <a:schemeClr val="tx1"/>
-                      </a:solidFill>
-                      <a:prstDash val="sysDot"/>
-                      <a:round/>
-                      <a:headEnd type="none" w="med" len="med"/>
-                      <a:tailEnd type="none" w="med" len="med"/>
-                    </a:lnB>
-                  </a:tcPr>
-                </a:tc>
-                <a:tc>
-                  <a:txBody>
-                    <a:bodyPr/>
-                    <a:lstStyle/>
-                    <a:p>
-                      <a:pPr algn="ctr"/>
-                      <a:endParaRPr lang="de-DE" sz="1200" dirty="0"/>
+                      <a:pPr marL="0" marR="0" lvl="0" indent="0" algn="ctr" defTabSz="914400" rtl="0" eaLnBrk="1" fontAlgn="auto" latinLnBrk="0" hangingPunct="1">
+                        <a:lnSpc>
+                          <a:spcPct val="100000"/>
+                        </a:lnSpc>
+                        <a:spcBef>
+                          <a:spcPts val="0"/>
+                        </a:spcBef>
+                        <a:spcAft>
+                          <a:spcPts val="0"/>
+                        </a:spcAft>
+                        <a:buClrTx/>
+                        <a:buSzTx/>
+                        <a:buFontTx/>
+                        <a:buNone/>
+                        <a:tabLst/>
+                        <a:defRPr/>
+                      </a:pPr>
+                      <a:r>
+                        <a:rPr lang="de-DE" sz="1600" kern="1200" dirty="0">
+                          <a:solidFill>
+                            <a:schemeClr val="dk1"/>
+                          </a:solidFill>
+                          <a:effectLst/>
+                          <a:latin typeface="+mn-lt"/>
+                          <a:ea typeface="+mn-ea"/>
+                          <a:cs typeface="+mn-cs"/>
+                        </a:rPr>
+                        <a:t>43926,629ms (85,399%)</a:t>
+                      </a:r>
                     </a:p>
                   </a:txBody>
                   <a:tcPr>
@@ -14830,8 +14493,35 @@
                     <a:bodyPr/>
                     <a:lstStyle/>
                     <a:p>
-                      <a:pPr algn="ctr"/>
-                      <a:endParaRPr lang="de-DE" sz="1200" dirty="0"/>
+                      <a:pPr marL="0" marR="0" lvl="0" indent="0" algn="ctr" defTabSz="914400" rtl="0" eaLnBrk="1" fontAlgn="auto" latinLnBrk="0" hangingPunct="1">
+                        <a:lnSpc>
+                          <a:spcPct val="100000"/>
+                        </a:lnSpc>
+                        <a:spcBef>
+                          <a:spcPts val="0"/>
+                        </a:spcBef>
+                        <a:spcAft>
+                          <a:spcPts val="0"/>
+                        </a:spcAft>
+                        <a:buClrTx/>
+                        <a:buSzTx/>
+                        <a:buFontTx/>
+                        <a:buNone/>
+                        <a:tabLst/>
+                        <a:defRPr/>
+                      </a:pPr>
+                      <a:r>
+                        <a:rPr lang="de-DE" sz="1600" kern="1200" dirty="0">
+                          <a:solidFill>
+                            <a:schemeClr val="dk1"/>
+                          </a:solidFill>
+                          <a:effectLst/>
+                          <a:latin typeface="+mn-lt"/>
+                          <a:ea typeface="+mn-ea"/>
+                          <a:cs typeface="+mn-cs"/>
+                        </a:rPr>
+                        <a:t>21,290ms (86,517%)</a:t>
+                      </a:r>
                     </a:p>
                   </a:txBody>
                   <a:tcPr>
@@ -14860,8 +14550,35 @@
                     <a:bodyPr/>
                     <a:lstStyle/>
                     <a:p>
-                      <a:pPr algn="ctr"/>
-                      <a:endParaRPr lang="de-DE" sz="1200" dirty="0"/>
+                      <a:pPr marL="0" marR="0" lvl="0" indent="0" algn="ctr" defTabSz="914400" rtl="0" eaLnBrk="1" fontAlgn="auto" latinLnBrk="0" hangingPunct="1">
+                        <a:lnSpc>
+                          <a:spcPct val="100000"/>
+                        </a:lnSpc>
+                        <a:spcBef>
+                          <a:spcPts val="0"/>
+                        </a:spcBef>
+                        <a:spcAft>
+                          <a:spcPts val="0"/>
+                        </a:spcAft>
+                        <a:buClrTx/>
+                        <a:buSzTx/>
+                        <a:buFontTx/>
+                        <a:buNone/>
+                        <a:tabLst/>
+                        <a:defRPr/>
+                      </a:pPr>
+                      <a:r>
+                        <a:rPr lang="de-DE" sz="1600" kern="1200" dirty="0">
+                          <a:solidFill>
+                            <a:schemeClr val="dk1"/>
+                          </a:solidFill>
+                          <a:effectLst/>
+                          <a:latin typeface="+mn-lt"/>
+                          <a:ea typeface="+mn-ea"/>
+                          <a:cs typeface="+mn-cs"/>
+                        </a:rPr>
+                        <a:t>526,234ms (89,622%)</a:t>
+                      </a:r>
                     </a:p>
                   </a:txBody>
                   <a:tcPr>
@@ -14899,107 +14616,35 @@
                     <a:bodyPr/>
                     <a:lstStyle/>
                     <a:p>
-                      <a:pPr algn="ctr"/>
-                      <a:endParaRPr lang="de-DE" sz="1200" dirty="0"/>
-                    </a:p>
-                  </a:txBody>
-                  <a:tcPr>
-                    <a:lnL w="6350" cap="flat" cmpd="sng" algn="ctr">
-                      <a:solidFill>
-                        <a:schemeClr val="tx1"/>
-                      </a:solidFill>
-                      <a:prstDash val="sysDot"/>
-                      <a:round/>
-                      <a:headEnd type="none" w="med" len="med"/>
-                      <a:tailEnd type="none" w="med" len="med"/>
-                    </a:lnL>
-                    <a:lnT w="6350" cap="flat" cmpd="sng" algn="ctr">
-                      <a:solidFill>
-                        <a:schemeClr val="tx1"/>
-                      </a:solidFill>
-                      <a:prstDash val="sysDot"/>
-                      <a:round/>
-                      <a:headEnd type="none" w="med" len="med"/>
-                      <a:tailEnd type="none" w="med" len="med"/>
-                    </a:lnT>
-                  </a:tcPr>
-                </a:tc>
-                <a:tc>
-                  <a:txBody>
-                    <a:bodyPr/>
-                    <a:lstStyle/>
-                    <a:p>
-                      <a:pPr algn="ctr"/>
-                      <a:endParaRPr lang="de-DE" sz="1200" dirty="0"/>
-                    </a:p>
-                  </a:txBody>
-                  <a:tcPr>
-                    <a:lnR w="6350" cap="flat" cmpd="sng" algn="ctr">
-                      <a:solidFill>
-                        <a:schemeClr val="tx1"/>
-                      </a:solidFill>
-                      <a:prstDash val="sysDot"/>
-                      <a:round/>
-                      <a:headEnd type="none" w="med" len="med"/>
-                      <a:tailEnd type="none" w="med" len="med"/>
-                    </a:lnR>
-                    <a:lnT w="6350" cap="flat" cmpd="sng" algn="ctr">
-                      <a:solidFill>
-                        <a:schemeClr val="tx1"/>
-                      </a:solidFill>
-                      <a:prstDash val="sysDot"/>
-                      <a:round/>
-                      <a:headEnd type="none" w="med" len="med"/>
-                      <a:tailEnd type="none" w="med" len="med"/>
-                    </a:lnT>
-                  </a:tcPr>
-                </a:tc>
-                <a:tc>
-                  <a:txBody>
-                    <a:bodyPr/>
-                    <a:lstStyle/>
-                    <a:p>
-                      <a:pPr algn="ctr"/>
-                      <a:endParaRPr lang="de-DE" sz="1200" dirty="0"/>
-                    </a:p>
-                  </a:txBody>
-                  <a:tcPr>
-                    <a:lnL w="6350" cap="flat" cmpd="sng" algn="ctr">
-                      <a:solidFill>
-                        <a:schemeClr val="tx1"/>
-                      </a:solidFill>
-                      <a:prstDash val="sysDot"/>
-                      <a:round/>
-                      <a:headEnd type="none" w="med" len="med"/>
-                      <a:tailEnd type="none" w="med" len="med"/>
-                    </a:lnL>
-                    <a:lnR w="6350" cap="flat" cmpd="sng" algn="ctr">
-                      <a:solidFill>
-                        <a:schemeClr val="tx1"/>
-                      </a:solidFill>
-                      <a:prstDash val="sysDot"/>
-                      <a:round/>
-                      <a:headEnd type="none" w="med" len="med"/>
-                      <a:tailEnd type="none" w="med" len="med"/>
-                    </a:lnR>
-                    <a:lnT w="6350" cap="flat" cmpd="sng" algn="ctr">
-                      <a:solidFill>
-                        <a:schemeClr val="tx1"/>
-                      </a:solidFill>
-                      <a:prstDash val="sysDot"/>
-                      <a:round/>
-                      <a:headEnd type="none" w="med" len="med"/>
-                      <a:tailEnd type="none" w="med" len="med"/>
-                    </a:lnT>
-                  </a:tcPr>
-                </a:tc>
-                <a:tc>
-                  <a:txBody>
-                    <a:bodyPr/>
-                    <a:lstStyle/>
-                    <a:p>
-                      <a:pPr algn="ctr"/>
-                      <a:endParaRPr lang="de-DE" sz="1200" dirty="0"/>
+                      <a:pPr marL="0" marR="0" lvl="0" indent="0" algn="ctr" defTabSz="914400" rtl="0" eaLnBrk="1" fontAlgn="auto" latinLnBrk="0" hangingPunct="1">
+                        <a:lnSpc>
+                          <a:spcPct val="100000"/>
+                        </a:lnSpc>
+                        <a:spcBef>
+                          <a:spcPts val="0"/>
+                        </a:spcBef>
+                        <a:spcAft>
+                          <a:spcPts val="0"/>
+                        </a:spcAft>
+                        <a:buClrTx/>
+                        <a:buSzTx/>
+                        <a:buFontTx/>
+                        <a:buNone/>
+                        <a:tabLst/>
+                        <a:defRPr/>
+                      </a:pPr>
+                      <a:r>
+                        <a:rPr lang="de-DE" sz="1600" kern="1200" dirty="0">
+                          <a:solidFill>
+                            <a:schemeClr val="dk1"/>
+                          </a:solidFill>
+                          <a:effectLst/>
+                          <a:latin typeface="+mn-lt"/>
+                          <a:ea typeface="+mn-ea"/>
+                          <a:cs typeface="+mn-cs"/>
+                        </a:rPr>
+                        <a:t>18894,799ms (96,708%)</a:t>
+                      </a:r>
                     </a:p>
                   </a:txBody>
                   <a:tcPr>
@@ -15049,7 +14694,12 @@
             <p:ph type="title"/>
           </p:nvPr>
         </p:nvSpPr>
-        <p:spPr/>
+        <p:spPr>
+          <a:xfrm>
+            <a:off x="837478" y="480813"/>
+            <a:ext cx="10517038" cy="1285246"/>
+          </a:xfrm>
+        </p:spPr>
         <p:txBody>
           <a:bodyPr/>
           <a:lstStyle/>
@@ -15058,9 +14708,50 @@
               <a:rPr lang="de-DE" dirty="0">
                 <a:latin typeface="DM Sans" pitchFamily="2" charset="77"/>
               </a:rPr>
-              <a:t>Vergleich MiniMax und AlphaBeta</a:t>
+              <a:t>Vergleich MiniMax und </a:t>
+            </a:r>
+            <a:r>
+              <a:rPr lang="de-DE" dirty="0" err="1">
+                <a:latin typeface="DM Sans" pitchFamily="2" charset="77"/>
+              </a:rPr>
+              <a:t>AlphaBeta</a:t>
             </a:r>
             <a:endParaRPr lang="de-DE" dirty="0"/>
+          </a:p>
+        </p:txBody>
+      </p:sp>
+      <p:sp>
+        <p:nvSpPr>
+          <p:cNvPr id="3" name="Textfeld 2">
+            <a:extLst>
+              <a:ext uri="{FF2B5EF4-FFF2-40B4-BE49-F238E27FC236}">
+                <a16:creationId xmlns:a16="http://schemas.microsoft.com/office/drawing/2014/main" id="{29633D34-CB08-982C-1239-CF7CD49682B2}"/>
+              </a:ext>
+            </a:extLst>
+          </p:cNvPr>
+          <p:cNvSpPr txBox="1"/>
+          <p:nvPr/>
+        </p:nvSpPr>
+        <p:spPr>
+          <a:xfrm>
+            <a:off x="1020071" y="1549872"/>
+            <a:ext cx="2440092" cy="584775"/>
+          </a:xfrm>
+          <a:prstGeom prst="rect">
+            <a:avLst/>
+          </a:prstGeom>
+          <a:noFill/>
+        </p:spPr>
+        <p:txBody>
+          <a:bodyPr wrap="none" rtlCol="0">
+            <a:spAutoFit/>
+          </a:bodyPr>
+          <a:lstStyle/>
+          <a:p>
+            <a:r>
+              <a:rPr lang="de-DE" sz="3200" dirty="0"/>
+              <a:t>Zeitersparnis:</a:t>
+            </a:r>
           </a:p>
         </p:txBody>
       </p:sp>
@@ -15078,6 +14769,1031 @@
 </file>
 
 <file path=ppt/slides/slide7.xml><?xml version="1.0" encoding="utf-8"?>
+<p:sld xmlns:a="http://schemas.openxmlformats.org/drawingml/2006/main" xmlns:r="http://schemas.openxmlformats.org/officeDocument/2006/relationships" xmlns:p="http://schemas.openxmlformats.org/presentationml/2006/main">
+  <p:cSld>
+    <p:spTree>
+      <p:nvGrpSpPr>
+        <p:cNvPr id="1" name=""/>
+        <p:cNvGrpSpPr/>
+        <p:nvPr/>
+      </p:nvGrpSpPr>
+      <p:grpSpPr>
+        <a:xfrm>
+          <a:off x="0" y="0"/>
+          <a:ext cx="0" cy="0"/>
+          <a:chOff x="0" y="0"/>
+          <a:chExt cx="0" cy="0"/>
+        </a:xfrm>
+      </p:grpSpPr>
+      <p:graphicFrame>
+        <p:nvGraphicFramePr>
+          <p:cNvPr id="4" name="Tabelle 3">
+            <a:extLst>
+              <a:ext uri="{FF2B5EF4-FFF2-40B4-BE49-F238E27FC236}">
+                <a16:creationId xmlns:a16="http://schemas.microsoft.com/office/drawing/2014/main" id="{148D5A1F-F4C1-1627-0AF7-26B2B8EA2587}"/>
+              </a:ext>
+            </a:extLst>
+          </p:cNvPr>
+          <p:cNvGraphicFramePr>
+            <a:graphicFrameLocks noGrp="1"/>
+          </p:cNvGraphicFramePr>
+          <p:nvPr>
+            <p:extLst>
+              <p:ext uri="{D42A27DB-BD31-4B8C-83A1-F6EECF244321}">
+                <p14:modId xmlns:p14="http://schemas.microsoft.com/office/powerpoint/2010/main" val="89706768"/>
+              </p:ext>
+            </p:extLst>
+          </p:nvPr>
+        </p:nvGraphicFramePr>
+        <p:xfrm>
+          <a:off x="2200811" y="2319786"/>
+          <a:ext cx="7790372" cy="1676400"/>
+        </p:xfrm>
+        <a:graphic>
+          <a:graphicData uri="http://schemas.openxmlformats.org/drawingml/2006/table">
+            <a:tbl>
+              <a:tblPr firstRow="1" bandRow="1">
+                <a:tableStyleId>{D7AC3CCA-C797-4891-BE02-D94E43425B78}</a:tableStyleId>
+              </a:tblPr>
+              <a:tblGrid>
+                <a:gridCol w="879895">
+                  <a:extLst>
+                    <a:ext uri="{9D8B030D-6E8A-4147-A177-3AD203B41FA5}">
+                      <a16:colId xmlns:a16="http://schemas.microsoft.com/office/drawing/2014/main" val="4146284807"/>
+                    </a:ext>
+                  </a:extLst>
+                </a:gridCol>
+                <a:gridCol w="2183201">
+                  <a:extLst>
+                    <a:ext uri="{9D8B030D-6E8A-4147-A177-3AD203B41FA5}">
+                      <a16:colId xmlns:a16="http://schemas.microsoft.com/office/drawing/2014/main" val="1076281417"/>
+                    </a:ext>
+                  </a:extLst>
+                </a:gridCol>
+                <a:gridCol w="2294627">
+                  <a:extLst>
+                    <a:ext uri="{9D8B030D-6E8A-4147-A177-3AD203B41FA5}">
+                      <a16:colId xmlns:a16="http://schemas.microsoft.com/office/drawing/2014/main" val="793062181"/>
+                    </a:ext>
+                  </a:extLst>
+                </a:gridCol>
+                <a:gridCol w="2432649">
+                  <a:extLst>
+                    <a:ext uri="{9D8B030D-6E8A-4147-A177-3AD203B41FA5}">
+                      <a16:colId xmlns:a16="http://schemas.microsoft.com/office/drawing/2014/main" val="2660589754"/>
+                    </a:ext>
+                  </a:extLst>
+                </a:gridCol>
+              </a:tblGrid>
+              <a:tr h="0">
+                <a:tc rowSpan="2">
+                  <a:txBody>
+                    <a:bodyPr/>
+                    <a:lstStyle/>
+                    <a:p>
+                      <a:pPr algn="ctr"/>
+                      <a:r>
+                        <a:rPr lang="de-DE" sz="1600" dirty="0"/>
+                        <a:t>Stellung</a:t>
+                      </a:r>
+                    </a:p>
+                  </a:txBody>
+                  <a:tcPr/>
+                </a:tc>
+                <a:tc gridSpan="3">
+                  <a:txBody>
+                    <a:bodyPr/>
+                    <a:lstStyle/>
+                    <a:p>
+                      <a:pPr algn="ctr"/>
+                      <a:r>
+                        <a:rPr lang="de-DE" sz="1600" dirty="0"/>
+                        <a:t>Zugberechnungsersparnis durch Cutoff je nach Tiefe d</a:t>
+                      </a:r>
+                    </a:p>
+                  </a:txBody>
+                  <a:tcPr>
+                    <a:lnB w="6350" cap="flat" cmpd="sng" algn="ctr">
+                      <a:solidFill>
+                        <a:schemeClr val="tx1"/>
+                      </a:solidFill>
+                      <a:prstDash val="sysDot"/>
+                      <a:round/>
+                      <a:headEnd type="none" w="med" len="med"/>
+                      <a:tailEnd type="none" w="med" len="med"/>
+                    </a:lnB>
+                  </a:tcPr>
+                </a:tc>
+                <a:tc hMerge="1">
+                  <a:txBody>
+                    <a:bodyPr/>
+                    <a:lstStyle/>
+                    <a:p>
+                      <a:endParaRPr lang="de-DE"/>
+                    </a:p>
+                  </a:txBody>
+                  <a:tcPr/>
+                </a:tc>
+                <a:tc hMerge="1">
+                  <a:txBody>
+                    <a:bodyPr/>
+                    <a:lstStyle/>
+                    <a:p>
+                      <a:endParaRPr lang="de-DE"/>
+                    </a:p>
+                  </a:txBody>
+                  <a:tcPr/>
+                </a:tc>
+                <a:extLst>
+                  <a:ext uri="{0D108BD9-81ED-4DB2-BD59-A6C34878D82A}">
+                    <a16:rowId xmlns:a16="http://schemas.microsoft.com/office/drawing/2014/main" val="2337037534"/>
+                  </a:ext>
+                </a:extLst>
+              </a:tr>
+              <a:tr h="127671">
+                <a:tc vMerge="1">
+                  <a:txBody>
+                    <a:bodyPr/>
+                    <a:lstStyle/>
+                    <a:p>
+                      <a:pPr algn="ctr"/>
+                      <a:endParaRPr lang="de-DE" dirty="0"/>
+                    </a:p>
+                  </a:txBody>
+                  <a:tcPr>
+                    <a:lnT w="6350" cap="flat" cmpd="sng" algn="ctr">
+                      <a:solidFill>
+                        <a:schemeClr val="tx1"/>
+                      </a:solidFill>
+                      <a:prstDash val="sysDot"/>
+                      <a:round/>
+                      <a:headEnd type="none" w="med" len="med"/>
+                      <a:tailEnd type="none" w="med" len="med"/>
+                    </a:lnT>
+                  </a:tcPr>
+                </a:tc>
+                <a:tc>
+                  <a:txBody>
+                    <a:bodyPr/>
+                    <a:lstStyle/>
+                    <a:p>
+                      <a:pPr algn="ctr"/>
+                      <a:r>
+                        <a:rPr lang="de-DE" sz="1600" dirty="0"/>
+                        <a:t>d = 2</a:t>
+                      </a:r>
+                    </a:p>
+                  </a:txBody>
+                  <a:tcPr>
+                    <a:lnR w="6350" cap="flat" cmpd="sng" algn="ctr">
+                      <a:solidFill>
+                        <a:schemeClr val="tx1"/>
+                      </a:solidFill>
+                      <a:prstDash val="sysDot"/>
+                      <a:round/>
+                      <a:headEnd type="none" w="med" len="med"/>
+                      <a:tailEnd type="none" w="med" len="med"/>
+                    </a:lnR>
+                    <a:lnT w="6350" cap="flat" cmpd="sng" algn="ctr">
+                      <a:solidFill>
+                        <a:schemeClr val="tx1"/>
+                      </a:solidFill>
+                      <a:prstDash val="sysDot"/>
+                      <a:round/>
+                      <a:headEnd type="none" w="med" len="med"/>
+                      <a:tailEnd type="none" w="med" len="med"/>
+                    </a:lnT>
+                  </a:tcPr>
+                </a:tc>
+                <a:tc>
+                  <a:txBody>
+                    <a:bodyPr/>
+                    <a:lstStyle/>
+                    <a:p>
+                      <a:pPr algn="ctr"/>
+                      <a:r>
+                        <a:rPr lang="de-DE" sz="1600" dirty="0"/>
+                        <a:t>d = 3</a:t>
+                      </a:r>
+                    </a:p>
+                  </a:txBody>
+                  <a:tcPr>
+                    <a:lnL w="6350" cap="flat" cmpd="sng" algn="ctr">
+                      <a:solidFill>
+                        <a:schemeClr val="tx1"/>
+                      </a:solidFill>
+                      <a:prstDash val="sysDot"/>
+                      <a:round/>
+                      <a:headEnd type="none" w="med" len="med"/>
+                      <a:tailEnd type="none" w="med" len="med"/>
+                    </a:lnL>
+                    <a:lnR w="6350" cap="flat" cmpd="sng" algn="ctr">
+                      <a:solidFill>
+                        <a:schemeClr val="tx1"/>
+                      </a:solidFill>
+                      <a:prstDash val="sysDot"/>
+                      <a:round/>
+                      <a:headEnd type="none" w="med" len="med"/>
+                      <a:tailEnd type="none" w="med" len="med"/>
+                    </a:lnR>
+                    <a:lnT w="6350" cap="flat" cmpd="sng" algn="ctr">
+                      <a:solidFill>
+                        <a:schemeClr val="tx1"/>
+                      </a:solidFill>
+                      <a:prstDash val="sysDot"/>
+                      <a:round/>
+                      <a:headEnd type="none" w="med" len="med"/>
+                      <a:tailEnd type="none" w="med" len="med"/>
+                    </a:lnT>
+                  </a:tcPr>
+                </a:tc>
+                <a:tc>
+                  <a:txBody>
+                    <a:bodyPr/>
+                    <a:lstStyle/>
+                    <a:p>
+                      <a:pPr algn="ctr"/>
+                      <a:r>
+                        <a:rPr lang="de-DE" sz="1600" dirty="0"/>
+                        <a:t>d = 4</a:t>
+                      </a:r>
+                    </a:p>
+                  </a:txBody>
+                  <a:tcPr>
+                    <a:lnL w="6350" cap="flat" cmpd="sng" algn="ctr">
+                      <a:solidFill>
+                        <a:schemeClr val="tx1"/>
+                      </a:solidFill>
+                      <a:prstDash val="sysDot"/>
+                      <a:round/>
+                      <a:headEnd type="none" w="med" len="med"/>
+                      <a:tailEnd type="none" w="med" len="med"/>
+                    </a:lnL>
+                    <a:lnT w="6350" cap="flat" cmpd="sng" algn="ctr">
+                      <a:solidFill>
+                        <a:schemeClr val="tx1"/>
+                      </a:solidFill>
+                      <a:prstDash val="sysDot"/>
+                      <a:round/>
+                      <a:headEnd type="none" w="med" len="med"/>
+                      <a:tailEnd type="none" w="med" len="med"/>
+                    </a:lnT>
+                  </a:tcPr>
+                </a:tc>
+                <a:extLst>
+                  <a:ext uri="{0D108BD9-81ED-4DB2-BD59-A6C34878D82A}">
+                    <a16:rowId xmlns:a16="http://schemas.microsoft.com/office/drawing/2014/main" val="3108247156"/>
+                  </a:ext>
+                </a:extLst>
+              </a:tr>
+              <a:tr h="313779">
+                <a:tc>
+                  <a:txBody>
+                    <a:bodyPr/>
+                    <a:lstStyle/>
+                    <a:p>
+                      <a:pPr algn="ctr"/>
+                      <a:r>
+                        <a:rPr lang="de-DE" sz="1600" dirty="0"/>
+                        <a:t>1</a:t>
+                      </a:r>
+                    </a:p>
+                  </a:txBody>
+                  <a:tcPr>
+                    <a:lnB w="6350" cap="flat" cmpd="sng" algn="ctr">
+                      <a:solidFill>
+                        <a:schemeClr val="tx1"/>
+                      </a:solidFill>
+                      <a:prstDash val="sysDot"/>
+                      <a:round/>
+                      <a:headEnd type="none" w="med" len="med"/>
+                      <a:tailEnd type="none" w="med" len="med"/>
+                    </a:lnB>
+                  </a:tcPr>
+                </a:tc>
+                <a:tc>
+                  <a:txBody>
+                    <a:bodyPr/>
+                    <a:lstStyle/>
+                    <a:p>
+                      <a:pPr algn="ctr"/>
+                      <a:r>
+                        <a:rPr lang="de-DE" sz="1600" kern="1200" dirty="0">
+                          <a:solidFill>
+                            <a:schemeClr val="dk1"/>
+                          </a:solidFill>
+                          <a:effectLst/>
+                          <a:latin typeface="+mn-lt"/>
+                          <a:ea typeface="+mn-ea"/>
+                          <a:cs typeface="+mn-cs"/>
+                        </a:rPr>
+                        <a:t>207 (56,250%)</a:t>
+                      </a:r>
+                    </a:p>
+                  </a:txBody>
+                  <a:tcPr>
+                    <a:lnR w="6350" cap="flat" cmpd="sng" algn="ctr">
+                      <a:solidFill>
+                        <a:schemeClr val="tx1"/>
+                      </a:solidFill>
+                      <a:prstDash val="sysDot"/>
+                      <a:round/>
+                      <a:headEnd type="none" w="med" len="med"/>
+                      <a:tailEnd type="none" w="med" len="med"/>
+                    </a:lnR>
+                    <a:lnB w="6350" cap="flat" cmpd="sng" algn="ctr">
+                      <a:solidFill>
+                        <a:schemeClr val="tx1"/>
+                      </a:solidFill>
+                      <a:prstDash val="sysDot"/>
+                      <a:round/>
+                      <a:headEnd type="none" w="med" len="med"/>
+                      <a:tailEnd type="none" w="med" len="med"/>
+                    </a:lnB>
+                  </a:tcPr>
+                </a:tc>
+                <a:tc>
+                  <a:txBody>
+                    <a:bodyPr/>
+                    <a:lstStyle/>
+                    <a:p>
+                      <a:pPr marL="0" marR="0" lvl="0" indent="0" algn="ctr" defTabSz="914400" rtl="0" eaLnBrk="1" fontAlgn="auto" latinLnBrk="0" hangingPunct="1">
+                        <a:lnSpc>
+                          <a:spcPct val="100000"/>
+                        </a:lnSpc>
+                        <a:spcBef>
+                          <a:spcPts val="0"/>
+                        </a:spcBef>
+                        <a:spcAft>
+                          <a:spcPts val="0"/>
+                        </a:spcAft>
+                        <a:buClrTx/>
+                        <a:buSzTx/>
+                        <a:buFontTx/>
+                        <a:buNone/>
+                        <a:tabLst/>
+                        <a:defRPr/>
+                      </a:pPr>
+                      <a:r>
+                        <a:rPr lang="de-DE" sz="1600" kern="1200" dirty="0">
+                          <a:solidFill>
+                            <a:schemeClr val="dk1"/>
+                          </a:solidFill>
+                          <a:effectLst/>
+                          <a:latin typeface="+mn-lt"/>
+                          <a:ea typeface="+mn-ea"/>
+                          <a:cs typeface="+mn-cs"/>
+                        </a:rPr>
+                        <a:t>4781 (87,500%)</a:t>
+                      </a:r>
+                    </a:p>
+                  </a:txBody>
+                  <a:tcPr>
+                    <a:lnL w="6350" cap="flat" cmpd="sng" algn="ctr">
+                      <a:solidFill>
+                        <a:schemeClr val="tx1"/>
+                      </a:solidFill>
+                      <a:prstDash val="sysDot"/>
+                      <a:round/>
+                      <a:headEnd type="none" w="med" len="med"/>
+                      <a:tailEnd type="none" w="med" len="med"/>
+                    </a:lnL>
+                    <a:lnR w="6350" cap="flat" cmpd="sng" algn="ctr">
+                      <a:solidFill>
+                        <a:schemeClr val="tx1"/>
+                      </a:solidFill>
+                      <a:prstDash val="sysDot"/>
+                      <a:round/>
+                      <a:headEnd type="none" w="med" len="med"/>
+                      <a:tailEnd type="none" w="med" len="med"/>
+                    </a:lnR>
+                    <a:lnB w="6350" cap="flat" cmpd="sng" algn="ctr">
+                      <a:solidFill>
+                        <a:schemeClr val="tx1"/>
+                      </a:solidFill>
+                      <a:prstDash val="sysDot"/>
+                      <a:round/>
+                      <a:headEnd type="none" w="med" len="med"/>
+                      <a:tailEnd type="none" w="med" len="med"/>
+                    </a:lnB>
+                  </a:tcPr>
+                </a:tc>
+                <a:tc>
+                  <a:txBody>
+                    <a:bodyPr/>
+                    <a:lstStyle/>
+                    <a:p>
+                      <a:pPr marL="0" marR="0" lvl="0" indent="0" algn="ctr" defTabSz="914400" rtl="0" eaLnBrk="1" fontAlgn="auto" latinLnBrk="0" hangingPunct="1">
+                        <a:lnSpc>
+                          <a:spcPct val="100000"/>
+                        </a:lnSpc>
+                        <a:spcBef>
+                          <a:spcPts val="0"/>
+                        </a:spcBef>
+                        <a:spcAft>
+                          <a:spcPts val="0"/>
+                        </a:spcAft>
+                        <a:buClrTx/>
+                        <a:buSzTx/>
+                        <a:buFontTx/>
+                        <a:buNone/>
+                        <a:tabLst/>
+                        <a:defRPr/>
+                      </a:pPr>
+                      <a:r>
+                        <a:rPr lang="de-DE" sz="1600" kern="1200" dirty="0">
+                          <a:solidFill>
+                            <a:schemeClr val="dk1"/>
+                          </a:solidFill>
+                          <a:effectLst/>
+                          <a:latin typeface="+mn-lt"/>
+                          <a:ea typeface="+mn-ea"/>
+                          <a:cs typeface="+mn-cs"/>
+                        </a:rPr>
+                        <a:t>87997 (86,251%)</a:t>
+                      </a:r>
+                    </a:p>
+                  </a:txBody>
+                  <a:tcPr>
+                    <a:lnL w="6350" cap="flat" cmpd="sng" algn="ctr">
+                      <a:solidFill>
+                        <a:schemeClr val="tx1"/>
+                      </a:solidFill>
+                      <a:prstDash val="sysDot"/>
+                      <a:round/>
+                      <a:headEnd type="none" w="med" len="med"/>
+                      <a:tailEnd type="none" w="med" len="med"/>
+                    </a:lnL>
+                    <a:lnB w="6350" cap="flat" cmpd="sng" algn="ctr">
+                      <a:solidFill>
+                        <a:schemeClr val="tx1"/>
+                      </a:solidFill>
+                      <a:prstDash val="sysDot"/>
+                      <a:round/>
+                      <a:headEnd type="none" w="med" len="med"/>
+                      <a:tailEnd type="none" w="med" len="med"/>
+                    </a:lnB>
+                  </a:tcPr>
+                </a:tc>
+                <a:extLst>
+                  <a:ext uri="{0D108BD9-81ED-4DB2-BD59-A6C34878D82A}">
+                    <a16:rowId xmlns:a16="http://schemas.microsoft.com/office/drawing/2014/main" val="4251234231"/>
+                  </a:ext>
+                </a:extLst>
+              </a:tr>
+              <a:tr h="280975">
+                <a:tc>
+                  <a:txBody>
+                    <a:bodyPr/>
+                    <a:lstStyle/>
+                    <a:p>
+                      <a:pPr algn="ctr"/>
+                      <a:r>
+                        <a:rPr lang="de-DE" sz="1600" dirty="0"/>
+                        <a:t>2</a:t>
+                      </a:r>
+                    </a:p>
+                  </a:txBody>
+                  <a:tcPr>
+                    <a:lnT w="6350" cap="flat" cmpd="sng" algn="ctr">
+                      <a:solidFill>
+                        <a:schemeClr val="tx1"/>
+                      </a:solidFill>
+                      <a:prstDash val="sysDot"/>
+                      <a:round/>
+                      <a:headEnd type="none" w="med" len="med"/>
+                      <a:tailEnd type="none" w="med" len="med"/>
+                    </a:lnT>
+                    <a:lnB w="6350" cap="flat" cmpd="sng" algn="ctr">
+                      <a:solidFill>
+                        <a:schemeClr val="tx1"/>
+                      </a:solidFill>
+                      <a:prstDash val="sysDot"/>
+                      <a:round/>
+                      <a:headEnd type="none" w="med" len="med"/>
+                      <a:tailEnd type="none" w="med" len="med"/>
+                    </a:lnB>
+                  </a:tcPr>
+                </a:tc>
+                <a:tc>
+                  <a:txBody>
+                    <a:bodyPr/>
+                    <a:lstStyle/>
+                    <a:p>
+                      <a:pPr marL="0" marR="0" lvl="0" indent="0" algn="ctr" defTabSz="914400" rtl="0" eaLnBrk="1" fontAlgn="auto" latinLnBrk="0" hangingPunct="1">
+                        <a:lnSpc>
+                          <a:spcPct val="100000"/>
+                        </a:lnSpc>
+                        <a:spcBef>
+                          <a:spcPts val="0"/>
+                        </a:spcBef>
+                        <a:spcAft>
+                          <a:spcPts val="0"/>
+                        </a:spcAft>
+                        <a:buClrTx/>
+                        <a:buSzTx/>
+                        <a:buFontTx/>
+                        <a:buNone/>
+                        <a:tabLst/>
+                        <a:defRPr/>
+                      </a:pPr>
+                      <a:r>
+                        <a:rPr lang="de-DE" sz="1600" kern="1200" dirty="0">
+                          <a:solidFill>
+                            <a:schemeClr val="dk1"/>
+                          </a:solidFill>
+                          <a:effectLst/>
+                          <a:latin typeface="+mn-lt"/>
+                          <a:ea typeface="+mn-ea"/>
+                          <a:cs typeface="+mn-cs"/>
+                        </a:rPr>
+                        <a:t>932 (61,075%)</a:t>
+                      </a:r>
+                    </a:p>
+                  </a:txBody>
+                  <a:tcPr>
+                    <a:lnR w="6350" cap="flat" cmpd="sng" algn="ctr">
+                      <a:solidFill>
+                        <a:schemeClr val="tx1"/>
+                      </a:solidFill>
+                      <a:prstDash val="sysDot"/>
+                      <a:round/>
+                      <a:headEnd type="none" w="med" len="med"/>
+                      <a:tailEnd type="none" w="med" len="med"/>
+                    </a:lnR>
+                    <a:lnT w="6350" cap="flat" cmpd="sng" algn="ctr">
+                      <a:solidFill>
+                        <a:schemeClr val="tx1"/>
+                      </a:solidFill>
+                      <a:prstDash val="sysDot"/>
+                      <a:round/>
+                      <a:headEnd type="none" w="med" len="med"/>
+                      <a:tailEnd type="none" w="med" len="med"/>
+                    </a:lnT>
+                    <a:lnB w="6350" cap="flat" cmpd="sng" algn="ctr">
+                      <a:solidFill>
+                        <a:schemeClr val="tx1"/>
+                      </a:solidFill>
+                      <a:prstDash val="sysDot"/>
+                      <a:round/>
+                      <a:headEnd type="none" w="med" len="med"/>
+                      <a:tailEnd type="none" w="med" len="med"/>
+                    </a:lnB>
+                  </a:tcPr>
+                </a:tc>
+                <a:tc>
+                  <a:txBody>
+                    <a:bodyPr/>
+                    <a:lstStyle/>
+                    <a:p>
+                      <a:pPr marL="0" marR="0" lvl="0" indent="0" algn="ctr" defTabSz="914400" rtl="0" eaLnBrk="1" fontAlgn="auto" latinLnBrk="0" hangingPunct="1">
+                        <a:lnSpc>
+                          <a:spcPct val="100000"/>
+                        </a:lnSpc>
+                        <a:spcBef>
+                          <a:spcPts val="0"/>
+                        </a:spcBef>
+                        <a:spcAft>
+                          <a:spcPts val="0"/>
+                        </a:spcAft>
+                        <a:buClrTx/>
+                        <a:buSzTx/>
+                        <a:buFontTx/>
+                        <a:buNone/>
+                        <a:tabLst/>
+                        <a:defRPr/>
+                      </a:pPr>
+                      <a:r>
+                        <a:rPr lang="de-DE" sz="1600" kern="1200" dirty="0">
+                          <a:solidFill>
+                            <a:schemeClr val="dk1"/>
+                          </a:solidFill>
+                          <a:effectLst/>
+                          <a:latin typeface="+mn-lt"/>
+                          <a:ea typeface="+mn-ea"/>
+                          <a:cs typeface="+mn-cs"/>
+                        </a:rPr>
+                        <a:t>39566 (68,185%)</a:t>
+                      </a:r>
+                    </a:p>
+                  </a:txBody>
+                  <a:tcPr>
+                    <a:lnL w="6350" cap="flat" cmpd="sng" algn="ctr">
+                      <a:solidFill>
+                        <a:schemeClr val="tx1"/>
+                      </a:solidFill>
+                      <a:prstDash val="sysDot"/>
+                      <a:round/>
+                      <a:headEnd type="none" w="med" len="med"/>
+                      <a:tailEnd type="none" w="med" len="med"/>
+                    </a:lnL>
+                    <a:lnR w="6350" cap="flat" cmpd="sng" algn="ctr">
+                      <a:solidFill>
+                        <a:schemeClr val="tx1"/>
+                      </a:solidFill>
+                      <a:prstDash val="sysDot"/>
+                      <a:round/>
+                      <a:headEnd type="none" w="med" len="med"/>
+                      <a:tailEnd type="none" w="med" len="med"/>
+                    </a:lnR>
+                    <a:lnT w="6350" cap="flat" cmpd="sng" algn="ctr">
+                      <a:solidFill>
+                        <a:schemeClr val="tx1"/>
+                      </a:solidFill>
+                      <a:prstDash val="sysDot"/>
+                      <a:round/>
+                      <a:headEnd type="none" w="med" len="med"/>
+                      <a:tailEnd type="none" w="med" len="med"/>
+                    </a:lnT>
+                    <a:lnB w="6350" cap="flat" cmpd="sng" algn="ctr">
+                      <a:solidFill>
+                        <a:schemeClr val="tx1"/>
+                      </a:solidFill>
+                      <a:prstDash val="sysDot"/>
+                      <a:round/>
+                      <a:headEnd type="none" w="med" len="med"/>
+                      <a:tailEnd type="none" w="med" len="med"/>
+                    </a:lnB>
+                  </a:tcPr>
+                </a:tc>
+                <a:tc>
+                  <a:txBody>
+                    <a:bodyPr/>
+                    <a:lstStyle/>
+                    <a:p>
+                      <a:pPr marL="0" marR="0" lvl="0" indent="0" algn="ctr" defTabSz="914400" rtl="0" eaLnBrk="1" fontAlgn="auto" latinLnBrk="0" hangingPunct="1">
+                        <a:lnSpc>
+                          <a:spcPct val="100000"/>
+                        </a:lnSpc>
+                        <a:spcBef>
+                          <a:spcPts val="0"/>
+                        </a:spcBef>
+                        <a:spcAft>
+                          <a:spcPts val="0"/>
+                        </a:spcAft>
+                        <a:buClrTx/>
+                        <a:buSzTx/>
+                        <a:buFontTx/>
+                        <a:buNone/>
+                        <a:tabLst/>
+                        <a:defRPr/>
+                      </a:pPr>
+                      <a:r>
+                        <a:rPr lang="de-DE" sz="1600" kern="1200" dirty="0">
+                          <a:solidFill>
+                            <a:schemeClr val="dk1"/>
+                          </a:solidFill>
+                          <a:effectLst/>
+                          <a:latin typeface="+mn-lt"/>
+                          <a:ea typeface="+mn-ea"/>
+                          <a:cs typeface="+mn-cs"/>
+                        </a:rPr>
+                        <a:t>1872077 (84,640%)</a:t>
+                      </a:r>
+                    </a:p>
+                  </a:txBody>
+                  <a:tcPr>
+                    <a:lnL w="6350" cap="flat" cmpd="sng" algn="ctr">
+                      <a:solidFill>
+                        <a:schemeClr val="tx1"/>
+                      </a:solidFill>
+                      <a:prstDash val="sysDot"/>
+                      <a:round/>
+                      <a:headEnd type="none" w="med" len="med"/>
+                      <a:tailEnd type="none" w="med" len="med"/>
+                    </a:lnL>
+                    <a:lnT w="6350" cap="flat" cmpd="sng" algn="ctr">
+                      <a:solidFill>
+                        <a:schemeClr val="tx1"/>
+                      </a:solidFill>
+                      <a:prstDash val="sysDot"/>
+                      <a:round/>
+                      <a:headEnd type="none" w="med" len="med"/>
+                      <a:tailEnd type="none" w="med" len="med"/>
+                    </a:lnT>
+                    <a:lnB w="6350" cap="flat" cmpd="sng" algn="ctr">
+                      <a:solidFill>
+                        <a:schemeClr val="tx1"/>
+                      </a:solidFill>
+                      <a:prstDash val="sysDot"/>
+                      <a:round/>
+                      <a:headEnd type="none" w="med" len="med"/>
+                      <a:tailEnd type="none" w="med" len="med"/>
+                    </a:lnB>
+                  </a:tcPr>
+                </a:tc>
+                <a:extLst>
+                  <a:ext uri="{0D108BD9-81ED-4DB2-BD59-A6C34878D82A}">
+                    <a16:rowId xmlns:a16="http://schemas.microsoft.com/office/drawing/2014/main" val="2361342053"/>
+                  </a:ext>
+                </a:extLst>
+              </a:tr>
+              <a:tr h="280975">
+                <a:tc>
+                  <a:txBody>
+                    <a:bodyPr/>
+                    <a:lstStyle/>
+                    <a:p>
+                      <a:pPr algn="ctr"/>
+                      <a:r>
+                        <a:rPr lang="de-DE" sz="1600" dirty="0"/>
+                        <a:t>3</a:t>
+                      </a:r>
+                    </a:p>
+                  </a:txBody>
+                  <a:tcPr>
+                    <a:lnT w="6350" cap="flat" cmpd="sng" algn="ctr">
+                      <a:solidFill>
+                        <a:schemeClr val="tx1"/>
+                      </a:solidFill>
+                      <a:prstDash val="sysDot"/>
+                      <a:round/>
+                      <a:headEnd type="none" w="med" len="med"/>
+                      <a:tailEnd type="none" w="med" len="med"/>
+                    </a:lnT>
+                  </a:tcPr>
+                </a:tc>
+                <a:tc>
+                  <a:txBody>
+                    <a:bodyPr/>
+                    <a:lstStyle/>
+                    <a:p>
+                      <a:pPr marL="0" marR="0" lvl="0" indent="0" algn="ctr" defTabSz="914400" rtl="0" eaLnBrk="1" fontAlgn="auto" latinLnBrk="0" hangingPunct="1">
+                        <a:lnSpc>
+                          <a:spcPct val="100000"/>
+                        </a:lnSpc>
+                        <a:spcBef>
+                          <a:spcPts val="0"/>
+                        </a:spcBef>
+                        <a:spcAft>
+                          <a:spcPts val="0"/>
+                        </a:spcAft>
+                        <a:buClrTx/>
+                        <a:buSzTx/>
+                        <a:buFontTx/>
+                        <a:buNone/>
+                        <a:tabLst/>
+                        <a:defRPr/>
+                      </a:pPr>
+                      <a:r>
+                        <a:rPr lang="de-DE" sz="1600" kern="1200" dirty="0">
+                          <a:solidFill>
+                            <a:schemeClr val="dk1"/>
+                          </a:solidFill>
+                          <a:effectLst/>
+                          <a:latin typeface="+mn-lt"/>
+                          <a:ea typeface="+mn-ea"/>
+                          <a:cs typeface="+mn-cs"/>
+                        </a:rPr>
+                        <a:t>759 (77,056%)</a:t>
+                      </a:r>
+                    </a:p>
+                  </a:txBody>
+                  <a:tcPr>
+                    <a:lnR w="6350" cap="flat" cmpd="sng" algn="ctr">
+                      <a:solidFill>
+                        <a:schemeClr val="tx1"/>
+                      </a:solidFill>
+                      <a:prstDash val="sysDot"/>
+                      <a:round/>
+                      <a:headEnd type="none" w="med" len="med"/>
+                      <a:tailEnd type="none" w="med" len="med"/>
+                    </a:lnR>
+                    <a:lnT w="6350" cap="flat" cmpd="sng" algn="ctr">
+                      <a:solidFill>
+                        <a:schemeClr val="tx1"/>
+                      </a:solidFill>
+                      <a:prstDash val="sysDot"/>
+                      <a:round/>
+                      <a:headEnd type="none" w="med" len="med"/>
+                      <a:tailEnd type="none" w="med" len="med"/>
+                    </a:lnT>
+                  </a:tcPr>
+                </a:tc>
+                <a:tc>
+                  <a:txBody>
+                    <a:bodyPr/>
+                    <a:lstStyle/>
+                    <a:p>
+                      <a:pPr marL="0" marR="0" lvl="0" indent="0" algn="ctr" defTabSz="914400" rtl="0" eaLnBrk="1" fontAlgn="auto" latinLnBrk="0" hangingPunct="1">
+                        <a:lnSpc>
+                          <a:spcPct val="100000"/>
+                        </a:lnSpc>
+                        <a:spcBef>
+                          <a:spcPts val="0"/>
+                        </a:spcBef>
+                        <a:spcAft>
+                          <a:spcPts val="0"/>
+                        </a:spcAft>
+                        <a:buClrTx/>
+                        <a:buSzTx/>
+                        <a:buFontTx/>
+                        <a:buNone/>
+                        <a:tabLst/>
+                        <a:defRPr/>
+                      </a:pPr>
+                      <a:r>
+                        <a:rPr lang="de-DE" sz="1600" kern="1200" dirty="0">
+                          <a:solidFill>
+                            <a:schemeClr val="dk1"/>
+                          </a:solidFill>
+                          <a:effectLst/>
+                          <a:latin typeface="+mn-lt"/>
+                          <a:ea typeface="+mn-ea"/>
+                          <a:cs typeface="+mn-cs"/>
+                        </a:rPr>
+                        <a:t>29147 (87,925%)</a:t>
+                      </a:r>
+                    </a:p>
+                  </a:txBody>
+                  <a:tcPr>
+                    <a:lnL w="6350" cap="flat" cmpd="sng" algn="ctr">
+                      <a:solidFill>
+                        <a:schemeClr val="tx1"/>
+                      </a:solidFill>
+                      <a:prstDash val="sysDot"/>
+                      <a:round/>
+                      <a:headEnd type="none" w="med" len="med"/>
+                      <a:tailEnd type="none" w="med" len="med"/>
+                    </a:lnL>
+                    <a:lnR w="6350" cap="flat" cmpd="sng" algn="ctr">
+                      <a:solidFill>
+                        <a:schemeClr val="tx1"/>
+                      </a:solidFill>
+                      <a:prstDash val="sysDot"/>
+                      <a:round/>
+                      <a:headEnd type="none" w="med" len="med"/>
+                      <a:tailEnd type="none" w="med" len="med"/>
+                    </a:lnR>
+                    <a:lnT w="6350" cap="flat" cmpd="sng" algn="ctr">
+                      <a:solidFill>
+                        <a:schemeClr val="tx1"/>
+                      </a:solidFill>
+                      <a:prstDash val="sysDot"/>
+                      <a:round/>
+                      <a:headEnd type="none" w="med" len="med"/>
+                      <a:tailEnd type="none" w="med" len="med"/>
+                    </a:lnT>
+                  </a:tcPr>
+                </a:tc>
+                <a:tc>
+                  <a:txBody>
+                    <a:bodyPr/>
+                    <a:lstStyle/>
+                    <a:p>
+                      <a:pPr marL="0" marR="0" lvl="0" indent="0" algn="ctr" defTabSz="914400" rtl="0" eaLnBrk="1" fontAlgn="auto" latinLnBrk="0" hangingPunct="1">
+                        <a:lnSpc>
+                          <a:spcPct val="100000"/>
+                        </a:lnSpc>
+                        <a:spcBef>
+                          <a:spcPts val="0"/>
+                        </a:spcBef>
+                        <a:spcAft>
+                          <a:spcPts val="0"/>
+                        </a:spcAft>
+                        <a:buClrTx/>
+                        <a:buSzTx/>
+                        <a:buFontTx/>
+                        <a:buNone/>
+                        <a:tabLst/>
+                        <a:defRPr/>
+                      </a:pPr>
+                      <a:r>
+                        <a:rPr lang="de-DE" sz="1600" kern="1200" dirty="0">
+                          <a:solidFill>
+                            <a:schemeClr val="dk1"/>
+                          </a:solidFill>
+                          <a:effectLst/>
+                          <a:latin typeface="+mn-lt"/>
+                          <a:ea typeface="+mn-ea"/>
+                          <a:cs typeface="+mn-cs"/>
+                        </a:rPr>
+                        <a:t>997652 (96,320%)</a:t>
+                      </a:r>
+                    </a:p>
+                  </a:txBody>
+                  <a:tcPr>
+                    <a:lnL w="6350" cap="flat" cmpd="sng" algn="ctr">
+                      <a:solidFill>
+                        <a:schemeClr val="tx1"/>
+                      </a:solidFill>
+                      <a:prstDash val="sysDot"/>
+                      <a:round/>
+                      <a:headEnd type="none" w="med" len="med"/>
+                      <a:tailEnd type="none" w="med" len="med"/>
+                    </a:lnL>
+                    <a:lnT w="6350" cap="flat" cmpd="sng" algn="ctr">
+                      <a:solidFill>
+                        <a:schemeClr val="tx1"/>
+                      </a:solidFill>
+                      <a:prstDash val="sysDot"/>
+                      <a:round/>
+                      <a:headEnd type="none" w="med" len="med"/>
+                      <a:tailEnd type="none" w="med" len="med"/>
+                    </a:lnT>
+                  </a:tcPr>
+                </a:tc>
+                <a:extLst>
+                  <a:ext uri="{0D108BD9-81ED-4DB2-BD59-A6C34878D82A}">
+                    <a16:rowId xmlns:a16="http://schemas.microsoft.com/office/drawing/2014/main" val="549518868"/>
+                  </a:ext>
+                </a:extLst>
+              </a:tr>
+            </a:tbl>
+          </a:graphicData>
+        </a:graphic>
+      </p:graphicFrame>
+      <p:sp>
+        <p:nvSpPr>
+          <p:cNvPr id="5" name="Titel 7">
+            <a:extLst>
+              <a:ext uri="{FF2B5EF4-FFF2-40B4-BE49-F238E27FC236}">
+                <a16:creationId xmlns:a16="http://schemas.microsoft.com/office/drawing/2014/main" id="{76937463-63A0-A38C-EE21-1CADBB4723C8}"/>
+              </a:ext>
+            </a:extLst>
+          </p:cNvPr>
+          <p:cNvSpPr>
+            <a:spLocks noGrp="1"/>
+          </p:cNvSpPr>
+          <p:nvPr>
+            <p:ph type="title"/>
+          </p:nvPr>
+        </p:nvSpPr>
+        <p:spPr>
+          <a:xfrm>
+            <a:off x="837478" y="480813"/>
+            <a:ext cx="10517038" cy="1285246"/>
+          </a:xfrm>
+        </p:spPr>
+        <p:txBody>
+          <a:bodyPr/>
+          <a:lstStyle/>
+          <a:p>
+            <a:r>
+              <a:rPr lang="de-DE" dirty="0">
+                <a:latin typeface="DM Sans" pitchFamily="2" charset="77"/>
+              </a:rPr>
+              <a:t>Vergleich MiniMax und </a:t>
+            </a:r>
+            <a:r>
+              <a:rPr lang="de-DE" dirty="0" err="1">
+                <a:latin typeface="DM Sans" pitchFamily="2" charset="77"/>
+              </a:rPr>
+              <a:t>AlphaBeta</a:t>
+            </a:r>
+            <a:endParaRPr lang="de-DE" dirty="0"/>
+          </a:p>
+        </p:txBody>
+      </p:sp>
+      <p:sp>
+        <p:nvSpPr>
+          <p:cNvPr id="6" name="Textfeld 5">
+            <a:extLst>
+              <a:ext uri="{FF2B5EF4-FFF2-40B4-BE49-F238E27FC236}">
+                <a16:creationId xmlns:a16="http://schemas.microsoft.com/office/drawing/2014/main" id="{03254B65-C8F3-CD58-9BA5-4B9C4927BF2B}"/>
+              </a:ext>
+            </a:extLst>
+          </p:cNvPr>
+          <p:cNvSpPr txBox="1"/>
+          <p:nvPr/>
+        </p:nvSpPr>
+        <p:spPr>
+          <a:xfrm>
+            <a:off x="1020071" y="1549872"/>
+            <a:ext cx="4578946" cy="584775"/>
+          </a:xfrm>
+          <a:prstGeom prst="rect">
+            <a:avLst/>
+          </a:prstGeom>
+          <a:noFill/>
+        </p:spPr>
+        <p:txBody>
+          <a:bodyPr wrap="none" rtlCol="0">
+            <a:spAutoFit/>
+          </a:bodyPr>
+          <a:lstStyle/>
+          <a:p>
+            <a:r>
+              <a:rPr lang="de-DE" sz="3200" dirty="0"/>
+              <a:t>Zugberechnungsersparnis:</a:t>
+            </a:r>
+          </a:p>
+        </p:txBody>
+      </p:sp>
+    </p:spTree>
+    <p:extLst>
+      <p:ext uri="{BB962C8B-B14F-4D97-AF65-F5344CB8AC3E}">
+        <p14:creationId xmlns:p14="http://schemas.microsoft.com/office/powerpoint/2010/main" val="743446416"/>
+      </p:ext>
+    </p:extLst>
+  </p:cSld>
+  <p:clrMapOvr>
+    <a:masterClrMapping/>
+  </p:clrMapOvr>
+</p:sld>
+</file>
+
+<file path=ppt/slides/slide8.xml><?xml version="1.0" encoding="utf-8"?>
 <p:sld xmlns:a="http://schemas.openxmlformats.org/drawingml/2006/main" xmlns:r="http://schemas.openxmlformats.org/officeDocument/2006/relationships" xmlns:p="http://schemas.openxmlformats.org/presentationml/2006/main">
   <p:cSld>
     <p:spTree>

--- a/PJ_KI_MST2.pptx
+++ b/PJ_KI_MST2.pptx
@@ -6,13 +6,15 @@
   </p:sldMasterIdLst>
   <p:sldIdLst>
     <p:sldId id="260" r:id="rId2"/>
-    <p:sldId id="258" r:id="rId3"/>
-    <p:sldId id="265" r:id="rId4"/>
-    <p:sldId id="266" r:id="rId5"/>
-    <p:sldId id="268" r:id="rId6"/>
-    <p:sldId id="267" r:id="rId7"/>
-    <p:sldId id="269" r:id="rId8"/>
-    <p:sldId id="259" r:id="rId9"/>
+    <p:sldId id="271" r:id="rId3"/>
+    <p:sldId id="270" r:id="rId4"/>
+    <p:sldId id="258" r:id="rId5"/>
+    <p:sldId id="265" r:id="rId6"/>
+    <p:sldId id="266" r:id="rId7"/>
+    <p:sldId id="268" r:id="rId8"/>
+    <p:sldId id="267" r:id="rId9"/>
+    <p:sldId id="269" r:id="rId10"/>
+    <p:sldId id="259" r:id="rId11"/>
   </p:sldIdLst>
   <p:sldSz cx="12192000" cy="6858000"/>
   <p:notesSz cx="6858000" cy="9144000"/>
@@ -266,7 +268,7 @@
           <a:p>
             <a:fld id="{17468778-AD1E-48E6-A1B1-00A628170ED2}" type="datetimeFigureOut">
               <a:rPr lang="de-DE" smtClean="0"/>
-              <a:t>22.05.2023</a:t>
+              <a:t>23.05.23</a:t>
             </a:fld>
             <a:endParaRPr lang="de-DE"/>
           </a:p>
@@ -464,7 +466,7 @@
           <a:p>
             <a:fld id="{17468778-AD1E-48E6-A1B1-00A628170ED2}" type="datetimeFigureOut">
               <a:rPr lang="de-DE" smtClean="0"/>
-              <a:t>22.05.2023</a:t>
+              <a:t>23.05.23</a:t>
             </a:fld>
             <a:endParaRPr lang="de-DE"/>
           </a:p>
@@ -672,7 +674,7 @@
           <a:p>
             <a:fld id="{17468778-AD1E-48E6-A1B1-00A628170ED2}" type="datetimeFigureOut">
               <a:rPr lang="de-DE" smtClean="0"/>
-              <a:t>22.05.2023</a:t>
+              <a:t>23.05.23</a:t>
             </a:fld>
             <a:endParaRPr lang="de-DE"/>
           </a:p>
@@ -870,7 +872,7 @@
           <a:p>
             <a:fld id="{17468778-AD1E-48E6-A1B1-00A628170ED2}" type="datetimeFigureOut">
               <a:rPr lang="de-DE" smtClean="0"/>
-              <a:t>22.05.2023</a:t>
+              <a:t>23.05.23</a:t>
             </a:fld>
             <a:endParaRPr lang="de-DE"/>
           </a:p>
@@ -1145,7 +1147,7 @@
           <a:p>
             <a:fld id="{17468778-AD1E-48E6-A1B1-00A628170ED2}" type="datetimeFigureOut">
               <a:rPr lang="de-DE" smtClean="0"/>
-              <a:t>22.05.2023</a:t>
+              <a:t>23.05.23</a:t>
             </a:fld>
             <a:endParaRPr lang="de-DE"/>
           </a:p>
@@ -1410,7 +1412,7 @@
           <a:p>
             <a:fld id="{17468778-AD1E-48E6-A1B1-00A628170ED2}" type="datetimeFigureOut">
               <a:rPr lang="de-DE" smtClean="0"/>
-              <a:t>22.05.2023</a:t>
+              <a:t>23.05.23</a:t>
             </a:fld>
             <a:endParaRPr lang="de-DE"/>
           </a:p>
@@ -1822,7 +1824,7 @@
           <a:p>
             <a:fld id="{17468778-AD1E-48E6-A1B1-00A628170ED2}" type="datetimeFigureOut">
               <a:rPr lang="de-DE" smtClean="0"/>
-              <a:t>22.05.2023</a:t>
+              <a:t>23.05.23</a:t>
             </a:fld>
             <a:endParaRPr lang="de-DE"/>
           </a:p>
@@ -1963,7 +1965,7 @@
           <a:p>
             <a:fld id="{17468778-AD1E-48E6-A1B1-00A628170ED2}" type="datetimeFigureOut">
               <a:rPr lang="de-DE" smtClean="0"/>
-              <a:t>22.05.2023</a:t>
+              <a:t>23.05.23</a:t>
             </a:fld>
             <a:endParaRPr lang="de-DE"/>
           </a:p>
@@ -2076,7 +2078,7 @@
           <a:p>
             <a:fld id="{17468778-AD1E-48E6-A1B1-00A628170ED2}" type="datetimeFigureOut">
               <a:rPr lang="de-DE" smtClean="0"/>
-              <a:t>22.05.2023</a:t>
+              <a:t>23.05.23</a:t>
             </a:fld>
             <a:endParaRPr lang="de-DE"/>
           </a:p>
@@ -2387,7 +2389,7 @@
           <a:p>
             <a:fld id="{17468778-AD1E-48E6-A1B1-00A628170ED2}" type="datetimeFigureOut">
               <a:rPr lang="de-DE" smtClean="0"/>
-              <a:t>22.05.2023</a:t>
+              <a:t>23.05.23</a:t>
             </a:fld>
             <a:endParaRPr lang="de-DE"/>
           </a:p>
@@ -2675,7 +2677,7 @@
           <a:p>
             <a:fld id="{17468778-AD1E-48E6-A1B1-00A628170ED2}" type="datetimeFigureOut">
               <a:rPr lang="de-DE" smtClean="0"/>
-              <a:t>22.05.2023</a:t>
+              <a:t>23.05.23</a:t>
             </a:fld>
             <a:endParaRPr lang="de-DE"/>
           </a:p>
@@ -2916,7 +2918,7 @@
           <a:p>
             <a:fld id="{17468778-AD1E-48E6-A1B1-00A628170ED2}" type="datetimeFigureOut">
               <a:rPr lang="de-DE" smtClean="0"/>
-              <a:t>22.05.2023</a:t>
+              <a:t>23.05.23</a:t>
             </a:fld>
             <a:endParaRPr lang="de-DE"/>
           </a:p>
@@ -3635,7 +3637,823 @@
 </p:sld>
 </file>
 
+<file path=ppt/slides/slide10.xml><?xml version="1.0" encoding="utf-8"?>
+<p:sld xmlns:a="http://schemas.openxmlformats.org/drawingml/2006/main" xmlns:r="http://schemas.openxmlformats.org/officeDocument/2006/relationships" xmlns:p="http://schemas.openxmlformats.org/presentationml/2006/main">
+  <p:cSld>
+    <p:spTree>
+      <p:nvGrpSpPr>
+        <p:cNvPr id="1" name=""/>
+        <p:cNvGrpSpPr/>
+        <p:nvPr/>
+      </p:nvGrpSpPr>
+      <p:grpSpPr>
+        <a:xfrm>
+          <a:off x="0" y="0"/>
+          <a:ext cx="0" cy="0"/>
+          <a:chOff x="0" y="0"/>
+          <a:chExt cx="0" cy="0"/>
+        </a:xfrm>
+      </p:grpSpPr>
+      <p:sp>
+        <p:nvSpPr>
+          <p:cNvPr id="2" name="Titel 1">
+            <a:extLst>
+              <a:ext uri="{FF2B5EF4-FFF2-40B4-BE49-F238E27FC236}">
+                <a16:creationId xmlns:a16="http://schemas.microsoft.com/office/drawing/2014/main" id="{5AA772EB-2F85-D641-B1ED-2B43FA1C49BA}"/>
+              </a:ext>
+            </a:extLst>
+          </p:cNvPr>
+          <p:cNvSpPr>
+            <a:spLocks noGrp="1"/>
+          </p:cNvSpPr>
+          <p:nvPr>
+            <p:ph type="title"/>
+          </p:nvPr>
+        </p:nvSpPr>
+        <p:spPr/>
+        <p:txBody>
+          <a:bodyPr/>
+          <a:lstStyle/>
+          <a:p>
+            <a:r>
+              <a:rPr lang="de-DE" dirty="0">
+                <a:latin typeface="DM Sans" pitchFamily="2" charset="77"/>
+              </a:rPr>
+              <a:t>Ausblick und nächste Schritte</a:t>
+            </a:r>
+          </a:p>
+        </p:txBody>
+      </p:sp>
+      <p:sp>
+        <p:nvSpPr>
+          <p:cNvPr id="3" name="Inhaltsplatzhalter 2">
+            <a:extLst>
+              <a:ext uri="{FF2B5EF4-FFF2-40B4-BE49-F238E27FC236}">
+                <a16:creationId xmlns:a16="http://schemas.microsoft.com/office/drawing/2014/main" id="{EE3C1B38-B6C1-FCDB-1B7B-8A85D0E9F7C5}"/>
+              </a:ext>
+            </a:extLst>
+          </p:cNvPr>
+          <p:cNvSpPr>
+            <a:spLocks noGrp="1"/>
+          </p:cNvSpPr>
+          <p:nvPr>
+            <p:ph idx="1"/>
+          </p:nvPr>
+        </p:nvSpPr>
+        <p:spPr/>
+        <p:txBody>
+          <a:bodyPr>
+            <a:normAutofit fontScale="92500" lnSpcReduction="20000"/>
+          </a:bodyPr>
+          <a:lstStyle/>
+          <a:p>
+            <a:pPr marL="0" indent="0">
+              <a:lnSpc>
+                <a:spcPct val="150000"/>
+              </a:lnSpc>
+              <a:buNone/>
+            </a:pPr>
+            <a:r>
+              <a:rPr lang="de-DE" sz="1600" b="1" dirty="0">
+                <a:latin typeface="DM Sans" pitchFamily="2" charset="77"/>
+              </a:rPr>
+              <a:t>Refactorings / Verbesserungen:</a:t>
+            </a:r>
+          </a:p>
+          <a:p>
+            <a:pPr marL="0" indent="0">
+              <a:lnSpc>
+                <a:spcPct val="150000"/>
+              </a:lnSpc>
+              <a:buNone/>
+            </a:pPr>
+            <a:r>
+              <a:rPr lang="de-DE" sz="1600" dirty="0">
+                <a:latin typeface="DM Sans" pitchFamily="2" charset="77"/>
+              </a:rPr>
+              <a:t>- Refactoring der Stellungsbewertung: Informationen aus Bewertung der vorherigen Brettstellung werden miteinbezogen, die Stellungsbewertung kann so beschleunigt werden</a:t>
+            </a:r>
+          </a:p>
+          <a:p>
+            <a:pPr marL="0" indent="0">
+              <a:lnSpc>
+                <a:spcPct val="150000"/>
+              </a:lnSpc>
+              <a:buNone/>
+            </a:pPr>
+            <a:r>
+              <a:rPr lang="de-DE" sz="1600" b="1" dirty="0">
+                <a:latin typeface="DM Sans" pitchFamily="2" charset="77"/>
+              </a:rPr>
+              <a:t>Weiterentwicklung:</a:t>
+            </a:r>
+          </a:p>
+          <a:p>
+            <a:pPr>
+              <a:lnSpc>
+                <a:spcPct val="150000"/>
+              </a:lnSpc>
+              <a:buFontTx/>
+              <a:buChar char="-"/>
+            </a:pPr>
+            <a:r>
+              <a:rPr lang="de-DE" sz="1600" dirty="0">
+                <a:latin typeface="DM Sans" pitchFamily="2" charset="77"/>
+              </a:rPr>
+              <a:t>Beschleunigte Stellungsbewertung mittels Transposition Tables</a:t>
+            </a:r>
+          </a:p>
+          <a:p>
+            <a:pPr>
+              <a:lnSpc>
+                <a:spcPct val="150000"/>
+              </a:lnSpc>
+              <a:buFontTx/>
+              <a:buChar char="-"/>
+            </a:pPr>
+            <a:r>
+              <a:rPr lang="de-DE" sz="1600" dirty="0">
+                <a:latin typeface="DM Sans" pitchFamily="2" charset="77"/>
+              </a:rPr>
+              <a:t>Weiterentwicklung der Stellungsbewertung: Mobilität der Figuren, Figurenwertigkeit in Abhängigkeit der Spielphase / Bauernstruktur, Berücksichtigung weiterer Strukturen (z.B. offene Linien für Türme, Outposts für Springer, lange Diagonalen für Läufer, …), Bessere Bewertung der Königsposition in Bezug auf King-Of-The-Hill-Spielmodus</a:t>
+            </a:r>
+          </a:p>
+          <a:p>
+            <a:pPr>
+              <a:lnSpc>
+                <a:spcPct val="150000"/>
+              </a:lnSpc>
+              <a:buFontTx/>
+              <a:buChar char="-"/>
+            </a:pPr>
+            <a:r>
+              <a:rPr lang="de-DE" sz="1600" dirty="0">
+                <a:latin typeface="DM Sans" pitchFamily="2" charset="77"/>
+              </a:rPr>
+              <a:t>Zugsortierung für Alpha-Beta-Suche bei iterativer Tiefensuche (ggf. mit Killer-Moves)</a:t>
+            </a:r>
+          </a:p>
+          <a:p>
+            <a:pPr>
+              <a:lnSpc>
+                <a:spcPct val="150000"/>
+              </a:lnSpc>
+              <a:buFontTx/>
+              <a:buChar char="-"/>
+            </a:pPr>
+            <a:r>
+              <a:rPr lang="de-DE" sz="1600" dirty="0">
+                <a:latin typeface="DM Sans" pitchFamily="2" charset="77"/>
+              </a:rPr>
+              <a:t>Minimal-</a:t>
+            </a:r>
+            <a:r>
+              <a:rPr lang="de-DE" sz="1600" dirty="0" err="1">
+                <a:latin typeface="DM Sans" pitchFamily="2" charset="77"/>
+              </a:rPr>
+              <a:t>Window</a:t>
+            </a:r>
+            <a:r>
+              <a:rPr lang="de-DE" sz="1600" dirty="0">
+                <a:latin typeface="DM Sans" pitchFamily="2" charset="77"/>
+              </a:rPr>
+              <a:t>-Methode zur Förderung von Cutoffs während der Alpha-Beta-Suche</a:t>
+            </a:r>
+          </a:p>
+          <a:p>
+            <a:pPr>
+              <a:lnSpc>
+                <a:spcPct val="150000"/>
+              </a:lnSpc>
+              <a:buFontTx/>
+              <a:buChar char="-"/>
+            </a:pPr>
+            <a:r>
+              <a:rPr lang="de-DE" sz="1600" dirty="0">
+                <a:latin typeface="DM Sans" pitchFamily="2" charset="77"/>
+              </a:rPr>
+              <a:t>Einführung von Benchmarks zum Testen der Spielstärke der KI / Benchmarks zum Tracken der Cutoffs</a:t>
+            </a:r>
+          </a:p>
+        </p:txBody>
+      </p:sp>
+    </p:spTree>
+    <p:extLst>
+      <p:ext uri="{BB962C8B-B14F-4D97-AF65-F5344CB8AC3E}">
+        <p14:creationId xmlns:p14="http://schemas.microsoft.com/office/powerpoint/2010/main" val="4049893299"/>
+      </p:ext>
+    </p:extLst>
+  </p:cSld>
+  <p:clrMapOvr>
+    <a:masterClrMapping/>
+  </p:clrMapOvr>
+</p:sld>
+</file>
+
 <file path=ppt/slides/slide2.xml><?xml version="1.0" encoding="utf-8"?>
+<p:sld xmlns:a="http://schemas.openxmlformats.org/drawingml/2006/main" xmlns:r="http://schemas.openxmlformats.org/officeDocument/2006/relationships" xmlns:p="http://schemas.openxmlformats.org/presentationml/2006/main">
+  <p:cSld>
+    <p:spTree>
+      <p:nvGrpSpPr>
+        <p:cNvPr id="1" name=""/>
+        <p:cNvGrpSpPr/>
+        <p:nvPr/>
+      </p:nvGrpSpPr>
+      <p:grpSpPr>
+        <a:xfrm>
+          <a:off x="0" y="0"/>
+          <a:ext cx="0" cy="0"/>
+          <a:chOff x="0" y="0"/>
+          <a:chExt cx="0" cy="0"/>
+        </a:xfrm>
+      </p:grpSpPr>
+      <p:sp>
+        <p:nvSpPr>
+          <p:cNvPr id="2" name="Titel 1">
+            <a:extLst>
+              <a:ext uri="{FF2B5EF4-FFF2-40B4-BE49-F238E27FC236}">
+                <a16:creationId xmlns:a16="http://schemas.microsoft.com/office/drawing/2014/main" id="{5AA772EB-2F85-D641-B1ED-2B43FA1C49BA}"/>
+              </a:ext>
+            </a:extLst>
+          </p:cNvPr>
+          <p:cNvSpPr>
+            <a:spLocks noGrp="1"/>
+          </p:cNvSpPr>
+          <p:nvPr>
+            <p:ph type="title"/>
+          </p:nvPr>
+        </p:nvSpPr>
+        <p:spPr/>
+        <p:txBody>
+          <a:bodyPr/>
+          <a:lstStyle/>
+          <a:p>
+            <a:r>
+              <a:rPr lang="de-DE" dirty="0">
+                <a:latin typeface="DM Sans" pitchFamily="2" charset="77"/>
+              </a:rPr>
+              <a:t>Link für den Screencast</a:t>
+            </a:r>
+          </a:p>
+        </p:txBody>
+      </p:sp>
+      <p:sp>
+        <p:nvSpPr>
+          <p:cNvPr id="5" name="Textfeld 4">
+            <a:extLst>
+              <a:ext uri="{FF2B5EF4-FFF2-40B4-BE49-F238E27FC236}">
+                <a16:creationId xmlns:a16="http://schemas.microsoft.com/office/drawing/2014/main" id="{86D22BBC-F114-65F1-7E0D-00D2E226434E}"/>
+              </a:ext>
+            </a:extLst>
+          </p:cNvPr>
+          <p:cNvSpPr txBox="1"/>
+          <p:nvPr/>
+        </p:nvSpPr>
+        <p:spPr>
+          <a:xfrm>
+            <a:off x="3678954" y="3244334"/>
+            <a:ext cx="4834091" cy="369332"/>
+          </a:xfrm>
+          <a:prstGeom prst="rect">
+            <a:avLst/>
+          </a:prstGeom>
+          <a:noFill/>
+        </p:spPr>
+        <p:txBody>
+          <a:bodyPr wrap="square" rtlCol="0">
+            <a:spAutoFit/>
+          </a:bodyPr>
+          <a:lstStyle/>
+          <a:p>
+            <a:r>
+              <a:rPr lang="de-DE" dirty="0">
+                <a:hlinkClick r:id="rId2"/>
+              </a:rPr>
+              <a:t>https://tubcloud.tu-berlin.de/s/Z7qPHLBDjzTEzao</a:t>
+            </a:r>
+            <a:r>
+              <a:rPr lang="de-DE" dirty="0"/>
+              <a:t> </a:t>
+            </a:r>
+          </a:p>
+        </p:txBody>
+      </p:sp>
+    </p:spTree>
+    <p:extLst>
+      <p:ext uri="{BB962C8B-B14F-4D97-AF65-F5344CB8AC3E}">
+        <p14:creationId xmlns:p14="http://schemas.microsoft.com/office/powerpoint/2010/main" val="802571693"/>
+      </p:ext>
+    </p:extLst>
+  </p:cSld>
+  <p:clrMapOvr>
+    <a:masterClrMapping/>
+  </p:clrMapOvr>
+</p:sld>
+</file>
+
+<file path=ppt/slides/slide3.xml><?xml version="1.0" encoding="utf-8"?>
+<p:sld xmlns:a="http://schemas.openxmlformats.org/drawingml/2006/main" xmlns:r="http://schemas.openxmlformats.org/officeDocument/2006/relationships" xmlns:p="http://schemas.openxmlformats.org/presentationml/2006/main">
+  <p:cSld>
+    <p:spTree>
+      <p:nvGrpSpPr>
+        <p:cNvPr id="1" name=""/>
+        <p:cNvGrpSpPr/>
+        <p:nvPr/>
+      </p:nvGrpSpPr>
+      <p:grpSpPr>
+        <a:xfrm>
+          <a:off x="0" y="0"/>
+          <a:ext cx="0" cy="0"/>
+          <a:chOff x="0" y="0"/>
+          <a:chExt cx="0" cy="0"/>
+        </a:xfrm>
+      </p:grpSpPr>
+      <p:sp>
+        <p:nvSpPr>
+          <p:cNvPr id="2" name="Titel 1">
+            <a:extLst>
+              <a:ext uri="{FF2B5EF4-FFF2-40B4-BE49-F238E27FC236}">
+                <a16:creationId xmlns:a16="http://schemas.microsoft.com/office/drawing/2014/main" id="{5AA772EB-2F85-D641-B1ED-2B43FA1C49BA}"/>
+              </a:ext>
+            </a:extLst>
+          </p:cNvPr>
+          <p:cNvSpPr>
+            <a:spLocks noGrp="1"/>
+          </p:cNvSpPr>
+          <p:nvPr>
+            <p:ph type="title"/>
+          </p:nvPr>
+        </p:nvSpPr>
+        <p:spPr/>
+        <p:txBody>
+          <a:bodyPr/>
+          <a:lstStyle/>
+          <a:p>
+            <a:r>
+              <a:rPr lang="de-DE" dirty="0">
+                <a:latin typeface="DM Sans" pitchFamily="2" charset="77"/>
+              </a:rPr>
+              <a:t>Verbesserung Zuggenerator</a:t>
+            </a:r>
+          </a:p>
+        </p:txBody>
+      </p:sp>
+      <p:graphicFrame>
+        <p:nvGraphicFramePr>
+          <p:cNvPr id="4" name="Tabelle 6">
+            <a:extLst>
+              <a:ext uri="{FF2B5EF4-FFF2-40B4-BE49-F238E27FC236}">
+                <a16:creationId xmlns:a16="http://schemas.microsoft.com/office/drawing/2014/main" id="{C2D047FC-0415-1168-CF46-9709274701B5}"/>
+              </a:ext>
+            </a:extLst>
+          </p:cNvPr>
+          <p:cNvGraphicFramePr>
+            <a:graphicFrameLocks noGrp="1"/>
+          </p:cNvGraphicFramePr>
+          <p:nvPr>
+            <p:extLst>
+              <p:ext uri="{D42A27DB-BD31-4B8C-83A1-F6EECF244321}">
+                <p14:modId xmlns:p14="http://schemas.microsoft.com/office/powerpoint/2010/main" val="3410109641"/>
+              </p:ext>
+            </p:extLst>
+          </p:nvPr>
+        </p:nvGraphicFramePr>
+        <p:xfrm>
+          <a:off x="2116836" y="1929986"/>
+          <a:ext cx="7958328" cy="2998027"/>
+        </p:xfrm>
+        <a:graphic>
+          <a:graphicData uri="http://schemas.openxmlformats.org/drawingml/2006/table">
+            <a:tbl>
+              <a:tblPr firstRow="1" bandRow="1">
+                <a:tableStyleId>{D7AC3CCA-C797-4891-BE02-D94E43425B78}</a:tableStyleId>
+              </a:tblPr>
+              <a:tblGrid>
+                <a:gridCol w="2901696">
+                  <a:extLst>
+                    <a:ext uri="{9D8B030D-6E8A-4147-A177-3AD203B41FA5}">
+                      <a16:colId xmlns:a16="http://schemas.microsoft.com/office/drawing/2014/main" val="3039502522"/>
+                    </a:ext>
+                  </a:extLst>
+                </a:gridCol>
+                <a:gridCol w="2496312">
+                  <a:extLst>
+                    <a:ext uri="{9D8B030D-6E8A-4147-A177-3AD203B41FA5}">
+                      <a16:colId xmlns:a16="http://schemas.microsoft.com/office/drawing/2014/main" val="566495651"/>
+                    </a:ext>
+                  </a:extLst>
+                </a:gridCol>
+                <a:gridCol w="2560320">
+                  <a:extLst>
+                    <a:ext uri="{9D8B030D-6E8A-4147-A177-3AD203B41FA5}">
+                      <a16:colId xmlns:a16="http://schemas.microsoft.com/office/drawing/2014/main" val="529561781"/>
+                    </a:ext>
+                  </a:extLst>
+                </a:gridCol>
+              </a:tblGrid>
+              <a:tr h="370840">
+                <a:tc>
+                  <a:txBody>
+                    <a:bodyPr/>
+                    <a:lstStyle/>
+                    <a:p>
+                      <a:r>
+                        <a:rPr lang="de-DE" b="1" dirty="0"/>
+                        <a:t>Rechnerkonfiguration</a:t>
+                      </a:r>
+                      <a:endParaRPr lang="de-DE" b="1" dirty="0">
+                        <a:latin typeface="DM Sans" pitchFamily="2" charset="77"/>
+                      </a:endParaRPr>
+                    </a:p>
+                  </a:txBody>
+                  <a:tcPr/>
+                </a:tc>
+                <a:tc>
+                  <a:txBody>
+                    <a:bodyPr/>
+                    <a:lstStyle/>
+                    <a:p>
+                      <a:pPr algn="ctr"/>
+                      <a:r>
+                        <a:rPr lang="de-DE" b="1" dirty="0"/>
+                        <a:t>Alte Zeit (Durchschnitt)</a:t>
+                      </a:r>
+                      <a:endParaRPr lang="de-DE" b="1" dirty="0">
+                        <a:latin typeface="DM Sans" pitchFamily="2" charset="77"/>
+                      </a:endParaRPr>
+                    </a:p>
+                  </a:txBody>
+                  <a:tcPr/>
+                </a:tc>
+                <a:tc>
+                  <a:txBody>
+                    <a:bodyPr/>
+                    <a:lstStyle/>
+                    <a:p>
+                      <a:pPr algn="ctr"/>
+                      <a:r>
+                        <a:rPr lang="de-DE" b="1" dirty="0"/>
+                        <a:t>Neue Zeit (Durchschnitt)</a:t>
+                      </a:r>
+                      <a:endParaRPr lang="de-DE" b="1" dirty="0">
+                        <a:latin typeface="DM Sans" pitchFamily="2" charset="77"/>
+                      </a:endParaRPr>
+                    </a:p>
+                  </a:txBody>
+                  <a:tcPr/>
+                </a:tc>
+                <a:extLst>
+                  <a:ext uri="{0D108BD9-81ED-4DB2-BD59-A6C34878D82A}">
+                    <a16:rowId xmlns:a16="http://schemas.microsoft.com/office/drawing/2014/main" val="4077966232"/>
+                  </a:ext>
+                </a:extLst>
+              </a:tr>
+              <a:tr h="370840">
+                <a:tc>
+                  <a:txBody>
+                    <a:bodyPr/>
+                    <a:lstStyle/>
+                    <a:p>
+                      <a:pPr>
+                        <a:lnSpc>
+                          <a:spcPct val="150000"/>
+                        </a:lnSpc>
+                      </a:pPr>
+                      <a:r>
+                        <a:rPr lang="de-DE" dirty="0"/>
+                        <a:t>Prozessor: M1 Max</a:t>
+                      </a:r>
+                    </a:p>
+                    <a:p>
+                      <a:pPr>
+                        <a:lnSpc>
+                          <a:spcPct val="150000"/>
+                        </a:lnSpc>
+                      </a:pPr>
+                      <a:r>
+                        <a:rPr lang="de-DE" dirty="0"/>
+                        <a:t>RAM: 32 GB</a:t>
+                      </a:r>
+                      <a:endParaRPr lang="de-DE" dirty="0">
+                        <a:latin typeface="DM Sans" pitchFamily="2" charset="77"/>
+                      </a:endParaRPr>
+                    </a:p>
+                  </a:txBody>
+                  <a:tcPr/>
+                </a:tc>
+                <a:tc>
+                  <a:txBody>
+                    <a:bodyPr/>
+                    <a:lstStyle/>
+                    <a:p>
+                      <a:pPr algn="ctr">
+                        <a:lnSpc>
+                          <a:spcPct val="150000"/>
+                        </a:lnSpc>
+                      </a:pPr>
+                      <a:r>
+                        <a:rPr lang="de-DE" dirty="0"/>
+                        <a:t> 0,025 ms</a:t>
+                      </a:r>
+                      <a:endParaRPr lang="de-DE" dirty="0">
+                        <a:latin typeface="DM Sans" pitchFamily="2" charset="77"/>
+                      </a:endParaRPr>
+                    </a:p>
+                  </a:txBody>
+                  <a:tcPr anchor="ctr"/>
+                </a:tc>
+                <a:tc>
+                  <a:txBody>
+                    <a:bodyPr/>
+                    <a:lstStyle/>
+                    <a:p>
+                      <a:pPr algn="ctr">
+                        <a:lnSpc>
+                          <a:spcPct val="150000"/>
+                        </a:lnSpc>
+                      </a:pPr>
+                      <a:r>
+                        <a:rPr lang="de-DE" dirty="0"/>
+                        <a:t>0,004 ms</a:t>
+                      </a:r>
+                      <a:endParaRPr lang="de-DE" dirty="0">
+                        <a:latin typeface="DM Sans" pitchFamily="2" charset="77"/>
+                      </a:endParaRPr>
+                    </a:p>
+                  </a:txBody>
+                  <a:tcPr anchor="ctr"/>
+                </a:tc>
+                <a:extLst>
+                  <a:ext uri="{0D108BD9-81ED-4DB2-BD59-A6C34878D82A}">
+                    <a16:rowId xmlns:a16="http://schemas.microsoft.com/office/drawing/2014/main" val="174462360"/>
+                  </a:ext>
+                </a:extLst>
+              </a:tr>
+              <a:tr h="370840">
+                <a:tc>
+                  <a:txBody>
+                    <a:bodyPr/>
+                    <a:lstStyle/>
+                    <a:p>
+                      <a:pPr>
+                        <a:lnSpc>
+                          <a:spcPct val="150000"/>
+                        </a:lnSpc>
+                      </a:pPr>
+                      <a:r>
+                        <a:rPr lang="de-DE" dirty="0"/>
+                        <a:t>Prozessor: Intel i9-11900H</a:t>
+                      </a:r>
+                    </a:p>
+                    <a:p>
+                      <a:pPr>
+                        <a:lnSpc>
+                          <a:spcPct val="150000"/>
+                        </a:lnSpc>
+                      </a:pPr>
+                      <a:r>
+                        <a:rPr lang="de-DE" dirty="0"/>
+                        <a:t>RAM: 32 GB</a:t>
+                      </a:r>
+                      <a:endParaRPr lang="de-DE" dirty="0">
+                        <a:latin typeface="DM Sans" pitchFamily="2" charset="77"/>
+                      </a:endParaRPr>
+                    </a:p>
+                  </a:txBody>
+                  <a:tcPr/>
+                </a:tc>
+                <a:tc>
+                  <a:txBody>
+                    <a:bodyPr/>
+                    <a:lstStyle/>
+                    <a:p>
+                      <a:pPr algn="ctr">
+                        <a:lnSpc>
+                          <a:spcPct val="150000"/>
+                        </a:lnSpc>
+                      </a:pPr>
+                      <a:r>
+                        <a:rPr lang="de-DE" sz="1800" b="0" i="0" kern="1200" dirty="0">
+                          <a:solidFill>
+                            <a:schemeClr val="dk1"/>
+                          </a:solidFill>
+                          <a:effectLst/>
+                          <a:latin typeface="+mn-lt"/>
+                          <a:ea typeface="+mn-ea"/>
+                          <a:cs typeface="+mn-cs"/>
+                        </a:rPr>
+                        <a:t>0,012 </a:t>
+                      </a:r>
+                      <a:r>
+                        <a:rPr lang="de-DE" dirty="0"/>
+                        <a:t>ms</a:t>
+                      </a:r>
+                      <a:endParaRPr lang="de-DE" dirty="0">
+                        <a:latin typeface="DM Sans" pitchFamily="2" charset="77"/>
+                      </a:endParaRPr>
+                    </a:p>
+                  </a:txBody>
+                  <a:tcPr anchor="ctr"/>
+                </a:tc>
+                <a:tc>
+                  <a:txBody>
+                    <a:bodyPr/>
+                    <a:lstStyle/>
+                    <a:p>
+                      <a:pPr marL="0" marR="0" lvl="0" indent="0" algn="ctr" defTabSz="914400" rtl="0" eaLnBrk="1" fontAlgn="auto" latinLnBrk="0" hangingPunct="1">
+                        <a:lnSpc>
+                          <a:spcPct val="150000"/>
+                        </a:lnSpc>
+                        <a:spcBef>
+                          <a:spcPts val="0"/>
+                        </a:spcBef>
+                        <a:spcAft>
+                          <a:spcPts val="0"/>
+                        </a:spcAft>
+                        <a:buClrTx/>
+                        <a:buSzTx/>
+                        <a:buFontTx/>
+                        <a:buNone/>
+                        <a:tabLst/>
+                        <a:defRPr/>
+                      </a:pPr>
+                      <a:r>
+                        <a:rPr lang="de-DE" sz="1800" b="0" i="0" kern="1200" dirty="0">
+                          <a:solidFill>
+                            <a:schemeClr val="dk1"/>
+                          </a:solidFill>
+                          <a:effectLst/>
+                          <a:latin typeface="+mn-lt"/>
+                          <a:ea typeface="+mn-ea"/>
+                          <a:cs typeface="+mn-cs"/>
+                        </a:rPr>
+                        <a:t>0,0035 </a:t>
+                      </a:r>
+                      <a:r>
+                        <a:rPr lang="de-DE" dirty="0"/>
+                        <a:t>ms</a:t>
+                      </a:r>
+                      <a:endParaRPr lang="de-DE" dirty="0">
+                        <a:latin typeface="DM Sans" pitchFamily="2" charset="77"/>
+                      </a:endParaRPr>
+                    </a:p>
+                  </a:txBody>
+                  <a:tcPr anchor="ctr"/>
+                </a:tc>
+                <a:extLst>
+                  <a:ext uri="{0D108BD9-81ED-4DB2-BD59-A6C34878D82A}">
+                    <a16:rowId xmlns:a16="http://schemas.microsoft.com/office/drawing/2014/main" val="3185644093"/>
+                  </a:ext>
+                </a:extLst>
+              </a:tr>
+              <a:tr h="370840">
+                <a:tc>
+                  <a:txBody>
+                    <a:bodyPr/>
+                    <a:lstStyle/>
+                    <a:p>
+                      <a:pPr>
+                        <a:lnSpc>
+                          <a:spcPct val="150000"/>
+                        </a:lnSpc>
+                      </a:pPr>
+                      <a:r>
+                        <a:rPr lang="de-DE" dirty="0"/>
+                        <a:t>Prozessor: Intel i5-8250U</a:t>
+                      </a:r>
+                    </a:p>
+                    <a:p>
+                      <a:pPr>
+                        <a:lnSpc>
+                          <a:spcPct val="150000"/>
+                        </a:lnSpc>
+                      </a:pPr>
+                      <a:r>
+                        <a:rPr lang="de-DE" dirty="0"/>
+                        <a:t>RAM: 8 GB</a:t>
+                      </a:r>
+                      <a:endParaRPr lang="de-DE" dirty="0">
+                        <a:latin typeface="DM Sans" pitchFamily="2" charset="77"/>
+                      </a:endParaRPr>
+                    </a:p>
+                  </a:txBody>
+                  <a:tcPr/>
+                </a:tc>
+                <a:tc>
+                  <a:txBody>
+                    <a:bodyPr/>
+                    <a:lstStyle/>
+                    <a:p>
+                      <a:pPr algn="ctr">
+                        <a:lnSpc>
+                          <a:spcPct val="150000"/>
+                        </a:lnSpc>
+                      </a:pPr>
+                      <a:r>
+                        <a:rPr lang="de-DE" dirty="0"/>
+                        <a:t>0,037 ms</a:t>
+                      </a:r>
+                      <a:endParaRPr lang="de-DE" dirty="0">
+                        <a:latin typeface="DM Sans" pitchFamily="2" charset="77"/>
+                      </a:endParaRPr>
+                    </a:p>
+                  </a:txBody>
+                  <a:tcPr anchor="ctr"/>
+                </a:tc>
+                <a:tc>
+                  <a:txBody>
+                    <a:bodyPr/>
+                    <a:lstStyle/>
+                    <a:p>
+                      <a:pPr algn="ctr">
+                        <a:lnSpc>
+                          <a:spcPct val="150000"/>
+                        </a:lnSpc>
+                      </a:pPr>
+                      <a:r>
+                        <a:rPr lang="de-DE" dirty="0"/>
+                        <a:t>0,01 ms</a:t>
+                      </a:r>
+                      <a:endParaRPr lang="de-DE" dirty="0">
+                        <a:latin typeface="DM Sans" pitchFamily="2" charset="77"/>
+                      </a:endParaRPr>
+                    </a:p>
+                  </a:txBody>
+                  <a:tcPr anchor="ctr"/>
+                </a:tc>
+                <a:extLst>
+                  <a:ext uri="{0D108BD9-81ED-4DB2-BD59-A6C34878D82A}">
+                    <a16:rowId xmlns:a16="http://schemas.microsoft.com/office/drawing/2014/main" val="1851225968"/>
+                  </a:ext>
+                </a:extLst>
+              </a:tr>
+            </a:tbl>
+          </a:graphicData>
+        </a:graphic>
+      </p:graphicFrame>
+      <p:sp>
+        <p:nvSpPr>
+          <p:cNvPr id="5" name="Textfeld 4">
+            <a:extLst>
+              <a:ext uri="{FF2B5EF4-FFF2-40B4-BE49-F238E27FC236}">
+                <a16:creationId xmlns:a16="http://schemas.microsoft.com/office/drawing/2014/main" id="{86D22BBC-F114-65F1-7E0D-00D2E226434E}"/>
+              </a:ext>
+            </a:extLst>
+          </p:cNvPr>
+          <p:cNvSpPr txBox="1"/>
+          <p:nvPr/>
+        </p:nvSpPr>
+        <p:spPr>
+          <a:xfrm>
+            <a:off x="2116836" y="5292546"/>
+            <a:ext cx="7958328" cy="1200329"/>
+          </a:xfrm>
+          <a:prstGeom prst="rect">
+            <a:avLst/>
+          </a:prstGeom>
+          <a:noFill/>
+        </p:spPr>
+        <p:txBody>
+          <a:bodyPr wrap="square" rtlCol="0">
+            <a:spAutoFit/>
+          </a:bodyPr>
+          <a:lstStyle/>
+          <a:p>
+            <a:r>
+              <a:rPr lang="de-DE" dirty="0"/>
+              <a:t>Die Bitboard-Masken zum Berechnen der </a:t>
+            </a:r>
+            <a:r>
+              <a:rPr lang="de-DE" dirty="0" err="1"/>
+              <a:t>Sliding-Pieces</a:t>
+            </a:r>
+            <a:r>
+              <a:rPr lang="de-DE" dirty="0"/>
+              <a:t> werden nun einmalig zum Start des Programmes berechnet anstatt während der Laufzeit des Zuggenerators.</a:t>
+            </a:r>
+          </a:p>
+          <a:p>
+            <a:r>
+              <a:rPr lang="de-DE" dirty="0"/>
+              <a:t>Damit konnten wir eine bis zu 4-fache Beschleunigung beim Generieren legaler Züge erzeugen.</a:t>
+            </a:r>
+          </a:p>
+        </p:txBody>
+      </p:sp>
+    </p:spTree>
+    <p:extLst>
+      <p:ext uri="{BB962C8B-B14F-4D97-AF65-F5344CB8AC3E}">
+        <p14:creationId xmlns:p14="http://schemas.microsoft.com/office/powerpoint/2010/main" val="573666820"/>
+      </p:ext>
+    </p:extLst>
+  </p:cSld>
+  <p:clrMapOvr>
+    <a:masterClrMapping/>
+  </p:clrMapOvr>
+</p:sld>
+</file>
+
+<file path=ppt/slides/slide4.xml><?xml version="1.0" encoding="utf-8"?>
 <p:sld xmlns:a="http://schemas.openxmlformats.org/drawingml/2006/main" xmlns:r="http://schemas.openxmlformats.org/officeDocument/2006/relationships" xmlns:p="http://schemas.openxmlformats.org/presentationml/2006/main">
   <p:cSld>
     <p:spTree>
@@ -4274,7 +5092,7 @@
 </p:sld>
 </file>
 
-<file path=ppt/slides/slide3.xml><?xml version="1.0" encoding="utf-8"?>
+<file path=ppt/slides/slide5.xml><?xml version="1.0" encoding="utf-8"?>
 <p:sld xmlns:a="http://schemas.openxmlformats.org/drawingml/2006/main" xmlns:r="http://schemas.openxmlformats.org/officeDocument/2006/relationships" xmlns:p="http://schemas.openxmlformats.org/presentationml/2006/main">
   <p:cSld>
     <p:spTree>
@@ -4306,7 +5124,7 @@
           <p:nvPr>
             <p:extLst>
               <p:ext uri="{D42A27DB-BD31-4B8C-83A1-F6EECF244321}">
-                <p14:modId xmlns:p14="http://schemas.microsoft.com/office/powerpoint/2010/main" val="72783194"/>
+                <p14:modId xmlns:p14="http://schemas.microsoft.com/office/powerpoint/2010/main" val="3632230059"/>
               </p:ext>
             </p:extLst>
           </p:nvPr>
@@ -4459,7 +5277,7 @@
                       <a:pPr algn="ctr"/>
                       <a:r>
                         <a:rPr lang="de-DE" sz="1600" dirty="0"/>
-                        <a:t>Stellungen pro Sekunde je nach Tiefe d</a:t>
+                        <a:t>Positionen pro Sekunde je nach Tiefe d</a:t>
                       </a:r>
                     </a:p>
                   </a:txBody>
@@ -7375,7 +8193,7 @@
 </p:sld>
 </file>
 
-<file path=ppt/slides/slide4.xml><?xml version="1.0" encoding="utf-8"?>
+<file path=ppt/slides/slide6.xml><?xml version="1.0" encoding="utf-8"?>
 <p:sld xmlns:a="http://schemas.openxmlformats.org/drawingml/2006/main" xmlns:r="http://schemas.openxmlformats.org/officeDocument/2006/relationships" xmlns:p="http://schemas.openxmlformats.org/presentationml/2006/main">
   <p:cSld>
     <p:spTree>
@@ -7407,7 +8225,7 @@
           <p:nvPr>
             <p:extLst>
               <p:ext uri="{D42A27DB-BD31-4B8C-83A1-F6EECF244321}">
-                <p14:modId xmlns:p14="http://schemas.microsoft.com/office/powerpoint/2010/main" val="7850969"/>
+                <p14:modId xmlns:p14="http://schemas.microsoft.com/office/powerpoint/2010/main" val="2684925816"/>
               </p:ext>
             </p:extLst>
           </p:nvPr>
@@ -7560,7 +8378,7 @@
                       <a:pPr algn="ctr"/>
                       <a:r>
                         <a:rPr lang="de-DE" sz="1600" dirty="0"/>
-                        <a:t>Stellungen pro Sekunde je nach Tiefe d</a:t>
+                        <a:t>Positionen pro Sekunde je nach Tiefe d</a:t>
                       </a:r>
                     </a:p>
                   </a:txBody>
@@ -10476,7 +11294,7 @@
 </p:sld>
 </file>
 
-<file path=ppt/slides/slide5.xml><?xml version="1.0" encoding="utf-8"?>
+<file path=ppt/slides/slide7.xml><?xml version="1.0" encoding="utf-8"?>
 <p:sld xmlns:a="http://schemas.openxmlformats.org/drawingml/2006/main" xmlns:r="http://schemas.openxmlformats.org/officeDocument/2006/relationships" xmlns:p="http://schemas.openxmlformats.org/presentationml/2006/main">
   <p:cSld>
     <p:spTree>
@@ -10508,7 +11326,7 @@
           <p:nvPr>
             <p:extLst>
               <p:ext uri="{D42A27DB-BD31-4B8C-83A1-F6EECF244321}">
-                <p14:modId xmlns:p14="http://schemas.microsoft.com/office/powerpoint/2010/main" val="3281258883"/>
+                <p14:modId xmlns:p14="http://schemas.microsoft.com/office/powerpoint/2010/main" val="556354002"/>
               </p:ext>
             </p:extLst>
           </p:nvPr>
@@ -10580,14 +11398,14 @@
                     </a:ext>
                   </a:extLst>
                 </a:gridCol>
-                <a:gridCol w="834887">
+                <a:gridCol w="970221">
                   <a:extLst>
                     <a:ext uri="{9D8B030D-6E8A-4147-A177-3AD203B41FA5}">
                       <a16:colId xmlns:a16="http://schemas.microsoft.com/office/drawing/2014/main" val="2013879485"/>
                     </a:ext>
                   </a:extLst>
                 </a:gridCol>
-                <a:gridCol w="993913">
+                <a:gridCol w="858579">
                   <a:extLst>
                     <a:ext uri="{9D8B030D-6E8A-4147-A177-3AD203B41FA5}">
                       <a16:colId xmlns:a16="http://schemas.microsoft.com/office/drawing/2014/main" val="183763412"/>
@@ -12203,7 +13021,7 @@
 </p:sld>
 </file>
 
-<file path=ppt/slides/slide6.xml><?xml version="1.0" encoding="utf-8"?>
+<file path=ppt/slides/slide8.xml><?xml version="1.0" encoding="utf-8"?>
 <p:sld xmlns:a="http://schemas.openxmlformats.org/drawingml/2006/main" xmlns:r="http://schemas.openxmlformats.org/officeDocument/2006/relationships" xmlns:p="http://schemas.openxmlformats.org/presentationml/2006/main">
   <p:cSld>
     <p:spTree>
@@ -14768,7 +15586,7 @@
 </p:sld>
 </file>
 
-<file path=ppt/slides/slide7.xml><?xml version="1.0" encoding="utf-8"?>
+<file path=ppt/slides/slide9.xml><?xml version="1.0" encoding="utf-8"?>
 <p:sld xmlns:a="http://schemas.openxmlformats.org/drawingml/2006/main" xmlns:r="http://schemas.openxmlformats.org/officeDocument/2006/relationships" xmlns:p="http://schemas.openxmlformats.org/presentationml/2006/main">
   <p:cSld>
     <p:spTree>
@@ -14800,13 +15618,13 @@
           <p:nvPr>
             <p:extLst>
               <p:ext uri="{D42A27DB-BD31-4B8C-83A1-F6EECF244321}">
-                <p14:modId xmlns:p14="http://schemas.microsoft.com/office/powerpoint/2010/main" val="89706768"/>
+                <p14:modId xmlns:p14="http://schemas.microsoft.com/office/powerpoint/2010/main" val="2593573903"/>
               </p:ext>
             </p:extLst>
           </p:nvPr>
         </p:nvGraphicFramePr>
         <p:xfrm>
-          <a:off x="2200811" y="2319786"/>
+          <a:off x="2200811" y="2590800"/>
           <a:ext cx="7790372" cy="1676400"/>
         </p:xfrm>
         <a:graphic>
@@ -14868,7 +15686,7 @@
                       <a:pPr algn="ctr"/>
                       <a:r>
                         <a:rPr lang="de-DE" sz="1600" dirty="0"/>
-                        <a:t>Zugberechnungsersparnis durch Cutoff je nach Tiefe d</a:t>
+                        <a:t>Positionsberechnungsersparnis durch Cutoff je nach Tiefe d</a:t>
                       </a:r>
                     </a:p>
                   </a:txBody>
@@ -15760,7 +16578,7 @@
         <p:spPr>
           <a:xfrm>
             <a:off x="1020071" y="1549872"/>
-            <a:ext cx="4578946" cy="584775"/>
+            <a:ext cx="5476436" cy="584775"/>
           </a:xfrm>
           <a:prstGeom prst="rect">
             <a:avLst/>
@@ -15775,7 +16593,7 @@
           <a:p>
             <a:r>
               <a:rPr lang="de-DE" sz="3200" dirty="0"/>
-              <a:t>Zugberechnungsersparnis:</a:t>
+              <a:t>Positionsberechnungsersparnis:</a:t>
             </a:r>
           </a:p>
         </p:txBody>
@@ -15784,191 +16602,6 @@
     <p:extLst>
       <p:ext uri="{BB962C8B-B14F-4D97-AF65-F5344CB8AC3E}">
         <p14:creationId xmlns:p14="http://schemas.microsoft.com/office/powerpoint/2010/main" val="743446416"/>
-      </p:ext>
-    </p:extLst>
-  </p:cSld>
-  <p:clrMapOvr>
-    <a:masterClrMapping/>
-  </p:clrMapOvr>
-</p:sld>
-</file>
-
-<file path=ppt/slides/slide8.xml><?xml version="1.0" encoding="utf-8"?>
-<p:sld xmlns:a="http://schemas.openxmlformats.org/drawingml/2006/main" xmlns:r="http://schemas.openxmlformats.org/officeDocument/2006/relationships" xmlns:p="http://schemas.openxmlformats.org/presentationml/2006/main">
-  <p:cSld>
-    <p:spTree>
-      <p:nvGrpSpPr>
-        <p:cNvPr id="1" name=""/>
-        <p:cNvGrpSpPr/>
-        <p:nvPr/>
-      </p:nvGrpSpPr>
-      <p:grpSpPr>
-        <a:xfrm>
-          <a:off x="0" y="0"/>
-          <a:ext cx="0" cy="0"/>
-          <a:chOff x="0" y="0"/>
-          <a:chExt cx="0" cy="0"/>
-        </a:xfrm>
-      </p:grpSpPr>
-      <p:sp>
-        <p:nvSpPr>
-          <p:cNvPr id="2" name="Titel 1">
-            <a:extLst>
-              <a:ext uri="{FF2B5EF4-FFF2-40B4-BE49-F238E27FC236}">
-                <a16:creationId xmlns:a16="http://schemas.microsoft.com/office/drawing/2014/main" id="{5AA772EB-2F85-D641-B1ED-2B43FA1C49BA}"/>
-              </a:ext>
-            </a:extLst>
-          </p:cNvPr>
-          <p:cNvSpPr>
-            <a:spLocks noGrp="1"/>
-          </p:cNvSpPr>
-          <p:nvPr>
-            <p:ph type="title"/>
-          </p:nvPr>
-        </p:nvSpPr>
-        <p:spPr/>
-        <p:txBody>
-          <a:bodyPr/>
-          <a:lstStyle/>
-          <a:p>
-            <a:r>
-              <a:rPr lang="de-DE" dirty="0">
-                <a:latin typeface="DM Sans" pitchFamily="2" charset="77"/>
-              </a:rPr>
-              <a:t>Ausblick und nächste Schritte</a:t>
-            </a:r>
-          </a:p>
-        </p:txBody>
-      </p:sp>
-      <p:sp>
-        <p:nvSpPr>
-          <p:cNvPr id="3" name="Inhaltsplatzhalter 2">
-            <a:extLst>
-              <a:ext uri="{FF2B5EF4-FFF2-40B4-BE49-F238E27FC236}">
-                <a16:creationId xmlns:a16="http://schemas.microsoft.com/office/drawing/2014/main" id="{EE3C1B38-B6C1-FCDB-1B7B-8A85D0E9F7C5}"/>
-              </a:ext>
-            </a:extLst>
-          </p:cNvPr>
-          <p:cNvSpPr>
-            <a:spLocks noGrp="1"/>
-          </p:cNvSpPr>
-          <p:nvPr>
-            <p:ph idx="1"/>
-          </p:nvPr>
-        </p:nvSpPr>
-        <p:spPr/>
-        <p:txBody>
-          <a:bodyPr>
-            <a:normAutofit/>
-          </a:bodyPr>
-          <a:lstStyle/>
-          <a:p>
-            <a:pPr marL="0" indent="0">
-              <a:lnSpc>
-                <a:spcPct val="150000"/>
-              </a:lnSpc>
-              <a:buNone/>
-            </a:pPr>
-            <a:r>
-              <a:rPr lang="de-DE" sz="1600" b="1" dirty="0">
-                <a:latin typeface="DM Sans" pitchFamily="2" charset="77"/>
-              </a:rPr>
-              <a:t>Weiterentwicklung:</a:t>
-            </a:r>
-          </a:p>
-          <a:p>
-            <a:pPr>
-              <a:lnSpc>
-                <a:spcPct val="150000"/>
-              </a:lnSpc>
-              <a:buFontTx/>
-              <a:buChar char="-"/>
-            </a:pPr>
-            <a:r>
-              <a:rPr lang="de-DE" sz="1600" dirty="0">
-                <a:latin typeface="DM Sans" pitchFamily="2" charset="77"/>
-              </a:rPr>
-              <a:t>Beschleunigte Stellungsbewertung mittels Transposition Tables</a:t>
-            </a:r>
-          </a:p>
-          <a:p>
-            <a:pPr>
-              <a:lnSpc>
-                <a:spcPct val="150000"/>
-              </a:lnSpc>
-              <a:buFontTx/>
-              <a:buChar char="-"/>
-            </a:pPr>
-            <a:r>
-              <a:rPr lang="de-DE" sz="1600" dirty="0">
-                <a:latin typeface="DM Sans" pitchFamily="2" charset="77"/>
-              </a:rPr>
-              <a:t>Weiterentwicklung der Stellungsbewertung: Mobilität der Figuren, Figurenwertigkeit in Abhängigkeit der Spielphase / Bauernstruktur, Berücksichtigung weiterer Strukturen (z.B. offene Linien für Türme, Outposts für Springer, lange Diagonalen für Läufer, …), Bessere Bewertung der Königsposition in Bezug auf King-Of-The-Hill-Spielmodus</a:t>
-            </a:r>
-          </a:p>
-          <a:p>
-            <a:pPr>
-              <a:lnSpc>
-                <a:spcPct val="150000"/>
-              </a:lnSpc>
-              <a:buFontTx/>
-              <a:buChar char="-"/>
-            </a:pPr>
-            <a:r>
-              <a:rPr lang="de-DE" sz="1600" dirty="0">
-                <a:latin typeface="DM Sans" pitchFamily="2" charset="77"/>
-              </a:rPr>
-              <a:t>Zugsortierung für Alpha-Beta-Suche bei iterativer Tiefensuche</a:t>
-            </a:r>
-          </a:p>
-          <a:p>
-            <a:pPr>
-              <a:lnSpc>
-                <a:spcPct val="150000"/>
-              </a:lnSpc>
-              <a:buFontTx/>
-              <a:buChar char="-"/>
-            </a:pPr>
-            <a:r>
-              <a:rPr lang="de-DE" sz="1600" dirty="0">
-                <a:latin typeface="DM Sans" pitchFamily="2" charset="77"/>
-              </a:rPr>
-              <a:t>Minimal-</a:t>
-            </a:r>
-            <a:r>
-              <a:rPr lang="de-DE" sz="1600" dirty="0" err="1">
-                <a:latin typeface="DM Sans" pitchFamily="2" charset="77"/>
-              </a:rPr>
-              <a:t>Window</a:t>
-            </a:r>
-            <a:r>
-              <a:rPr lang="de-DE" sz="1600" dirty="0">
-                <a:latin typeface="DM Sans" pitchFamily="2" charset="77"/>
-              </a:rPr>
-              <a:t>-Methode zur Förderung von Cutoffs während der Alpha-Beta-Suche</a:t>
-            </a:r>
-          </a:p>
-          <a:p>
-            <a:pPr>
-              <a:lnSpc>
-                <a:spcPct val="150000"/>
-              </a:lnSpc>
-              <a:buFontTx/>
-              <a:buChar char="-"/>
-            </a:pPr>
-            <a:r>
-              <a:rPr lang="de-DE" sz="1600" dirty="0">
-                <a:latin typeface="DM Sans" pitchFamily="2" charset="77"/>
-              </a:rPr>
-              <a:t>Ggf. Einführung von Benchmarks zum Testen der Spielstärke der KI</a:t>
-            </a:r>
-          </a:p>
-        </p:txBody>
-      </p:sp>
-    </p:spTree>
-    <p:extLst>
-      <p:ext uri="{BB962C8B-B14F-4D97-AF65-F5344CB8AC3E}">
-        <p14:creationId xmlns:p14="http://schemas.microsoft.com/office/powerpoint/2010/main" val="4049893299"/>
       </p:ext>
     </p:extLst>
   </p:cSld>

--- a/PJ_KI_MST2.pptx
+++ b/PJ_KI_MST2.pptx
@@ -268,7 +268,7 @@
           <a:p>
             <a:fld id="{17468778-AD1E-48E6-A1B1-00A628170ED2}" type="datetimeFigureOut">
               <a:rPr lang="de-DE" smtClean="0"/>
-              <a:t>23.05.23</a:t>
+              <a:t>24.05.2023</a:t>
             </a:fld>
             <a:endParaRPr lang="de-DE"/>
           </a:p>
@@ -466,7 +466,7 @@
           <a:p>
             <a:fld id="{17468778-AD1E-48E6-A1B1-00A628170ED2}" type="datetimeFigureOut">
               <a:rPr lang="de-DE" smtClean="0"/>
-              <a:t>23.05.23</a:t>
+              <a:t>24.05.2023</a:t>
             </a:fld>
             <a:endParaRPr lang="de-DE"/>
           </a:p>
@@ -674,7 +674,7 @@
           <a:p>
             <a:fld id="{17468778-AD1E-48E6-A1B1-00A628170ED2}" type="datetimeFigureOut">
               <a:rPr lang="de-DE" smtClean="0"/>
-              <a:t>23.05.23</a:t>
+              <a:t>24.05.2023</a:t>
             </a:fld>
             <a:endParaRPr lang="de-DE"/>
           </a:p>
@@ -872,7 +872,7 @@
           <a:p>
             <a:fld id="{17468778-AD1E-48E6-A1B1-00A628170ED2}" type="datetimeFigureOut">
               <a:rPr lang="de-DE" smtClean="0"/>
-              <a:t>23.05.23</a:t>
+              <a:t>24.05.2023</a:t>
             </a:fld>
             <a:endParaRPr lang="de-DE"/>
           </a:p>
@@ -1147,7 +1147,7 @@
           <a:p>
             <a:fld id="{17468778-AD1E-48E6-A1B1-00A628170ED2}" type="datetimeFigureOut">
               <a:rPr lang="de-DE" smtClean="0"/>
-              <a:t>23.05.23</a:t>
+              <a:t>24.05.2023</a:t>
             </a:fld>
             <a:endParaRPr lang="de-DE"/>
           </a:p>
@@ -1412,7 +1412,7 @@
           <a:p>
             <a:fld id="{17468778-AD1E-48E6-A1B1-00A628170ED2}" type="datetimeFigureOut">
               <a:rPr lang="de-DE" smtClean="0"/>
-              <a:t>23.05.23</a:t>
+              <a:t>24.05.2023</a:t>
             </a:fld>
             <a:endParaRPr lang="de-DE"/>
           </a:p>
@@ -1824,7 +1824,7 @@
           <a:p>
             <a:fld id="{17468778-AD1E-48E6-A1B1-00A628170ED2}" type="datetimeFigureOut">
               <a:rPr lang="de-DE" smtClean="0"/>
-              <a:t>23.05.23</a:t>
+              <a:t>24.05.2023</a:t>
             </a:fld>
             <a:endParaRPr lang="de-DE"/>
           </a:p>
@@ -1965,7 +1965,7 @@
           <a:p>
             <a:fld id="{17468778-AD1E-48E6-A1B1-00A628170ED2}" type="datetimeFigureOut">
               <a:rPr lang="de-DE" smtClean="0"/>
-              <a:t>23.05.23</a:t>
+              <a:t>24.05.2023</a:t>
             </a:fld>
             <a:endParaRPr lang="de-DE"/>
           </a:p>
@@ -2078,7 +2078,7 @@
           <a:p>
             <a:fld id="{17468778-AD1E-48E6-A1B1-00A628170ED2}" type="datetimeFigureOut">
               <a:rPr lang="de-DE" smtClean="0"/>
-              <a:t>23.05.23</a:t>
+              <a:t>24.05.2023</a:t>
             </a:fld>
             <a:endParaRPr lang="de-DE"/>
           </a:p>
@@ -2389,7 +2389,7 @@
           <a:p>
             <a:fld id="{17468778-AD1E-48E6-A1B1-00A628170ED2}" type="datetimeFigureOut">
               <a:rPr lang="de-DE" smtClean="0"/>
-              <a:t>23.05.23</a:t>
+              <a:t>24.05.2023</a:t>
             </a:fld>
             <a:endParaRPr lang="de-DE"/>
           </a:p>
@@ -2677,7 +2677,7 @@
           <a:p>
             <a:fld id="{17468778-AD1E-48E6-A1B1-00A628170ED2}" type="datetimeFigureOut">
               <a:rPr lang="de-DE" smtClean="0"/>
-              <a:t>23.05.23</a:t>
+              <a:t>24.05.2023</a:t>
             </a:fld>
             <a:endParaRPr lang="de-DE"/>
           </a:p>
@@ -2918,7 +2918,7 @@
           <a:p>
             <a:fld id="{17468778-AD1E-48E6-A1B1-00A628170ED2}" type="datetimeFigureOut">
               <a:rPr lang="de-DE" smtClean="0"/>
-              <a:t>23.05.23</a:t>
+              <a:t>24.05.2023</a:t>
             </a:fld>
             <a:endParaRPr lang="de-DE"/>
           </a:p>
@@ -3775,7 +3775,40 @@
               <a:rPr lang="de-DE" sz="1600" dirty="0">
                 <a:latin typeface="DM Sans" pitchFamily="2" charset="77"/>
               </a:rPr>
-              <a:t>Weiterentwicklung der Stellungsbewertung: Mobilität der Figuren, Figurenwertigkeit in Abhängigkeit der Spielphase / Bauernstruktur, Berücksichtigung weiterer Strukturen (z.B. offene Linien für Türme, Outposts für Springer, lange Diagonalen für Läufer, …), Bessere Bewertung der Königsposition in Bezug auf King-Of-The-Hill-Spielmodus</a:t>
+              <a:t>Weiterentwicklung der Stellungsbewertung: Mobilität der Figuren, Figurenwertigkeit in Abhängigkeit der Spielphase / Bauernstruktur, Berücksichtigung weiterer Strukturen (z.B. offene Linien für Türme, Outposts für Springer, lange Diagonalen für Läufer, …), Bessere Bewertung der Königsposition in Bezug auf King-</a:t>
+            </a:r>
+            <a:r>
+              <a:rPr lang="de-DE" sz="1600" dirty="0" err="1">
+                <a:latin typeface="DM Sans" pitchFamily="2" charset="77"/>
+              </a:rPr>
+              <a:t>Of</a:t>
+            </a:r>
+            <a:r>
+              <a:rPr lang="de-DE" sz="1600" dirty="0">
+                <a:latin typeface="DM Sans" pitchFamily="2" charset="77"/>
+              </a:rPr>
+              <a:t>-The-Hill-Spielmodus</a:t>
+            </a:r>
+          </a:p>
+          <a:p>
+            <a:pPr>
+              <a:lnSpc>
+                <a:spcPct val="150000"/>
+              </a:lnSpc>
+              <a:buFontTx/>
+              <a:buChar char="-"/>
+            </a:pPr>
+            <a:r>
+              <a:rPr lang="de-DE" sz="1600" dirty="0" err="1">
+                <a:latin typeface="DM Sans" pitchFamily="2" charset="77"/>
+              </a:rPr>
+              <a:t>Principal</a:t>
+            </a:r>
+            <a:r>
+              <a:rPr lang="de-DE" sz="1600" dirty="0">
+                <a:latin typeface="DM Sans" pitchFamily="2" charset="77"/>
+              </a:rPr>
+              <a:t>-Variation-Search</a:t>
             </a:r>
           </a:p>
           <a:p>
@@ -3790,34 +3823,7 @@
               <a:rPr lang="de-DE" sz="1600" dirty="0">
                 <a:latin typeface="DM Sans" pitchFamily="2" charset="77"/>
               </a:rPr>
-              <a:t>Zugsortierung für Alpha-Beta-Suche bei iterativer Tiefensuche (ggf. mit Killer-Moves)</a:t>
-            </a:r>
-          </a:p>
-          <a:p>
-            <a:pPr>
-              <a:lnSpc>
-                <a:spcPct val="150000"/>
-              </a:lnSpc>
-              <a:buFontTx/>
-              <a:buChar char="-"/>
-            </a:pPr>
-            <a:r>
-              <a:rPr lang="de-DE" sz="1600" dirty="0">
-                <a:latin typeface="DM Sans" pitchFamily="2" charset="77"/>
-              </a:rPr>
-              <a:t>Minimal-</a:t>
-            </a:r>
-            <a:r>
-              <a:rPr lang="de-DE" sz="1600" dirty="0" err="1">
-                <a:latin typeface="DM Sans" pitchFamily="2" charset="77"/>
-              </a:rPr>
-              <a:t>Window</a:t>
-            </a:r>
-            <a:r>
-              <a:rPr lang="de-DE" sz="1600" dirty="0">
-                <a:latin typeface="DM Sans" pitchFamily="2" charset="77"/>
-              </a:rPr>
-              <a:t>-Methode zur Förderung von Cutoffs während der Alpha-Beta-Suche</a:t>
+              <a:t>Zugsortierung für den Such-Algorithmus und Minimal-Windows-Methode bei iterativer Tiefensuche</a:t>
             </a:r>
           </a:p>
           <a:p>

--- a/PJ_KI_MST2.pptx
+++ b/PJ_KI_MST2.pptx
@@ -268,7 +268,7 @@
           <a:p>
             <a:fld id="{17468778-AD1E-48E6-A1B1-00A628170ED2}" type="datetimeFigureOut">
               <a:rPr lang="de-DE" smtClean="0"/>
-              <a:t>24.05.2023</a:t>
+              <a:t>23.05.23</a:t>
             </a:fld>
             <a:endParaRPr lang="de-DE"/>
           </a:p>
@@ -466,7 +466,7 @@
           <a:p>
             <a:fld id="{17468778-AD1E-48E6-A1B1-00A628170ED2}" type="datetimeFigureOut">
               <a:rPr lang="de-DE" smtClean="0"/>
-              <a:t>24.05.2023</a:t>
+              <a:t>23.05.23</a:t>
             </a:fld>
             <a:endParaRPr lang="de-DE"/>
           </a:p>
@@ -674,7 +674,7 @@
           <a:p>
             <a:fld id="{17468778-AD1E-48E6-A1B1-00A628170ED2}" type="datetimeFigureOut">
               <a:rPr lang="de-DE" smtClean="0"/>
-              <a:t>24.05.2023</a:t>
+              <a:t>23.05.23</a:t>
             </a:fld>
             <a:endParaRPr lang="de-DE"/>
           </a:p>
@@ -872,7 +872,7 @@
           <a:p>
             <a:fld id="{17468778-AD1E-48E6-A1B1-00A628170ED2}" type="datetimeFigureOut">
               <a:rPr lang="de-DE" smtClean="0"/>
-              <a:t>24.05.2023</a:t>
+              <a:t>23.05.23</a:t>
             </a:fld>
             <a:endParaRPr lang="de-DE"/>
           </a:p>
@@ -1147,7 +1147,7 @@
           <a:p>
             <a:fld id="{17468778-AD1E-48E6-A1B1-00A628170ED2}" type="datetimeFigureOut">
               <a:rPr lang="de-DE" smtClean="0"/>
-              <a:t>24.05.2023</a:t>
+              <a:t>23.05.23</a:t>
             </a:fld>
             <a:endParaRPr lang="de-DE"/>
           </a:p>
@@ -1412,7 +1412,7 @@
           <a:p>
             <a:fld id="{17468778-AD1E-48E6-A1B1-00A628170ED2}" type="datetimeFigureOut">
               <a:rPr lang="de-DE" smtClean="0"/>
-              <a:t>24.05.2023</a:t>
+              <a:t>23.05.23</a:t>
             </a:fld>
             <a:endParaRPr lang="de-DE"/>
           </a:p>
@@ -1824,7 +1824,7 @@
           <a:p>
             <a:fld id="{17468778-AD1E-48E6-A1B1-00A628170ED2}" type="datetimeFigureOut">
               <a:rPr lang="de-DE" smtClean="0"/>
-              <a:t>24.05.2023</a:t>
+              <a:t>23.05.23</a:t>
             </a:fld>
             <a:endParaRPr lang="de-DE"/>
           </a:p>
@@ -1965,7 +1965,7 @@
           <a:p>
             <a:fld id="{17468778-AD1E-48E6-A1B1-00A628170ED2}" type="datetimeFigureOut">
               <a:rPr lang="de-DE" smtClean="0"/>
-              <a:t>24.05.2023</a:t>
+              <a:t>23.05.23</a:t>
             </a:fld>
             <a:endParaRPr lang="de-DE"/>
           </a:p>
@@ -2078,7 +2078,7 @@
           <a:p>
             <a:fld id="{17468778-AD1E-48E6-A1B1-00A628170ED2}" type="datetimeFigureOut">
               <a:rPr lang="de-DE" smtClean="0"/>
-              <a:t>24.05.2023</a:t>
+              <a:t>23.05.23</a:t>
             </a:fld>
             <a:endParaRPr lang="de-DE"/>
           </a:p>
@@ -2389,7 +2389,7 @@
           <a:p>
             <a:fld id="{17468778-AD1E-48E6-A1B1-00A628170ED2}" type="datetimeFigureOut">
               <a:rPr lang="de-DE" smtClean="0"/>
-              <a:t>24.05.2023</a:t>
+              <a:t>23.05.23</a:t>
             </a:fld>
             <a:endParaRPr lang="de-DE"/>
           </a:p>
@@ -2677,7 +2677,7 @@
           <a:p>
             <a:fld id="{17468778-AD1E-48E6-A1B1-00A628170ED2}" type="datetimeFigureOut">
               <a:rPr lang="de-DE" smtClean="0"/>
-              <a:t>24.05.2023</a:t>
+              <a:t>23.05.23</a:t>
             </a:fld>
             <a:endParaRPr lang="de-DE"/>
           </a:p>
@@ -2918,7 +2918,7 @@
           <a:p>
             <a:fld id="{17468778-AD1E-48E6-A1B1-00A628170ED2}" type="datetimeFigureOut">
               <a:rPr lang="de-DE" smtClean="0"/>
-              <a:t>24.05.2023</a:t>
+              <a:t>23.05.23</a:t>
             </a:fld>
             <a:endParaRPr lang="de-DE"/>
           </a:p>
@@ -3775,40 +3775,7 @@
               <a:rPr lang="de-DE" sz="1600" dirty="0">
                 <a:latin typeface="DM Sans" pitchFamily="2" charset="77"/>
               </a:rPr>
-              <a:t>Weiterentwicklung der Stellungsbewertung: Mobilität der Figuren, Figurenwertigkeit in Abhängigkeit der Spielphase / Bauernstruktur, Berücksichtigung weiterer Strukturen (z.B. offene Linien für Türme, Outposts für Springer, lange Diagonalen für Läufer, …), Bessere Bewertung der Königsposition in Bezug auf King-</a:t>
-            </a:r>
-            <a:r>
-              <a:rPr lang="de-DE" sz="1600" dirty="0" err="1">
-                <a:latin typeface="DM Sans" pitchFamily="2" charset="77"/>
-              </a:rPr>
-              <a:t>Of</a:t>
-            </a:r>
-            <a:r>
-              <a:rPr lang="de-DE" sz="1600" dirty="0">
-                <a:latin typeface="DM Sans" pitchFamily="2" charset="77"/>
-              </a:rPr>
-              <a:t>-The-Hill-Spielmodus</a:t>
-            </a:r>
-          </a:p>
-          <a:p>
-            <a:pPr>
-              <a:lnSpc>
-                <a:spcPct val="150000"/>
-              </a:lnSpc>
-              <a:buFontTx/>
-              <a:buChar char="-"/>
-            </a:pPr>
-            <a:r>
-              <a:rPr lang="de-DE" sz="1600" dirty="0" err="1">
-                <a:latin typeface="DM Sans" pitchFamily="2" charset="77"/>
-              </a:rPr>
-              <a:t>Principal</a:t>
-            </a:r>
-            <a:r>
-              <a:rPr lang="de-DE" sz="1600" dirty="0">
-                <a:latin typeface="DM Sans" pitchFamily="2" charset="77"/>
-              </a:rPr>
-              <a:t>-Variation-Search</a:t>
+              <a:t>Weiterentwicklung der Stellungsbewertung: Mobilität der Figuren, Figurenwertigkeit in Abhängigkeit der Spielphase / Bauernstruktur, Berücksichtigung weiterer Strukturen (z.B. offene Linien für Türme, Outposts für Springer, lange Diagonalen für Läufer, …), Bessere Bewertung der Königsposition in Bezug auf King-Of-The-Hill-Spielmodus</a:t>
             </a:r>
           </a:p>
           <a:p>
@@ -3823,7 +3790,34 @@
               <a:rPr lang="de-DE" sz="1600" dirty="0">
                 <a:latin typeface="DM Sans" pitchFamily="2" charset="77"/>
               </a:rPr>
-              <a:t>Zugsortierung für den Such-Algorithmus und Minimal-Windows-Methode bei iterativer Tiefensuche</a:t>
+              <a:t>Zugsortierung für Alpha-Beta-Suche bei iterativer Tiefensuche (ggf. mit Killer-Moves)</a:t>
+            </a:r>
+          </a:p>
+          <a:p>
+            <a:pPr>
+              <a:lnSpc>
+                <a:spcPct val="150000"/>
+              </a:lnSpc>
+              <a:buFontTx/>
+              <a:buChar char="-"/>
+            </a:pPr>
+            <a:r>
+              <a:rPr lang="de-DE" sz="1600" dirty="0">
+                <a:latin typeface="DM Sans" pitchFamily="2" charset="77"/>
+              </a:rPr>
+              <a:t>Minimal-</a:t>
+            </a:r>
+            <a:r>
+              <a:rPr lang="de-DE" sz="1600" dirty="0" err="1">
+                <a:latin typeface="DM Sans" pitchFamily="2" charset="77"/>
+              </a:rPr>
+              <a:t>Window</a:t>
+            </a:r>
+            <a:r>
+              <a:rPr lang="de-DE" sz="1600" dirty="0">
+                <a:latin typeface="DM Sans" pitchFamily="2" charset="77"/>
+              </a:rPr>
+              <a:t>-Methode zur Förderung von Cutoffs während der Alpha-Beta-Suche</a:t>
             </a:r>
           </a:p>
           <a:p>

--- a/PJ_KI_MST2.pptx
+++ b/PJ_KI_MST2.pptx
@@ -6,15 +6,13 @@
   </p:sldMasterIdLst>
   <p:sldIdLst>
     <p:sldId id="260" r:id="rId2"/>
-    <p:sldId id="271" r:id="rId3"/>
-    <p:sldId id="270" r:id="rId4"/>
-    <p:sldId id="258" r:id="rId5"/>
-    <p:sldId id="265" r:id="rId6"/>
-    <p:sldId id="266" r:id="rId7"/>
-    <p:sldId id="268" r:id="rId8"/>
-    <p:sldId id="267" r:id="rId9"/>
-    <p:sldId id="269" r:id="rId10"/>
-    <p:sldId id="259" r:id="rId11"/>
+    <p:sldId id="258" r:id="rId3"/>
+    <p:sldId id="265" r:id="rId4"/>
+    <p:sldId id="266" r:id="rId5"/>
+    <p:sldId id="268" r:id="rId6"/>
+    <p:sldId id="267" r:id="rId7"/>
+    <p:sldId id="269" r:id="rId8"/>
+    <p:sldId id="259" r:id="rId9"/>
   </p:sldIdLst>
   <p:sldSz cx="12192000" cy="6858000"/>
   <p:notesSz cx="6858000" cy="9144000"/>
@@ -268,7 +266,7 @@
           <a:p>
             <a:fld id="{17468778-AD1E-48E6-A1B1-00A628170ED2}" type="datetimeFigureOut">
               <a:rPr lang="de-DE" smtClean="0"/>
-              <a:t>23.05.23</a:t>
+              <a:t>22.05.2023</a:t>
             </a:fld>
             <a:endParaRPr lang="de-DE"/>
           </a:p>
@@ -466,7 +464,7 @@
           <a:p>
             <a:fld id="{17468778-AD1E-48E6-A1B1-00A628170ED2}" type="datetimeFigureOut">
               <a:rPr lang="de-DE" smtClean="0"/>
-              <a:t>23.05.23</a:t>
+              <a:t>22.05.2023</a:t>
             </a:fld>
             <a:endParaRPr lang="de-DE"/>
           </a:p>
@@ -674,7 +672,7 @@
           <a:p>
             <a:fld id="{17468778-AD1E-48E6-A1B1-00A628170ED2}" type="datetimeFigureOut">
               <a:rPr lang="de-DE" smtClean="0"/>
-              <a:t>23.05.23</a:t>
+              <a:t>22.05.2023</a:t>
             </a:fld>
             <a:endParaRPr lang="de-DE"/>
           </a:p>
@@ -872,7 +870,7 @@
           <a:p>
             <a:fld id="{17468778-AD1E-48E6-A1B1-00A628170ED2}" type="datetimeFigureOut">
               <a:rPr lang="de-DE" smtClean="0"/>
-              <a:t>23.05.23</a:t>
+              <a:t>22.05.2023</a:t>
             </a:fld>
             <a:endParaRPr lang="de-DE"/>
           </a:p>
@@ -1147,7 +1145,7 @@
           <a:p>
             <a:fld id="{17468778-AD1E-48E6-A1B1-00A628170ED2}" type="datetimeFigureOut">
               <a:rPr lang="de-DE" smtClean="0"/>
-              <a:t>23.05.23</a:t>
+              <a:t>22.05.2023</a:t>
             </a:fld>
             <a:endParaRPr lang="de-DE"/>
           </a:p>
@@ -1412,7 +1410,7 @@
           <a:p>
             <a:fld id="{17468778-AD1E-48E6-A1B1-00A628170ED2}" type="datetimeFigureOut">
               <a:rPr lang="de-DE" smtClean="0"/>
-              <a:t>23.05.23</a:t>
+              <a:t>22.05.2023</a:t>
             </a:fld>
             <a:endParaRPr lang="de-DE"/>
           </a:p>
@@ -1824,7 +1822,7 @@
           <a:p>
             <a:fld id="{17468778-AD1E-48E6-A1B1-00A628170ED2}" type="datetimeFigureOut">
               <a:rPr lang="de-DE" smtClean="0"/>
-              <a:t>23.05.23</a:t>
+              <a:t>22.05.2023</a:t>
             </a:fld>
             <a:endParaRPr lang="de-DE"/>
           </a:p>
@@ -1965,7 +1963,7 @@
           <a:p>
             <a:fld id="{17468778-AD1E-48E6-A1B1-00A628170ED2}" type="datetimeFigureOut">
               <a:rPr lang="de-DE" smtClean="0"/>
-              <a:t>23.05.23</a:t>
+              <a:t>22.05.2023</a:t>
             </a:fld>
             <a:endParaRPr lang="de-DE"/>
           </a:p>
@@ -2078,7 +2076,7 @@
           <a:p>
             <a:fld id="{17468778-AD1E-48E6-A1B1-00A628170ED2}" type="datetimeFigureOut">
               <a:rPr lang="de-DE" smtClean="0"/>
-              <a:t>23.05.23</a:t>
+              <a:t>22.05.2023</a:t>
             </a:fld>
             <a:endParaRPr lang="de-DE"/>
           </a:p>
@@ -2389,7 +2387,7 @@
           <a:p>
             <a:fld id="{17468778-AD1E-48E6-A1B1-00A628170ED2}" type="datetimeFigureOut">
               <a:rPr lang="de-DE" smtClean="0"/>
-              <a:t>23.05.23</a:t>
+              <a:t>22.05.2023</a:t>
             </a:fld>
             <a:endParaRPr lang="de-DE"/>
           </a:p>
@@ -2677,7 +2675,7 @@
           <a:p>
             <a:fld id="{17468778-AD1E-48E6-A1B1-00A628170ED2}" type="datetimeFigureOut">
               <a:rPr lang="de-DE" smtClean="0"/>
-              <a:t>23.05.23</a:t>
+              <a:t>22.05.2023</a:t>
             </a:fld>
             <a:endParaRPr lang="de-DE"/>
           </a:p>
@@ -2918,7 +2916,7 @@
           <a:p>
             <a:fld id="{17468778-AD1E-48E6-A1B1-00A628170ED2}" type="datetimeFigureOut">
               <a:rPr lang="de-DE" smtClean="0"/>
-              <a:t>23.05.23</a:t>
+              <a:t>22.05.2023</a:t>
             </a:fld>
             <a:endParaRPr lang="de-DE"/>
           </a:p>
@@ -3637,823 +3635,7 @@
 </p:sld>
 </file>
 
-<file path=ppt/slides/slide10.xml><?xml version="1.0" encoding="utf-8"?>
-<p:sld xmlns:a="http://schemas.openxmlformats.org/drawingml/2006/main" xmlns:r="http://schemas.openxmlformats.org/officeDocument/2006/relationships" xmlns:p="http://schemas.openxmlformats.org/presentationml/2006/main">
-  <p:cSld>
-    <p:spTree>
-      <p:nvGrpSpPr>
-        <p:cNvPr id="1" name=""/>
-        <p:cNvGrpSpPr/>
-        <p:nvPr/>
-      </p:nvGrpSpPr>
-      <p:grpSpPr>
-        <a:xfrm>
-          <a:off x="0" y="0"/>
-          <a:ext cx="0" cy="0"/>
-          <a:chOff x="0" y="0"/>
-          <a:chExt cx="0" cy="0"/>
-        </a:xfrm>
-      </p:grpSpPr>
-      <p:sp>
-        <p:nvSpPr>
-          <p:cNvPr id="2" name="Titel 1">
-            <a:extLst>
-              <a:ext uri="{FF2B5EF4-FFF2-40B4-BE49-F238E27FC236}">
-                <a16:creationId xmlns:a16="http://schemas.microsoft.com/office/drawing/2014/main" id="{5AA772EB-2F85-D641-B1ED-2B43FA1C49BA}"/>
-              </a:ext>
-            </a:extLst>
-          </p:cNvPr>
-          <p:cNvSpPr>
-            <a:spLocks noGrp="1"/>
-          </p:cNvSpPr>
-          <p:nvPr>
-            <p:ph type="title"/>
-          </p:nvPr>
-        </p:nvSpPr>
-        <p:spPr/>
-        <p:txBody>
-          <a:bodyPr/>
-          <a:lstStyle/>
-          <a:p>
-            <a:r>
-              <a:rPr lang="de-DE" dirty="0">
-                <a:latin typeface="DM Sans" pitchFamily="2" charset="77"/>
-              </a:rPr>
-              <a:t>Ausblick und nächste Schritte</a:t>
-            </a:r>
-          </a:p>
-        </p:txBody>
-      </p:sp>
-      <p:sp>
-        <p:nvSpPr>
-          <p:cNvPr id="3" name="Inhaltsplatzhalter 2">
-            <a:extLst>
-              <a:ext uri="{FF2B5EF4-FFF2-40B4-BE49-F238E27FC236}">
-                <a16:creationId xmlns:a16="http://schemas.microsoft.com/office/drawing/2014/main" id="{EE3C1B38-B6C1-FCDB-1B7B-8A85D0E9F7C5}"/>
-              </a:ext>
-            </a:extLst>
-          </p:cNvPr>
-          <p:cNvSpPr>
-            <a:spLocks noGrp="1"/>
-          </p:cNvSpPr>
-          <p:nvPr>
-            <p:ph idx="1"/>
-          </p:nvPr>
-        </p:nvSpPr>
-        <p:spPr/>
-        <p:txBody>
-          <a:bodyPr>
-            <a:normAutofit fontScale="92500" lnSpcReduction="20000"/>
-          </a:bodyPr>
-          <a:lstStyle/>
-          <a:p>
-            <a:pPr marL="0" indent="0">
-              <a:lnSpc>
-                <a:spcPct val="150000"/>
-              </a:lnSpc>
-              <a:buNone/>
-            </a:pPr>
-            <a:r>
-              <a:rPr lang="de-DE" sz="1600" b="1" dirty="0">
-                <a:latin typeface="DM Sans" pitchFamily="2" charset="77"/>
-              </a:rPr>
-              <a:t>Refactorings / Verbesserungen:</a:t>
-            </a:r>
-          </a:p>
-          <a:p>
-            <a:pPr marL="0" indent="0">
-              <a:lnSpc>
-                <a:spcPct val="150000"/>
-              </a:lnSpc>
-              <a:buNone/>
-            </a:pPr>
-            <a:r>
-              <a:rPr lang="de-DE" sz="1600" dirty="0">
-                <a:latin typeface="DM Sans" pitchFamily="2" charset="77"/>
-              </a:rPr>
-              <a:t>- Refactoring der Stellungsbewertung: Informationen aus Bewertung der vorherigen Brettstellung werden miteinbezogen, die Stellungsbewertung kann so beschleunigt werden</a:t>
-            </a:r>
-          </a:p>
-          <a:p>
-            <a:pPr marL="0" indent="0">
-              <a:lnSpc>
-                <a:spcPct val="150000"/>
-              </a:lnSpc>
-              <a:buNone/>
-            </a:pPr>
-            <a:r>
-              <a:rPr lang="de-DE" sz="1600" b="1" dirty="0">
-                <a:latin typeface="DM Sans" pitchFamily="2" charset="77"/>
-              </a:rPr>
-              <a:t>Weiterentwicklung:</a:t>
-            </a:r>
-          </a:p>
-          <a:p>
-            <a:pPr>
-              <a:lnSpc>
-                <a:spcPct val="150000"/>
-              </a:lnSpc>
-              <a:buFontTx/>
-              <a:buChar char="-"/>
-            </a:pPr>
-            <a:r>
-              <a:rPr lang="de-DE" sz="1600" dirty="0">
-                <a:latin typeface="DM Sans" pitchFamily="2" charset="77"/>
-              </a:rPr>
-              <a:t>Beschleunigte Stellungsbewertung mittels Transposition Tables</a:t>
-            </a:r>
-          </a:p>
-          <a:p>
-            <a:pPr>
-              <a:lnSpc>
-                <a:spcPct val="150000"/>
-              </a:lnSpc>
-              <a:buFontTx/>
-              <a:buChar char="-"/>
-            </a:pPr>
-            <a:r>
-              <a:rPr lang="de-DE" sz="1600" dirty="0">
-                <a:latin typeface="DM Sans" pitchFamily="2" charset="77"/>
-              </a:rPr>
-              <a:t>Weiterentwicklung der Stellungsbewertung: Mobilität der Figuren, Figurenwertigkeit in Abhängigkeit der Spielphase / Bauernstruktur, Berücksichtigung weiterer Strukturen (z.B. offene Linien für Türme, Outposts für Springer, lange Diagonalen für Läufer, …), Bessere Bewertung der Königsposition in Bezug auf King-Of-The-Hill-Spielmodus</a:t>
-            </a:r>
-          </a:p>
-          <a:p>
-            <a:pPr>
-              <a:lnSpc>
-                <a:spcPct val="150000"/>
-              </a:lnSpc>
-              <a:buFontTx/>
-              <a:buChar char="-"/>
-            </a:pPr>
-            <a:r>
-              <a:rPr lang="de-DE" sz="1600" dirty="0">
-                <a:latin typeface="DM Sans" pitchFamily="2" charset="77"/>
-              </a:rPr>
-              <a:t>Zugsortierung für Alpha-Beta-Suche bei iterativer Tiefensuche (ggf. mit Killer-Moves)</a:t>
-            </a:r>
-          </a:p>
-          <a:p>
-            <a:pPr>
-              <a:lnSpc>
-                <a:spcPct val="150000"/>
-              </a:lnSpc>
-              <a:buFontTx/>
-              <a:buChar char="-"/>
-            </a:pPr>
-            <a:r>
-              <a:rPr lang="de-DE" sz="1600" dirty="0">
-                <a:latin typeface="DM Sans" pitchFamily="2" charset="77"/>
-              </a:rPr>
-              <a:t>Minimal-</a:t>
-            </a:r>
-            <a:r>
-              <a:rPr lang="de-DE" sz="1600" dirty="0" err="1">
-                <a:latin typeface="DM Sans" pitchFamily="2" charset="77"/>
-              </a:rPr>
-              <a:t>Window</a:t>
-            </a:r>
-            <a:r>
-              <a:rPr lang="de-DE" sz="1600" dirty="0">
-                <a:latin typeface="DM Sans" pitchFamily="2" charset="77"/>
-              </a:rPr>
-              <a:t>-Methode zur Förderung von Cutoffs während der Alpha-Beta-Suche</a:t>
-            </a:r>
-          </a:p>
-          <a:p>
-            <a:pPr>
-              <a:lnSpc>
-                <a:spcPct val="150000"/>
-              </a:lnSpc>
-              <a:buFontTx/>
-              <a:buChar char="-"/>
-            </a:pPr>
-            <a:r>
-              <a:rPr lang="de-DE" sz="1600" dirty="0">
-                <a:latin typeface="DM Sans" pitchFamily="2" charset="77"/>
-              </a:rPr>
-              <a:t>Einführung von Benchmarks zum Testen der Spielstärke der KI / Benchmarks zum Tracken der Cutoffs</a:t>
-            </a:r>
-          </a:p>
-        </p:txBody>
-      </p:sp>
-    </p:spTree>
-    <p:extLst>
-      <p:ext uri="{BB962C8B-B14F-4D97-AF65-F5344CB8AC3E}">
-        <p14:creationId xmlns:p14="http://schemas.microsoft.com/office/powerpoint/2010/main" val="4049893299"/>
-      </p:ext>
-    </p:extLst>
-  </p:cSld>
-  <p:clrMapOvr>
-    <a:masterClrMapping/>
-  </p:clrMapOvr>
-</p:sld>
-</file>
-
 <file path=ppt/slides/slide2.xml><?xml version="1.0" encoding="utf-8"?>
-<p:sld xmlns:a="http://schemas.openxmlformats.org/drawingml/2006/main" xmlns:r="http://schemas.openxmlformats.org/officeDocument/2006/relationships" xmlns:p="http://schemas.openxmlformats.org/presentationml/2006/main">
-  <p:cSld>
-    <p:spTree>
-      <p:nvGrpSpPr>
-        <p:cNvPr id="1" name=""/>
-        <p:cNvGrpSpPr/>
-        <p:nvPr/>
-      </p:nvGrpSpPr>
-      <p:grpSpPr>
-        <a:xfrm>
-          <a:off x="0" y="0"/>
-          <a:ext cx="0" cy="0"/>
-          <a:chOff x="0" y="0"/>
-          <a:chExt cx="0" cy="0"/>
-        </a:xfrm>
-      </p:grpSpPr>
-      <p:sp>
-        <p:nvSpPr>
-          <p:cNvPr id="2" name="Titel 1">
-            <a:extLst>
-              <a:ext uri="{FF2B5EF4-FFF2-40B4-BE49-F238E27FC236}">
-                <a16:creationId xmlns:a16="http://schemas.microsoft.com/office/drawing/2014/main" id="{5AA772EB-2F85-D641-B1ED-2B43FA1C49BA}"/>
-              </a:ext>
-            </a:extLst>
-          </p:cNvPr>
-          <p:cNvSpPr>
-            <a:spLocks noGrp="1"/>
-          </p:cNvSpPr>
-          <p:nvPr>
-            <p:ph type="title"/>
-          </p:nvPr>
-        </p:nvSpPr>
-        <p:spPr/>
-        <p:txBody>
-          <a:bodyPr/>
-          <a:lstStyle/>
-          <a:p>
-            <a:r>
-              <a:rPr lang="de-DE" dirty="0">
-                <a:latin typeface="DM Sans" pitchFamily="2" charset="77"/>
-              </a:rPr>
-              <a:t>Link für den Screencast</a:t>
-            </a:r>
-          </a:p>
-        </p:txBody>
-      </p:sp>
-      <p:sp>
-        <p:nvSpPr>
-          <p:cNvPr id="5" name="Textfeld 4">
-            <a:extLst>
-              <a:ext uri="{FF2B5EF4-FFF2-40B4-BE49-F238E27FC236}">
-                <a16:creationId xmlns:a16="http://schemas.microsoft.com/office/drawing/2014/main" id="{86D22BBC-F114-65F1-7E0D-00D2E226434E}"/>
-              </a:ext>
-            </a:extLst>
-          </p:cNvPr>
-          <p:cNvSpPr txBox="1"/>
-          <p:nvPr/>
-        </p:nvSpPr>
-        <p:spPr>
-          <a:xfrm>
-            <a:off x="3678954" y="3244334"/>
-            <a:ext cx="4834091" cy="369332"/>
-          </a:xfrm>
-          <a:prstGeom prst="rect">
-            <a:avLst/>
-          </a:prstGeom>
-          <a:noFill/>
-        </p:spPr>
-        <p:txBody>
-          <a:bodyPr wrap="square" rtlCol="0">
-            <a:spAutoFit/>
-          </a:bodyPr>
-          <a:lstStyle/>
-          <a:p>
-            <a:r>
-              <a:rPr lang="de-DE" dirty="0">
-                <a:hlinkClick r:id="rId2"/>
-              </a:rPr>
-              <a:t>https://tubcloud.tu-berlin.de/s/Z7qPHLBDjzTEzao</a:t>
-            </a:r>
-            <a:r>
-              <a:rPr lang="de-DE" dirty="0"/>
-              <a:t> </a:t>
-            </a:r>
-          </a:p>
-        </p:txBody>
-      </p:sp>
-    </p:spTree>
-    <p:extLst>
-      <p:ext uri="{BB962C8B-B14F-4D97-AF65-F5344CB8AC3E}">
-        <p14:creationId xmlns:p14="http://schemas.microsoft.com/office/powerpoint/2010/main" val="802571693"/>
-      </p:ext>
-    </p:extLst>
-  </p:cSld>
-  <p:clrMapOvr>
-    <a:masterClrMapping/>
-  </p:clrMapOvr>
-</p:sld>
-</file>
-
-<file path=ppt/slides/slide3.xml><?xml version="1.0" encoding="utf-8"?>
-<p:sld xmlns:a="http://schemas.openxmlformats.org/drawingml/2006/main" xmlns:r="http://schemas.openxmlformats.org/officeDocument/2006/relationships" xmlns:p="http://schemas.openxmlformats.org/presentationml/2006/main">
-  <p:cSld>
-    <p:spTree>
-      <p:nvGrpSpPr>
-        <p:cNvPr id="1" name=""/>
-        <p:cNvGrpSpPr/>
-        <p:nvPr/>
-      </p:nvGrpSpPr>
-      <p:grpSpPr>
-        <a:xfrm>
-          <a:off x="0" y="0"/>
-          <a:ext cx="0" cy="0"/>
-          <a:chOff x="0" y="0"/>
-          <a:chExt cx="0" cy="0"/>
-        </a:xfrm>
-      </p:grpSpPr>
-      <p:sp>
-        <p:nvSpPr>
-          <p:cNvPr id="2" name="Titel 1">
-            <a:extLst>
-              <a:ext uri="{FF2B5EF4-FFF2-40B4-BE49-F238E27FC236}">
-                <a16:creationId xmlns:a16="http://schemas.microsoft.com/office/drawing/2014/main" id="{5AA772EB-2F85-D641-B1ED-2B43FA1C49BA}"/>
-              </a:ext>
-            </a:extLst>
-          </p:cNvPr>
-          <p:cNvSpPr>
-            <a:spLocks noGrp="1"/>
-          </p:cNvSpPr>
-          <p:nvPr>
-            <p:ph type="title"/>
-          </p:nvPr>
-        </p:nvSpPr>
-        <p:spPr/>
-        <p:txBody>
-          <a:bodyPr/>
-          <a:lstStyle/>
-          <a:p>
-            <a:r>
-              <a:rPr lang="de-DE" dirty="0">
-                <a:latin typeface="DM Sans" pitchFamily="2" charset="77"/>
-              </a:rPr>
-              <a:t>Verbesserung Zuggenerator</a:t>
-            </a:r>
-          </a:p>
-        </p:txBody>
-      </p:sp>
-      <p:graphicFrame>
-        <p:nvGraphicFramePr>
-          <p:cNvPr id="4" name="Tabelle 6">
-            <a:extLst>
-              <a:ext uri="{FF2B5EF4-FFF2-40B4-BE49-F238E27FC236}">
-                <a16:creationId xmlns:a16="http://schemas.microsoft.com/office/drawing/2014/main" id="{C2D047FC-0415-1168-CF46-9709274701B5}"/>
-              </a:ext>
-            </a:extLst>
-          </p:cNvPr>
-          <p:cNvGraphicFramePr>
-            <a:graphicFrameLocks noGrp="1"/>
-          </p:cNvGraphicFramePr>
-          <p:nvPr>
-            <p:extLst>
-              <p:ext uri="{D42A27DB-BD31-4B8C-83A1-F6EECF244321}">
-                <p14:modId xmlns:p14="http://schemas.microsoft.com/office/powerpoint/2010/main" val="3410109641"/>
-              </p:ext>
-            </p:extLst>
-          </p:nvPr>
-        </p:nvGraphicFramePr>
-        <p:xfrm>
-          <a:off x="2116836" y="1929986"/>
-          <a:ext cx="7958328" cy="2998027"/>
-        </p:xfrm>
-        <a:graphic>
-          <a:graphicData uri="http://schemas.openxmlformats.org/drawingml/2006/table">
-            <a:tbl>
-              <a:tblPr firstRow="1" bandRow="1">
-                <a:tableStyleId>{D7AC3CCA-C797-4891-BE02-D94E43425B78}</a:tableStyleId>
-              </a:tblPr>
-              <a:tblGrid>
-                <a:gridCol w="2901696">
-                  <a:extLst>
-                    <a:ext uri="{9D8B030D-6E8A-4147-A177-3AD203B41FA5}">
-                      <a16:colId xmlns:a16="http://schemas.microsoft.com/office/drawing/2014/main" val="3039502522"/>
-                    </a:ext>
-                  </a:extLst>
-                </a:gridCol>
-                <a:gridCol w="2496312">
-                  <a:extLst>
-                    <a:ext uri="{9D8B030D-6E8A-4147-A177-3AD203B41FA5}">
-                      <a16:colId xmlns:a16="http://schemas.microsoft.com/office/drawing/2014/main" val="566495651"/>
-                    </a:ext>
-                  </a:extLst>
-                </a:gridCol>
-                <a:gridCol w="2560320">
-                  <a:extLst>
-                    <a:ext uri="{9D8B030D-6E8A-4147-A177-3AD203B41FA5}">
-                      <a16:colId xmlns:a16="http://schemas.microsoft.com/office/drawing/2014/main" val="529561781"/>
-                    </a:ext>
-                  </a:extLst>
-                </a:gridCol>
-              </a:tblGrid>
-              <a:tr h="370840">
-                <a:tc>
-                  <a:txBody>
-                    <a:bodyPr/>
-                    <a:lstStyle/>
-                    <a:p>
-                      <a:r>
-                        <a:rPr lang="de-DE" b="1" dirty="0"/>
-                        <a:t>Rechnerkonfiguration</a:t>
-                      </a:r>
-                      <a:endParaRPr lang="de-DE" b="1" dirty="0">
-                        <a:latin typeface="DM Sans" pitchFamily="2" charset="77"/>
-                      </a:endParaRPr>
-                    </a:p>
-                  </a:txBody>
-                  <a:tcPr/>
-                </a:tc>
-                <a:tc>
-                  <a:txBody>
-                    <a:bodyPr/>
-                    <a:lstStyle/>
-                    <a:p>
-                      <a:pPr algn="ctr"/>
-                      <a:r>
-                        <a:rPr lang="de-DE" b="1" dirty="0"/>
-                        <a:t>Alte Zeit (Durchschnitt)</a:t>
-                      </a:r>
-                      <a:endParaRPr lang="de-DE" b="1" dirty="0">
-                        <a:latin typeface="DM Sans" pitchFamily="2" charset="77"/>
-                      </a:endParaRPr>
-                    </a:p>
-                  </a:txBody>
-                  <a:tcPr/>
-                </a:tc>
-                <a:tc>
-                  <a:txBody>
-                    <a:bodyPr/>
-                    <a:lstStyle/>
-                    <a:p>
-                      <a:pPr algn="ctr"/>
-                      <a:r>
-                        <a:rPr lang="de-DE" b="1" dirty="0"/>
-                        <a:t>Neue Zeit (Durchschnitt)</a:t>
-                      </a:r>
-                      <a:endParaRPr lang="de-DE" b="1" dirty="0">
-                        <a:latin typeface="DM Sans" pitchFamily="2" charset="77"/>
-                      </a:endParaRPr>
-                    </a:p>
-                  </a:txBody>
-                  <a:tcPr/>
-                </a:tc>
-                <a:extLst>
-                  <a:ext uri="{0D108BD9-81ED-4DB2-BD59-A6C34878D82A}">
-                    <a16:rowId xmlns:a16="http://schemas.microsoft.com/office/drawing/2014/main" val="4077966232"/>
-                  </a:ext>
-                </a:extLst>
-              </a:tr>
-              <a:tr h="370840">
-                <a:tc>
-                  <a:txBody>
-                    <a:bodyPr/>
-                    <a:lstStyle/>
-                    <a:p>
-                      <a:pPr>
-                        <a:lnSpc>
-                          <a:spcPct val="150000"/>
-                        </a:lnSpc>
-                      </a:pPr>
-                      <a:r>
-                        <a:rPr lang="de-DE" dirty="0"/>
-                        <a:t>Prozessor: M1 Max</a:t>
-                      </a:r>
-                    </a:p>
-                    <a:p>
-                      <a:pPr>
-                        <a:lnSpc>
-                          <a:spcPct val="150000"/>
-                        </a:lnSpc>
-                      </a:pPr>
-                      <a:r>
-                        <a:rPr lang="de-DE" dirty="0"/>
-                        <a:t>RAM: 32 GB</a:t>
-                      </a:r>
-                      <a:endParaRPr lang="de-DE" dirty="0">
-                        <a:latin typeface="DM Sans" pitchFamily="2" charset="77"/>
-                      </a:endParaRPr>
-                    </a:p>
-                  </a:txBody>
-                  <a:tcPr/>
-                </a:tc>
-                <a:tc>
-                  <a:txBody>
-                    <a:bodyPr/>
-                    <a:lstStyle/>
-                    <a:p>
-                      <a:pPr algn="ctr">
-                        <a:lnSpc>
-                          <a:spcPct val="150000"/>
-                        </a:lnSpc>
-                      </a:pPr>
-                      <a:r>
-                        <a:rPr lang="de-DE" dirty="0"/>
-                        <a:t> 0,025 ms</a:t>
-                      </a:r>
-                      <a:endParaRPr lang="de-DE" dirty="0">
-                        <a:latin typeface="DM Sans" pitchFamily="2" charset="77"/>
-                      </a:endParaRPr>
-                    </a:p>
-                  </a:txBody>
-                  <a:tcPr anchor="ctr"/>
-                </a:tc>
-                <a:tc>
-                  <a:txBody>
-                    <a:bodyPr/>
-                    <a:lstStyle/>
-                    <a:p>
-                      <a:pPr algn="ctr">
-                        <a:lnSpc>
-                          <a:spcPct val="150000"/>
-                        </a:lnSpc>
-                      </a:pPr>
-                      <a:r>
-                        <a:rPr lang="de-DE" dirty="0"/>
-                        <a:t>0,004 ms</a:t>
-                      </a:r>
-                      <a:endParaRPr lang="de-DE" dirty="0">
-                        <a:latin typeface="DM Sans" pitchFamily="2" charset="77"/>
-                      </a:endParaRPr>
-                    </a:p>
-                  </a:txBody>
-                  <a:tcPr anchor="ctr"/>
-                </a:tc>
-                <a:extLst>
-                  <a:ext uri="{0D108BD9-81ED-4DB2-BD59-A6C34878D82A}">
-                    <a16:rowId xmlns:a16="http://schemas.microsoft.com/office/drawing/2014/main" val="174462360"/>
-                  </a:ext>
-                </a:extLst>
-              </a:tr>
-              <a:tr h="370840">
-                <a:tc>
-                  <a:txBody>
-                    <a:bodyPr/>
-                    <a:lstStyle/>
-                    <a:p>
-                      <a:pPr>
-                        <a:lnSpc>
-                          <a:spcPct val="150000"/>
-                        </a:lnSpc>
-                      </a:pPr>
-                      <a:r>
-                        <a:rPr lang="de-DE" dirty="0"/>
-                        <a:t>Prozessor: Intel i9-11900H</a:t>
-                      </a:r>
-                    </a:p>
-                    <a:p>
-                      <a:pPr>
-                        <a:lnSpc>
-                          <a:spcPct val="150000"/>
-                        </a:lnSpc>
-                      </a:pPr>
-                      <a:r>
-                        <a:rPr lang="de-DE" dirty="0"/>
-                        <a:t>RAM: 32 GB</a:t>
-                      </a:r>
-                      <a:endParaRPr lang="de-DE" dirty="0">
-                        <a:latin typeface="DM Sans" pitchFamily="2" charset="77"/>
-                      </a:endParaRPr>
-                    </a:p>
-                  </a:txBody>
-                  <a:tcPr/>
-                </a:tc>
-                <a:tc>
-                  <a:txBody>
-                    <a:bodyPr/>
-                    <a:lstStyle/>
-                    <a:p>
-                      <a:pPr algn="ctr">
-                        <a:lnSpc>
-                          <a:spcPct val="150000"/>
-                        </a:lnSpc>
-                      </a:pPr>
-                      <a:r>
-                        <a:rPr lang="de-DE" sz="1800" b="0" i="0" kern="1200" dirty="0">
-                          <a:solidFill>
-                            <a:schemeClr val="dk1"/>
-                          </a:solidFill>
-                          <a:effectLst/>
-                          <a:latin typeface="+mn-lt"/>
-                          <a:ea typeface="+mn-ea"/>
-                          <a:cs typeface="+mn-cs"/>
-                        </a:rPr>
-                        <a:t>0,012 </a:t>
-                      </a:r>
-                      <a:r>
-                        <a:rPr lang="de-DE" dirty="0"/>
-                        <a:t>ms</a:t>
-                      </a:r>
-                      <a:endParaRPr lang="de-DE" dirty="0">
-                        <a:latin typeface="DM Sans" pitchFamily="2" charset="77"/>
-                      </a:endParaRPr>
-                    </a:p>
-                  </a:txBody>
-                  <a:tcPr anchor="ctr"/>
-                </a:tc>
-                <a:tc>
-                  <a:txBody>
-                    <a:bodyPr/>
-                    <a:lstStyle/>
-                    <a:p>
-                      <a:pPr marL="0" marR="0" lvl="0" indent="0" algn="ctr" defTabSz="914400" rtl="0" eaLnBrk="1" fontAlgn="auto" latinLnBrk="0" hangingPunct="1">
-                        <a:lnSpc>
-                          <a:spcPct val="150000"/>
-                        </a:lnSpc>
-                        <a:spcBef>
-                          <a:spcPts val="0"/>
-                        </a:spcBef>
-                        <a:spcAft>
-                          <a:spcPts val="0"/>
-                        </a:spcAft>
-                        <a:buClrTx/>
-                        <a:buSzTx/>
-                        <a:buFontTx/>
-                        <a:buNone/>
-                        <a:tabLst/>
-                        <a:defRPr/>
-                      </a:pPr>
-                      <a:r>
-                        <a:rPr lang="de-DE" sz="1800" b="0" i="0" kern="1200" dirty="0">
-                          <a:solidFill>
-                            <a:schemeClr val="dk1"/>
-                          </a:solidFill>
-                          <a:effectLst/>
-                          <a:latin typeface="+mn-lt"/>
-                          <a:ea typeface="+mn-ea"/>
-                          <a:cs typeface="+mn-cs"/>
-                        </a:rPr>
-                        <a:t>0,0035 </a:t>
-                      </a:r>
-                      <a:r>
-                        <a:rPr lang="de-DE" dirty="0"/>
-                        <a:t>ms</a:t>
-                      </a:r>
-                      <a:endParaRPr lang="de-DE" dirty="0">
-                        <a:latin typeface="DM Sans" pitchFamily="2" charset="77"/>
-                      </a:endParaRPr>
-                    </a:p>
-                  </a:txBody>
-                  <a:tcPr anchor="ctr"/>
-                </a:tc>
-                <a:extLst>
-                  <a:ext uri="{0D108BD9-81ED-4DB2-BD59-A6C34878D82A}">
-                    <a16:rowId xmlns:a16="http://schemas.microsoft.com/office/drawing/2014/main" val="3185644093"/>
-                  </a:ext>
-                </a:extLst>
-              </a:tr>
-              <a:tr h="370840">
-                <a:tc>
-                  <a:txBody>
-                    <a:bodyPr/>
-                    <a:lstStyle/>
-                    <a:p>
-                      <a:pPr>
-                        <a:lnSpc>
-                          <a:spcPct val="150000"/>
-                        </a:lnSpc>
-                      </a:pPr>
-                      <a:r>
-                        <a:rPr lang="de-DE" dirty="0"/>
-                        <a:t>Prozessor: Intel i5-8250U</a:t>
-                      </a:r>
-                    </a:p>
-                    <a:p>
-                      <a:pPr>
-                        <a:lnSpc>
-                          <a:spcPct val="150000"/>
-                        </a:lnSpc>
-                      </a:pPr>
-                      <a:r>
-                        <a:rPr lang="de-DE" dirty="0"/>
-                        <a:t>RAM: 8 GB</a:t>
-                      </a:r>
-                      <a:endParaRPr lang="de-DE" dirty="0">
-                        <a:latin typeface="DM Sans" pitchFamily="2" charset="77"/>
-                      </a:endParaRPr>
-                    </a:p>
-                  </a:txBody>
-                  <a:tcPr/>
-                </a:tc>
-                <a:tc>
-                  <a:txBody>
-                    <a:bodyPr/>
-                    <a:lstStyle/>
-                    <a:p>
-                      <a:pPr algn="ctr">
-                        <a:lnSpc>
-                          <a:spcPct val="150000"/>
-                        </a:lnSpc>
-                      </a:pPr>
-                      <a:r>
-                        <a:rPr lang="de-DE" dirty="0"/>
-                        <a:t>0,037 ms</a:t>
-                      </a:r>
-                      <a:endParaRPr lang="de-DE" dirty="0">
-                        <a:latin typeface="DM Sans" pitchFamily="2" charset="77"/>
-                      </a:endParaRPr>
-                    </a:p>
-                  </a:txBody>
-                  <a:tcPr anchor="ctr"/>
-                </a:tc>
-                <a:tc>
-                  <a:txBody>
-                    <a:bodyPr/>
-                    <a:lstStyle/>
-                    <a:p>
-                      <a:pPr algn="ctr">
-                        <a:lnSpc>
-                          <a:spcPct val="150000"/>
-                        </a:lnSpc>
-                      </a:pPr>
-                      <a:r>
-                        <a:rPr lang="de-DE" dirty="0"/>
-                        <a:t>0,01 ms</a:t>
-                      </a:r>
-                      <a:endParaRPr lang="de-DE" dirty="0">
-                        <a:latin typeface="DM Sans" pitchFamily="2" charset="77"/>
-                      </a:endParaRPr>
-                    </a:p>
-                  </a:txBody>
-                  <a:tcPr anchor="ctr"/>
-                </a:tc>
-                <a:extLst>
-                  <a:ext uri="{0D108BD9-81ED-4DB2-BD59-A6C34878D82A}">
-                    <a16:rowId xmlns:a16="http://schemas.microsoft.com/office/drawing/2014/main" val="1851225968"/>
-                  </a:ext>
-                </a:extLst>
-              </a:tr>
-            </a:tbl>
-          </a:graphicData>
-        </a:graphic>
-      </p:graphicFrame>
-      <p:sp>
-        <p:nvSpPr>
-          <p:cNvPr id="5" name="Textfeld 4">
-            <a:extLst>
-              <a:ext uri="{FF2B5EF4-FFF2-40B4-BE49-F238E27FC236}">
-                <a16:creationId xmlns:a16="http://schemas.microsoft.com/office/drawing/2014/main" id="{86D22BBC-F114-65F1-7E0D-00D2E226434E}"/>
-              </a:ext>
-            </a:extLst>
-          </p:cNvPr>
-          <p:cNvSpPr txBox="1"/>
-          <p:nvPr/>
-        </p:nvSpPr>
-        <p:spPr>
-          <a:xfrm>
-            <a:off x="2116836" y="5292546"/>
-            <a:ext cx="7958328" cy="1200329"/>
-          </a:xfrm>
-          <a:prstGeom prst="rect">
-            <a:avLst/>
-          </a:prstGeom>
-          <a:noFill/>
-        </p:spPr>
-        <p:txBody>
-          <a:bodyPr wrap="square" rtlCol="0">
-            <a:spAutoFit/>
-          </a:bodyPr>
-          <a:lstStyle/>
-          <a:p>
-            <a:r>
-              <a:rPr lang="de-DE" dirty="0"/>
-              <a:t>Die Bitboard-Masken zum Berechnen der </a:t>
-            </a:r>
-            <a:r>
-              <a:rPr lang="de-DE" dirty="0" err="1"/>
-              <a:t>Sliding-Pieces</a:t>
-            </a:r>
-            <a:r>
-              <a:rPr lang="de-DE" dirty="0"/>
-              <a:t> werden nun einmalig zum Start des Programmes berechnet anstatt während der Laufzeit des Zuggenerators.</a:t>
-            </a:r>
-          </a:p>
-          <a:p>
-            <a:r>
-              <a:rPr lang="de-DE" dirty="0"/>
-              <a:t>Damit konnten wir eine bis zu 4-fache Beschleunigung beim Generieren legaler Züge erzeugen.</a:t>
-            </a:r>
-          </a:p>
-        </p:txBody>
-      </p:sp>
-    </p:spTree>
-    <p:extLst>
-      <p:ext uri="{BB962C8B-B14F-4D97-AF65-F5344CB8AC3E}">
-        <p14:creationId xmlns:p14="http://schemas.microsoft.com/office/powerpoint/2010/main" val="573666820"/>
-      </p:ext>
-    </p:extLst>
-  </p:cSld>
-  <p:clrMapOvr>
-    <a:masterClrMapping/>
-  </p:clrMapOvr>
-</p:sld>
-</file>
-
-<file path=ppt/slides/slide4.xml><?xml version="1.0" encoding="utf-8"?>
 <p:sld xmlns:a="http://schemas.openxmlformats.org/drawingml/2006/main" xmlns:r="http://schemas.openxmlformats.org/officeDocument/2006/relationships" xmlns:p="http://schemas.openxmlformats.org/presentationml/2006/main">
   <p:cSld>
     <p:spTree>
@@ -5092,7 +4274,7 @@
 </p:sld>
 </file>
 
-<file path=ppt/slides/slide5.xml><?xml version="1.0" encoding="utf-8"?>
+<file path=ppt/slides/slide3.xml><?xml version="1.0" encoding="utf-8"?>
 <p:sld xmlns:a="http://schemas.openxmlformats.org/drawingml/2006/main" xmlns:r="http://schemas.openxmlformats.org/officeDocument/2006/relationships" xmlns:p="http://schemas.openxmlformats.org/presentationml/2006/main">
   <p:cSld>
     <p:spTree>
@@ -5124,7 +4306,7 @@
           <p:nvPr>
             <p:extLst>
               <p:ext uri="{D42A27DB-BD31-4B8C-83A1-F6EECF244321}">
-                <p14:modId xmlns:p14="http://schemas.microsoft.com/office/powerpoint/2010/main" val="3632230059"/>
+                <p14:modId xmlns:p14="http://schemas.microsoft.com/office/powerpoint/2010/main" val="72783194"/>
               </p:ext>
             </p:extLst>
           </p:nvPr>
@@ -5277,7 +4459,7 @@
                       <a:pPr algn="ctr"/>
                       <a:r>
                         <a:rPr lang="de-DE" sz="1600" dirty="0"/>
-                        <a:t>Positionen pro Sekunde je nach Tiefe d</a:t>
+                        <a:t>Stellungen pro Sekunde je nach Tiefe d</a:t>
                       </a:r>
                     </a:p>
                   </a:txBody>
@@ -8193,7 +7375,7 @@
 </p:sld>
 </file>
 
-<file path=ppt/slides/slide6.xml><?xml version="1.0" encoding="utf-8"?>
+<file path=ppt/slides/slide4.xml><?xml version="1.0" encoding="utf-8"?>
 <p:sld xmlns:a="http://schemas.openxmlformats.org/drawingml/2006/main" xmlns:r="http://schemas.openxmlformats.org/officeDocument/2006/relationships" xmlns:p="http://schemas.openxmlformats.org/presentationml/2006/main">
   <p:cSld>
     <p:spTree>
@@ -8225,7 +7407,7 @@
           <p:nvPr>
             <p:extLst>
               <p:ext uri="{D42A27DB-BD31-4B8C-83A1-F6EECF244321}">
-                <p14:modId xmlns:p14="http://schemas.microsoft.com/office/powerpoint/2010/main" val="2684925816"/>
+                <p14:modId xmlns:p14="http://schemas.microsoft.com/office/powerpoint/2010/main" val="7850969"/>
               </p:ext>
             </p:extLst>
           </p:nvPr>
@@ -8378,7 +7560,7 @@
                       <a:pPr algn="ctr"/>
                       <a:r>
                         <a:rPr lang="de-DE" sz="1600" dirty="0"/>
-                        <a:t>Positionen pro Sekunde je nach Tiefe d</a:t>
+                        <a:t>Stellungen pro Sekunde je nach Tiefe d</a:t>
                       </a:r>
                     </a:p>
                   </a:txBody>
@@ -11294,7 +10476,7 @@
 </p:sld>
 </file>
 
-<file path=ppt/slides/slide7.xml><?xml version="1.0" encoding="utf-8"?>
+<file path=ppt/slides/slide5.xml><?xml version="1.0" encoding="utf-8"?>
 <p:sld xmlns:a="http://schemas.openxmlformats.org/drawingml/2006/main" xmlns:r="http://schemas.openxmlformats.org/officeDocument/2006/relationships" xmlns:p="http://schemas.openxmlformats.org/presentationml/2006/main">
   <p:cSld>
     <p:spTree>
@@ -11326,7 +10508,7 @@
           <p:nvPr>
             <p:extLst>
               <p:ext uri="{D42A27DB-BD31-4B8C-83A1-F6EECF244321}">
-                <p14:modId xmlns:p14="http://schemas.microsoft.com/office/powerpoint/2010/main" val="556354002"/>
+                <p14:modId xmlns:p14="http://schemas.microsoft.com/office/powerpoint/2010/main" val="3281258883"/>
               </p:ext>
             </p:extLst>
           </p:nvPr>
@@ -11398,14 +10580,14 @@
                     </a:ext>
                   </a:extLst>
                 </a:gridCol>
-                <a:gridCol w="970221">
+                <a:gridCol w="834887">
                   <a:extLst>
                     <a:ext uri="{9D8B030D-6E8A-4147-A177-3AD203B41FA5}">
                       <a16:colId xmlns:a16="http://schemas.microsoft.com/office/drawing/2014/main" val="2013879485"/>
                     </a:ext>
                   </a:extLst>
                 </a:gridCol>
-                <a:gridCol w="858579">
+                <a:gridCol w="993913">
                   <a:extLst>
                     <a:ext uri="{9D8B030D-6E8A-4147-A177-3AD203B41FA5}">
                       <a16:colId xmlns:a16="http://schemas.microsoft.com/office/drawing/2014/main" val="183763412"/>
@@ -13021,7 +12203,7 @@
 </p:sld>
 </file>
 
-<file path=ppt/slides/slide8.xml><?xml version="1.0" encoding="utf-8"?>
+<file path=ppt/slides/slide6.xml><?xml version="1.0" encoding="utf-8"?>
 <p:sld xmlns:a="http://schemas.openxmlformats.org/drawingml/2006/main" xmlns:r="http://schemas.openxmlformats.org/officeDocument/2006/relationships" xmlns:p="http://schemas.openxmlformats.org/presentationml/2006/main">
   <p:cSld>
     <p:spTree>
@@ -15586,7 +14768,7 @@
 </p:sld>
 </file>
 
-<file path=ppt/slides/slide9.xml><?xml version="1.0" encoding="utf-8"?>
+<file path=ppt/slides/slide7.xml><?xml version="1.0" encoding="utf-8"?>
 <p:sld xmlns:a="http://schemas.openxmlformats.org/drawingml/2006/main" xmlns:r="http://schemas.openxmlformats.org/officeDocument/2006/relationships" xmlns:p="http://schemas.openxmlformats.org/presentationml/2006/main">
   <p:cSld>
     <p:spTree>
@@ -15618,13 +14800,13 @@
           <p:nvPr>
             <p:extLst>
               <p:ext uri="{D42A27DB-BD31-4B8C-83A1-F6EECF244321}">
-                <p14:modId xmlns:p14="http://schemas.microsoft.com/office/powerpoint/2010/main" val="2593573903"/>
+                <p14:modId xmlns:p14="http://schemas.microsoft.com/office/powerpoint/2010/main" val="89706768"/>
               </p:ext>
             </p:extLst>
           </p:nvPr>
         </p:nvGraphicFramePr>
         <p:xfrm>
-          <a:off x="2200811" y="2590800"/>
+          <a:off x="2200811" y="2319786"/>
           <a:ext cx="7790372" cy="1676400"/>
         </p:xfrm>
         <a:graphic>
@@ -15686,7 +14868,7 @@
                       <a:pPr algn="ctr"/>
                       <a:r>
                         <a:rPr lang="de-DE" sz="1600" dirty="0"/>
-                        <a:t>Positionsberechnungsersparnis durch Cutoff je nach Tiefe d</a:t>
+                        <a:t>Zugberechnungsersparnis durch Cutoff je nach Tiefe d</a:t>
                       </a:r>
                     </a:p>
                   </a:txBody>
@@ -16578,7 +15760,7 @@
         <p:spPr>
           <a:xfrm>
             <a:off x="1020071" y="1549872"/>
-            <a:ext cx="5476436" cy="584775"/>
+            <a:ext cx="4578946" cy="584775"/>
           </a:xfrm>
           <a:prstGeom prst="rect">
             <a:avLst/>
@@ -16593,7 +15775,7 @@
           <a:p>
             <a:r>
               <a:rPr lang="de-DE" sz="3200" dirty="0"/>
-              <a:t>Positionsberechnungsersparnis:</a:t>
+              <a:t>Zugberechnungsersparnis:</a:t>
             </a:r>
           </a:p>
         </p:txBody>
@@ -16602,6 +15784,191 @@
     <p:extLst>
       <p:ext uri="{BB962C8B-B14F-4D97-AF65-F5344CB8AC3E}">
         <p14:creationId xmlns:p14="http://schemas.microsoft.com/office/powerpoint/2010/main" val="743446416"/>
+      </p:ext>
+    </p:extLst>
+  </p:cSld>
+  <p:clrMapOvr>
+    <a:masterClrMapping/>
+  </p:clrMapOvr>
+</p:sld>
+</file>
+
+<file path=ppt/slides/slide8.xml><?xml version="1.0" encoding="utf-8"?>
+<p:sld xmlns:a="http://schemas.openxmlformats.org/drawingml/2006/main" xmlns:r="http://schemas.openxmlformats.org/officeDocument/2006/relationships" xmlns:p="http://schemas.openxmlformats.org/presentationml/2006/main">
+  <p:cSld>
+    <p:spTree>
+      <p:nvGrpSpPr>
+        <p:cNvPr id="1" name=""/>
+        <p:cNvGrpSpPr/>
+        <p:nvPr/>
+      </p:nvGrpSpPr>
+      <p:grpSpPr>
+        <a:xfrm>
+          <a:off x="0" y="0"/>
+          <a:ext cx="0" cy="0"/>
+          <a:chOff x="0" y="0"/>
+          <a:chExt cx="0" cy="0"/>
+        </a:xfrm>
+      </p:grpSpPr>
+      <p:sp>
+        <p:nvSpPr>
+          <p:cNvPr id="2" name="Titel 1">
+            <a:extLst>
+              <a:ext uri="{FF2B5EF4-FFF2-40B4-BE49-F238E27FC236}">
+                <a16:creationId xmlns:a16="http://schemas.microsoft.com/office/drawing/2014/main" id="{5AA772EB-2F85-D641-B1ED-2B43FA1C49BA}"/>
+              </a:ext>
+            </a:extLst>
+          </p:cNvPr>
+          <p:cNvSpPr>
+            <a:spLocks noGrp="1"/>
+          </p:cNvSpPr>
+          <p:nvPr>
+            <p:ph type="title"/>
+          </p:nvPr>
+        </p:nvSpPr>
+        <p:spPr/>
+        <p:txBody>
+          <a:bodyPr/>
+          <a:lstStyle/>
+          <a:p>
+            <a:r>
+              <a:rPr lang="de-DE" dirty="0">
+                <a:latin typeface="DM Sans" pitchFamily="2" charset="77"/>
+              </a:rPr>
+              <a:t>Ausblick und nächste Schritte</a:t>
+            </a:r>
+          </a:p>
+        </p:txBody>
+      </p:sp>
+      <p:sp>
+        <p:nvSpPr>
+          <p:cNvPr id="3" name="Inhaltsplatzhalter 2">
+            <a:extLst>
+              <a:ext uri="{FF2B5EF4-FFF2-40B4-BE49-F238E27FC236}">
+                <a16:creationId xmlns:a16="http://schemas.microsoft.com/office/drawing/2014/main" id="{EE3C1B38-B6C1-FCDB-1B7B-8A85D0E9F7C5}"/>
+              </a:ext>
+            </a:extLst>
+          </p:cNvPr>
+          <p:cNvSpPr>
+            <a:spLocks noGrp="1"/>
+          </p:cNvSpPr>
+          <p:nvPr>
+            <p:ph idx="1"/>
+          </p:nvPr>
+        </p:nvSpPr>
+        <p:spPr/>
+        <p:txBody>
+          <a:bodyPr>
+            <a:normAutofit/>
+          </a:bodyPr>
+          <a:lstStyle/>
+          <a:p>
+            <a:pPr marL="0" indent="0">
+              <a:lnSpc>
+                <a:spcPct val="150000"/>
+              </a:lnSpc>
+              <a:buNone/>
+            </a:pPr>
+            <a:r>
+              <a:rPr lang="de-DE" sz="1600" b="1" dirty="0">
+                <a:latin typeface="DM Sans" pitchFamily="2" charset="77"/>
+              </a:rPr>
+              <a:t>Weiterentwicklung:</a:t>
+            </a:r>
+          </a:p>
+          <a:p>
+            <a:pPr>
+              <a:lnSpc>
+                <a:spcPct val="150000"/>
+              </a:lnSpc>
+              <a:buFontTx/>
+              <a:buChar char="-"/>
+            </a:pPr>
+            <a:r>
+              <a:rPr lang="de-DE" sz="1600" dirty="0">
+                <a:latin typeface="DM Sans" pitchFamily="2" charset="77"/>
+              </a:rPr>
+              <a:t>Beschleunigte Stellungsbewertung mittels Transposition Tables</a:t>
+            </a:r>
+          </a:p>
+          <a:p>
+            <a:pPr>
+              <a:lnSpc>
+                <a:spcPct val="150000"/>
+              </a:lnSpc>
+              <a:buFontTx/>
+              <a:buChar char="-"/>
+            </a:pPr>
+            <a:r>
+              <a:rPr lang="de-DE" sz="1600" dirty="0">
+                <a:latin typeface="DM Sans" pitchFamily="2" charset="77"/>
+              </a:rPr>
+              <a:t>Weiterentwicklung der Stellungsbewertung: Mobilität der Figuren, Figurenwertigkeit in Abhängigkeit der Spielphase / Bauernstruktur, Berücksichtigung weiterer Strukturen (z.B. offene Linien für Türme, Outposts für Springer, lange Diagonalen für Läufer, …), Bessere Bewertung der Königsposition in Bezug auf King-Of-The-Hill-Spielmodus</a:t>
+            </a:r>
+          </a:p>
+          <a:p>
+            <a:pPr>
+              <a:lnSpc>
+                <a:spcPct val="150000"/>
+              </a:lnSpc>
+              <a:buFontTx/>
+              <a:buChar char="-"/>
+            </a:pPr>
+            <a:r>
+              <a:rPr lang="de-DE" sz="1600" dirty="0">
+                <a:latin typeface="DM Sans" pitchFamily="2" charset="77"/>
+              </a:rPr>
+              <a:t>Zugsortierung für Alpha-Beta-Suche bei iterativer Tiefensuche</a:t>
+            </a:r>
+          </a:p>
+          <a:p>
+            <a:pPr>
+              <a:lnSpc>
+                <a:spcPct val="150000"/>
+              </a:lnSpc>
+              <a:buFontTx/>
+              <a:buChar char="-"/>
+            </a:pPr>
+            <a:r>
+              <a:rPr lang="de-DE" sz="1600" dirty="0">
+                <a:latin typeface="DM Sans" pitchFamily="2" charset="77"/>
+              </a:rPr>
+              <a:t>Minimal-</a:t>
+            </a:r>
+            <a:r>
+              <a:rPr lang="de-DE" sz="1600" dirty="0" err="1">
+                <a:latin typeface="DM Sans" pitchFamily="2" charset="77"/>
+              </a:rPr>
+              <a:t>Window</a:t>
+            </a:r>
+            <a:r>
+              <a:rPr lang="de-DE" sz="1600" dirty="0">
+                <a:latin typeface="DM Sans" pitchFamily="2" charset="77"/>
+              </a:rPr>
+              <a:t>-Methode zur Förderung von Cutoffs während der Alpha-Beta-Suche</a:t>
+            </a:r>
+          </a:p>
+          <a:p>
+            <a:pPr>
+              <a:lnSpc>
+                <a:spcPct val="150000"/>
+              </a:lnSpc>
+              <a:buFontTx/>
+              <a:buChar char="-"/>
+            </a:pPr>
+            <a:r>
+              <a:rPr lang="de-DE" sz="1600" dirty="0">
+                <a:latin typeface="DM Sans" pitchFamily="2" charset="77"/>
+              </a:rPr>
+              <a:t>Ggf. Einführung von Benchmarks zum Testen der Spielstärke der KI</a:t>
+            </a:r>
+          </a:p>
+        </p:txBody>
+      </p:sp>
+    </p:spTree>
+    <p:extLst>
+      <p:ext uri="{BB962C8B-B14F-4D97-AF65-F5344CB8AC3E}">
+        <p14:creationId xmlns:p14="http://schemas.microsoft.com/office/powerpoint/2010/main" val="4049893299"/>
       </p:ext>
     </p:extLst>
   </p:cSld>

--- a/PJ_KI_MST2.pptx
+++ b/PJ_KI_MST2.pptx
@@ -268,7 +268,7 @@
           <a:p>
             <a:fld id="{17468778-AD1E-48E6-A1B1-00A628170ED2}" type="datetimeFigureOut">
               <a:rPr lang="de-DE" smtClean="0"/>
-              <a:t>23.05.23</a:t>
+              <a:t>24.05.23</a:t>
             </a:fld>
             <a:endParaRPr lang="de-DE"/>
           </a:p>
@@ -466,7 +466,7 @@
           <a:p>
             <a:fld id="{17468778-AD1E-48E6-A1B1-00A628170ED2}" type="datetimeFigureOut">
               <a:rPr lang="de-DE" smtClean="0"/>
-              <a:t>23.05.23</a:t>
+              <a:t>24.05.23</a:t>
             </a:fld>
             <a:endParaRPr lang="de-DE"/>
           </a:p>
@@ -674,7 +674,7 @@
           <a:p>
             <a:fld id="{17468778-AD1E-48E6-A1B1-00A628170ED2}" type="datetimeFigureOut">
               <a:rPr lang="de-DE" smtClean="0"/>
-              <a:t>23.05.23</a:t>
+              <a:t>24.05.23</a:t>
             </a:fld>
             <a:endParaRPr lang="de-DE"/>
           </a:p>
@@ -872,7 +872,7 @@
           <a:p>
             <a:fld id="{17468778-AD1E-48E6-A1B1-00A628170ED2}" type="datetimeFigureOut">
               <a:rPr lang="de-DE" smtClean="0"/>
-              <a:t>23.05.23</a:t>
+              <a:t>24.05.23</a:t>
             </a:fld>
             <a:endParaRPr lang="de-DE"/>
           </a:p>
@@ -1147,7 +1147,7 @@
           <a:p>
             <a:fld id="{17468778-AD1E-48E6-A1B1-00A628170ED2}" type="datetimeFigureOut">
               <a:rPr lang="de-DE" smtClean="0"/>
-              <a:t>23.05.23</a:t>
+              <a:t>24.05.23</a:t>
             </a:fld>
             <a:endParaRPr lang="de-DE"/>
           </a:p>
@@ -1412,7 +1412,7 @@
           <a:p>
             <a:fld id="{17468778-AD1E-48E6-A1B1-00A628170ED2}" type="datetimeFigureOut">
               <a:rPr lang="de-DE" smtClean="0"/>
-              <a:t>23.05.23</a:t>
+              <a:t>24.05.23</a:t>
             </a:fld>
             <a:endParaRPr lang="de-DE"/>
           </a:p>
@@ -1824,7 +1824,7 @@
           <a:p>
             <a:fld id="{17468778-AD1E-48E6-A1B1-00A628170ED2}" type="datetimeFigureOut">
               <a:rPr lang="de-DE" smtClean="0"/>
-              <a:t>23.05.23</a:t>
+              <a:t>24.05.23</a:t>
             </a:fld>
             <a:endParaRPr lang="de-DE"/>
           </a:p>
@@ -1965,7 +1965,7 @@
           <a:p>
             <a:fld id="{17468778-AD1E-48E6-A1B1-00A628170ED2}" type="datetimeFigureOut">
               <a:rPr lang="de-DE" smtClean="0"/>
-              <a:t>23.05.23</a:t>
+              <a:t>24.05.23</a:t>
             </a:fld>
             <a:endParaRPr lang="de-DE"/>
           </a:p>
@@ -2078,7 +2078,7 @@
           <a:p>
             <a:fld id="{17468778-AD1E-48E6-A1B1-00A628170ED2}" type="datetimeFigureOut">
               <a:rPr lang="de-DE" smtClean="0"/>
-              <a:t>23.05.23</a:t>
+              <a:t>24.05.23</a:t>
             </a:fld>
             <a:endParaRPr lang="de-DE"/>
           </a:p>
@@ -2389,7 +2389,7 @@
           <a:p>
             <a:fld id="{17468778-AD1E-48E6-A1B1-00A628170ED2}" type="datetimeFigureOut">
               <a:rPr lang="de-DE" smtClean="0"/>
-              <a:t>23.05.23</a:t>
+              <a:t>24.05.23</a:t>
             </a:fld>
             <a:endParaRPr lang="de-DE"/>
           </a:p>
@@ -2677,7 +2677,7 @@
           <a:p>
             <a:fld id="{17468778-AD1E-48E6-A1B1-00A628170ED2}" type="datetimeFigureOut">
               <a:rPr lang="de-DE" smtClean="0"/>
-              <a:t>23.05.23</a:t>
+              <a:t>24.05.23</a:t>
             </a:fld>
             <a:endParaRPr lang="de-DE"/>
           </a:p>
@@ -2918,7 +2918,7 @@
           <a:p>
             <a:fld id="{17468778-AD1E-48E6-A1B1-00A628170ED2}" type="datetimeFigureOut">
               <a:rPr lang="de-DE" smtClean="0"/>
-              <a:t>23.05.23</a:t>
+              <a:t>24.05.23</a:t>
             </a:fld>
             <a:endParaRPr lang="de-DE"/>
           </a:p>
